--- a/presentation/sicherheits_final_anV2.pptx
+++ b/presentation/sicherheits_final_anV2.pptx
@@ -5,10 +5,10 @@
     <p:sldMasterId id="2147483678" r:id="rId3"/>
   </p:sldMasterIdLst>
   <p:notesMasterIdLst>
-    <p:notesMasterId r:id="rId31"/>
+    <p:notesMasterId r:id="rId27"/>
   </p:notesMasterIdLst>
   <p:handoutMasterIdLst>
-    <p:handoutMasterId r:id="rId32"/>
+    <p:handoutMasterId r:id="rId28"/>
   </p:handoutMasterIdLst>
   <p:sldIdLst>
     <p:sldId id="256" r:id="rId4"/>
@@ -23,21 +23,17 @@
     <p:sldId id="290" r:id="rId13"/>
     <p:sldId id="291" r:id="rId14"/>
     <p:sldId id="296" r:id="rId15"/>
-    <p:sldId id="327" r:id="rId16"/>
-    <p:sldId id="320" r:id="rId17"/>
-    <p:sldId id="321" r:id="rId18"/>
-    <p:sldId id="322" r:id="rId19"/>
-    <p:sldId id="323" r:id="rId20"/>
-    <p:sldId id="319" r:id="rId21"/>
-    <p:sldId id="326" r:id="rId22"/>
-    <p:sldId id="324" r:id="rId23"/>
-    <p:sldId id="311" r:id="rId24"/>
-    <p:sldId id="312" r:id="rId25"/>
-    <p:sldId id="328" r:id="rId26"/>
-    <p:sldId id="313" r:id="rId27"/>
-    <p:sldId id="318" r:id="rId28"/>
-    <p:sldId id="317" r:id="rId29"/>
-    <p:sldId id="325" r:id="rId30"/>
+    <p:sldId id="320" r:id="rId16"/>
+    <p:sldId id="321" r:id="rId17"/>
+    <p:sldId id="322" r:id="rId18"/>
+    <p:sldId id="323" r:id="rId19"/>
+    <p:sldId id="319" r:id="rId20"/>
+    <p:sldId id="324" r:id="rId21"/>
+    <p:sldId id="329" r:id="rId22"/>
+    <p:sldId id="312" r:id="rId23"/>
+    <p:sldId id="328" r:id="rId24"/>
+    <p:sldId id="311" r:id="rId25"/>
+    <p:sldId id="325" r:id="rId26"/>
   </p:sldIdLst>
   <p:sldSz cx="9144000" cy="6858000" type="screen4x3"/>
   <p:notesSz cx="9942513" cy="6761163"/>
@@ -302,7 +298,7 @@
             <a:fld id="{5BB45A7C-CD8D-4615-9E21-7904701129AE}" type="datetimeFigureOut">
               <a:rPr lang="de-DE"/>
               <a:pPr/>
-              <a:t>02.02.2018</a:t>
+              <a:t>03.02.2018</a:t>
             </a:fld>
             <a:endParaRPr lang="de-DE"/>
           </a:p>
@@ -1150,7 +1146,7 @@
               <a:pPr>
                 <a:defRPr/>
               </a:pPr>
-              <a:t>14</a:t>
+              <a:t>13</a:t>
             </a:fld>
             <a:endParaRPr lang="de-DE"/>
           </a:p>
@@ -1594,7 +1590,7 @@
               <a:pPr>
                 <a:defRPr/>
               </a:pPr>
-              <a:t>15</a:t>
+              <a:t>14</a:t>
             </a:fld>
             <a:endParaRPr lang="de-DE"/>
           </a:p>
@@ -1800,7 +1796,7 @@
               <a:pPr>
                 <a:defRPr/>
               </a:pPr>
-              <a:t>17</a:t>
+              <a:t>16</a:t>
             </a:fld>
             <a:endParaRPr lang="de-DE"/>
           </a:p>
@@ -1872,7 +1868,7 @@
                 <a:ea typeface="+mn-ea"/>
                 <a:cs typeface="+mn-cs"/>
               </a:rPr>
-              <a:t>In our example of Figure 2, this would be node d0, g1, a1. The assumption being</a:t>
+              <a:t>Out of the highlighted nodes in the lattice, Samarati24 proposes that the node with the lowest lattice height should be selected as the optimal solution. In our example of Figure</a:t>
             </a:r>
           </a:p>
           <a:p>
@@ -1885,40 +1881,7 @@
                 <a:ea typeface="+mn-ea"/>
                 <a:cs typeface="+mn-cs"/>
               </a:rPr>
-              <a:t>made is that this solution balances the extent </a:t>
-            </a:r>
-            <a:r>
-              <a:rPr lang="de-DE" sz="1200" b="0" i="0" u="none" strike="noStrike" kern="1200" baseline="0" dirty="0" err="1">
-                <a:solidFill>
-                  <a:schemeClr val="tx1"/>
-                </a:solidFill>
-                <a:latin typeface="Arial" charset="0"/>
-                <a:ea typeface="+mn-ea"/>
-                <a:cs typeface="+mn-cs"/>
-              </a:rPr>
-              <a:t>generalization</a:t>
-            </a:r>
-            <a:r>
-              <a:rPr lang="de-DE" sz="1200" b="0" i="0" u="none" strike="noStrike" kern="1200" baseline="0" dirty="0">
-                <a:solidFill>
-                  <a:schemeClr val="tx1"/>
-                </a:solidFill>
-                <a:latin typeface="Arial" charset="0"/>
-                <a:ea typeface="+mn-ea"/>
-                <a:cs typeface="+mn-cs"/>
-              </a:rPr>
-              <a:t> </a:t>
-            </a:r>
-            <a:r>
-              <a:rPr lang="en-US" sz="1200" b="0" i="0" u="none" strike="noStrike" kern="1200" baseline="0" dirty="0">
-                <a:solidFill>
-                  <a:schemeClr val="tx1"/>
-                </a:solidFill>
-                <a:latin typeface="Arial" charset="0"/>
-                <a:ea typeface="+mn-ea"/>
-                <a:cs typeface="+mn-cs"/>
-              </a:rPr>
-              <a:t>with the extent of suppression.</a:t>
+              <a:t>2, this would be node d0, g1, a1. The assumption being made is that this solution balances the extent of generalization with the extent of suppression</a:t>
             </a:r>
           </a:p>
           <a:p>
@@ -1941,8 +1904,18 @@
                 <a:ea typeface="+mn-ea"/>
                 <a:cs typeface="+mn-cs"/>
               </a:rPr>
-              <a:t>The lattice height is not considered a good information loss</a:t>
-            </a:r>
+              <a:t>The lattice height is not considered a good information loss metric because it does not account for the generalization hierarchy depths of the quasi-identifiers. For example, if we generalize “Male” to “Person” then this is given equal weight to generalizing age in years to age in five year intervals.</a:t>
+            </a:r>
+          </a:p>
+          <a:p>
+            <a:endParaRPr lang="en-US" sz="1200" b="0" i="0" u="none" strike="noStrike" kern="1200" baseline="0" dirty="0">
+              <a:solidFill>
+                <a:schemeClr val="tx1"/>
+              </a:solidFill>
+              <a:latin typeface="Arial" charset="0"/>
+              <a:ea typeface="+mn-ea"/>
+              <a:cs typeface="+mn-cs"/>
+            </a:endParaRPr>
           </a:p>
           <a:p>
             <a:r>
@@ -1954,10 +1927,19 @@
                 <a:ea typeface="+mn-ea"/>
                 <a:cs typeface="+mn-cs"/>
               </a:rPr>
-              <a:t>metric because it does not account for the generalization</a:t>
-            </a:r>
-          </a:p>
-          <a:p>
+              <a:t>An information loss metric that takes into account the height of the generalization hierarchy is Precision or </a:t>
+            </a:r>
+            <a:r>
+              <a:rPr lang="en-US" sz="1200" b="0" i="1" u="none" strike="noStrike" kern="1200" baseline="0" dirty="0">
+                <a:solidFill>
+                  <a:schemeClr val="tx1"/>
+                </a:solidFill>
+                <a:latin typeface="Arial" charset="0"/>
+                <a:ea typeface="+mn-ea"/>
+                <a:cs typeface="+mn-cs"/>
+              </a:rPr>
+              <a:t>Prec</a:t>
+            </a:r>
             <a:r>
               <a:rPr lang="en-US" sz="1200" b="0" i="0" u="none" strike="noStrike" kern="1200" baseline="0" dirty="0">
                 <a:solidFill>
@@ -1967,10 +1949,30 @@
                 <a:ea typeface="+mn-ea"/>
                 <a:cs typeface="+mn-cs"/>
               </a:rPr>
-              <a:t>hierarchy depths of the quasi-identifiers. For example, if we</a:t>
-            </a:r>
-          </a:p>
-          <a:p>
+              <a:t>. The </a:t>
+            </a:r>
+            <a:r>
+              <a:rPr lang="en-US" sz="1200" b="0" i="1" u="none" strike="noStrike" kern="1200" baseline="0" dirty="0" err="1">
+                <a:solidFill>
+                  <a:schemeClr val="tx1"/>
+                </a:solidFill>
+                <a:latin typeface="Arial" charset="0"/>
+                <a:ea typeface="+mn-ea"/>
+                <a:cs typeface="+mn-cs"/>
+              </a:rPr>
+              <a:t>Prec</a:t>
+            </a:r>
+            <a:r>
+              <a:rPr lang="en-US" sz="1200" b="0" i="1" u="none" strike="noStrike" kern="1200" baseline="0" dirty="0">
+                <a:solidFill>
+                  <a:schemeClr val="tx1"/>
+                </a:solidFill>
+                <a:latin typeface="Arial" charset="0"/>
+                <a:ea typeface="+mn-ea"/>
+                <a:cs typeface="+mn-cs"/>
+              </a:rPr>
+              <a:t> </a:t>
+            </a:r>
             <a:r>
               <a:rPr lang="en-US" sz="1200" b="0" i="0" u="none" strike="noStrike" kern="1200" baseline="0" dirty="0">
                 <a:solidFill>
@@ -1980,7 +1982,7 @@
                 <a:ea typeface="+mn-ea"/>
                 <a:cs typeface="+mn-cs"/>
               </a:rPr>
-              <a:t>generalize “Male” to “Person” then this is given equal weight</a:t>
+              <a:t>was</a:t>
             </a:r>
           </a:p>
           <a:p>
@@ -1993,7 +1995,53 @@
                 <a:ea typeface="+mn-ea"/>
                 <a:cs typeface="+mn-cs"/>
               </a:rPr>
-              <a:t>to generalizing age in years to age in five year intervals.</a:t>
+              <a:t>introduced by Sweeney46,47 as an information loss metric that is suitable for hierarchical data. For every variable, the ratio </a:t>
+            </a:r>
+            <a:r>
+              <a:rPr lang="en-US" sz="1200" b="0" i="0" u="none" strike="noStrike" kern="1200" baseline="0" dirty="0" err="1">
+                <a:solidFill>
+                  <a:schemeClr val="tx1"/>
+                </a:solidFill>
+                <a:latin typeface="Arial" charset="0"/>
+                <a:ea typeface="+mn-ea"/>
+                <a:cs typeface="+mn-cs"/>
+              </a:rPr>
+              <a:t>ofthe</a:t>
+            </a:r>
+            <a:r>
+              <a:rPr lang="en-US" sz="1200" b="0" i="0" u="none" strike="noStrike" kern="1200" baseline="0" dirty="0">
+                <a:solidFill>
+                  <a:schemeClr val="tx1"/>
+                </a:solidFill>
+                <a:latin typeface="Arial" charset="0"/>
+                <a:ea typeface="+mn-ea"/>
+                <a:cs typeface="+mn-cs"/>
+              </a:rPr>
+              <a:t> number of generalization steps applied to the total number</a:t>
+            </a:r>
+          </a:p>
+          <a:p>
+            <a:r>
+              <a:rPr lang="en-US" sz="1200" b="0" i="0" u="none" strike="noStrike" kern="1200" baseline="0" dirty="0">
+                <a:solidFill>
+                  <a:schemeClr val="tx1"/>
+                </a:solidFill>
+                <a:latin typeface="Arial" charset="0"/>
+                <a:ea typeface="+mn-ea"/>
+                <a:cs typeface="+mn-cs"/>
+              </a:rPr>
+              <a:t>of possible generalization steps (total height of the generalization hierarchy) gives the amount of information loss for that </a:t>
+            </a:r>
+            <a:r>
+              <a:rPr lang="de-DE" sz="1200" b="0" i="0" u="none" strike="noStrike" kern="1200" baseline="0" dirty="0" err="1">
+                <a:solidFill>
+                  <a:schemeClr val="tx1"/>
+                </a:solidFill>
+                <a:latin typeface="Arial" charset="0"/>
+                <a:ea typeface="+mn-ea"/>
+                <a:cs typeface="+mn-cs"/>
+              </a:rPr>
+              <a:t>particular</a:t>
             </a:r>
             <a:r>
               <a:rPr lang="de-DE" sz="1200" b="0" i="0" u="none" strike="noStrike" kern="1200" baseline="0" dirty="0">
@@ -2004,19 +2052,10 @@
                 <a:ea typeface="+mn-ea"/>
                 <a:cs typeface="+mn-cs"/>
               </a:rPr>
-              <a:t> In </a:t>
-            </a:r>
-            <a:r>
-              <a:rPr lang="de-DE" sz="1200" b="0" i="0" u="none" strike="noStrike" kern="1200" baseline="0" dirty="0" err="1">
-                <a:solidFill>
-                  <a:schemeClr val="tx1"/>
-                </a:solidFill>
-                <a:latin typeface="Arial" charset="0"/>
-                <a:ea typeface="+mn-ea"/>
-                <a:cs typeface="+mn-cs"/>
-              </a:rPr>
-              <a:t>the</a:t>
-            </a:r>
+              <a:t> variable.</a:t>
+            </a:r>
+          </a:p>
+          <a:p>
             <a:endParaRPr lang="de-DE" sz="1200" b="0" i="0" u="none" strike="noStrike" kern="1200" baseline="0" dirty="0">
               <a:solidFill>
                 <a:schemeClr val="tx1"/>
@@ -2036,10 +2075,30 @@
                 <a:ea typeface="+mn-ea"/>
                 <a:cs typeface="+mn-cs"/>
               </a:rPr>
-              <a:t>former case there is no information left in the gender variable,</a:t>
-            </a:r>
-          </a:p>
-          <a:p>
+              <a:t>For example, in Figure 1 if age is generalized from age in years to age in five year intervals, then the value is ¼. Overall </a:t>
+            </a:r>
+            <a:r>
+              <a:rPr lang="en-US" sz="1200" b="0" i="1" u="none" strike="noStrike" kern="1200" baseline="0" dirty="0" err="1">
+                <a:solidFill>
+                  <a:schemeClr val="tx1"/>
+                </a:solidFill>
+                <a:latin typeface="Arial" charset="0"/>
+                <a:ea typeface="+mn-ea"/>
+                <a:cs typeface="+mn-cs"/>
+              </a:rPr>
+              <a:t>Prec</a:t>
+            </a:r>
+            <a:r>
+              <a:rPr lang="en-US" sz="1200" b="0" i="1" u="none" strike="noStrike" kern="1200" baseline="0" dirty="0">
+                <a:solidFill>
+                  <a:schemeClr val="tx1"/>
+                </a:solidFill>
+                <a:latin typeface="Arial" charset="0"/>
+                <a:ea typeface="+mn-ea"/>
+                <a:cs typeface="+mn-cs"/>
+              </a:rPr>
+              <a:t> </a:t>
+            </a:r>
             <a:r>
               <a:rPr lang="en-US" sz="1200" b="0" i="0" u="none" strike="noStrike" kern="1200" baseline="0" dirty="0">
                 <a:solidFill>
@@ -2049,10 +2108,30 @@
                 <a:ea typeface="+mn-ea"/>
                 <a:cs typeface="+mn-cs"/>
               </a:rPr>
-              <a:t>whereas the five year age interval still conveys a considerable</a:t>
-            </a:r>
-          </a:p>
-          <a:p>
+              <a:t>information loss is the average of the </a:t>
+            </a:r>
+            <a:r>
+              <a:rPr lang="en-US" sz="1200" b="0" i="1" u="none" strike="noStrike" kern="1200" baseline="0" dirty="0" err="1">
+                <a:solidFill>
+                  <a:schemeClr val="tx1"/>
+                </a:solidFill>
+                <a:latin typeface="Arial" charset="0"/>
+                <a:ea typeface="+mn-ea"/>
+                <a:cs typeface="+mn-cs"/>
+              </a:rPr>
+              <a:t>Prec</a:t>
+            </a:r>
+            <a:r>
+              <a:rPr lang="en-US" sz="1200" b="0" i="1" u="none" strike="noStrike" kern="1200" baseline="0" dirty="0">
+                <a:solidFill>
+                  <a:schemeClr val="tx1"/>
+                </a:solidFill>
+                <a:latin typeface="Arial" charset="0"/>
+                <a:ea typeface="+mn-ea"/>
+                <a:cs typeface="+mn-cs"/>
+              </a:rPr>
+              <a:t> </a:t>
+            </a:r>
             <a:r>
               <a:rPr lang="en-US" sz="1200" b="0" i="0" u="none" strike="noStrike" kern="1200" baseline="0" dirty="0">
                 <a:solidFill>
@@ -2062,7 +2141,7 @@
                 <a:ea typeface="+mn-ea"/>
                 <a:cs typeface="+mn-cs"/>
               </a:rPr>
-              <a:t>amount of information and there are three more possible</a:t>
+              <a:t>values across all quasi-identifiers in the dataset. As a</a:t>
             </a:r>
           </a:p>
           <a:p>
@@ -2075,10 +2154,197 @@
                 <a:ea typeface="+mn-ea"/>
                 <a:cs typeface="+mn-cs"/>
               </a:rPr>
-              <a:t>generalizations left in the age hierarchy</a:t>
-            </a:r>
-          </a:p>
-          <a:p>
+              <a:t>consequence, the more a variable is generalized, the higher the information loss. Moreover, variables with more generalization steps (i.e., more levels in their generalization hierarchy) tend to have less information loss than ones with shorter hierarchies. Using </a:t>
+            </a:r>
+            <a:r>
+              <a:rPr lang="en-US" sz="1200" b="0" i="1" u="none" strike="noStrike" kern="1200" baseline="0" dirty="0" err="1">
+                <a:solidFill>
+                  <a:schemeClr val="tx1"/>
+                </a:solidFill>
+                <a:latin typeface="Arial" charset="0"/>
+                <a:ea typeface="+mn-ea"/>
+                <a:cs typeface="+mn-cs"/>
+              </a:rPr>
+              <a:t>Prec</a:t>
+            </a:r>
+            <a:r>
+              <a:rPr lang="en-US" sz="1200" b="0" i="1" u="none" strike="noStrike" kern="1200" baseline="0" dirty="0">
+                <a:solidFill>
+                  <a:schemeClr val="tx1"/>
+                </a:solidFill>
+                <a:latin typeface="Arial" charset="0"/>
+                <a:ea typeface="+mn-ea"/>
+                <a:cs typeface="+mn-cs"/>
+              </a:rPr>
+              <a:t> </a:t>
+            </a:r>
+            <a:r>
+              <a:rPr lang="en-US" sz="1200" b="0" i="0" u="none" strike="noStrike" kern="1200" baseline="0" dirty="0">
+                <a:solidFill>
+                  <a:schemeClr val="tx1"/>
+                </a:solidFill>
+                <a:latin typeface="Arial" charset="0"/>
+                <a:ea typeface="+mn-ea"/>
+                <a:cs typeface="+mn-cs"/>
+              </a:rPr>
+              <a:t>as the information loss metric, the noded2, g0, a1 would be the optimal node rather than node d0, g1, a1 in</a:t>
+            </a:r>
+          </a:p>
+          <a:p>
+            <a:r>
+              <a:rPr lang="en-US" sz="1200" b="0" i="0" u="none" strike="noStrike" kern="1200" baseline="0" dirty="0">
+                <a:solidFill>
+                  <a:schemeClr val="tx1"/>
+                </a:solidFill>
+                <a:latin typeface="Arial" charset="0"/>
+                <a:ea typeface="+mn-ea"/>
+                <a:cs typeface="+mn-cs"/>
+              </a:rPr>
+              <a:t>Figure 2: the former has a </a:t>
+            </a:r>
+            <a:r>
+              <a:rPr lang="en-US" sz="1200" b="0" i="1" u="none" strike="noStrike" kern="1200" baseline="0" dirty="0" err="1">
+                <a:solidFill>
+                  <a:schemeClr val="tx1"/>
+                </a:solidFill>
+                <a:latin typeface="Arial" charset="0"/>
+                <a:ea typeface="+mn-ea"/>
+                <a:cs typeface="+mn-cs"/>
+              </a:rPr>
+              <a:t>Prec</a:t>
+            </a:r>
+            <a:r>
+              <a:rPr lang="en-US" sz="1200" b="0" i="1" u="none" strike="noStrike" kern="1200" baseline="0" dirty="0">
+                <a:solidFill>
+                  <a:schemeClr val="tx1"/>
+                </a:solidFill>
+                <a:latin typeface="Arial" charset="0"/>
+                <a:ea typeface="+mn-ea"/>
+                <a:cs typeface="+mn-cs"/>
+              </a:rPr>
+              <a:t> </a:t>
+            </a:r>
+            <a:r>
+              <a:rPr lang="en-US" sz="1200" b="0" i="0" u="none" strike="noStrike" kern="1200" baseline="0" dirty="0">
+                <a:solidFill>
+                  <a:schemeClr val="tx1"/>
+                </a:solidFill>
+                <a:latin typeface="Arial" charset="0"/>
+                <a:ea typeface="+mn-ea"/>
+                <a:cs typeface="+mn-cs"/>
+              </a:rPr>
+              <a:t>of 0.417 and the latter a </a:t>
+            </a:r>
+            <a:r>
+              <a:rPr lang="en-US" sz="1200" b="0" i="1" u="none" strike="noStrike" kern="1200" baseline="0" dirty="0" err="1">
+                <a:solidFill>
+                  <a:schemeClr val="tx1"/>
+                </a:solidFill>
+                <a:latin typeface="Arial" charset="0"/>
+                <a:ea typeface="+mn-ea"/>
+                <a:cs typeface="+mn-cs"/>
+              </a:rPr>
+              <a:t>Prec</a:t>
+            </a:r>
+            <a:r>
+              <a:rPr lang="en-US" sz="1200" b="0" i="1" u="none" strike="noStrike" kern="1200" baseline="0" dirty="0">
+                <a:solidFill>
+                  <a:schemeClr val="tx1"/>
+                </a:solidFill>
+                <a:latin typeface="Arial" charset="0"/>
+                <a:ea typeface="+mn-ea"/>
+                <a:cs typeface="+mn-cs"/>
+              </a:rPr>
+              <a:t> </a:t>
+            </a:r>
+            <a:r>
+              <a:rPr lang="en-US" sz="1200" b="0" i="0" u="none" strike="noStrike" kern="1200" baseline="0" dirty="0">
+                <a:solidFill>
+                  <a:schemeClr val="tx1"/>
+                </a:solidFill>
+                <a:latin typeface="Arial" charset="0"/>
+                <a:ea typeface="+mn-ea"/>
+                <a:cs typeface="+mn-cs"/>
+              </a:rPr>
+              <a:t>of </a:t>
+            </a:r>
+            <a:r>
+              <a:rPr lang="de-DE" sz="1200" b="0" i="0" u="none" strike="noStrike" kern="1200" baseline="0" dirty="0">
+                <a:solidFill>
+                  <a:schemeClr val="tx1"/>
+                </a:solidFill>
+                <a:latin typeface="Arial" charset="0"/>
+                <a:ea typeface="+mn-ea"/>
+                <a:cs typeface="+mn-cs"/>
+              </a:rPr>
+              <a:t>0.466.</a:t>
+            </a:r>
+          </a:p>
+          <a:p>
+            <a:endParaRPr lang="de-DE" sz="1200" b="0" i="0" u="none" strike="noStrike" kern="1200" baseline="0" dirty="0">
+              <a:solidFill>
+                <a:schemeClr val="tx1"/>
+              </a:solidFill>
+              <a:latin typeface="Arial" charset="0"/>
+              <a:ea typeface="+mn-ea"/>
+              <a:cs typeface="+mn-cs"/>
+            </a:endParaRPr>
+          </a:p>
+          <a:p>
+            <a:endParaRPr lang="de-DE" sz="1200" b="0" i="0" u="none" strike="noStrike" kern="1200" baseline="0" dirty="0">
+              <a:solidFill>
+                <a:schemeClr val="tx1"/>
+              </a:solidFill>
+              <a:latin typeface="Arial" charset="0"/>
+              <a:ea typeface="+mn-ea"/>
+              <a:cs typeface="+mn-cs"/>
+            </a:endParaRPr>
+          </a:p>
+          <a:p>
+            <a:r>
+              <a:rPr lang="en-US" sz="1200" b="0" i="0" u="none" strike="noStrike" kern="1200" baseline="0" dirty="0">
+                <a:solidFill>
+                  <a:schemeClr val="tx1"/>
+                </a:solidFill>
+                <a:latin typeface="Arial" charset="0"/>
+                <a:ea typeface="+mn-ea"/>
+                <a:cs typeface="+mn-cs"/>
+              </a:rPr>
+              <a:t>Another commonly used information loss metric is the </a:t>
+            </a:r>
+            <a:r>
+              <a:rPr lang="en-US" sz="1200" b="0" i="0" u="none" strike="noStrike" kern="1200" baseline="0" dirty="0" err="1">
+                <a:solidFill>
+                  <a:schemeClr val="tx1"/>
+                </a:solidFill>
+                <a:latin typeface="Arial" charset="0"/>
+                <a:ea typeface="+mn-ea"/>
+                <a:cs typeface="+mn-cs"/>
+              </a:rPr>
+              <a:t>Discernability</a:t>
+            </a:r>
+            <a:r>
+              <a:rPr lang="en-US" sz="1200" b="0" i="0" u="none" strike="noStrike" kern="1200" baseline="0" dirty="0">
+                <a:solidFill>
+                  <a:schemeClr val="tx1"/>
+                </a:solidFill>
+                <a:latin typeface="Arial" charset="0"/>
+                <a:ea typeface="+mn-ea"/>
+                <a:cs typeface="+mn-cs"/>
+              </a:rPr>
+              <a:t> Metric or DM.27,39,48–54 The </a:t>
+            </a:r>
+            <a:r>
+              <a:rPr lang="en-US" sz="1200" b="0" i="0" u="none" strike="noStrike" kern="1200" baseline="0" dirty="0" err="1">
+                <a:solidFill>
+                  <a:schemeClr val="tx1"/>
+                </a:solidFill>
+                <a:latin typeface="Arial" charset="0"/>
+                <a:ea typeface="+mn-ea"/>
+                <a:cs typeface="+mn-cs"/>
+              </a:rPr>
+              <a:t>discernability</a:t>
+            </a:r>
             <a:endParaRPr lang="en-US" sz="1200" b="0" i="0" u="none" strike="noStrike" kern="1200" baseline="0" dirty="0">
               <a:solidFill>
                 <a:schemeClr val="tx1"/>
@@ -2098,7 +2364,7 @@
                 <a:ea typeface="+mn-ea"/>
                 <a:cs typeface="+mn-cs"/>
               </a:rPr>
-              <a:t>the number of generalization steps applied to the total number</a:t>
+              <a:t>metric assigns a penalty to every record that is proportional to the number of records that are indistinguishable from it.</a:t>
             </a:r>
           </a:p>
           <a:p>
@@ -2111,7 +2377,7 @@
                 <a:ea typeface="+mn-ea"/>
                 <a:cs typeface="+mn-cs"/>
               </a:rPr>
-              <a:t>of possible generalization steps (total height of the generalization</a:t>
+              <a:t>Following the same reasoning, DM assigns a penalty equal</a:t>
             </a:r>
           </a:p>
           <a:p>
@@ -2124,114 +2390,18 @@
                 <a:ea typeface="+mn-ea"/>
                 <a:cs typeface="+mn-cs"/>
               </a:rPr>
-              <a:t>hierarchy) gives the amount of information loss for that</a:t>
-            </a:r>
-          </a:p>
-          <a:p>
-            <a:r>
-              <a:rPr lang="en-US" sz="1200" b="0" i="0" u="none" strike="noStrike" kern="1200" baseline="0" dirty="0">
-                <a:solidFill>
-                  <a:schemeClr val="tx1"/>
-                </a:solidFill>
-                <a:latin typeface="Arial" charset="0"/>
-                <a:ea typeface="+mn-ea"/>
-                <a:cs typeface="+mn-cs"/>
-              </a:rPr>
-              <a:t>particular variable. For example, in Figure 1 if age is generalized</a:t>
-            </a:r>
-          </a:p>
-          <a:p>
-            <a:r>
-              <a:rPr lang="en-US" sz="1200" b="0" i="0" u="none" strike="noStrike" kern="1200" baseline="0" dirty="0">
-                <a:solidFill>
-                  <a:schemeClr val="tx1"/>
-                </a:solidFill>
-                <a:latin typeface="Arial" charset="0"/>
-                <a:ea typeface="+mn-ea"/>
-                <a:cs typeface="+mn-cs"/>
-              </a:rPr>
-              <a:t>from age in years to age in five year intervals, then the</a:t>
-            </a:r>
-          </a:p>
-          <a:p>
-            <a:r>
-              <a:rPr lang="en-US" sz="1200" b="0" i="0" u="none" strike="noStrike" kern="1200" baseline="0" dirty="0">
-                <a:solidFill>
-                  <a:schemeClr val="tx1"/>
-                </a:solidFill>
-                <a:latin typeface="Arial" charset="0"/>
-                <a:ea typeface="+mn-ea"/>
-                <a:cs typeface="+mn-cs"/>
-              </a:rPr>
-              <a:t>value is ¼. Overall </a:t>
-            </a:r>
-            <a:r>
-              <a:rPr lang="en-US" sz="1200" b="0" i="1" u="none" strike="noStrike" kern="1200" baseline="0" dirty="0" err="1">
-                <a:solidFill>
-                  <a:schemeClr val="tx1"/>
-                </a:solidFill>
-                <a:latin typeface="Arial" charset="0"/>
-                <a:ea typeface="+mn-ea"/>
-                <a:cs typeface="+mn-cs"/>
-              </a:rPr>
-              <a:t>Prec</a:t>
-            </a:r>
-            <a:r>
-              <a:rPr lang="en-US" sz="1200" b="0" i="1" u="none" strike="noStrike" kern="1200" baseline="0" dirty="0">
-                <a:solidFill>
-                  <a:schemeClr val="tx1"/>
-                </a:solidFill>
-                <a:latin typeface="Arial" charset="0"/>
-                <a:ea typeface="+mn-ea"/>
-                <a:cs typeface="+mn-cs"/>
-              </a:rPr>
-              <a:t> </a:t>
-            </a:r>
-            <a:r>
-              <a:rPr lang="en-US" sz="1200" b="0" i="0" u="none" strike="noStrike" kern="1200" baseline="0" dirty="0">
-                <a:solidFill>
-                  <a:schemeClr val="tx1"/>
-                </a:solidFill>
-                <a:latin typeface="Arial" charset="0"/>
-                <a:ea typeface="+mn-ea"/>
-                <a:cs typeface="+mn-cs"/>
-              </a:rPr>
-              <a:t>information loss is the average of the</a:t>
-            </a:r>
-          </a:p>
-          <a:p>
-            <a:r>
-              <a:rPr lang="en-US" sz="1200" b="0" i="1" u="none" strike="noStrike" kern="1200" baseline="0" dirty="0" err="1">
-                <a:solidFill>
-                  <a:schemeClr val="tx1"/>
-                </a:solidFill>
-                <a:latin typeface="Arial" charset="0"/>
-                <a:ea typeface="+mn-ea"/>
-                <a:cs typeface="+mn-cs"/>
-              </a:rPr>
-              <a:t>Prec</a:t>
-            </a:r>
-            <a:r>
-              <a:rPr lang="en-US" sz="1200" b="0" i="1" u="none" strike="noStrike" kern="1200" baseline="0" dirty="0">
-                <a:solidFill>
-                  <a:schemeClr val="tx1"/>
-                </a:solidFill>
-                <a:latin typeface="Arial" charset="0"/>
-                <a:ea typeface="+mn-ea"/>
-                <a:cs typeface="+mn-cs"/>
-              </a:rPr>
-              <a:t> </a:t>
-            </a:r>
-            <a:r>
-              <a:rPr lang="en-US" sz="1200" b="0" i="0" u="none" strike="noStrike" kern="1200" baseline="0" dirty="0">
-                <a:solidFill>
-                  <a:schemeClr val="tx1"/>
-                </a:solidFill>
-                <a:latin typeface="Arial" charset="0"/>
-                <a:ea typeface="+mn-ea"/>
-                <a:cs typeface="+mn-cs"/>
-              </a:rPr>
-              <a:t>values across all quasi-identifiers in the dataset.</a:t>
+              <a:t>to the whole dataset for every suppressed record (since suppressed records are indistinguishable from all other </a:t>
+            </a:r>
+            <a:r>
+              <a:rPr lang="de-DE" sz="1200" b="0" i="0" u="none" strike="noStrike" kern="1200" baseline="0" dirty="0" err="1">
+                <a:solidFill>
+                  <a:schemeClr val="tx1"/>
+                </a:solidFill>
+                <a:latin typeface="Arial" charset="0"/>
+                <a:ea typeface="+mn-ea"/>
+                <a:cs typeface="+mn-cs"/>
+              </a:rPr>
+              <a:t>records</a:t>
             </a:r>
             <a:r>
               <a:rPr lang="de-DE" sz="1200" b="0" i="0" u="none" strike="noStrike" kern="1200" baseline="0" dirty="0">
@@ -2242,66 +2412,7 @@
                 <a:ea typeface="+mn-ea"/>
                 <a:cs typeface="+mn-cs"/>
               </a:rPr>
-              <a:t> As a</a:t>
-            </a:r>
-          </a:p>
-          <a:p>
-            <a:r>
-              <a:rPr lang="en-US" sz="1200" b="0" i="0" u="none" strike="noStrike" kern="1200" baseline="0" dirty="0">
-                <a:solidFill>
-                  <a:schemeClr val="tx1"/>
-                </a:solidFill>
-                <a:latin typeface="Arial" charset="0"/>
-                <a:ea typeface="+mn-ea"/>
-                <a:cs typeface="+mn-cs"/>
-              </a:rPr>
-              <a:t>consequence, the more a variable is generalized, the higher the</a:t>
-            </a:r>
-          </a:p>
-          <a:p>
-            <a:r>
-              <a:rPr lang="de-DE" sz="1200" b="0" i="0" u="none" strike="noStrike" kern="1200" baseline="0" dirty="0" err="1">
-                <a:solidFill>
-                  <a:schemeClr val="tx1"/>
-                </a:solidFill>
-                <a:latin typeface="Arial" charset="0"/>
-                <a:ea typeface="+mn-ea"/>
-                <a:cs typeface="+mn-cs"/>
-              </a:rPr>
-              <a:t>information</a:t>
-            </a:r>
-            <a:r>
-              <a:rPr lang="de-DE" sz="1200" b="0" i="0" u="none" strike="noStrike" kern="1200" baseline="0" dirty="0">
-                <a:solidFill>
-                  <a:schemeClr val="tx1"/>
-                </a:solidFill>
-                <a:latin typeface="Arial" charset="0"/>
-                <a:ea typeface="+mn-ea"/>
-                <a:cs typeface="+mn-cs"/>
-              </a:rPr>
-              <a:t> </a:t>
-            </a:r>
-            <a:r>
-              <a:rPr lang="de-DE" sz="1200" b="0" i="0" u="none" strike="noStrike" kern="1200" baseline="0" dirty="0" err="1">
-                <a:solidFill>
-                  <a:schemeClr val="tx1"/>
-                </a:solidFill>
-                <a:latin typeface="Arial" charset="0"/>
-                <a:ea typeface="+mn-ea"/>
-                <a:cs typeface="+mn-cs"/>
-              </a:rPr>
-              <a:t>loss</a:t>
-            </a:r>
-            <a:r>
-              <a:rPr lang="de-DE" sz="1200" b="0" i="0" u="none" strike="noStrike" kern="1200" baseline="0" dirty="0">
-                <a:solidFill>
-                  <a:schemeClr val="tx1"/>
-                </a:solidFill>
-                <a:latin typeface="Arial" charset="0"/>
-                <a:ea typeface="+mn-ea"/>
-                <a:cs typeface="+mn-cs"/>
-              </a:rPr>
-              <a:t>.</a:t>
+              <a:t>).</a:t>
             </a:r>
           </a:p>
           <a:p>
@@ -2316,6 +2427,551 @@
           </a:p>
           <a:p>
             <a:r>
+              <a:rPr lang="en-US" sz="1200" b="0" i="0" u="none" strike="noStrike" kern="1200" baseline="0" dirty="0">
+                <a:solidFill>
+                  <a:schemeClr val="tx1"/>
+                </a:solidFill>
+                <a:latin typeface="Arial" charset="0"/>
+                <a:ea typeface="+mn-ea"/>
+                <a:cs typeface="+mn-cs"/>
+              </a:rPr>
+              <a:t>The </a:t>
+            </a:r>
+            <a:r>
+              <a:rPr lang="en-US" sz="1200" b="0" i="1" u="none" strike="noStrike" kern="1200" baseline="0" dirty="0">
+                <a:solidFill>
+                  <a:schemeClr val="tx1"/>
+                </a:solidFill>
+                <a:latin typeface="Arial" charset="0"/>
+                <a:ea typeface="+mn-ea"/>
+                <a:cs typeface="+mn-cs"/>
+              </a:rPr>
+              <a:t>DM</a:t>
+            </a:r>
+            <a:r>
+              <a:rPr lang="en-US" sz="1200" b="0" i="0" u="none" strike="noStrike" kern="1200" baseline="0" dirty="0">
+                <a:solidFill>
+                  <a:schemeClr val="tx1"/>
+                </a:solidFill>
+                <a:latin typeface="Arial" charset="0"/>
+                <a:ea typeface="+mn-ea"/>
+                <a:cs typeface="+mn-cs"/>
+              </a:rPr>
+              <a:t>* information loss also solves a weakness with the </a:t>
+            </a:r>
+            <a:r>
+              <a:rPr lang="en-US" sz="1200" b="0" i="1" u="none" strike="noStrike" kern="1200" baseline="0" dirty="0" err="1">
+                <a:solidFill>
+                  <a:schemeClr val="tx1"/>
+                </a:solidFill>
+                <a:latin typeface="Arial" charset="0"/>
+                <a:ea typeface="+mn-ea"/>
+                <a:cs typeface="+mn-cs"/>
+              </a:rPr>
+              <a:t>Prec</a:t>
+            </a:r>
+            <a:r>
+              <a:rPr lang="en-US" sz="1200" b="0" i="1" u="none" strike="noStrike" kern="1200" baseline="0" dirty="0">
+                <a:solidFill>
+                  <a:schemeClr val="tx1"/>
+                </a:solidFill>
+                <a:latin typeface="Arial" charset="0"/>
+                <a:ea typeface="+mn-ea"/>
+                <a:cs typeface="+mn-cs"/>
+              </a:rPr>
+              <a:t> </a:t>
+            </a:r>
+            <a:r>
+              <a:rPr lang="en-US" sz="1200" b="0" i="0" u="none" strike="noStrike" kern="1200" baseline="0" dirty="0">
+                <a:solidFill>
+                  <a:schemeClr val="tx1"/>
+                </a:solidFill>
+                <a:latin typeface="Arial" charset="0"/>
+                <a:ea typeface="+mn-ea"/>
+                <a:cs typeface="+mn-cs"/>
+              </a:rPr>
+              <a:t>metric in that </a:t>
+            </a:r>
+            <a:r>
+              <a:rPr lang="en-US" sz="1200" b="0" i="1" u="none" strike="noStrike" kern="1200" baseline="0" dirty="0" err="1">
+                <a:solidFill>
+                  <a:schemeClr val="tx1"/>
+                </a:solidFill>
+                <a:latin typeface="Arial" charset="0"/>
+                <a:ea typeface="+mn-ea"/>
+                <a:cs typeface="+mn-cs"/>
+              </a:rPr>
+              <a:t>Prec</a:t>
+            </a:r>
+            <a:r>
+              <a:rPr lang="en-US" sz="1200" b="0" i="1" u="none" strike="noStrike" kern="1200" baseline="0" dirty="0">
+                <a:solidFill>
+                  <a:schemeClr val="tx1"/>
+                </a:solidFill>
+                <a:latin typeface="Arial" charset="0"/>
+                <a:ea typeface="+mn-ea"/>
+                <a:cs typeface="+mn-cs"/>
+              </a:rPr>
+              <a:t> </a:t>
+            </a:r>
+            <a:r>
+              <a:rPr lang="en-US" sz="1200" b="0" i="0" u="none" strike="noStrike" kern="1200" baseline="0" dirty="0">
+                <a:solidFill>
+                  <a:schemeClr val="tx1"/>
+                </a:solidFill>
+                <a:latin typeface="Arial" charset="0"/>
+                <a:ea typeface="+mn-ea"/>
+                <a:cs typeface="+mn-cs"/>
+              </a:rPr>
+              <a:t>does not take into account the size</a:t>
+            </a:r>
+          </a:p>
+          <a:p>
+            <a:r>
+              <a:rPr lang="en-US" sz="1200" b="0" i="0" u="none" strike="noStrike" kern="1200" baseline="0" dirty="0">
+                <a:solidFill>
+                  <a:schemeClr val="tx1"/>
+                </a:solidFill>
+                <a:latin typeface="Arial" charset="0"/>
+                <a:ea typeface="+mn-ea"/>
+                <a:cs typeface="+mn-cs"/>
+              </a:rPr>
+              <a:t>of the equivalence classes. If we generalize gender to “Person” in Table a of Figure 3 to obtain Table c in Figure</a:t>
+            </a:r>
+          </a:p>
+          <a:p>
+            <a:r>
+              <a:rPr lang="en-US" sz="1200" b="0" i="0" u="none" strike="noStrike" kern="1200" baseline="0" dirty="0">
+                <a:solidFill>
+                  <a:schemeClr val="tx1"/>
+                </a:solidFill>
+                <a:latin typeface="Arial" charset="0"/>
+                <a:ea typeface="+mn-ea"/>
+                <a:cs typeface="+mn-cs"/>
+              </a:rPr>
+              <a:t>3, then the </a:t>
+            </a:r>
+            <a:r>
+              <a:rPr lang="en-US" sz="1200" b="0" i="1" u="none" strike="noStrike" kern="1200" baseline="0" dirty="0" err="1">
+                <a:solidFill>
+                  <a:schemeClr val="tx1"/>
+                </a:solidFill>
+                <a:latin typeface="Arial" charset="0"/>
+                <a:ea typeface="+mn-ea"/>
+                <a:cs typeface="+mn-cs"/>
+              </a:rPr>
+              <a:t>Prec</a:t>
+            </a:r>
+            <a:r>
+              <a:rPr lang="en-US" sz="1200" b="0" i="1" u="none" strike="noStrike" kern="1200" baseline="0" dirty="0">
+                <a:solidFill>
+                  <a:schemeClr val="tx1"/>
+                </a:solidFill>
+                <a:latin typeface="Arial" charset="0"/>
+                <a:ea typeface="+mn-ea"/>
+                <a:cs typeface="+mn-cs"/>
+              </a:rPr>
+              <a:t> </a:t>
+            </a:r>
+            <a:r>
+              <a:rPr lang="en-US" sz="1200" b="0" i="0" u="none" strike="noStrike" kern="1200" baseline="0" dirty="0">
+                <a:solidFill>
+                  <a:schemeClr val="tx1"/>
+                </a:solidFill>
+                <a:latin typeface="Arial" charset="0"/>
+                <a:ea typeface="+mn-ea"/>
+                <a:cs typeface="+mn-cs"/>
+              </a:rPr>
+              <a:t>for Table (c) would be 0.33 and </a:t>
+            </a:r>
+            <a:r>
+              <a:rPr lang="en-US" sz="1200" b="0" i="1" u="none" strike="noStrike" kern="1200" baseline="0" dirty="0">
+                <a:solidFill>
+                  <a:schemeClr val="tx1"/>
+                </a:solidFill>
+                <a:latin typeface="Arial" charset="0"/>
+                <a:ea typeface="+mn-ea"/>
+                <a:cs typeface="+mn-cs"/>
+              </a:rPr>
+              <a:t>DM</a:t>
+            </a:r>
+            <a:r>
+              <a:rPr lang="en-US" sz="1200" b="0" i="0" u="none" strike="noStrike" kern="1200" baseline="0" dirty="0">
+                <a:solidFill>
+                  <a:schemeClr val="tx1"/>
+                </a:solidFill>
+                <a:latin typeface="Arial" charset="0"/>
+                <a:ea typeface="+mn-ea"/>
+                <a:cs typeface="+mn-cs"/>
+              </a:rPr>
+              <a:t>* would be 16. However, Table b in Figure 3 has a </a:t>
+            </a:r>
+            <a:r>
+              <a:rPr lang="en-US" sz="1200" b="0" i="1" u="none" strike="noStrike" kern="1200" baseline="0" dirty="0" err="1">
+                <a:solidFill>
+                  <a:schemeClr val="tx1"/>
+                </a:solidFill>
+                <a:latin typeface="Arial" charset="0"/>
+                <a:ea typeface="+mn-ea"/>
+                <a:cs typeface="+mn-cs"/>
+              </a:rPr>
+              <a:t>Prec</a:t>
+            </a:r>
+            <a:r>
+              <a:rPr lang="en-US" sz="1200" b="0" i="1" u="none" strike="noStrike" kern="1200" baseline="0" dirty="0">
+                <a:solidFill>
+                  <a:schemeClr val="tx1"/>
+                </a:solidFill>
+                <a:latin typeface="Arial" charset="0"/>
+                <a:ea typeface="+mn-ea"/>
+                <a:cs typeface="+mn-cs"/>
+              </a:rPr>
+              <a:t> </a:t>
+            </a:r>
+            <a:r>
+              <a:rPr lang="en-US" sz="1200" b="0" i="0" u="none" strike="noStrike" kern="1200" baseline="0" dirty="0">
+                <a:solidFill>
+                  <a:schemeClr val="tx1"/>
+                </a:solidFill>
+                <a:latin typeface="Arial" charset="0"/>
+                <a:ea typeface="+mn-ea"/>
+                <a:cs typeface="+mn-cs"/>
+              </a:rPr>
+              <a:t>of 0.0833 and a </a:t>
+            </a:r>
+            <a:r>
+              <a:rPr lang="en-US" sz="1200" b="0" i="1" u="none" strike="noStrike" kern="1200" baseline="0" dirty="0">
+                <a:solidFill>
+                  <a:schemeClr val="tx1"/>
+                </a:solidFill>
+                <a:latin typeface="Arial" charset="0"/>
+                <a:ea typeface="+mn-ea"/>
+                <a:cs typeface="+mn-cs"/>
+              </a:rPr>
+              <a:t>DM</a:t>
+            </a:r>
+            <a:r>
+              <a:rPr lang="en-US" sz="1200" b="0" i="0" u="none" strike="noStrike" kern="1200" baseline="0" dirty="0">
+                <a:solidFill>
+                  <a:schemeClr val="tx1"/>
+                </a:solidFill>
+                <a:latin typeface="Arial" charset="0"/>
+                <a:ea typeface="+mn-ea"/>
+                <a:cs typeface="+mn-cs"/>
+              </a:rPr>
+              <a:t>* of 28. As can be seen in this case, the</a:t>
+            </a:r>
+          </a:p>
+          <a:p>
+            <a:r>
+              <a:rPr lang="en-US" sz="1200" b="0" i="0" u="none" strike="noStrike" kern="1200" baseline="0" dirty="0">
+                <a:solidFill>
+                  <a:schemeClr val="tx1"/>
+                </a:solidFill>
+                <a:latin typeface="Arial" charset="0"/>
+                <a:ea typeface="+mn-ea"/>
+                <a:cs typeface="+mn-cs"/>
+              </a:rPr>
+              <a:t>higher </a:t>
+            </a:r>
+            <a:r>
+              <a:rPr lang="en-US" sz="1200" b="0" i="1" u="none" strike="noStrike" kern="1200" baseline="0" dirty="0" err="1">
+                <a:solidFill>
+                  <a:schemeClr val="tx1"/>
+                </a:solidFill>
+                <a:latin typeface="Arial" charset="0"/>
+                <a:ea typeface="+mn-ea"/>
+                <a:cs typeface="+mn-cs"/>
+              </a:rPr>
+              <a:t>Prec</a:t>
+            </a:r>
+            <a:r>
+              <a:rPr lang="en-US" sz="1200" b="0" i="1" u="none" strike="noStrike" kern="1200" baseline="0" dirty="0">
+                <a:solidFill>
+                  <a:schemeClr val="tx1"/>
+                </a:solidFill>
+                <a:latin typeface="Arial" charset="0"/>
+                <a:ea typeface="+mn-ea"/>
+                <a:cs typeface="+mn-cs"/>
+              </a:rPr>
+              <a:t> </a:t>
+            </a:r>
+            <a:r>
+              <a:rPr lang="en-US" sz="1200" b="0" i="0" u="none" strike="noStrike" kern="1200" baseline="0" dirty="0">
+                <a:solidFill>
+                  <a:schemeClr val="tx1"/>
+                </a:solidFill>
+                <a:latin typeface="Arial" charset="0"/>
+                <a:ea typeface="+mn-ea"/>
+                <a:cs typeface="+mn-cs"/>
+              </a:rPr>
+              <a:t>value had a lower </a:t>
+            </a:r>
+            <a:r>
+              <a:rPr lang="en-US" sz="1200" b="0" i="1" u="none" strike="noStrike" kern="1200" baseline="0" dirty="0">
+                <a:solidFill>
+                  <a:schemeClr val="tx1"/>
+                </a:solidFill>
+                <a:latin typeface="Arial" charset="0"/>
+                <a:ea typeface="+mn-ea"/>
+                <a:cs typeface="+mn-cs"/>
+              </a:rPr>
+              <a:t>DM</a:t>
+            </a:r>
+            <a:r>
+              <a:rPr lang="en-US" sz="1200" b="0" i="0" u="none" strike="noStrike" kern="1200" baseline="0" dirty="0">
+                <a:solidFill>
+                  <a:schemeClr val="tx1"/>
+                </a:solidFill>
+                <a:latin typeface="Arial" charset="0"/>
+                <a:ea typeface="+mn-ea"/>
+                <a:cs typeface="+mn-cs"/>
+              </a:rPr>
+              <a:t>* value. The reason is that there are more equivalence classes in (b) than in (c),</a:t>
+            </a:r>
+          </a:p>
+          <a:p>
+            <a:r>
+              <a:rPr lang="en-US" sz="1200" b="0" i="0" u="none" strike="noStrike" kern="1200" baseline="0" dirty="0">
+                <a:solidFill>
+                  <a:schemeClr val="tx1"/>
+                </a:solidFill>
+                <a:latin typeface="Arial" charset="0"/>
+                <a:ea typeface="+mn-ea"/>
+                <a:cs typeface="+mn-cs"/>
+              </a:rPr>
+              <a:t>and one of the equivalence classes is larger; the </a:t>
+            </a:r>
+            <a:r>
+              <a:rPr lang="en-US" sz="1200" b="0" i="1" u="none" strike="noStrike" kern="1200" baseline="0" dirty="0" err="1">
+                <a:solidFill>
+                  <a:schemeClr val="tx1"/>
+                </a:solidFill>
+                <a:latin typeface="Arial" charset="0"/>
+                <a:ea typeface="+mn-ea"/>
+                <a:cs typeface="+mn-cs"/>
+              </a:rPr>
+              <a:t>Prec</a:t>
+            </a:r>
+            <a:r>
+              <a:rPr lang="en-US" sz="1200" b="0" i="1" u="none" strike="noStrike" kern="1200" baseline="0" dirty="0">
+                <a:solidFill>
+                  <a:schemeClr val="tx1"/>
+                </a:solidFill>
+                <a:latin typeface="Arial" charset="0"/>
+                <a:ea typeface="+mn-ea"/>
+                <a:cs typeface="+mn-cs"/>
+              </a:rPr>
+              <a:t> </a:t>
+            </a:r>
+            <a:r>
+              <a:rPr lang="en-US" sz="1200" b="0" i="0" u="none" strike="noStrike" kern="1200" baseline="0" dirty="0">
+                <a:solidFill>
+                  <a:schemeClr val="tx1"/>
+                </a:solidFill>
+                <a:latin typeface="Arial" charset="0"/>
+                <a:ea typeface="+mn-ea"/>
+                <a:cs typeface="+mn-cs"/>
+              </a:rPr>
+              <a:t>metric does not consider the structure of the data itself.</a:t>
+            </a:r>
+          </a:p>
+          <a:p>
+            <a:endParaRPr lang="en-US" sz="1200" b="0" i="0" u="none" strike="noStrike" kern="1200" baseline="0" dirty="0">
+              <a:solidFill>
+                <a:schemeClr val="tx1"/>
+              </a:solidFill>
+              <a:latin typeface="Arial" charset="0"/>
+              <a:ea typeface="+mn-ea"/>
+              <a:cs typeface="+mn-cs"/>
+            </a:endParaRPr>
+          </a:p>
+          <a:p>
+            <a:endParaRPr lang="en-US" sz="1200" b="0" i="0" u="none" strike="noStrike" kern="1200" baseline="0" dirty="0">
+              <a:solidFill>
+                <a:schemeClr val="tx1"/>
+              </a:solidFill>
+              <a:latin typeface="Arial" charset="0"/>
+              <a:ea typeface="+mn-ea"/>
+              <a:cs typeface="+mn-cs"/>
+            </a:endParaRPr>
+          </a:p>
+          <a:p>
+            <a:endParaRPr lang="en-US" sz="1200" b="0" i="0" u="none" strike="noStrike" kern="1200" baseline="0" dirty="0">
+              <a:solidFill>
+                <a:schemeClr val="tx1"/>
+              </a:solidFill>
+              <a:latin typeface="Arial" charset="0"/>
+              <a:ea typeface="+mn-ea"/>
+              <a:cs typeface="+mn-cs"/>
+            </a:endParaRPr>
+          </a:p>
+          <a:p>
+            <a:endParaRPr lang="en-US" sz="1200" b="0" i="0" u="none" strike="noStrike" kern="1200" baseline="0" dirty="0">
+              <a:solidFill>
+                <a:schemeClr val="tx1"/>
+              </a:solidFill>
+              <a:latin typeface="Arial" charset="0"/>
+              <a:ea typeface="+mn-ea"/>
+              <a:cs typeface="+mn-cs"/>
+            </a:endParaRPr>
+          </a:p>
+          <a:p>
+            <a:endParaRPr lang="en-US" sz="1200" b="0" i="0" u="none" strike="noStrike" kern="1200" baseline="0" dirty="0">
+              <a:solidFill>
+                <a:schemeClr val="tx1"/>
+              </a:solidFill>
+              <a:latin typeface="Arial" charset="0"/>
+              <a:ea typeface="+mn-ea"/>
+              <a:cs typeface="+mn-cs"/>
+            </a:endParaRPr>
+          </a:p>
+          <a:p>
+            <a:r>
+              <a:rPr lang="en-US" sz="1200" b="0" i="0" u="none" strike="noStrike" kern="1200" baseline="0" dirty="0">
+                <a:solidFill>
+                  <a:schemeClr val="tx1"/>
+                </a:solidFill>
+                <a:latin typeface="Arial" charset="0"/>
+                <a:ea typeface="+mn-ea"/>
+                <a:cs typeface="+mn-cs"/>
+              </a:rPr>
+              <a:t>the number of generalization steps applied to the total number</a:t>
+            </a:r>
+          </a:p>
+          <a:p>
+            <a:r>
+              <a:rPr lang="en-US" sz="1200" b="0" i="0" u="none" strike="noStrike" kern="1200" baseline="0" dirty="0">
+                <a:solidFill>
+                  <a:schemeClr val="tx1"/>
+                </a:solidFill>
+                <a:latin typeface="Arial" charset="0"/>
+                <a:ea typeface="+mn-ea"/>
+                <a:cs typeface="+mn-cs"/>
+              </a:rPr>
+              <a:t>of possible generalization steps (total height of the generalization</a:t>
+            </a:r>
+          </a:p>
+          <a:p>
+            <a:r>
+              <a:rPr lang="en-US" sz="1200" b="0" i="0" u="none" strike="noStrike" kern="1200" baseline="0" dirty="0">
+                <a:solidFill>
+                  <a:schemeClr val="tx1"/>
+                </a:solidFill>
+                <a:latin typeface="Arial" charset="0"/>
+                <a:ea typeface="+mn-ea"/>
+                <a:cs typeface="+mn-cs"/>
+              </a:rPr>
+              <a:t>hierarchy) gives the amount of information loss for that</a:t>
+            </a:r>
+          </a:p>
+          <a:p>
+            <a:r>
+              <a:rPr lang="en-US" sz="1200" b="0" i="0" u="none" strike="noStrike" kern="1200" baseline="0" dirty="0">
+                <a:solidFill>
+                  <a:schemeClr val="tx1"/>
+                </a:solidFill>
+                <a:latin typeface="Arial" charset="0"/>
+                <a:ea typeface="+mn-ea"/>
+                <a:cs typeface="+mn-cs"/>
+              </a:rPr>
+              <a:t>particular variable. For example, in Figure 1 if age is generalized</a:t>
+            </a:r>
+          </a:p>
+          <a:p>
+            <a:r>
+              <a:rPr lang="en-US" sz="1200" b="0" i="0" u="none" strike="noStrike" kern="1200" baseline="0" dirty="0">
+                <a:solidFill>
+                  <a:schemeClr val="tx1"/>
+                </a:solidFill>
+                <a:latin typeface="Arial" charset="0"/>
+                <a:ea typeface="+mn-ea"/>
+                <a:cs typeface="+mn-cs"/>
+              </a:rPr>
+              <a:t>from age in years to age in five year intervals, then the</a:t>
+            </a:r>
+          </a:p>
+          <a:p>
+            <a:r>
+              <a:rPr lang="en-US" sz="1200" b="0" i="0" u="none" strike="noStrike" kern="1200" baseline="0" dirty="0">
+                <a:solidFill>
+                  <a:schemeClr val="tx1"/>
+                </a:solidFill>
+                <a:latin typeface="Arial" charset="0"/>
+                <a:ea typeface="+mn-ea"/>
+                <a:cs typeface="+mn-cs"/>
+              </a:rPr>
+              <a:t>value is ¼. Overall </a:t>
+            </a:r>
+            <a:r>
+              <a:rPr lang="en-US" sz="1200" b="0" i="1" u="none" strike="noStrike" kern="1200" baseline="0" dirty="0" err="1">
+                <a:solidFill>
+                  <a:schemeClr val="tx1"/>
+                </a:solidFill>
+                <a:latin typeface="Arial" charset="0"/>
+                <a:ea typeface="+mn-ea"/>
+                <a:cs typeface="+mn-cs"/>
+              </a:rPr>
+              <a:t>Prec</a:t>
+            </a:r>
+            <a:r>
+              <a:rPr lang="en-US" sz="1200" b="0" i="1" u="none" strike="noStrike" kern="1200" baseline="0" dirty="0">
+                <a:solidFill>
+                  <a:schemeClr val="tx1"/>
+                </a:solidFill>
+                <a:latin typeface="Arial" charset="0"/>
+                <a:ea typeface="+mn-ea"/>
+                <a:cs typeface="+mn-cs"/>
+              </a:rPr>
+              <a:t> </a:t>
+            </a:r>
+            <a:r>
+              <a:rPr lang="en-US" sz="1200" b="0" i="0" u="none" strike="noStrike" kern="1200" baseline="0" dirty="0">
+                <a:solidFill>
+                  <a:schemeClr val="tx1"/>
+                </a:solidFill>
+                <a:latin typeface="Arial" charset="0"/>
+                <a:ea typeface="+mn-ea"/>
+                <a:cs typeface="+mn-cs"/>
+              </a:rPr>
+              <a:t>information loss is the average of the</a:t>
+            </a:r>
+          </a:p>
+          <a:p>
+            <a:r>
+              <a:rPr lang="en-US" sz="1200" b="0" i="1" u="none" strike="noStrike" kern="1200" baseline="0" dirty="0" err="1">
+                <a:solidFill>
+                  <a:schemeClr val="tx1"/>
+                </a:solidFill>
+                <a:latin typeface="Arial" charset="0"/>
+                <a:ea typeface="+mn-ea"/>
+                <a:cs typeface="+mn-cs"/>
+              </a:rPr>
+              <a:t>Prec</a:t>
+            </a:r>
+            <a:r>
+              <a:rPr lang="en-US" sz="1200" b="0" i="1" u="none" strike="noStrike" kern="1200" baseline="0" dirty="0">
+                <a:solidFill>
+                  <a:schemeClr val="tx1"/>
+                </a:solidFill>
+                <a:latin typeface="Arial" charset="0"/>
+                <a:ea typeface="+mn-ea"/>
+                <a:cs typeface="+mn-cs"/>
+              </a:rPr>
+              <a:t> </a:t>
+            </a:r>
+            <a:r>
+              <a:rPr lang="en-US" sz="1200" b="0" i="0" u="none" strike="noStrike" kern="1200" baseline="0" dirty="0">
+                <a:solidFill>
+                  <a:schemeClr val="tx1"/>
+                </a:solidFill>
+                <a:latin typeface="Arial" charset="0"/>
+                <a:ea typeface="+mn-ea"/>
+                <a:cs typeface="+mn-cs"/>
+              </a:rPr>
+              <a:t>values across all quasi-identifiers in the dataset.</a:t>
+            </a:r>
+            <a:r>
               <a:rPr lang="de-DE" sz="1200" b="0" i="0" u="none" strike="noStrike" kern="1200" baseline="0" dirty="0">
                 <a:solidFill>
                   <a:schemeClr val="tx1"/>
@@ -2324,8 +2980,23 @@
                 <a:ea typeface="+mn-ea"/>
                 <a:cs typeface="+mn-cs"/>
               </a:rPr>
-              <a:t>The </a:t>
-            </a:r>
+              <a:t> As a</a:t>
+            </a:r>
+          </a:p>
+          <a:p>
+            <a:r>
+              <a:rPr lang="en-US" sz="1200" b="0" i="0" u="none" strike="noStrike" kern="1200" baseline="0" dirty="0">
+                <a:solidFill>
+                  <a:schemeClr val="tx1"/>
+                </a:solidFill>
+                <a:latin typeface="Arial" charset="0"/>
+                <a:ea typeface="+mn-ea"/>
+                <a:cs typeface="+mn-cs"/>
+              </a:rPr>
+              <a:t>consequence, the more a variable is generalized, the higher the</a:t>
+            </a:r>
+          </a:p>
+          <a:p>
             <a:r>
               <a:rPr lang="de-DE" sz="1200" b="0" i="0" u="none" strike="noStrike" kern="1200" baseline="0" dirty="0" err="1">
                 <a:solidFill>
@@ -2335,8 +3006,43 @@
                 <a:ea typeface="+mn-ea"/>
                 <a:cs typeface="+mn-cs"/>
               </a:rPr>
-              <a:t>discernability</a:t>
-            </a:r>
+              <a:t>information</a:t>
+            </a:r>
+            <a:r>
+              <a:rPr lang="de-DE" sz="1200" b="0" i="0" u="none" strike="noStrike" kern="1200" baseline="0" dirty="0">
+                <a:solidFill>
+                  <a:schemeClr val="tx1"/>
+                </a:solidFill>
+                <a:latin typeface="Arial" charset="0"/>
+                <a:ea typeface="+mn-ea"/>
+                <a:cs typeface="+mn-cs"/>
+              </a:rPr>
+              <a:t> </a:t>
+            </a:r>
+            <a:r>
+              <a:rPr lang="de-DE" sz="1200" b="0" i="0" u="none" strike="noStrike" kern="1200" baseline="0" dirty="0" err="1">
+                <a:solidFill>
+                  <a:schemeClr val="tx1"/>
+                </a:solidFill>
+                <a:latin typeface="Arial" charset="0"/>
+                <a:ea typeface="+mn-ea"/>
+                <a:cs typeface="+mn-cs"/>
+              </a:rPr>
+              <a:t>loss</a:t>
+            </a:r>
+            <a:r>
+              <a:rPr lang="de-DE" sz="1200" b="0" i="0" u="none" strike="noStrike" kern="1200" baseline="0" dirty="0">
+                <a:solidFill>
+                  <a:schemeClr val="tx1"/>
+                </a:solidFill>
+                <a:latin typeface="Arial" charset="0"/>
+                <a:ea typeface="+mn-ea"/>
+                <a:cs typeface="+mn-cs"/>
+              </a:rPr>
+              <a:t>.</a:t>
+            </a:r>
+          </a:p>
+          <a:p>
             <a:endParaRPr lang="de-DE" sz="1200" b="0" i="0" u="none" strike="noStrike" kern="1200" baseline="0" dirty="0">
               <a:solidFill>
                 <a:schemeClr val="tx1"/>
@@ -2348,6 +3054,38 @@
           </a:p>
           <a:p>
             <a:r>
+              <a:rPr lang="de-DE" sz="1200" b="0" i="0" u="none" strike="noStrike" kern="1200" baseline="0" dirty="0">
+                <a:solidFill>
+                  <a:schemeClr val="tx1"/>
+                </a:solidFill>
+                <a:latin typeface="Arial" charset="0"/>
+                <a:ea typeface="+mn-ea"/>
+                <a:cs typeface="+mn-cs"/>
+              </a:rPr>
+              <a:t>The </a:t>
+            </a:r>
+            <a:r>
+              <a:rPr lang="de-DE" sz="1200" b="0" i="0" u="none" strike="noStrike" kern="1200" baseline="0" dirty="0" err="1">
+                <a:solidFill>
+                  <a:schemeClr val="tx1"/>
+                </a:solidFill>
+                <a:latin typeface="Arial" charset="0"/>
+                <a:ea typeface="+mn-ea"/>
+                <a:cs typeface="+mn-cs"/>
+              </a:rPr>
+              <a:t>discernability</a:t>
+            </a:r>
+            <a:endParaRPr lang="de-DE" sz="1200" b="0" i="0" u="none" strike="noStrike" kern="1200" baseline="0" dirty="0">
+              <a:solidFill>
+                <a:schemeClr val="tx1"/>
+              </a:solidFill>
+              <a:latin typeface="Arial" charset="0"/>
+              <a:ea typeface="+mn-ea"/>
+              <a:cs typeface="+mn-cs"/>
+            </a:endParaRPr>
+          </a:p>
+          <a:p>
+            <a:r>
               <a:rPr lang="en-US" sz="1200" b="0" i="0" u="none" strike="noStrike" kern="1200" baseline="0" dirty="0">
                 <a:solidFill>
                   <a:schemeClr val="tx1"/>
@@ -2450,7 +3188,7 @@
               <a:pPr>
                 <a:defRPr/>
               </a:pPr>
-              <a:t>18</a:t>
+              <a:t>17</a:t>
             </a:fld>
             <a:endParaRPr lang="de-DE"/>
           </a:p>
@@ -2700,7 +3438,7 @@
               <a:pPr>
                 <a:defRPr/>
               </a:pPr>
-              <a:t>20</a:t>
+              <a:t>18</a:t>
             </a:fld>
             <a:endParaRPr lang="de-DE"/>
           </a:p>
@@ -2764,6 +3502,56 @@
           <a:lstStyle/>
           <a:p>
             <a:r>
+              <a:rPr lang="en-US" sz="1200" b="0" i="1" u="none" strike="noStrike" kern="1200" baseline="0" dirty="0">
+                <a:solidFill>
+                  <a:schemeClr val="tx1"/>
+                </a:solidFill>
+                <a:latin typeface="Arial" charset="0"/>
+                <a:ea typeface="+mn-ea"/>
+                <a:cs typeface="+mn-cs"/>
+              </a:rPr>
+              <a:t>The cloaking algorithm is run by</a:t>
+            </a:r>
+          </a:p>
+          <a:p>
+            <a:r>
+              <a:rPr lang="en-US" sz="1200" b="0" i="1" u="none" strike="noStrike" kern="1200" baseline="0" dirty="0">
+                <a:solidFill>
+                  <a:schemeClr val="tx1"/>
+                </a:solidFill>
+                <a:latin typeface="Arial" charset="0"/>
+                <a:ea typeface="+mn-ea"/>
+                <a:cs typeface="+mn-cs"/>
+              </a:rPr>
+              <a:t>the location protection broker on a trusted server,</a:t>
+            </a:r>
+          </a:p>
+          <a:p>
+            <a:r>
+              <a:rPr lang="en-US" sz="1200" b="0" i="1" u="none" strike="noStrike" kern="1200" baseline="0" dirty="0">
+                <a:solidFill>
+                  <a:schemeClr val="tx1"/>
+                </a:solidFill>
+                <a:latin typeface="Arial" charset="0"/>
+                <a:ea typeface="+mn-ea"/>
+                <a:cs typeface="+mn-cs"/>
+              </a:rPr>
+              <a:t>which anonymizes messages from the mobile nodes</a:t>
+            </a:r>
+          </a:p>
+          <a:p>
+            <a:r>
+              <a:rPr lang="en-US" sz="1200" b="0" i="1" u="none" strike="noStrike" kern="1200" baseline="0" dirty="0">
+                <a:solidFill>
+                  <a:schemeClr val="tx1"/>
+                </a:solidFill>
+                <a:latin typeface="Arial" charset="0"/>
+                <a:ea typeface="+mn-ea"/>
+                <a:cs typeface="+mn-cs"/>
+              </a:rPr>
+              <a:t>by </a:t>
+            </a:r>
+            <a:r>
               <a:rPr lang="en-US" sz="1200" b="0" i="0" u="none" strike="noStrike" kern="1200" baseline="0" dirty="0">
                 <a:solidFill>
                   <a:schemeClr val="tx1"/>
@@ -2772,20 +3560,7 @@
                 <a:ea typeface="+mn-ea"/>
                 <a:cs typeface="+mn-cs"/>
               </a:rPr>
-              <a:t>Transaction data is usually high-dimensional. For example, Amazon.com has several</a:t>
-            </a:r>
-          </a:p>
-          <a:p>
-            <a:r>
-              <a:rPr lang="en-US" sz="1200" b="0" i="0" u="none" strike="noStrike" kern="1200" baseline="0" dirty="0">
-                <a:solidFill>
-                  <a:schemeClr val="tx1"/>
-                </a:solidFill>
-                <a:latin typeface="Arial" charset="0"/>
-                <a:ea typeface="+mn-ea"/>
-                <a:cs typeface="+mn-cs"/>
-              </a:rPr>
-              <a:t>million catalog items. Each dimension could be a potential </a:t>
+              <a:t>cloaking </a:t>
             </a:r>
             <a:r>
               <a:rPr lang="en-US" sz="1200" b="0" i="1" u="none" strike="noStrike" kern="1200" baseline="0" dirty="0">
@@ -2796,45 +3571,10 @@
                 <a:ea typeface="+mn-ea"/>
                 <a:cs typeface="+mn-cs"/>
               </a:rPr>
-              <a:t>QID </a:t>
-            </a:r>
-            <a:r>
-              <a:rPr lang="en-US" sz="1200" b="0" i="0" u="none" strike="noStrike" kern="1200" baseline="0" dirty="0">
-                <a:solidFill>
-                  <a:schemeClr val="tx1"/>
-                </a:solidFill>
-                <a:latin typeface="Arial" charset="0"/>
-                <a:ea typeface="+mn-ea"/>
-                <a:cs typeface="+mn-cs"/>
-              </a:rPr>
-              <a:t>attribute used</a:t>
-            </a:r>
-          </a:p>
-          <a:p>
-            <a:r>
-              <a:rPr lang="en-US" sz="1200" b="0" i="0" u="none" strike="noStrike" kern="1200" baseline="0" dirty="0">
-                <a:solidFill>
-                  <a:schemeClr val="tx1"/>
-                </a:solidFill>
-                <a:latin typeface="Arial" charset="0"/>
-                <a:ea typeface="+mn-ea"/>
-                <a:cs typeface="+mn-cs"/>
-              </a:rPr>
-              <a:t>for record or attribute linkages; therefore, employing traditional privacy models, such</a:t>
-            </a:r>
-          </a:p>
-          <a:p>
-            <a:r>
-              <a:rPr lang="en-US" sz="1200" b="0" i="0" u="none" strike="noStrike" kern="1200" baseline="0" dirty="0">
-                <a:solidFill>
-                  <a:schemeClr val="tx1"/>
-                </a:solidFill>
-                <a:latin typeface="Arial" charset="0"/>
-                <a:ea typeface="+mn-ea"/>
-                <a:cs typeface="+mn-cs"/>
-              </a:rPr>
-              <a:t>as </a:t>
-            </a:r>
+              <a:t>the location information contained in</a:t>
+            </a:r>
+          </a:p>
+          <a:p>
             <a:r>
               <a:rPr lang="en-US" sz="1200" b="0" i="1" u="none" strike="noStrike" kern="1200" baseline="0" dirty="0">
                 <a:solidFill>
@@ -2844,19 +3584,10 @@
                 <a:ea typeface="+mn-ea"/>
                 <a:cs typeface="+mn-cs"/>
               </a:rPr>
-              <a:t>k</a:t>
-            </a:r>
-            <a:r>
-              <a:rPr lang="en-US" sz="1200" b="0" i="0" u="none" strike="noStrike" kern="1200" baseline="0" dirty="0">
-                <a:solidFill>
-                  <a:schemeClr val="tx1"/>
-                </a:solidFill>
-                <a:latin typeface="Arial" charset="0"/>
-                <a:ea typeface="+mn-ea"/>
-                <a:cs typeface="+mn-cs"/>
-              </a:rPr>
-              <a:t>-anonymity, would require including all dimensions into a single </a:t>
-            </a:r>
+              <a:t>the messages to reduce or avoid privacy threats before</a:t>
+            </a:r>
+          </a:p>
+          <a:p>
             <a:r>
               <a:rPr lang="en-US" sz="1200" b="0" i="1" u="none" strike="noStrike" kern="1200" baseline="0" dirty="0">
                 <a:solidFill>
@@ -2866,22 +3597,11 @@
                 <a:ea typeface="+mn-ea"/>
                 <a:cs typeface="+mn-cs"/>
               </a:rPr>
-              <a:t>QID</a:t>
-            </a:r>
-            <a:r>
-              <a:rPr lang="en-US" sz="1200" b="0" i="0" u="none" strike="noStrike" kern="1200" baseline="0" dirty="0">
-                <a:solidFill>
-                  <a:schemeClr val="tx1"/>
-                </a:solidFill>
-                <a:latin typeface="Arial" charset="0"/>
-                <a:ea typeface="+mn-ea"/>
-                <a:cs typeface="+mn-cs"/>
-              </a:rPr>
-              <a:t>.</a:t>
-            </a:r>
-          </a:p>
-          <a:p>
-            <a:endParaRPr lang="en-US" sz="1200" b="0" i="0" u="none" strike="noStrike" kern="1200" baseline="0" dirty="0">
+              <a:t>forwarding them to the LBS provider(s).</a:t>
+            </a:r>
+          </a:p>
+          <a:p>
+            <a:endParaRPr lang="en-US" sz="1200" b="0" i="1" u="none" strike="noStrike" kern="1200" baseline="0" dirty="0">
               <a:solidFill>
                 <a:schemeClr val="tx1"/>
               </a:solidFill>
@@ -2892,6 +3612,201 @@
           </a:p>
           <a:p>
             <a:r>
+              <a:rPr lang="en-US" dirty="0"/>
+              <a:t>Restricted Space Identiﬁcation. If A knows that space L exclusively belongs to subject S then A learns that S is in L and S has sent M. For example, when the owner of a suburban house sends a message from his garage or driveway, the coordinates can be </a:t>
+            </a:r>
+            <a:r>
+              <a:rPr lang="en-US" dirty="0" err="1"/>
+              <a:t>correlatedwith</a:t>
+            </a:r>
+            <a:r>
+              <a:rPr lang="en-US" dirty="0"/>
+              <a:t> a </a:t>
+            </a:r>
+            <a:r>
+              <a:rPr lang="en-US" dirty="0" err="1"/>
+              <a:t>databaseof</a:t>
+            </a:r>
+            <a:r>
+              <a:rPr lang="en-US" dirty="0"/>
+              <a:t> </a:t>
+            </a:r>
+            <a:r>
+              <a:rPr lang="en-US" dirty="0" err="1"/>
+              <a:t>geocodedpostal</a:t>
+            </a:r>
+            <a:r>
+              <a:rPr lang="en-US" dirty="0"/>
+              <a:t> addresses (e.g., [30]) to identify the residence. An address lookup in phone or property listings then reveals the owner and likely originator of the </a:t>
+            </a:r>
+            <a:r>
+              <a:rPr lang="en-US" dirty="0" err="1"/>
+              <a:t>messag</a:t>
+            </a:r>
+            <a:endParaRPr lang="en-US" dirty="0"/>
+          </a:p>
+          <a:p>
+            <a:endParaRPr lang="en-US" dirty="0"/>
+          </a:p>
+          <a:p>
+            <a:r>
+              <a:rPr lang="en-US" dirty="0"/>
+              <a:t>Observation Identiﬁcation. If A has observed the current location L of subject S and ﬁnds a message M from L then A learns that S has sent M. For example, the subject has revealed its identity and location in a previous message and then wants to send an anonymous message. The later message can be linked to the previous one through the location information.</a:t>
+            </a:r>
+          </a:p>
+          <a:p>
+            <a:endParaRPr lang="en-US" dirty="0"/>
+          </a:p>
+          <a:p>
+            <a:r>
+              <a:rPr lang="en-US" sz="1200" b="0" i="0" u="none" strike="noStrike" kern="1200" baseline="0" dirty="0">
+                <a:solidFill>
+                  <a:schemeClr val="tx1"/>
+                </a:solidFill>
+                <a:latin typeface="Arial" charset="0"/>
+                <a:ea typeface="+mn-ea"/>
+                <a:cs typeface="+mn-cs"/>
+              </a:rPr>
+              <a:t>First, a given degree of location anonymity</a:t>
+            </a:r>
+          </a:p>
+          <a:p>
+            <a:r>
+              <a:rPr lang="en-US" sz="1200" b="0" i="0" u="none" strike="noStrike" kern="1200" baseline="0" dirty="0">
+                <a:solidFill>
+                  <a:schemeClr val="tx1"/>
+                </a:solidFill>
+                <a:latin typeface="Arial" charset="0"/>
+                <a:ea typeface="+mn-ea"/>
+                <a:cs typeface="+mn-cs"/>
+              </a:rPr>
+              <a:t>can be maintained, regardless of population density, by decreasing</a:t>
+            </a:r>
+          </a:p>
+          <a:p>
+            <a:r>
+              <a:rPr lang="en-US" sz="1200" b="0" i="0" u="none" strike="noStrike" kern="1200" baseline="0" dirty="0">
+                <a:solidFill>
+                  <a:schemeClr val="tx1"/>
+                </a:solidFill>
+                <a:latin typeface="Arial" charset="0"/>
+                <a:ea typeface="+mn-ea"/>
+                <a:cs typeface="+mn-cs"/>
+              </a:rPr>
+              <a:t>the location accuracy through enlarging the revealed</a:t>
+            </a:r>
+          </a:p>
+          <a:p>
+            <a:r>
+              <a:rPr lang="en-US" sz="1200" b="0" i="0" u="none" strike="noStrike" kern="1200" baseline="0" dirty="0">
+                <a:solidFill>
+                  <a:schemeClr val="tx1"/>
+                </a:solidFill>
+                <a:latin typeface="Arial" charset="0"/>
+                <a:ea typeface="+mn-ea"/>
+                <a:cs typeface="+mn-cs"/>
+              </a:rPr>
+              <a:t>spatial area, such that there are other </a:t>
+            </a:r>
+            <a:r>
+              <a:rPr lang="en-US" sz="1200" b="0" i="1" u="none" strike="noStrike" kern="1200" baseline="0" dirty="0">
+                <a:solidFill>
+                  <a:schemeClr val="tx1"/>
+                </a:solidFill>
+                <a:latin typeface="Arial" charset="0"/>
+                <a:ea typeface="+mn-ea"/>
+                <a:cs typeface="+mn-cs"/>
+              </a:rPr>
+              <a:t>k−</a:t>
+            </a:r>
+            <a:r>
+              <a:rPr lang="en-US" sz="1200" b="0" i="0" u="none" strike="noStrike" kern="1200" baseline="0" dirty="0">
+                <a:solidFill>
+                  <a:schemeClr val="tx1"/>
+                </a:solidFill>
+                <a:latin typeface="Arial" charset="0"/>
+                <a:ea typeface="+mn-ea"/>
+                <a:cs typeface="+mn-cs"/>
+              </a:rPr>
+              <a:t>1 mobile nodes present</a:t>
+            </a:r>
+          </a:p>
+          <a:p>
+            <a:r>
+              <a:rPr lang="en-US" sz="1200" b="0" i="0" u="none" strike="noStrike" kern="1200" baseline="0" dirty="0">
+                <a:solidFill>
+                  <a:schemeClr val="tx1"/>
+                </a:solidFill>
+                <a:latin typeface="Arial" charset="0"/>
+                <a:ea typeface="+mn-ea"/>
+                <a:cs typeface="+mn-cs"/>
+              </a:rPr>
+              <a:t>in the same spatial area. This approach is called spatial cloaking.</a:t>
+            </a:r>
+          </a:p>
+          <a:p>
+            <a:r>
+              <a:rPr lang="en-US" sz="1200" b="0" i="0" u="none" strike="noStrike" kern="1200" baseline="0" dirty="0">
+                <a:solidFill>
+                  <a:schemeClr val="tx1"/>
+                </a:solidFill>
+                <a:latin typeface="Arial" charset="0"/>
+                <a:ea typeface="+mn-ea"/>
+                <a:cs typeface="+mn-cs"/>
+              </a:rPr>
+              <a:t>Second, one can achieve the location anonymity by delaying</a:t>
+            </a:r>
+          </a:p>
+          <a:p>
+            <a:r>
+              <a:rPr lang="en-US" sz="1200" b="0" i="0" u="none" strike="noStrike" kern="1200" baseline="0" dirty="0">
+                <a:solidFill>
+                  <a:schemeClr val="tx1"/>
+                </a:solidFill>
+                <a:latin typeface="Arial" charset="0"/>
+                <a:ea typeface="+mn-ea"/>
+                <a:cs typeface="+mn-cs"/>
+              </a:rPr>
+              <a:t>the message until </a:t>
+            </a:r>
+            <a:r>
+              <a:rPr lang="en-US" sz="1200" b="0" i="1" u="none" strike="noStrike" kern="1200" baseline="0" dirty="0">
+                <a:solidFill>
+                  <a:schemeClr val="tx1"/>
+                </a:solidFill>
+                <a:latin typeface="Arial" charset="0"/>
+                <a:ea typeface="+mn-ea"/>
+                <a:cs typeface="+mn-cs"/>
+              </a:rPr>
+              <a:t>k </a:t>
+            </a:r>
+            <a:r>
+              <a:rPr lang="en-US" sz="1200" b="0" i="0" u="none" strike="noStrike" kern="1200" baseline="0" dirty="0">
+                <a:solidFill>
+                  <a:schemeClr val="tx1"/>
+                </a:solidFill>
+                <a:latin typeface="Arial" charset="0"/>
+                <a:ea typeface="+mn-ea"/>
+                <a:cs typeface="+mn-cs"/>
+              </a:rPr>
+              <a:t>mobile nodes have visited the same</a:t>
+            </a:r>
+          </a:p>
+          <a:p>
+            <a:r>
+              <a:rPr lang="en-US" sz="1200" b="0" i="0" u="none" strike="noStrike" kern="1200" baseline="0" dirty="0">
+                <a:solidFill>
+                  <a:schemeClr val="tx1"/>
+                </a:solidFill>
+                <a:latin typeface="Arial" charset="0"/>
+                <a:ea typeface="+mn-ea"/>
+                <a:cs typeface="+mn-cs"/>
+              </a:rPr>
+              <a:t>area located by the message sender. This approach is called</a:t>
+            </a:r>
+          </a:p>
+          <a:p>
+            <a:r>
               <a:rPr lang="de-DE" sz="1200" b="0" i="0" u="none" strike="noStrike" kern="1200" baseline="0" dirty="0">
                 <a:solidFill>
                   <a:schemeClr val="tx1"/>
@@ -2900,163 +3815,29 @@
                 <a:ea typeface="+mn-ea"/>
                 <a:cs typeface="+mn-cs"/>
               </a:rPr>
-              <a:t>Due to the</a:t>
-            </a:r>
-          </a:p>
-          <a:p>
-            <a:r>
-              <a:rPr lang="en-US" sz="1200" b="0" i="0" u="none" strike="noStrike" kern="1200" baseline="0" dirty="0">
-                <a:solidFill>
-                  <a:schemeClr val="tx1"/>
-                </a:solidFill>
-                <a:latin typeface="Arial" charset="0"/>
-                <a:ea typeface="+mn-ea"/>
-                <a:cs typeface="+mn-cs"/>
-              </a:rPr>
-              <a:t>curse of high-dimensionality [Aggarwal 2005], it is very likely that lots of data has to</a:t>
-            </a:r>
-          </a:p>
-          <a:p>
-            <a:r>
-              <a:rPr lang="en-US" sz="1200" b="0" i="0" u="none" strike="noStrike" kern="1200" baseline="0" dirty="0">
-                <a:solidFill>
-                  <a:schemeClr val="tx1"/>
-                </a:solidFill>
-                <a:latin typeface="Arial" charset="0"/>
-                <a:ea typeface="+mn-ea"/>
-                <a:cs typeface="+mn-cs"/>
-              </a:rPr>
-              <a:t>be suppressed or generalized to the top-most values in order to satisfy </a:t>
-            </a:r>
-            <a:r>
-              <a:rPr lang="en-US" sz="1200" b="0" i="1" u="none" strike="noStrike" kern="1200" baseline="0" dirty="0">
-                <a:solidFill>
-                  <a:schemeClr val="tx1"/>
-                </a:solidFill>
-                <a:latin typeface="Arial" charset="0"/>
-                <a:ea typeface="+mn-ea"/>
-                <a:cs typeface="+mn-cs"/>
-              </a:rPr>
-              <a:t>k</a:t>
-            </a:r>
-            <a:r>
-              <a:rPr lang="en-US" sz="1200" b="0" i="0" u="none" strike="noStrike" kern="1200" baseline="0" dirty="0">
-                <a:solidFill>
-                  <a:schemeClr val="tx1"/>
-                </a:solidFill>
-                <a:latin typeface="Arial" charset="0"/>
-                <a:ea typeface="+mn-ea"/>
-                <a:cs typeface="+mn-cs"/>
-              </a:rPr>
-              <a:t>-anonymity,</a:t>
-            </a:r>
-          </a:p>
-          <a:p>
-            <a:r>
-              <a:rPr lang="en-US" sz="1200" b="0" i="0" u="none" strike="noStrike" kern="1200" baseline="0" dirty="0">
-                <a:solidFill>
-                  <a:schemeClr val="tx1"/>
-                </a:solidFill>
-                <a:latin typeface="Arial" charset="0"/>
-                <a:ea typeface="+mn-ea"/>
-                <a:cs typeface="+mn-cs"/>
-              </a:rPr>
-              <a:t>even if </a:t>
-            </a:r>
-            <a:r>
-              <a:rPr lang="en-US" sz="1200" b="0" i="1" u="none" strike="noStrike" kern="1200" baseline="0" dirty="0">
-                <a:solidFill>
-                  <a:schemeClr val="tx1"/>
-                </a:solidFill>
-                <a:latin typeface="Arial" charset="0"/>
-                <a:ea typeface="+mn-ea"/>
-                <a:cs typeface="+mn-cs"/>
-              </a:rPr>
-              <a:t>k </a:t>
-            </a:r>
-            <a:r>
-              <a:rPr lang="en-US" sz="1200" b="0" i="0" u="none" strike="noStrike" kern="1200" baseline="0" dirty="0">
-                <a:solidFill>
-                  <a:schemeClr val="tx1"/>
-                </a:solidFill>
-                <a:latin typeface="Arial" charset="0"/>
-                <a:ea typeface="+mn-ea"/>
-                <a:cs typeface="+mn-cs"/>
-              </a:rPr>
-              <a:t>is small. Obviously, such anonymous data is useless for data analysis.</a:t>
-            </a:r>
-          </a:p>
-          <a:p>
-            <a:endParaRPr lang="en-US" sz="1200" b="0" i="0" u="none" strike="noStrike" kern="1200" baseline="0" dirty="0">
-              <a:solidFill>
-                <a:schemeClr val="tx1"/>
-              </a:solidFill>
-              <a:latin typeface="Arial" charset="0"/>
-              <a:ea typeface="+mn-ea"/>
-              <a:cs typeface="+mn-cs"/>
-            </a:endParaRPr>
-          </a:p>
-          <a:p>
-            <a:r>
-              <a:rPr lang="en-US" sz="1200" b="0" i="0" u="none" strike="noStrike" kern="1200" baseline="0" dirty="0">
-                <a:solidFill>
-                  <a:schemeClr val="tx1"/>
-                </a:solidFill>
-                <a:latin typeface="Arial" charset="0"/>
-                <a:ea typeface="+mn-ea"/>
-                <a:cs typeface="+mn-cs"/>
-              </a:rPr>
-              <a:t>In any real-life privacy attack, it is unlikely that the attacker would know </a:t>
-            </a:r>
-            <a:r>
-              <a:rPr lang="en-US" sz="1200" b="0" i="1" u="none" strike="noStrike" kern="1200" baseline="0" dirty="0">
-                <a:solidFill>
-                  <a:schemeClr val="tx1"/>
-                </a:solidFill>
-                <a:latin typeface="Arial" charset="0"/>
-                <a:ea typeface="+mn-ea"/>
-                <a:cs typeface="+mn-cs"/>
-              </a:rPr>
-              <a:t>all</a:t>
-            </a:r>
-          </a:p>
-          <a:p>
-            <a:r>
-              <a:rPr lang="en-US" sz="1200" b="0" i="0" u="none" strike="noStrike" kern="1200" baseline="0" dirty="0">
-                <a:solidFill>
-                  <a:schemeClr val="tx1"/>
-                </a:solidFill>
-                <a:latin typeface="Arial" charset="0"/>
-                <a:ea typeface="+mn-ea"/>
-                <a:cs typeface="+mn-cs"/>
-              </a:rPr>
-              <a:t>quasi-identifying attributes of a target victim due to the effort it would take to gather</a:t>
-            </a:r>
-          </a:p>
-          <a:p>
-            <a:r>
-              <a:rPr lang="en-US" sz="1200" b="0" i="0" u="none" strike="noStrike" kern="1200" baseline="0" dirty="0">
-                <a:solidFill>
-                  <a:schemeClr val="tx1"/>
-                </a:solidFill>
-                <a:latin typeface="Arial" charset="0"/>
-                <a:ea typeface="+mn-ea"/>
-                <a:cs typeface="+mn-cs"/>
-              </a:rPr>
-              <a:t>every piece of background knowledge. Thus, it is reasonable to bound the attacker’s</a:t>
-            </a:r>
-          </a:p>
-          <a:p>
-            <a:r>
-              <a:rPr lang="en-US" sz="1200" b="0" i="0" u="none" strike="noStrike" kern="1200" baseline="0" dirty="0">
-                <a:solidFill>
-                  <a:schemeClr val="tx1"/>
-                </a:solidFill>
-                <a:latin typeface="Arial" charset="0"/>
-                <a:ea typeface="+mn-ea"/>
-                <a:cs typeface="+mn-cs"/>
-              </a:rPr>
-              <a:t>background knowledge in the privacy model.</a:t>
+              <a:t>temporal </a:t>
+            </a:r>
+            <a:r>
+              <a:rPr lang="de-DE" sz="1200" b="0" i="0" u="none" strike="noStrike" kern="1200" baseline="0" dirty="0" err="1">
+                <a:solidFill>
+                  <a:schemeClr val="tx1"/>
+                </a:solidFill>
+                <a:latin typeface="Arial" charset="0"/>
+                <a:ea typeface="+mn-ea"/>
+                <a:cs typeface="+mn-cs"/>
+              </a:rPr>
+              <a:t>cloaking</a:t>
+            </a:r>
+            <a:r>
+              <a:rPr lang="de-DE" sz="1200" b="0" i="0" u="none" strike="noStrike" kern="1200" baseline="0" dirty="0">
+                <a:solidFill>
+                  <a:schemeClr val="tx1"/>
+                </a:solidFill>
+                <a:latin typeface="Arial" charset="0"/>
+                <a:ea typeface="+mn-ea"/>
+                <a:cs typeface="+mn-cs"/>
+              </a:rPr>
+              <a:t>.</a:t>
             </a:r>
             <a:endParaRPr lang="de-DE" dirty="0"/>
           </a:p>
@@ -3085,16 +3866,16 @@
               <a:pPr>
                 <a:defRPr/>
               </a:pPr>
-              <a:t>21</a:t>
+              <a:t>20</a:t>
             </a:fld>
-            <a:endParaRPr lang="de-DE" dirty="0"/>
+            <a:endParaRPr lang="de-DE"/>
           </a:p>
         </p:txBody>
       </p:sp>
     </p:spTree>
     <p:extLst>
       <p:ext uri="{BB962C8B-B14F-4D97-AF65-F5344CB8AC3E}">
-        <p14:creationId xmlns:p14="http://schemas.microsoft.com/office/powerpoint/2010/main" val="1656114160"/>
+        <p14:creationId xmlns:p14="http://schemas.microsoft.com/office/powerpoint/2010/main" val="1491132089"/>
       </p:ext>
     </p:extLst>
   </p:cSld>
@@ -3149,6 +3930,30 @@
           <a:lstStyle/>
           <a:p>
             <a:r>
+              <a:rPr lang="en-US" sz="1200" b="0" i="0" u="none" strike="noStrike" kern="1200" baseline="0" dirty="0">
+                <a:solidFill>
+                  <a:schemeClr val="tx1"/>
+                </a:solidFill>
+                <a:latin typeface="Arial" charset="0"/>
+                <a:ea typeface="+mn-ea"/>
+                <a:cs typeface="+mn-cs"/>
+              </a:rPr>
+              <a:t>Transaction data is usually high-dimensional. For example, Amazon.com has several</a:t>
+            </a:r>
+          </a:p>
+          <a:p>
+            <a:r>
+              <a:rPr lang="en-US" sz="1200" b="0" i="0" u="none" strike="noStrike" kern="1200" baseline="0" dirty="0">
+                <a:solidFill>
+                  <a:schemeClr val="tx1"/>
+                </a:solidFill>
+                <a:latin typeface="Arial" charset="0"/>
+                <a:ea typeface="+mn-ea"/>
+                <a:cs typeface="+mn-cs"/>
+              </a:rPr>
+              <a:t>million catalog items. Each dimension could be a potential </a:t>
+            </a:r>
+            <a:r>
               <a:rPr lang="en-US" sz="1200" b="0" i="1" u="none" strike="noStrike" kern="1200" baseline="0" dirty="0">
                 <a:solidFill>
                   <a:schemeClr val="tx1"/>
@@ -3157,10 +3962,45 @@
                 <a:ea typeface="+mn-ea"/>
                 <a:cs typeface="+mn-cs"/>
               </a:rPr>
-              <a:t>The cloaking algorithm is run by</a:t>
-            </a:r>
-          </a:p>
-          <a:p>
+              <a:t>QID </a:t>
+            </a:r>
+            <a:r>
+              <a:rPr lang="en-US" sz="1200" b="0" i="0" u="none" strike="noStrike" kern="1200" baseline="0" dirty="0">
+                <a:solidFill>
+                  <a:schemeClr val="tx1"/>
+                </a:solidFill>
+                <a:latin typeface="Arial" charset="0"/>
+                <a:ea typeface="+mn-ea"/>
+                <a:cs typeface="+mn-cs"/>
+              </a:rPr>
+              <a:t>attribute used</a:t>
+            </a:r>
+          </a:p>
+          <a:p>
+            <a:r>
+              <a:rPr lang="en-US" sz="1200" b="0" i="0" u="none" strike="noStrike" kern="1200" baseline="0" dirty="0">
+                <a:solidFill>
+                  <a:schemeClr val="tx1"/>
+                </a:solidFill>
+                <a:latin typeface="Arial" charset="0"/>
+                <a:ea typeface="+mn-ea"/>
+                <a:cs typeface="+mn-cs"/>
+              </a:rPr>
+              <a:t>for record or attribute linkages; therefore, employing traditional privacy models, such</a:t>
+            </a:r>
+          </a:p>
+          <a:p>
+            <a:r>
+              <a:rPr lang="en-US" sz="1200" b="0" i="0" u="none" strike="noStrike" kern="1200" baseline="0" dirty="0">
+                <a:solidFill>
+                  <a:schemeClr val="tx1"/>
+                </a:solidFill>
+                <a:latin typeface="Arial" charset="0"/>
+                <a:ea typeface="+mn-ea"/>
+                <a:cs typeface="+mn-cs"/>
+              </a:rPr>
+              <a:t>as </a:t>
+            </a:r>
             <a:r>
               <a:rPr lang="en-US" sz="1200" b="0" i="1" u="none" strike="noStrike" kern="1200" baseline="0" dirty="0">
                 <a:solidFill>
@@ -3170,10 +4010,19 @@
                 <a:ea typeface="+mn-ea"/>
                 <a:cs typeface="+mn-cs"/>
               </a:rPr>
-              <a:t>the location protection broker on a trusted server,</a:t>
-            </a:r>
-          </a:p>
-          <a:p>
+              <a:t>k</a:t>
+            </a:r>
+            <a:r>
+              <a:rPr lang="en-US" sz="1200" b="0" i="0" u="none" strike="noStrike" kern="1200" baseline="0" dirty="0">
+                <a:solidFill>
+                  <a:schemeClr val="tx1"/>
+                </a:solidFill>
+                <a:latin typeface="Arial" charset="0"/>
+                <a:ea typeface="+mn-ea"/>
+                <a:cs typeface="+mn-cs"/>
+              </a:rPr>
+              <a:t>-anonymity, would require including all dimensions into a single </a:t>
+            </a:r>
             <a:r>
               <a:rPr lang="en-US" sz="1200" b="0" i="1" u="none" strike="noStrike" kern="1200" baseline="0" dirty="0">
                 <a:solidFill>
@@ -3183,20 +4032,7 @@
                 <a:ea typeface="+mn-ea"/>
                 <a:cs typeface="+mn-cs"/>
               </a:rPr>
-              <a:t>which anonymizes messages from the mobile nodes</a:t>
-            </a:r>
-          </a:p>
-          <a:p>
-            <a:r>
-              <a:rPr lang="en-US" sz="1200" b="0" i="1" u="none" strike="noStrike" kern="1200" baseline="0" dirty="0">
-                <a:solidFill>
-                  <a:schemeClr val="tx1"/>
-                </a:solidFill>
-                <a:latin typeface="Arial" charset="0"/>
-                <a:ea typeface="+mn-ea"/>
-                <a:cs typeface="+mn-cs"/>
-              </a:rPr>
-              <a:t>by </a:t>
+              <a:t>QID</a:t>
             </a:r>
             <a:r>
               <a:rPr lang="en-US" sz="1200" b="0" i="0" u="none" strike="noStrike" kern="1200" baseline="0" dirty="0">
@@ -3207,48 +4043,11 @@
                 <a:ea typeface="+mn-ea"/>
                 <a:cs typeface="+mn-cs"/>
               </a:rPr>
-              <a:t>cloaking </a:t>
-            </a:r>
-            <a:r>
-              <a:rPr lang="en-US" sz="1200" b="0" i="1" u="none" strike="noStrike" kern="1200" baseline="0" dirty="0">
-                <a:solidFill>
-                  <a:schemeClr val="tx1"/>
-                </a:solidFill>
-                <a:latin typeface="Arial" charset="0"/>
-                <a:ea typeface="+mn-ea"/>
-                <a:cs typeface="+mn-cs"/>
-              </a:rPr>
-              <a:t>the location information contained in</a:t>
-            </a:r>
-          </a:p>
-          <a:p>
-            <a:r>
-              <a:rPr lang="en-US" sz="1200" b="0" i="1" u="none" strike="noStrike" kern="1200" baseline="0" dirty="0">
-                <a:solidFill>
-                  <a:schemeClr val="tx1"/>
-                </a:solidFill>
-                <a:latin typeface="Arial" charset="0"/>
-                <a:ea typeface="+mn-ea"/>
-                <a:cs typeface="+mn-cs"/>
-              </a:rPr>
-              <a:t>the messages to reduce or avoid privacy threats before</a:t>
-            </a:r>
-          </a:p>
-          <a:p>
-            <a:r>
-              <a:rPr lang="en-US" sz="1200" b="0" i="1" u="none" strike="noStrike" kern="1200" baseline="0" dirty="0">
-                <a:solidFill>
-                  <a:schemeClr val="tx1"/>
-                </a:solidFill>
-                <a:latin typeface="Arial" charset="0"/>
-                <a:ea typeface="+mn-ea"/>
-                <a:cs typeface="+mn-cs"/>
-              </a:rPr>
-              <a:t>forwarding them to the LBS provider(s).</a:t>
-            </a:r>
-          </a:p>
-          <a:p>
-            <a:endParaRPr lang="en-US" sz="1200" b="0" i="1" u="none" strike="noStrike" kern="1200" baseline="0" dirty="0">
+              <a:t>.</a:t>
+            </a:r>
+          </a:p>
+          <a:p>
+            <a:endParaRPr lang="en-US" sz="1200" b="0" i="0" u="none" strike="noStrike" kern="1200" baseline="0" dirty="0">
               <a:solidFill>
                 <a:schemeClr val="tx1"/>
               </a:solidFill>
@@ -3259,50 +4058,16 @@
           </a:p>
           <a:p>
             <a:r>
-              <a:rPr lang="en-US" dirty="0"/>
-              <a:t>Restricted Space Identiﬁcation. If A knows that space L exclusively belongs to subject S then A learns that S is in L and S has sent M. For example, when the owner of a suburban house sends a message from his garage or driveway, the coordinates can be </a:t>
-            </a:r>
-            <a:r>
-              <a:rPr lang="en-US" dirty="0" err="1"/>
-              <a:t>correlatedwith</a:t>
-            </a:r>
-            <a:r>
-              <a:rPr lang="en-US" dirty="0"/>
-              <a:t> a </a:t>
-            </a:r>
-            <a:r>
-              <a:rPr lang="en-US" dirty="0" err="1"/>
-              <a:t>databaseof</a:t>
-            </a:r>
-            <a:r>
-              <a:rPr lang="en-US" dirty="0"/>
-              <a:t> </a:t>
-            </a:r>
-            <a:r>
-              <a:rPr lang="en-US" dirty="0" err="1"/>
-              <a:t>geocodedpostal</a:t>
-            </a:r>
-            <a:r>
-              <a:rPr lang="en-US" dirty="0"/>
-              <a:t> addresses (e.g., [30]) to identify the residence. An address lookup in phone or property listings then reveals the owner and likely originator of the </a:t>
-            </a:r>
-            <a:r>
-              <a:rPr lang="en-US" dirty="0" err="1"/>
-              <a:t>messag</a:t>
-            </a:r>
-            <a:endParaRPr lang="en-US" dirty="0"/>
-          </a:p>
-          <a:p>
-            <a:endParaRPr lang="en-US" dirty="0"/>
-          </a:p>
-          <a:p>
-            <a:r>
-              <a:rPr lang="en-US" dirty="0"/>
-              <a:t>Observation Identiﬁcation. If A has observed the current location L of subject S and ﬁnds a message M from L then A learns that S has sent M. For example, the subject has revealed its identity and location in a previous message and then wants to send an anonymous message. The later message can be linked to the previous one through the location information.</a:t>
-            </a:r>
-          </a:p>
-          <a:p>
-            <a:endParaRPr lang="en-US" dirty="0"/>
+              <a:rPr lang="de-DE" sz="1200" b="0" i="0" u="none" strike="noStrike" kern="1200" baseline="0" dirty="0">
+                <a:solidFill>
+                  <a:schemeClr val="tx1"/>
+                </a:solidFill>
+                <a:latin typeface="Arial" charset="0"/>
+                <a:ea typeface="+mn-ea"/>
+                <a:cs typeface="+mn-cs"/>
+              </a:rPr>
+              <a:t>Due to the</a:t>
+            </a:r>
           </a:p>
           <a:p>
             <a:r>
@@ -3314,7 +4079,7 @@
                 <a:ea typeface="+mn-ea"/>
                 <a:cs typeface="+mn-cs"/>
               </a:rPr>
-              <a:t>First, a given degree of location anonymity</a:t>
+              <a:t>curse of high-dimensionality [Aggarwal 2005], it is very likely that lots of data has to</a:t>
             </a:r>
           </a:p>
           <a:p>
@@ -3327,10 +4092,19 @@
                 <a:ea typeface="+mn-ea"/>
                 <a:cs typeface="+mn-cs"/>
               </a:rPr>
-              <a:t>can be maintained, regardless of population density, by decreasing</a:t>
-            </a:r>
-          </a:p>
-          <a:p>
+              <a:t>be suppressed or generalized to the top-most values in order to satisfy </a:t>
+            </a:r>
+            <a:r>
+              <a:rPr lang="en-US" sz="1200" b="0" i="1" u="none" strike="noStrike" kern="1200" baseline="0" dirty="0">
+                <a:solidFill>
+                  <a:schemeClr val="tx1"/>
+                </a:solidFill>
+                <a:latin typeface="Arial" charset="0"/>
+                <a:ea typeface="+mn-ea"/>
+                <a:cs typeface="+mn-cs"/>
+              </a:rPr>
+              <a:t>k</a:t>
+            </a:r>
             <a:r>
               <a:rPr lang="en-US" sz="1200" b="0" i="0" u="none" strike="noStrike" kern="1200" baseline="0" dirty="0">
                 <a:solidFill>
@@ -3340,7 +4114,7 @@
                 <a:ea typeface="+mn-ea"/>
                 <a:cs typeface="+mn-cs"/>
               </a:rPr>
-              <a:t>the location accuracy through enlarging the revealed</a:t>
+              <a:t>-anonymity,</a:t>
             </a:r>
           </a:p>
           <a:p>
@@ -3353,7 +4127,7 @@
                 <a:ea typeface="+mn-ea"/>
                 <a:cs typeface="+mn-cs"/>
               </a:rPr>
-              <a:t>spatial area, such that there are other </a:t>
+              <a:t>even if </a:t>
             </a:r>
             <a:r>
               <a:rPr lang="en-US" sz="1200" b="0" i="1" u="none" strike="noStrike" kern="1200" baseline="0" dirty="0">
@@ -3364,7 +4138,7 @@
                 <a:ea typeface="+mn-ea"/>
                 <a:cs typeface="+mn-cs"/>
               </a:rPr>
-              <a:t>k−</a:t>
+              <a:t>k </a:t>
             </a:r>
             <a:r>
               <a:rPr lang="en-US" sz="1200" b="0" i="0" u="none" strike="noStrike" kern="1200" baseline="0" dirty="0">
@@ -3375,8 +4149,18 @@
                 <a:ea typeface="+mn-ea"/>
                 <a:cs typeface="+mn-cs"/>
               </a:rPr>
-              <a:t>1 mobile nodes present</a:t>
-            </a:r>
+              <a:t>is small. Obviously, such anonymous data is useless for data analysis.</a:t>
+            </a:r>
+          </a:p>
+          <a:p>
+            <a:endParaRPr lang="en-US" sz="1200" b="0" i="0" u="none" strike="noStrike" kern="1200" baseline="0" dirty="0">
+              <a:solidFill>
+                <a:schemeClr val="tx1"/>
+              </a:solidFill>
+              <a:latin typeface="Arial" charset="0"/>
+              <a:ea typeface="+mn-ea"/>
+              <a:cs typeface="+mn-cs"/>
+            </a:endParaRPr>
           </a:p>
           <a:p>
             <a:r>
@@ -3388,7 +4172,18 @@
                 <a:ea typeface="+mn-ea"/>
                 <a:cs typeface="+mn-cs"/>
               </a:rPr>
-              <a:t>in the same spatial area. This approach is called spatial cloaking.</a:t>
+              <a:t>In any real-life privacy attack, it is unlikely that the attacker would know </a:t>
+            </a:r>
+            <a:r>
+              <a:rPr lang="en-US" sz="1200" b="0" i="1" u="none" strike="noStrike" kern="1200" baseline="0" dirty="0">
+                <a:solidFill>
+                  <a:schemeClr val="tx1"/>
+                </a:solidFill>
+                <a:latin typeface="Arial" charset="0"/>
+                <a:ea typeface="+mn-ea"/>
+                <a:cs typeface="+mn-cs"/>
+              </a:rPr>
+              <a:t>all</a:t>
             </a:r>
           </a:p>
           <a:p>
@@ -3401,7 +4196,7 @@
                 <a:ea typeface="+mn-ea"/>
                 <a:cs typeface="+mn-cs"/>
               </a:rPr>
-              <a:t>Second, one can achieve the location anonymity by delaying</a:t>
+              <a:t>quasi-identifying attributes of a target victim due to the effort it would take to gather</a:t>
             </a:r>
           </a:p>
           <a:p>
@@ -3414,19 +4209,10 @@
                 <a:ea typeface="+mn-ea"/>
                 <a:cs typeface="+mn-cs"/>
               </a:rPr>
-              <a:t>the message until </a:t>
-            </a:r>
-            <a:r>
-              <a:rPr lang="en-US" sz="1200" b="0" i="1" u="none" strike="noStrike" kern="1200" baseline="0" dirty="0">
-                <a:solidFill>
-                  <a:schemeClr val="tx1"/>
-                </a:solidFill>
-                <a:latin typeface="Arial" charset="0"/>
-                <a:ea typeface="+mn-ea"/>
-                <a:cs typeface="+mn-cs"/>
-              </a:rPr>
-              <a:t>k </a:t>
-            </a:r>
+              <a:t>every piece of background knowledge. Thus, it is reasonable to bound the attacker’s</a:t>
+            </a:r>
+          </a:p>
+          <a:p>
             <a:r>
               <a:rPr lang="en-US" sz="1200" b="0" i="0" u="none" strike="noStrike" kern="1200" baseline="0" dirty="0">
                 <a:solidFill>
@@ -3436,55 +4222,7 @@
                 <a:ea typeface="+mn-ea"/>
                 <a:cs typeface="+mn-cs"/>
               </a:rPr>
-              <a:t>mobile nodes have visited the same</a:t>
-            </a:r>
-          </a:p>
-          <a:p>
-            <a:r>
-              <a:rPr lang="en-US" sz="1200" b="0" i="0" u="none" strike="noStrike" kern="1200" baseline="0" dirty="0">
-                <a:solidFill>
-                  <a:schemeClr val="tx1"/>
-                </a:solidFill>
-                <a:latin typeface="Arial" charset="0"/>
-                <a:ea typeface="+mn-ea"/>
-                <a:cs typeface="+mn-cs"/>
-              </a:rPr>
-              <a:t>area located by the message sender. This approach is called</a:t>
-            </a:r>
-          </a:p>
-          <a:p>
-            <a:r>
-              <a:rPr lang="de-DE" sz="1200" b="0" i="0" u="none" strike="noStrike" kern="1200" baseline="0" dirty="0">
-                <a:solidFill>
-                  <a:schemeClr val="tx1"/>
-                </a:solidFill>
-                <a:latin typeface="Arial" charset="0"/>
-                <a:ea typeface="+mn-ea"/>
-                <a:cs typeface="+mn-cs"/>
-              </a:rPr>
-              <a:t>temporal </a:t>
-            </a:r>
-            <a:r>
-              <a:rPr lang="de-DE" sz="1200" b="0" i="0" u="none" strike="noStrike" kern="1200" baseline="0" dirty="0" err="1">
-                <a:solidFill>
-                  <a:schemeClr val="tx1"/>
-                </a:solidFill>
-                <a:latin typeface="Arial" charset="0"/>
-                <a:ea typeface="+mn-ea"/>
-                <a:cs typeface="+mn-cs"/>
-              </a:rPr>
-              <a:t>cloaking</a:t>
-            </a:r>
-            <a:r>
-              <a:rPr lang="de-DE" sz="1200" b="0" i="0" u="none" strike="noStrike" kern="1200" baseline="0" dirty="0">
-                <a:solidFill>
-                  <a:schemeClr val="tx1"/>
-                </a:solidFill>
-                <a:latin typeface="Arial" charset="0"/>
-                <a:ea typeface="+mn-ea"/>
-                <a:cs typeface="+mn-cs"/>
-              </a:rPr>
-              <a:t>.</a:t>
+              <a:t>background knowledge in the privacy model.</a:t>
             </a:r>
             <a:endParaRPr lang="de-DE" dirty="0"/>
           </a:p>
@@ -3515,575 +4253,14 @@
               </a:pPr>
               <a:t>22</a:t>
             </a:fld>
-            <a:endParaRPr lang="de-DE"/>
+            <a:endParaRPr lang="de-DE" dirty="0"/>
           </a:p>
         </p:txBody>
       </p:sp>
     </p:spTree>
     <p:extLst>
       <p:ext uri="{BB962C8B-B14F-4D97-AF65-F5344CB8AC3E}">
-        <p14:creationId xmlns:p14="http://schemas.microsoft.com/office/powerpoint/2010/main" val="1491132089"/>
-      </p:ext>
-    </p:extLst>
-  </p:cSld>
-  <p:clrMapOvr>
-    <a:masterClrMapping/>
-  </p:clrMapOvr>
-</p:notes>
-</file>
-
-<file path=ppt/notesSlides/notesSlide8.xml><?xml version="1.0" encoding="utf-8"?>
-<p:notes xmlns:a="http://schemas.openxmlformats.org/drawingml/2006/main" xmlns:r="http://schemas.openxmlformats.org/officeDocument/2006/relationships" xmlns:p="http://schemas.openxmlformats.org/presentationml/2006/main">
-  <p:cSld>
-    <p:spTree>
-      <p:nvGrpSpPr>
-        <p:cNvPr id="1" name=""/>
-        <p:cNvGrpSpPr/>
-        <p:nvPr/>
-      </p:nvGrpSpPr>
-      <p:grpSpPr>
-        <a:xfrm>
-          <a:off x="0" y="0"/>
-          <a:ext cx="0" cy="0"/>
-          <a:chOff x="0" y="0"/>
-          <a:chExt cx="0" cy="0"/>
-        </a:xfrm>
-      </p:grpSpPr>
-      <p:sp>
-        <p:nvSpPr>
-          <p:cNvPr id="2" name="Folienbildplatzhalter 1"/>
-          <p:cNvSpPr>
-            <a:spLocks noGrp="1" noRot="1" noChangeAspect="1"/>
-          </p:cNvSpPr>
-          <p:nvPr>
-            <p:ph type="sldImg"/>
-          </p:nvPr>
-        </p:nvSpPr>
-        <p:spPr/>
-      </p:sp>
-      <p:sp>
-        <p:nvSpPr>
-          <p:cNvPr id="3" name="Notizenplatzhalter 2"/>
-          <p:cNvSpPr>
-            <a:spLocks noGrp="1"/>
-          </p:cNvSpPr>
-          <p:nvPr>
-            <p:ph type="body" idx="1"/>
-          </p:nvPr>
-        </p:nvSpPr>
-        <p:spPr/>
-        <p:txBody>
-          <a:bodyPr/>
-          <a:lstStyle/>
-          <a:p>
-            <a:pPr marL="0" marR="0" lvl="0" indent="0" algn="l" defTabSz="914400" rtl="0" eaLnBrk="1" fontAlgn="base" latinLnBrk="0" hangingPunct="1">
-              <a:lnSpc>
-                <a:spcPct val="100000"/>
-              </a:lnSpc>
-              <a:spcBef>
-                <a:spcPct val="30000"/>
-              </a:spcBef>
-              <a:spcAft>
-                <a:spcPct val="0"/>
-              </a:spcAft>
-              <a:buClrTx/>
-              <a:buSzTx/>
-              <a:buFontTx/>
-              <a:buNone/>
-              <a:tabLst/>
-              <a:defRPr/>
-            </a:pPr>
-            <a:r>
-              <a:rPr lang="en-US" dirty="0"/>
-              <a:t>Sanitization of a document involves removing sensitive information from the document, in order to reduce </a:t>
-            </a:r>
-            <a:r>
-              <a:rPr lang="en-US" dirty="0" err="1"/>
-              <a:t>thdocument’s</a:t>
-            </a:r>
-            <a:r>
-              <a:rPr lang="en-US" dirty="0"/>
-              <a:t> classification level, possibly yielding an unclassified </a:t>
-            </a:r>
-            <a:r>
-              <a:rPr lang="de-DE" dirty="0" err="1"/>
-              <a:t>document</a:t>
-            </a:r>
-            <a:r>
-              <a:rPr lang="de-DE" dirty="0"/>
-              <a:t>.</a:t>
-            </a:r>
-          </a:p>
-          <a:p>
-            <a:pPr marL="0" marR="0" lvl="0" indent="0" algn="l" defTabSz="914400" rtl="0" eaLnBrk="1" fontAlgn="base" latinLnBrk="0" hangingPunct="1">
-              <a:lnSpc>
-                <a:spcPct val="100000"/>
-              </a:lnSpc>
-              <a:spcBef>
-                <a:spcPct val="30000"/>
-              </a:spcBef>
-              <a:spcAft>
-                <a:spcPct val="0"/>
-              </a:spcAft>
-              <a:buClrTx/>
-              <a:buSzTx/>
-              <a:buFontTx/>
-              <a:buNone/>
-              <a:tabLst/>
-              <a:defRPr/>
-            </a:pPr>
-            <a:endParaRPr lang="de-DE" dirty="0"/>
-          </a:p>
-          <a:p>
-            <a:r>
-              <a:rPr lang="en-US" sz="1200" b="0" i="0" u="none" strike="noStrike" kern="1200" baseline="0" dirty="0">
-                <a:solidFill>
-                  <a:schemeClr val="tx1"/>
-                </a:solidFill>
-                <a:latin typeface="Arial" charset="0"/>
-                <a:ea typeface="+mn-ea"/>
-                <a:cs typeface="+mn-cs"/>
-              </a:rPr>
-              <a:t>In hospitals, medical records are sanitized to </a:t>
-            </a:r>
-            <a:r>
-              <a:rPr lang="de-DE" sz="1200" b="0" i="0" u="none" strike="noStrike" kern="1200" baseline="0" dirty="0" err="1">
-                <a:solidFill>
-                  <a:schemeClr val="tx1"/>
-                </a:solidFill>
-                <a:latin typeface="Arial" charset="0"/>
-                <a:ea typeface="+mn-ea"/>
-                <a:cs typeface="+mn-cs"/>
-              </a:rPr>
-              <a:t>remove</a:t>
-            </a:r>
-            <a:r>
-              <a:rPr lang="de-DE" sz="1200" b="0" i="0" u="none" strike="noStrike" kern="1200" baseline="0" dirty="0">
-                <a:solidFill>
-                  <a:schemeClr val="tx1"/>
-                </a:solidFill>
-                <a:latin typeface="Arial" charset="0"/>
-                <a:ea typeface="+mn-ea"/>
-                <a:cs typeface="+mn-cs"/>
-              </a:rPr>
-              <a:t> sensitive patent </a:t>
-            </a:r>
-            <a:r>
-              <a:rPr lang="de-DE" sz="1200" b="0" i="0" u="none" strike="noStrike" kern="1200" baseline="0" dirty="0" err="1">
-                <a:solidFill>
-                  <a:schemeClr val="tx1"/>
-                </a:solidFill>
-                <a:latin typeface="Arial" charset="0"/>
-                <a:ea typeface="+mn-ea"/>
-                <a:cs typeface="+mn-cs"/>
-              </a:rPr>
-              <a:t>information</a:t>
-            </a:r>
-            <a:r>
-              <a:rPr lang="de-DE" sz="1200" b="0" i="0" u="none" strike="noStrike" kern="1200" baseline="0" dirty="0">
-                <a:solidFill>
-                  <a:schemeClr val="tx1"/>
-                </a:solidFill>
-                <a:latin typeface="Arial" charset="0"/>
-                <a:ea typeface="+mn-ea"/>
-                <a:cs typeface="+mn-cs"/>
-              </a:rPr>
-              <a:t> (</a:t>
-            </a:r>
-            <a:r>
-              <a:rPr lang="de-DE" sz="1200" b="0" i="0" u="none" strike="noStrike" kern="1200" baseline="0" dirty="0" err="1">
-                <a:solidFill>
-                  <a:schemeClr val="tx1"/>
-                </a:solidFill>
-                <a:latin typeface="Arial" charset="0"/>
-                <a:ea typeface="+mn-ea"/>
-                <a:cs typeface="+mn-cs"/>
-              </a:rPr>
-              <a:t>patient</a:t>
-            </a:r>
-            <a:r>
-              <a:rPr lang="de-DE" sz="1200" b="0" i="0" u="none" strike="noStrike" kern="1200" baseline="0" dirty="0">
-                <a:solidFill>
-                  <a:schemeClr val="tx1"/>
-                </a:solidFill>
-                <a:latin typeface="Arial" charset="0"/>
-                <a:ea typeface="+mn-ea"/>
-                <a:cs typeface="+mn-cs"/>
-              </a:rPr>
-              <a:t> </a:t>
-            </a:r>
-            <a:r>
-              <a:rPr lang="de-DE" sz="1200" b="0" i="0" u="none" strike="noStrike" kern="1200" baseline="0" dirty="0" err="1">
-                <a:solidFill>
-                  <a:schemeClr val="tx1"/>
-                </a:solidFill>
-                <a:latin typeface="Arial" charset="0"/>
-                <a:ea typeface="+mn-ea"/>
-                <a:cs typeface="+mn-cs"/>
-              </a:rPr>
-              <a:t>identity</a:t>
-            </a:r>
-            <a:r>
-              <a:rPr lang="de-DE" sz="1200" b="0" i="0" u="none" strike="noStrike" kern="1200" baseline="0" dirty="0">
-                <a:solidFill>
-                  <a:schemeClr val="tx1"/>
-                </a:solidFill>
-                <a:latin typeface="Arial" charset="0"/>
-                <a:ea typeface="+mn-ea"/>
-                <a:cs typeface="+mn-cs"/>
-              </a:rPr>
-              <a:t> </a:t>
-            </a:r>
-            <a:r>
-              <a:rPr lang="de-DE" sz="1200" b="0" i="0" u="none" strike="noStrike" kern="1200" baseline="0" dirty="0" err="1">
-                <a:solidFill>
-                  <a:schemeClr val="tx1"/>
-                </a:solidFill>
-                <a:latin typeface="Arial" charset="0"/>
-                <a:ea typeface="+mn-ea"/>
-                <a:cs typeface="+mn-cs"/>
-              </a:rPr>
-              <a:t>information</a:t>
-            </a:r>
-            <a:r>
-              <a:rPr lang="de-DE" sz="1200" b="0" i="0" u="none" strike="noStrike" kern="1200" baseline="0" dirty="0">
-                <a:solidFill>
-                  <a:schemeClr val="tx1"/>
-                </a:solidFill>
-                <a:latin typeface="Arial" charset="0"/>
-                <a:ea typeface="+mn-ea"/>
-                <a:cs typeface="+mn-cs"/>
-              </a:rPr>
-              <a:t>, </a:t>
-            </a:r>
-            <a:r>
-              <a:rPr lang="en-US" sz="1200" b="0" i="0" u="none" strike="noStrike" kern="1200" baseline="0" dirty="0">
-                <a:solidFill>
-                  <a:schemeClr val="tx1"/>
-                </a:solidFill>
-                <a:latin typeface="Arial" charset="0"/>
-                <a:ea typeface="+mn-ea"/>
-                <a:cs typeface="+mn-cs"/>
-              </a:rPr>
-              <a:t>diagnoses of deadly diseases, etc.). Document sanitization is also</a:t>
-            </a:r>
-          </a:p>
-          <a:p>
-            <a:r>
-              <a:rPr lang="en-US" sz="1200" b="0" i="0" u="none" strike="noStrike" kern="1200" baseline="0" dirty="0">
-                <a:solidFill>
-                  <a:schemeClr val="tx1"/>
-                </a:solidFill>
-                <a:latin typeface="Arial" charset="0"/>
-                <a:ea typeface="+mn-ea"/>
-                <a:cs typeface="+mn-cs"/>
-              </a:rPr>
-              <a:t>critical to companies who need to prevent </a:t>
-            </a:r>
-            <a:r>
-              <a:rPr lang="en-US" sz="1200" b="0" i="0" u="none" strike="noStrike" kern="1200" baseline="0" dirty="0" err="1">
-                <a:solidFill>
-                  <a:schemeClr val="tx1"/>
-                </a:solidFill>
-                <a:latin typeface="Arial" charset="0"/>
-                <a:ea typeface="+mn-ea"/>
-                <a:cs typeface="+mn-cs"/>
-              </a:rPr>
-              <a:t>malafide</a:t>
-            </a:r>
-            <a:r>
-              <a:rPr lang="en-US" sz="1200" b="0" i="0" u="none" strike="noStrike" kern="1200" baseline="0" dirty="0">
-                <a:solidFill>
-                  <a:schemeClr val="tx1"/>
-                </a:solidFill>
-                <a:latin typeface="Arial" charset="0"/>
-                <a:ea typeface="+mn-ea"/>
-                <a:cs typeface="+mn-cs"/>
-              </a:rPr>
-              <a:t> or </a:t>
-            </a:r>
-            <a:r>
-              <a:rPr lang="en-US" sz="1200" b="0" i="0" u="none" strike="noStrike" kern="1200" baseline="0" dirty="0" err="1">
-                <a:solidFill>
-                  <a:schemeClr val="tx1"/>
-                </a:solidFill>
-                <a:latin typeface="Arial" charset="0"/>
-                <a:ea typeface="+mn-ea"/>
-                <a:cs typeface="+mn-cs"/>
-              </a:rPr>
-              <a:t>inadvertentdisclosure</a:t>
-            </a:r>
-            <a:r>
-              <a:rPr lang="en-US" sz="1200" b="0" i="0" u="none" strike="noStrike" kern="1200" baseline="0" dirty="0">
-                <a:solidFill>
-                  <a:schemeClr val="tx1"/>
-                </a:solidFill>
-                <a:latin typeface="Arial" charset="0"/>
-                <a:ea typeface="+mn-ea"/>
-                <a:cs typeface="+mn-cs"/>
-              </a:rPr>
-              <a:t> of proprietary information while sharing data with outsourced </a:t>
-            </a:r>
-            <a:r>
-              <a:rPr lang="de-DE" sz="1200" b="0" i="0" u="none" strike="noStrike" kern="1200" baseline="0" dirty="0" err="1">
-                <a:solidFill>
-                  <a:schemeClr val="tx1"/>
-                </a:solidFill>
-                <a:latin typeface="Arial" charset="0"/>
-                <a:ea typeface="+mn-ea"/>
-                <a:cs typeface="+mn-cs"/>
-              </a:rPr>
-              <a:t>operations</a:t>
-            </a:r>
-            <a:r>
-              <a:rPr lang="de-DE" sz="1200" b="0" i="0" u="none" strike="noStrike" kern="1200" baseline="0" dirty="0">
-                <a:solidFill>
-                  <a:schemeClr val="tx1"/>
-                </a:solidFill>
-                <a:latin typeface="Arial" charset="0"/>
-                <a:ea typeface="+mn-ea"/>
-                <a:cs typeface="+mn-cs"/>
-              </a:rPr>
-              <a:t>.</a:t>
-            </a:r>
-          </a:p>
-          <a:p>
-            <a:endParaRPr lang="de-DE" sz="1200" b="0" i="0" u="none" strike="noStrike" kern="1200" baseline="0" dirty="0">
-              <a:solidFill>
-                <a:schemeClr val="tx1"/>
-              </a:solidFill>
-              <a:latin typeface="Arial" charset="0"/>
-              <a:ea typeface="+mn-ea"/>
-              <a:cs typeface="+mn-cs"/>
-            </a:endParaRPr>
-          </a:p>
-          <a:p>
-            <a:r>
-              <a:rPr lang="en-US" dirty="0"/>
-              <a:t>We wish to retain same facial information about the photographed people, for example a fashion shop interested in knowing how many of it’s visitors are male or female. I Sometimes, the photograph may be used psychologically and should therefore look more visually appealing (For a photo of a war victim, a blurred face would be much more eﬀective in raising awareness then a black rectangle). I Because we can achieve results as good as blackout but better looking</a:t>
-            </a:r>
-            <a:endParaRPr lang="de-DE" dirty="0"/>
-          </a:p>
-          <a:p>
-            <a:endParaRPr lang="de-DE" dirty="0"/>
-          </a:p>
-        </p:txBody>
-      </p:sp>
-      <p:sp>
-        <p:nvSpPr>
-          <p:cNvPr id="4" name="Foliennummernplatzhalter 3"/>
-          <p:cNvSpPr>
-            <a:spLocks noGrp="1"/>
-          </p:cNvSpPr>
-          <p:nvPr>
-            <p:ph type="sldNum" sz="quarter" idx="10"/>
-          </p:nvPr>
-        </p:nvSpPr>
-        <p:spPr/>
-        <p:txBody>
-          <a:bodyPr/>
-          <a:lstStyle/>
-          <a:p>
-            <a:pPr>
-              <a:defRPr/>
-            </a:pPr>
-            <a:fld id="{4351B0B5-D942-48DD-B88D-7AC11D76AF21}" type="slidenum">
-              <a:rPr lang="de-DE" smtClean="0"/>
-              <a:pPr>
-                <a:defRPr/>
-              </a:pPr>
-              <a:t>24</a:t>
-            </a:fld>
-            <a:endParaRPr lang="de-DE"/>
-          </a:p>
-        </p:txBody>
-      </p:sp>
-    </p:spTree>
-    <p:extLst>
-      <p:ext uri="{BB962C8B-B14F-4D97-AF65-F5344CB8AC3E}">
-        <p14:creationId xmlns:p14="http://schemas.microsoft.com/office/powerpoint/2010/main" val="863718230"/>
-      </p:ext>
-    </p:extLst>
-  </p:cSld>
-  <p:clrMapOvr>
-    <a:masterClrMapping/>
-  </p:clrMapOvr>
-</p:notes>
-</file>
-
-<file path=ppt/notesSlides/notesSlide9.xml><?xml version="1.0" encoding="utf-8"?>
-<p:notes xmlns:a="http://schemas.openxmlformats.org/drawingml/2006/main" xmlns:r="http://schemas.openxmlformats.org/officeDocument/2006/relationships" xmlns:p="http://schemas.openxmlformats.org/presentationml/2006/main">
-  <p:cSld>
-    <p:spTree>
-      <p:nvGrpSpPr>
-        <p:cNvPr id="1" name=""/>
-        <p:cNvGrpSpPr/>
-        <p:nvPr/>
-      </p:nvGrpSpPr>
-      <p:grpSpPr>
-        <a:xfrm>
-          <a:off x="0" y="0"/>
-          <a:ext cx="0" cy="0"/>
-          <a:chOff x="0" y="0"/>
-          <a:chExt cx="0" cy="0"/>
-        </a:xfrm>
-      </p:grpSpPr>
-      <p:sp>
-        <p:nvSpPr>
-          <p:cNvPr id="2" name="Folienbildplatzhalter 1"/>
-          <p:cNvSpPr>
-            <a:spLocks noGrp="1" noRot="1" noChangeAspect="1"/>
-          </p:cNvSpPr>
-          <p:nvPr>
-            <p:ph type="sldImg"/>
-          </p:nvPr>
-        </p:nvSpPr>
-        <p:spPr/>
-      </p:sp>
-      <p:sp>
-        <p:nvSpPr>
-          <p:cNvPr id="3" name="Notizenplatzhalter 2"/>
-          <p:cNvSpPr>
-            <a:spLocks noGrp="1"/>
-          </p:cNvSpPr>
-          <p:nvPr>
-            <p:ph type="body" idx="1"/>
-          </p:nvPr>
-        </p:nvSpPr>
-        <p:spPr/>
-        <p:txBody>
-          <a:bodyPr/>
-          <a:lstStyle/>
-          <a:p>
-            <a:r>
-              <a:rPr lang="en-US" sz="1200" b="0" i="0" u="none" strike="noStrike" kern="1200" baseline="0" dirty="0">
-                <a:solidFill>
-                  <a:schemeClr val="tx1"/>
-                </a:solidFill>
-                <a:latin typeface="Arial" charset="0"/>
-                <a:ea typeface="+mn-ea"/>
-                <a:cs typeface="+mn-cs"/>
-              </a:rPr>
-              <a:t>Traditionally, documents are sanitized manually by qualified reviewers.</a:t>
-            </a:r>
-          </a:p>
-          <a:p>
-            <a:r>
-              <a:rPr lang="en-US" sz="1200" b="0" i="0" u="none" strike="noStrike" kern="1200" baseline="0" dirty="0">
-                <a:solidFill>
-                  <a:schemeClr val="tx1"/>
-                </a:solidFill>
-                <a:latin typeface="Arial" charset="0"/>
-                <a:ea typeface="+mn-ea"/>
-                <a:cs typeface="+mn-cs"/>
-              </a:rPr>
-              <a:t>However, manual sanitization does not scale as the volume</a:t>
-            </a:r>
-          </a:p>
-          <a:p>
-            <a:r>
-              <a:rPr lang="de-DE" sz="1200" b="0" i="0" u="none" strike="noStrike" kern="1200" baseline="0" dirty="0" err="1">
-                <a:solidFill>
-                  <a:schemeClr val="tx1"/>
-                </a:solidFill>
-                <a:latin typeface="Arial" charset="0"/>
-                <a:ea typeface="+mn-ea"/>
-                <a:cs typeface="+mn-cs"/>
-              </a:rPr>
-              <a:t>of</a:t>
-            </a:r>
-            <a:r>
-              <a:rPr lang="de-DE" sz="1200" b="0" i="0" u="none" strike="noStrike" kern="1200" baseline="0" dirty="0">
-                <a:solidFill>
-                  <a:schemeClr val="tx1"/>
-                </a:solidFill>
-                <a:latin typeface="Arial" charset="0"/>
-                <a:ea typeface="+mn-ea"/>
-                <a:cs typeface="+mn-cs"/>
-              </a:rPr>
-              <a:t> </a:t>
-            </a:r>
-            <a:r>
-              <a:rPr lang="de-DE" sz="1200" b="0" i="0" u="none" strike="noStrike" kern="1200" baseline="0" dirty="0" err="1">
-                <a:solidFill>
-                  <a:schemeClr val="tx1"/>
-                </a:solidFill>
-                <a:latin typeface="Arial" charset="0"/>
-                <a:ea typeface="+mn-ea"/>
-                <a:cs typeface="+mn-cs"/>
-              </a:rPr>
-              <a:t>data</a:t>
-            </a:r>
-            <a:r>
-              <a:rPr lang="de-DE" sz="1200" b="0" i="0" u="none" strike="noStrike" kern="1200" baseline="0" dirty="0">
-                <a:solidFill>
-                  <a:schemeClr val="tx1"/>
-                </a:solidFill>
-                <a:latin typeface="Arial" charset="0"/>
-                <a:ea typeface="+mn-ea"/>
-                <a:cs typeface="+mn-cs"/>
-              </a:rPr>
-              <a:t> </a:t>
-            </a:r>
-            <a:r>
-              <a:rPr lang="de-DE" sz="1200" b="0" i="0" u="none" strike="noStrike" kern="1200" baseline="0" dirty="0" err="1">
-                <a:solidFill>
-                  <a:schemeClr val="tx1"/>
-                </a:solidFill>
-                <a:latin typeface="Arial" charset="0"/>
-                <a:ea typeface="+mn-ea"/>
-                <a:cs typeface="+mn-cs"/>
-              </a:rPr>
-              <a:t>increases</a:t>
-            </a:r>
-            <a:r>
-              <a:rPr lang="de-DE" sz="1200" b="0" i="0" u="none" strike="noStrike" kern="1200" baseline="0" dirty="0">
-                <a:solidFill>
-                  <a:schemeClr val="tx1"/>
-                </a:solidFill>
-                <a:latin typeface="Arial" charset="0"/>
-                <a:ea typeface="+mn-ea"/>
-                <a:cs typeface="+mn-cs"/>
-              </a:rPr>
-              <a:t>.</a:t>
-            </a:r>
-            <a:endParaRPr lang="de-DE" dirty="0"/>
-          </a:p>
-        </p:txBody>
-      </p:sp>
-      <p:sp>
-        <p:nvSpPr>
-          <p:cNvPr id="4" name="Foliennummernplatzhalter 3"/>
-          <p:cNvSpPr>
-            <a:spLocks noGrp="1"/>
-          </p:cNvSpPr>
-          <p:nvPr>
-            <p:ph type="sldNum" sz="quarter" idx="10"/>
-          </p:nvPr>
-        </p:nvSpPr>
-        <p:spPr/>
-        <p:txBody>
-          <a:bodyPr/>
-          <a:lstStyle/>
-          <a:p>
-            <a:pPr>
-              <a:defRPr/>
-            </a:pPr>
-            <a:fld id="{4351B0B5-D942-48DD-B88D-7AC11D76AF21}" type="slidenum">
-              <a:rPr lang="de-DE" smtClean="0"/>
-              <a:pPr>
-                <a:defRPr/>
-              </a:pPr>
-              <a:t>26</a:t>
-            </a:fld>
-            <a:endParaRPr lang="de-DE"/>
-          </a:p>
-        </p:txBody>
-      </p:sp>
-    </p:spTree>
-    <p:extLst>
-      <p:ext uri="{BB962C8B-B14F-4D97-AF65-F5344CB8AC3E}">
-        <p14:creationId xmlns:p14="http://schemas.microsoft.com/office/powerpoint/2010/main" val="2937820869"/>
+        <p14:creationId xmlns:p14="http://schemas.microsoft.com/office/powerpoint/2010/main" val="1656114160"/>
       </p:ext>
     </p:extLst>
   </p:cSld>
@@ -7166,7 +7343,7 @@
           <p:cNvPr id="2" name="Textplatzhalter 1">
             <a:extLst>
               <a:ext uri="{FF2B5EF4-FFF2-40B4-BE49-F238E27FC236}">
-                <a16:creationId xmlns:a16="http://schemas.microsoft.com/office/drawing/2014/main" id="{D000CC02-1D8E-45FC-8F9D-589C6291B248}"/>
+                <a16:creationId xmlns:a16="http://schemas.microsoft.com/office/drawing/2014/main" id="{B7F551F4-610E-488D-AB7B-CE0A61388660}"/>
               </a:ext>
             </a:extLst>
           </p:cNvPr>
@@ -7182,80 +7359,24 @@
           <a:bodyPr/>
           <a:lstStyle/>
           <a:p>
+            <a:endParaRPr lang="en-US" dirty="0"/>
+          </a:p>
+          <a:p>
             <a:r>
               <a:rPr lang="de-DE" dirty="0"/>
-              <a:t>NP-</a:t>
+              <a:t>Goal </a:t>
             </a:r>
             <a:r>
               <a:rPr lang="de-DE" dirty="0" err="1"/>
-              <a:t>hard</a:t>
-            </a:r>
-            <a:endParaRPr lang="de-DE" dirty="0"/>
-          </a:p>
-          <a:p>
-            <a:r>
-              <a:rPr lang="en-US" dirty="0"/>
-              <a:t>Finally, we presented two </a:t>
-            </a:r>
-            <a:r>
-              <a:rPr lang="en-US" dirty="0" err="1"/>
-              <a:t>e±cient</a:t>
-            </a:r>
-            <a:r>
-              <a:rPr lang="en-US" dirty="0"/>
-              <a:t> greedy </a:t>
-            </a:r>
-            <a:r>
-              <a:rPr lang="en-US" dirty="0" err="1"/>
-              <a:t>approxima-tion</a:t>
-            </a:r>
-            <a:r>
-              <a:rPr lang="en-US" dirty="0"/>
-              <a:t> algorithms for the problem. Can an </a:t>
-            </a:r>
-            <a:r>
-              <a:rPr lang="en-US" dirty="0" err="1"/>
-              <a:t>approximationalgorithm</a:t>
-            </a:r>
-            <a:r>
-              <a:rPr lang="en-US" dirty="0"/>
-              <a:t> be found whose performance ratio is </a:t>
-            </a:r>
-            <a:r>
-              <a:rPr lang="en-US" dirty="0" err="1"/>
-              <a:t>indepen</a:t>
-            </a:r>
-            <a:r>
-              <a:rPr lang="en-US" dirty="0"/>
-              <a:t>-dent of </a:t>
-            </a:r>
-            <a:r>
-              <a:rPr lang="en-US" i="1" dirty="0"/>
-              <a:t>k</a:t>
-            </a:r>
-            <a:r>
-              <a:rPr lang="en-US" dirty="0"/>
-              <a:t>? We suspect that ­(log </a:t>
-            </a:r>
-            <a:r>
-              <a:rPr lang="en-US" i="1" dirty="0"/>
-              <a:t>k</a:t>
-            </a:r>
-            <a:r>
-              <a:rPr lang="en-US" dirty="0"/>
-              <a:t>) might be a </a:t>
-            </a:r>
-            <a:r>
-              <a:rPr lang="en-US" dirty="0" err="1"/>
-              <a:t>lowerbound</a:t>
-            </a:r>
-            <a:r>
-              <a:rPr lang="en-US" dirty="0"/>
-              <a:t> on the possible approximability of the problem(within polynomial time), given that such a lower bound</a:t>
+              <a:t>of</a:t>
+            </a:r>
+            <a:r>
+              <a:rPr lang="de-DE" dirty="0"/>
+              <a:t> k-</a:t>
             </a:r>
             <a:r>
               <a:rPr lang="de-DE" dirty="0" err="1"/>
-              <a:t>exists</a:t>
+              <a:t>anonmity</a:t>
             </a:r>
             <a:r>
               <a:rPr lang="de-DE" dirty="0"/>
@@ -7263,28 +7384,82 @@
             </a:r>
             <a:r>
               <a:rPr lang="de-DE" dirty="0" err="1"/>
-              <a:t>for</a:t>
+              <a:t>algorithm</a:t>
             </a:r>
             <a:r>
               <a:rPr lang="de-DE" dirty="0"/>
               <a:t> </a:t>
             </a:r>
             <a:r>
-              <a:rPr lang="de-DE" i="1" dirty="0"/>
-              <a:t>k</a:t>
+              <a:rPr lang="de-DE" dirty="0" err="1"/>
+              <a:t>is</a:t>
             </a:r>
             <a:r>
               <a:rPr lang="de-DE" dirty="0"/>
-              <a:t>-set </a:t>
+              <a:t> </a:t>
             </a:r>
             <a:r>
               <a:rPr lang="de-DE" dirty="0" err="1"/>
-              <a:t>cover</a:t>
+              <a:t>to</a:t>
             </a:r>
             <a:r>
               <a:rPr lang="de-DE" dirty="0"/>
-              <a:t>.</a:t>
-            </a:r>
+              <a:t> find a optimal </a:t>
+            </a:r>
+            <a:r>
+              <a:rPr lang="de-DE" dirty="0" err="1"/>
+              <a:t>solution</a:t>
+            </a:r>
+            <a:endParaRPr lang="de-DE" dirty="0"/>
+          </a:p>
+          <a:p>
+            <a:r>
+              <a:rPr lang="de-DE" dirty="0"/>
+              <a:t>Minimal Information </a:t>
+            </a:r>
+            <a:r>
+              <a:rPr lang="de-DE" dirty="0" err="1"/>
+              <a:t>loss</a:t>
+            </a:r>
+            <a:endParaRPr lang="de-DE" dirty="0"/>
+          </a:p>
+          <a:p>
+            <a:r>
+              <a:rPr lang="de-DE" dirty="0"/>
+              <a:t>Datamining</a:t>
+            </a:r>
+          </a:p>
+          <a:p>
+            <a:r>
+              <a:rPr lang="de-DE" dirty="0"/>
+              <a:t>NP – Hard</a:t>
+            </a:r>
+          </a:p>
+          <a:p>
+            <a:r>
+              <a:rPr lang="de-DE" dirty="0" err="1"/>
+              <a:t>Heuristic</a:t>
+            </a:r>
+            <a:r>
+              <a:rPr lang="de-DE" dirty="0"/>
+              <a:t> /</a:t>
+            </a:r>
+            <a:r>
+              <a:rPr lang="de-DE" dirty="0" err="1"/>
+              <a:t>Approximations</a:t>
+            </a:r>
+            <a:r>
+              <a:rPr lang="de-DE" dirty="0"/>
+              <a:t>/ Loss </a:t>
+            </a:r>
+            <a:r>
+              <a:rPr lang="de-DE" dirty="0" err="1"/>
+              <a:t>Metrics</a:t>
+            </a:r>
+            <a:endParaRPr lang="de-DE" dirty="0"/>
+          </a:p>
+          <a:p>
+            <a:endParaRPr lang="de-DE" dirty="0"/>
           </a:p>
         </p:txBody>
       </p:sp>
@@ -7293,7 +7468,7 @@
           <p:cNvPr id="3" name="Datumsplatzhalter 2">
             <a:extLst>
               <a:ext uri="{FF2B5EF4-FFF2-40B4-BE49-F238E27FC236}">
-                <a16:creationId xmlns:a16="http://schemas.microsoft.com/office/drawing/2014/main" id="{D6F7082F-80F5-4BD0-A486-6D2490774289}"/>
+                <a16:creationId xmlns:a16="http://schemas.microsoft.com/office/drawing/2014/main" id="{49D056D6-2543-4934-B1CF-0CC279797548}"/>
               </a:ext>
             </a:extLst>
           </p:cNvPr>
@@ -7322,7 +7497,7 @@
           <p:cNvPr id="4" name="Fußzeilenplatzhalter 3">
             <a:extLst>
               <a:ext uri="{FF2B5EF4-FFF2-40B4-BE49-F238E27FC236}">
-                <a16:creationId xmlns:a16="http://schemas.microsoft.com/office/drawing/2014/main" id="{FC625E56-3A63-4014-8786-170F790BE14D}"/>
+                <a16:creationId xmlns:a16="http://schemas.microsoft.com/office/drawing/2014/main" id="{ABEE3C34-C2C7-4728-B360-111405533D4C}"/>
               </a:ext>
             </a:extLst>
           </p:cNvPr>
@@ -7351,7 +7526,7 @@
           <p:cNvPr id="5" name="Foliennummernplatzhalter 4">
             <a:extLst>
               <a:ext uri="{FF2B5EF4-FFF2-40B4-BE49-F238E27FC236}">
-                <a16:creationId xmlns:a16="http://schemas.microsoft.com/office/drawing/2014/main" id="{E3E06EDC-210D-44B9-8F36-969C6F592CAC}"/>
+                <a16:creationId xmlns:a16="http://schemas.microsoft.com/office/drawing/2014/main" id="{6EB8AD93-9E3D-4E56-97AA-90997DA25138}"/>
               </a:ext>
             </a:extLst>
           </p:cNvPr>
@@ -7381,7 +7556,7 @@
           <p:cNvPr id="6" name="Titel 5">
             <a:extLst>
               <a:ext uri="{FF2B5EF4-FFF2-40B4-BE49-F238E27FC236}">
-                <a16:creationId xmlns:a16="http://schemas.microsoft.com/office/drawing/2014/main" id="{8408B55F-D343-4B90-B4FA-A9EB5CEA93AF}"/>
+                <a16:creationId xmlns:a16="http://schemas.microsoft.com/office/drawing/2014/main" id="{4BFCF9A1-69B3-4D2C-8818-7711643B9733}"/>
               </a:ext>
             </a:extLst>
           </p:cNvPr>
@@ -7398,37 +7573,57 @@
           <a:lstStyle/>
           <a:p>
             <a:r>
-              <a:rPr lang="de-DE" b="1" dirty="0"/>
-              <a:t>5. </a:t>
-            </a:r>
-            <a:r>
-              <a:rPr lang="de-DE" b="1" dirty="0" err="1"/>
-              <a:t>Complexity</a:t>
-            </a:r>
-            <a:r>
-              <a:rPr lang="de-DE" b="1" dirty="0"/>
-              <a:t> </a:t>
-            </a:r>
-            <a:r>
-              <a:rPr lang="de-DE" b="1" dirty="0" err="1"/>
-              <a:t>of</a:t>
-            </a:r>
-            <a:r>
-              <a:rPr lang="de-DE" b="1" dirty="0"/>
-              <a:t> Optimal K-</a:t>
-            </a:r>
-            <a:r>
-              <a:rPr lang="de-DE" b="1" dirty="0" err="1"/>
+              <a:rPr lang="de-DE" dirty="0"/>
+              <a:t>Optimal K-</a:t>
+            </a:r>
+            <a:r>
+              <a:rPr lang="de-DE" dirty="0" err="1"/>
               <a:t>Anonymity</a:t>
             </a:r>
             <a:endParaRPr lang="de-DE" dirty="0"/>
           </a:p>
         </p:txBody>
       </p:sp>
+      <p:pic>
+        <p:nvPicPr>
+          <p:cNvPr id="8" name="Grafik 7">
+            <a:extLst>
+              <a:ext uri="{FF2B5EF4-FFF2-40B4-BE49-F238E27FC236}">
+                <a16:creationId xmlns:a16="http://schemas.microsoft.com/office/drawing/2014/main" id="{F8F3F7CA-32E0-4C54-8871-FD67CAB0A2A8}"/>
+              </a:ext>
+            </a:extLst>
+          </p:cNvPr>
+          <p:cNvPicPr>
+            <a:picLocks noChangeAspect="1"/>
+          </p:cNvPicPr>
+          <p:nvPr/>
+        </p:nvPicPr>
+        <p:blipFill>
+          <a:blip r:embed="rId3">
+            <a:extLst>
+              <a:ext uri="{28A0092B-C50C-407E-A947-70E740481C1C}">
+                <a14:useLocalDpi xmlns:a14="http://schemas.microsoft.com/office/drawing/2010/main" val="0"/>
+              </a:ext>
+            </a:extLst>
+          </a:blip>
+          <a:stretch>
+            <a:fillRect/>
+          </a:stretch>
+        </p:blipFill>
+        <p:spPr>
+          <a:xfrm>
+            <a:off x="4715669" y="3948489"/>
+            <a:ext cx="3887369" cy="1843724"/>
+          </a:xfrm>
+          <a:prstGeom prst="rect">
+            <a:avLst/>
+          </a:prstGeom>
+        </p:spPr>
+      </p:pic>
     </p:spTree>
     <p:extLst>
       <p:ext uri="{BB962C8B-B14F-4D97-AF65-F5344CB8AC3E}">
-        <p14:creationId xmlns:p14="http://schemas.microsoft.com/office/powerpoint/2010/main" val="3576077466"/>
+        <p14:creationId xmlns:p14="http://schemas.microsoft.com/office/powerpoint/2010/main" val="1624472290"/>
       </p:ext>
     </p:extLst>
   </p:cSld>
@@ -7460,7 +7655,7 @@
           <p:cNvPr id="2" name="Textplatzhalter 1">
             <a:extLst>
               <a:ext uri="{FF2B5EF4-FFF2-40B4-BE49-F238E27FC236}">
-                <a16:creationId xmlns:a16="http://schemas.microsoft.com/office/drawing/2014/main" id="{B7F551F4-610E-488D-AB7B-CE0A61388660}"/>
+                <a16:creationId xmlns:a16="http://schemas.microsoft.com/office/drawing/2014/main" id="{7C32DD69-3EF5-415C-990C-1E48C3A326C4}"/>
               </a:ext>
             </a:extLst>
           </p:cNvPr>
@@ -7476,105 +7671,109 @@
           <a:bodyPr/>
           <a:lstStyle/>
           <a:p>
+            <a:r>
+              <a:rPr lang="en-US" dirty="0"/>
+              <a:t>Suppression refers to removing a certain attribute value</a:t>
+            </a:r>
+            <a:endParaRPr lang="en-US" i="1" dirty="0"/>
+          </a:p>
+          <a:p>
+            <a:pPr marL="0" indent="0">
+              <a:buNone/>
+            </a:pPr>
+            <a:r>
+              <a:rPr lang="en-US" i="1" dirty="0"/>
+              <a:t>and replacing occurrences of the value with a special value</a:t>
+            </a:r>
+          </a:p>
+          <a:p>
+            <a:pPr marL="0" indent="0">
+              <a:buNone/>
+            </a:pPr>
+            <a:r>
+              <a:rPr lang="en-US" i="1" dirty="0"/>
+              <a:t>"?," indicating that any value can be placed instead.</a:t>
+            </a:r>
+          </a:p>
+          <a:p>
+            <a:pPr marL="0" indent="0">
+              <a:buNone/>
+            </a:pPr>
+            <a:r>
+              <a:rPr lang="en-US" i="1" dirty="0"/>
+              <a:t>Suppression can drastically reduce the quality of the data</a:t>
+            </a:r>
+          </a:p>
+          <a:p>
+            <a:pPr marL="0" indent="0">
+              <a:buNone/>
+            </a:pPr>
+            <a:r>
+              <a:rPr lang="en-US" i="1" dirty="0"/>
+              <a:t>Work wise with suppression get help to get k-anonymity but keep in mind that we want to use data -&gt; information loss</a:t>
+            </a:r>
+          </a:p>
+          <a:p>
+            <a:pPr marL="0" indent="0">
+              <a:buNone/>
+            </a:pPr>
+            <a:r>
+              <a:rPr lang="en-US" dirty="0"/>
+              <a:t>Some </a:t>
+            </a:r>
+            <a:r>
+              <a:rPr lang="en-US" dirty="0" err="1"/>
+              <a:t>algorthim</a:t>
+            </a:r>
+            <a:r>
+              <a:rPr lang="en-US" dirty="0"/>
+              <a:t> work with </a:t>
+            </a:r>
+            <a:r>
+              <a:rPr lang="en-US" dirty="0" err="1"/>
+              <a:t>maxsup</a:t>
+            </a:r>
             <a:endParaRPr lang="en-US" dirty="0"/>
           </a:p>
           <a:p>
             <a:r>
-              <a:rPr lang="de-DE" dirty="0"/>
-              <a:t>Goal </a:t>
-            </a:r>
-            <a:r>
-              <a:rPr lang="de-DE" dirty="0" err="1"/>
-              <a:t>of</a:t>
-            </a:r>
-            <a:r>
-              <a:rPr lang="de-DE" dirty="0"/>
-              <a:t> k-</a:t>
-            </a:r>
-            <a:r>
-              <a:rPr lang="de-DE" dirty="0" err="1"/>
-              <a:t>anonmity</a:t>
-            </a:r>
-            <a:r>
-              <a:rPr lang="de-DE" dirty="0"/>
-              <a:t> </a:t>
-            </a:r>
-            <a:r>
-              <a:rPr lang="de-DE" dirty="0" err="1"/>
-              <a:t>algorithm</a:t>
-            </a:r>
-            <a:r>
-              <a:rPr lang="de-DE" dirty="0"/>
-              <a:t> </a:t>
-            </a:r>
-            <a:r>
-              <a:rPr lang="de-DE" dirty="0" err="1"/>
-              <a:t>is</a:t>
-            </a:r>
-            <a:r>
-              <a:rPr lang="de-DE" dirty="0"/>
-              <a:t> </a:t>
-            </a:r>
-            <a:r>
-              <a:rPr lang="de-DE" dirty="0" err="1"/>
-              <a:t>to</a:t>
-            </a:r>
-            <a:r>
-              <a:rPr lang="de-DE" dirty="0"/>
-              <a:t> find a optimal </a:t>
-            </a:r>
-            <a:r>
-              <a:rPr lang="de-DE" dirty="0" err="1"/>
-              <a:t>solution</a:t>
+              <a:rPr lang="en-US" dirty="0"/>
+              <a:t>The idea of generalizing an attribute is a simple concept. A value is replaced by a less specific, more general value that is faithful to the original.</a:t>
+            </a:r>
+          </a:p>
+          <a:p>
+            <a:r>
+              <a:rPr lang="en-US" dirty="0"/>
+              <a:t>Generalization </a:t>
+            </a:r>
+            <a:r>
+              <a:rPr lang="en-US" dirty="0" err="1"/>
+              <a:t>incluce</a:t>
+            </a:r>
+            <a:r>
+              <a:rPr lang="en-US" dirty="0"/>
+              <a:t> suppression </a:t>
+            </a:r>
+          </a:p>
+          <a:p>
+            <a:r>
+              <a:rPr lang="en-US" dirty="0"/>
+              <a:t>There is no </a:t>
+            </a:r>
+            <a:r>
+              <a:rPr lang="en-US" dirty="0" err="1"/>
+              <a:t>compination</a:t>
+            </a:r>
+            <a:r>
+              <a:rPr lang="en-US" dirty="0"/>
+              <a:t> between optimal k-anonymity and </a:t>
+            </a:r>
+            <a:r>
+              <a:rPr lang="en-US" dirty="0" err="1"/>
+              <a:t>dataquality</a:t>
             </a:r>
             <a:endParaRPr lang="de-DE" dirty="0"/>
           </a:p>
-          <a:p>
-            <a:r>
-              <a:rPr lang="de-DE" dirty="0"/>
-              <a:t>Minimal Information </a:t>
-            </a:r>
-            <a:r>
-              <a:rPr lang="de-DE" dirty="0" err="1"/>
-              <a:t>loss</a:t>
-            </a:r>
-            <a:r>
-              <a:rPr lang="de-DE" dirty="0"/>
-              <a:t> </a:t>
-            </a:r>
-          </a:p>
-          <a:p>
-            <a:r>
-              <a:rPr lang="de-DE" dirty="0"/>
-              <a:t>NP – Hard</a:t>
-            </a:r>
-          </a:p>
-          <a:p>
-            <a:r>
-              <a:rPr lang="de-DE" dirty="0" err="1"/>
-              <a:t>Heuristic</a:t>
-            </a:r>
-            <a:r>
-              <a:rPr lang="de-DE" dirty="0"/>
-              <a:t> /</a:t>
-            </a:r>
-            <a:r>
-              <a:rPr lang="de-DE" dirty="0" err="1"/>
-              <a:t>Approximations</a:t>
-            </a:r>
-            <a:r>
-              <a:rPr lang="de-DE" dirty="0"/>
-              <a:t>/ Loss </a:t>
-            </a:r>
-            <a:r>
-              <a:rPr lang="de-DE" dirty="0" err="1"/>
-              <a:t>Metrics</a:t>
-            </a:r>
-            <a:endParaRPr lang="de-DE" dirty="0"/>
-          </a:p>
-          <a:p>
-            <a:endParaRPr lang="de-DE" dirty="0"/>
-          </a:p>
         </p:txBody>
       </p:sp>
       <p:sp>
@@ -7582,7 +7781,7 @@
           <p:cNvPr id="3" name="Datumsplatzhalter 2">
             <a:extLst>
               <a:ext uri="{FF2B5EF4-FFF2-40B4-BE49-F238E27FC236}">
-                <a16:creationId xmlns:a16="http://schemas.microsoft.com/office/drawing/2014/main" id="{49D056D6-2543-4934-B1CF-0CC279797548}"/>
+                <a16:creationId xmlns:a16="http://schemas.microsoft.com/office/drawing/2014/main" id="{3B376E2D-21B0-4BCB-B6B7-6911665926D4}"/>
               </a:ext>
             </a:extLst>
           </p:cNvPr>
@@ -7611,7 +7810,7 @@
           <p:cNvPr id="4" name="Fußzeilenplatzhalter 3">
             <a:extLst>
               <a:ext uri="{FF2B5EF4-FFF2-40B4-BE49-F238E27FC236}">
-                <a16:creationId xmlns:a16="http://schemas.microsoft.com/office/drawing/2014/main" id="{ABEE3C34-C2C7-4728-B360-111405533D4C}"/>
+                <a16:creationId xmlns:a16="http://schemas.microsoft.com/office/drawing/2014/main" id="{7F4344EE-8113-4041-BDC8-BFC34AA277B9}"/>
               </a:ext>
             </a:extLst>
           </p:cNvPr>
@@ -7628,10 +7827,21 @@
           <a:lstStyle/>
           <a:p>
             <a:r>
-              <a:rPr lang="de-DE"/>
-              <a:t>Schallner Ludwig, Wiegnand Andreas</a:t>
-            </a:r>
-            <a:endParaRPr lang="de-DE" dirty="0"/>
+              <a:rPr lang="de-DE" dirty="0" err="1"/>
+              <a:t>Schallner</a:t>
+            </a:r>
+            <a:r>
+              <a:rPr lang="de-DE" dirty="0"/>
+              <a:t> Ludwig, </a:t>
+            </a:r>
+            <a:r>
+              <a:rPr lang="de-DE" dirty="0" err="1"/>
+              <a:t>Wiegnand</a:t>
+            </a:r>
+            <a:r>
+              <a:rPr lang="de-DE" dirty="0"/>
+              <a:t> Andreas</a:t>
+            </a:r>
           </a:p>
         </p:txBody>
       </p:sp>
@@ -7640,7 +7850,7 @@
           <p:cNvPr id="5" name="Foliennummernplatzhalter 4">
             <a:extLst>
               <a:ext uri="{FF2B5EF4-FFF2-40B4-BE49-F238E27FC236}">
-                <a16:creationId xmlns:a16="http://schemas.microsoft.com/office/drawing/2014/main" id="{6EB8AD93-9E3D-4E56-97AA-90997DA25138}"/>
+                <a16:creationId xmlns:a16="http://schemas.microsoft.com/office/drawing/2014/main" id="{AE20C96D-28EE-47F2-8898-160717279F6F}"/>
               </a:ext>
             </a:extLst>
           </p:cNvPr>
@@ -7670,7 +7880,7 @@
           <p:cNvPr id="6" name="Titel 5">
             <a:extLst>
               <a:ext uri="{FF2B5EF4-FFF2-40B4-BE49-F238E27FC236}">
-                <a16:creationId xmlns:a16="http://schemas.microsoft.com/office/drawing/2014/main" id="{4BFCF9A1-69B3-4D2C-8818-7711643B9733}"/>
+                <a16:creationId xmlns:a16="http://schemas.microsoft.com/office/drawing/2014/main" id="{F4C53128-9BE4-4961-B2C1-5007447E2543}"/>
               </a:ext>
             </a:extLst>
           </p:cNvPr>
@@ -7688,56 +7898,36 @@
           <a:p>
             <a:r>
               <a:rPr lang="de-DE" dirty="0"/>
-              <a:t>Optimal K-</a:t>
+              <a:t>K-</a:t>
             </a:r>
             <a:r>
               <a:rPr lang="de-DE" dirty="0" err="1"/>
               <a:t>Anonymity</a:t>
             </a:r>
+            <a:r>
+              <a:rPr lang="de-DE" dirty="0"/>
+              <a:t> </a:t>
+            </a:r>
+            <a:r>
+              <a:rPr lang="de-DE" dirty="0" err="1"/>
+              <a:t>Generalization</a:t>
+            </a:r>
+            <a:r>
+              <a:rPr lang="de-DE" dirty="0"/>
+              <a:t> and </a:t>
+            </a:r>
+            <a:r>
+              <a:rPr lang="de-DE" dirty="0" err="1"/>
+              <a:t>Supression</a:t>
+            </a:r>
             <a:endParaRPr lang="de-DE" dirty="0"/>
           </a:p>
         </p:txBody>
       </p:sp>
-      <p:pic>
-        <p:nvPicPr>
-          <p:cNvPr id="8" name="Grafik 7">
-            <a:extLst>
-              <a:ext uri="{FF2B5EF4-FFF2-40B4-BE49-F238E27FC236}">
-                <a16:creationId xmlns:a16="http://schemas.microsoft.com/office/drawing/2014/main" id="{F8F3F7CA-32E0-4C54-8871-FD67CAB0A2A8}"/>
-              </a:ext>
-            </a:extLst>
-          </p:cNvPr>
-          <p:cNvPicPr>
-            <a:picLocks noChangeAspect="1"/>
-          </p:cNvPicPr>
-          <p:nvPr/>
-        </p:nvPicPr>
-        <p:blipFill>
-          <a:blip r:embed="rId3">
-            <a:extLst>
-              <a:ext uri="{28A0092B-C50C-407E-A947-70E740481C1C}">
-                <a14:useLocalDpi xmlns:a14="http://schemas.microsoft.com/office/drawing/2010/main" val="0"/>
-              </a:ext>
-            </a:extLst>
-          </a:blip>
-          <a:stretch>
-            <a:fillRect/>
-          </a:stretch>
-        </p:blipFill>
-        <p:spPr>
-          <a:xfrm>
-            <a:off x="4836468" y="3429000"/>
-            <a:ext cx="3887369" cy="1843724"/>
-          </a:xfrm>
-          <a:prstGeom prst="rect">
-            <a:avLst/>
-          </a:prstGeom>
-        </p:spPr>
-      </p:pic>
     </p:spTree>
     <p:extLst>
       <p:ext uri="{BB962C8B-B14F-4D97-AF65-F5344CB8AC3E}">
-        <p14:creationId xmlns:p14="http://schemas.microsoft.com/office/powerpoint/2010/main" val="1624472290"/>
+        <p14:creationId xmlns:p14="http://schemas.microsoft.com/office/powerpoint/2010/main" val="1303133818"/>
       </p:ext>
     </p:extLst>
   </p:cSld>
@@ -7764,12 +7954,42 @@
           <a:chExt cx="0" cy="0"/>
         </a:xfrm>
       </p:grpSpPr>
+      <p:pic>
+        <p:nvPicPr>
+          <p:cNvPr id="7" name="Grafik 6">
+            <a:extLst>
+              <a:ext uri="{FF2B5EF4-FFF2-40B4-BE49-F238E27FC236}">
+                <a16:creationId xmlns:a16="http://schemas.microsoft.com/office/drawing/2014/main" id="{A8156BB6-EC70-48A0-9B51-DFE5080A303E}"/>
+              </a:ext>
+            </a:extLst>
+          </p:cNvPr>
+          <p:cNvPicPr>
+            <a:picLocks noChangeAspect="1"/>
+          </p:cNvPicPr>
+          <p:nvPr/>
+        </p:nvPicPr>
+        <p:blipFill>
+          <a:blip r:embed="rId2"/>
+          <a:stretch>
+            <a:fillRect/>
+          </a:stretch>
+        </p:blipFill>
+        <p:spPr>
+          <a:xfrm>
+            <a:off x="571500" y="1181100"/>
+            <a:ext cx="8001000" cy="4495800"/>
+          </a:xfrm>
+          <a:prstGeom prst="rect">
+            <a:avLst/>
+          </a:prstGeom>
+        </p:spPr>
+      </p:pic>
       <p:sp>
         <p:nvSpPr>
           <p:cNvPr id="2" name="Textplatzhalter 1">
             <a:extLst>
               <a:ext uri="{FF2B5EF4-FFF2-40B4-BE49-F238E27FC236}">
-                <a16:creationId xmlns:a16="http://schemas.microsoft.com/office/drawing/2014/main" id="{7C32DD69-3EF5-415C-990C-1E48C3A326C4}"/>
+                <a16:creationId xmlns:a16="http://schemas.microsoft.com/office/drawing/2014/main" id="{034F2046-7F40-4A70-A3ED-3150BBCA17B9}"/>
               </a:ext>
             </a:extLst>
           </p:cNvPr>
@@ -7785,107 +8005,6 @@
           <a:bodyPr/>
           <a:lstStyle/>
           <a:p>
-            <a:r>
-              <a:rPr lang="en-US" dirty="0"/>
-              <a:t>Suppression refers to removing a certain attribute value</a:t>
-            </a:r>
-            <a:endParaRPr lang="en-US" i="1" dirty="0"/>
-          </a:p>
-          <a:p>
-            <a:pPr marL="0" indent="0">
-              <a:buNone/>
-            </a:pPr>
-            <a:r>
-              <a:rPr lang="en-US" i="1" dirty="0"/>
-              <a:t>and replacing occurrences of the value with a special value</a:t>
-            </a:r>
-          </a:p>
-          <a:p>
-            <a:pPr marL="0" indent="0">
-              <a:buNone/>
-            </a:pPr>
-            <a:r>
-              <a:rPr lang="en-US" i="1" dirty="0"/>
-              <a:t>"?," indicating that any value can be placed instead.</a:t>
-            </a:r>
-          </a:p>
-          <a:p>
-            <a:pPr marL="0" indent="0">
-              <a:buNone/>
-            </a:pPr>
-            <a:r>
-              <a:rPr lang="en-US" i="1" dirty="0"/>
-              <a:t>Suppression can drastically reduce the quality of the data</a:t>
-            </a:r>
-          </a:p>
-          <a:p>
-            <a:pPr marL="0" indent="0">
-              <a:buNone/>
-            </a:pPr>
-            <a:r>
-              <a:rPr lang="en-US" i="1" dirty="0"/>
-              <a:t>Work wise with suppression get help to get k-anonymity but keep in mind that we want to use data -&gt; information loss</a:t>
-            </a:r>
-          </a:p>
-          <a:p>
-            <a:pPr marL="0" indent="0">
-              <a:buNone/>
-            </a:pPr>
-            <a:r>
-              <a:rPr lang="en-US" dirty="0"/>
-              <a:t>Some </a:t>
-            </a:r>
-            <a:r>
-              <a:rPr lang="en-US" dirty="0" err="1"/>
-              <a:t>algorthim</a:t>
-            </a:r>
-            <a:r>
-              <a:rPr lang="en-US" dirty="0"/>
-              <a:t> work with </a:t>
-            </a:r>
-            <a:r>
-              <a:rPr lang="en-US" dirty="0" err="1"/>
-              <a:t>maxsup</a:t>
-            </a:r>
-            <a:endParaRPr lang="en-US" dirty="0"/>
-          </a:p>
-          <a:p>
-            <a:r>
-              <a:rPr lang="en-US" dirty="0"/>
-              <a:t>The idea of generalizing an attribute is a simple concept. A value is replaced by a less specific, more general value that is faithful to the original.</a:t>
-            </a:r>
-          </a:p>
-          <a:p>
-            <a:r>
-              <a:rPr lang="en-US" dirty="0"/>
-              <a:t>Generalization </a:t>
-            </a:r>
-            <a:r>
-              <a:rPr lang="en-US" dirty="0" err="1"/>
-              <a:t>incluce</a:t>
-            </a:r>
-            <a:r>
-              <a:rPr lang="en-US" dirty="0"/>
-              <a:t> suppression </a:t>
-            </a:r>
-          </a:p>
-          <a:p>
-            <a:r>
-              <a:rPr lang="en-US" dirty="0"/>
-              <a:t>There is no </a:t>
-            </a:r>
-            <a:r>
-              <a:rPr lang="en-US" dirty="0" err="1"/>
-              <a:t>compination</a:t>
-            </a:r>
-            <a:r>
-              <a:rPr lang="en-US" dirty="0"/>
-              <a:t> between optimal k-anonymity and </a:t>
-            </a:r>
-            <a:r>
-              <a:rPr lang="en-US" dirty="0" err="1"/>
-              <a:t>dataquality</a:t>
-            </a:r>
             <a:endParaRPr lang="de-DE" dirty="0"/>
           </a:p>
         </p:txBody>
@@ -7895,7 +8014,7 @@
           <p:cNvPr id="3" name="Datumsplatzhalter 2">
             <a:extLst>
               <a:ext uri="{FF2B5EF4-FFF2-40B4-BE49-F238E27FC236}">
-                <a16:creationId xmlns:a16="http://schemas.microsoft.com/office/drawing/2014/main" id="{3B376E2D-21B0-4BCB-B6B7-6911665926D4}"/>
+                <a16:creationId xmlns:a16="http://schemas.microsoft.com/office/drawing/2014/main" id="{E43159F1-4B2B-4D8A-85F3-BE6869DA49B7}"/>
               </a:ext>
             </a:extLst>
           </p:cNvPr>
@@ -7924,7 +8043,7 @@
           <p:cNvPr id="4" name="Fußzeilenplatzhalter 3">
             <a:extLst>
               <a:ext uri="{FF2B5EF4-FFF2-40B4-BE49-F238E27FC236}">
-                <a16:creationId xmlns:a16="http://schemas.microsoft.com/office/drawing/2014/main" id="{7F4344EE-8113-4041-BDC8-BFC34AA277B9}"/>
+                <a16:creationId xmlns:a16="http://schemas.microsoft.com/office/drawing/2014/main" id="{B03DDF20-3961-43D3-A811-B75326A33DE3}"/>
               </a:ext>
             </a:extLst>
           </p:cNvPr>
@@ -7941,21 +8060,10 @@
           <a:lstStyle/>
           <a:p>
             <a:r>
-              <a:rPr lang="de-DE" dirty="0" err="1"/>
-              <a:t>Schallner</a:t>
-            </a:r>
-            <a:r>
-              <a:rPr lang="de-DE" dirty="0"/>
-              <a:t> Ludwig, </a:t>
-            </a:r>
-            <a:r>
-              <a:rPr lang="de-DE" dirty="0" err="1"/>
-              <a:t>Wiegnand</a:t>
-            </a:r>
-            <a:r>
-              <a:rPr lang="de-DE" dirty="0"/>
-              <a:t> Andreas</a:t>
-            </a:r>
+              <a:rPr lang="de-DE"/>
+              <a:t>Schallner Ludwig, Wiegnand Andreas</a:t>
+            </a:r>
+            <a:endParaRPr lang="de-DE" dirty="0"/>
           </a:p>
         </p:txBody>
       </p:sp>
@@ -7964,7 +8072,7 @@
           <p:cNvPr id="5" name="Foliennummernplatzhalter 4">
             <a:extLst>
               <a:ext uri="{FF2B5EF4-FFF2-40B4-BE49-F238E27FC236}">
-                <a16:creationId xmlns:a16="http://schemas.microsoft.com/office/drawing/2014/main" id="{AE20C96D-28EE-47F2-8898-160717279F6F}"/>
+                <a16:creationId xmlns:a16="http://schemas.microsoft.com/office/drawing/2014/main" id="{87F80F08-6213-4E62-BB1A-D9FADB986BAD}"/>
               </a:ext>
             </a:extLst>
           </p:cNvPr>
@@ -7994,7 +8102,7 @@
           <p:cNvPr id="6" name="Titel 5">
             <a:extLst>
               <a:ext uri="{FF2B5EF4-FFF2-40B4-BE49-F238E27FC236}">
-                <a16:creationId xmlns:a16="http://schemas.microsoft.com/office/drawing/2014/main" id="{F4C53128-9BE4-4961-B2C1-5007447E2543}"/>
+                <a16:creationId xmlns:a16="http://schemas.microsoft.com/office/drawing/2014/main" id="{BD79206F-6FDA-472B-A9F3-982A455FAE6A}"/>
               </a:ext>
             </a:extLst>
           </p:cNvPr>
@@ -8024,15 +8132,15 @@
             </a:r>
             <a:r>
               <a:rPr lang="de-DE" dirty="0" err="1"/>
-              <a:t>Generalization</a:t>
+              <a:t>Generalication</a:t>
             </a:r>
             <a:r>
               <a:rPr lang="de-DE" dirty="0"/>
-              <a:t> and </a:t>
+              <a:t> </a:t>
             </a:r>
             <a:r>
               <a:rPr lang="de-DE" dirty="0" err="1"/>
-              <a:t>Supression</a:t>
+              <a:t>latis</a:t>
             </a:r>
             <a:endParaRPr lang="de-DE" dirty="0"/>
           </a:p>
@@ -8041,7 +8149,7 @@
     </p:spTree>
     <p:extLst>
       <p:ext uri="{BB962C8B-B14F-4D97-AF65-F5344CB8AC3E}">
-        <p14:creationId xmlns:p14="http://schemas.microsoft.com/office/powerpoint/2010/main" val="1303133818"/>
+        <p14:creationId xmlns:p14="http://schemas.microsoft.com/office/powerpoint/2010/main" val="1502828464"/>
       </p:ext>
     </p:extLst>
   </p:cSld>
@@ -8073,7 +8181,7 @@
           <p:cNvPr id="7" name="Grafik 6">
             <a:extLst>
               <a:ext uri="{FF2B5EF4-FFF2-40B4-BE49-F238E27FC236}">
-                <a16:creationId xmlns:a16="http://schemas.microsoft.com/office/drawing/2014/main" id="{A8156BB6-EC70-48A0-9B51-DFE5080A303E}"/>
+                <a16:creationId xmlns:a16="http://schemas.microsoft.com/office/drawing/2014/main" id="{404361C0-34F1-4172-B597-BD63A2DD00C9}"/>
               </a:ext>
             </a:extLst>
           </p:cNvPr>
@@ -8083,15 +8191,15 @@
           <p:nvPr/>
         </p:nvPicPr>
         <p:blipFill>
-          <a:blip r:embed="rId2"/>
+          <a:blip r:embed="rId3"/>
           <a:stretch>
             <a:fillRect/>
           </a:stretch>
         </p:blipFill>
         <p:spPr>
           <a:xfrm>
-            <a:off x="571500" y="1181100"/>
-            <a:ext cx="8001000" cy="4495800"/>
+            <a:off x="971550" y="857250"/>
+            <a:ext cx="7200900" cy="5143500"/>
           </a:xfrm>
           <a:prstGeom prst="rect">
             <a:avLst/>
@@ -8103,7 +8211,7 @@
           <p:cNvPr id="2" name="Textplatzhalter 1">
             <a:extLst>
               <a:ext uri="{FF2B5EF4-FFF2-40B4-BE49-F238E27FC236}">
-                <a16:creationId xmlns:a16="http://schemas.microsoft.com/office/drawing/2014/main" id="{034F2046-7F40-4A70-A3ED-3150BBCA17B9}"/>
+                <a16:creationId xmlns:a16="http://schemas.microsoft.com/office/drawing/2014/main" id="{D81D69B6-3ED0-4715-9352-EDA6248A4339}"/>
               </a:ext>
             </a:extLst>
           </p:cNvPr>
@@ -8114,7 +8222,12 @@
             <p:ph type="body" sz="quarter" idx="13"/>
           </p:nvPr>
         </p:nvSpPr>
-        <p:spPr/>
+        <p:spPr>
+          <a:xfrm>
+            <a:off x="430213" y="838200"/>
+            <a:ext cx="7144790" cy="4607024"/>
+          </a:xfrm>
+        </p:spPr>
         <p:txBody>
           <a:bodyPr/>
           <a:lstStyle/>
@@ -8128,7 +8241,7 @@
           <p:cNvPr id="3" name="Datumsplatzhalter 2">
             <a:extLst>
               <a:ext uri="{FF2B5EF4-FFF2-40B4-BE49-F238E27FC236}">
-                <a16:creationId xmlns:a16="http://schemas.microsoft.com/office/drawing/2014/main" id="{E43159F1-4B2B-4D8A-85F3-BE6869DA49B7}"/>
+                <a16:creationId xmlns:a16="http://schemas.microsoft.com/office/drawing/2014/main" id="{4EB317CE-989D-4B30-A8C6-7028647C0F56}"/>
               </a:ext>
             </a:extLst>
           </p:cNvPr>
@@ -8157,7 +8270,7 @@
           <p:cNvPr id="4" name="Fußzeilenplatzhalter 3">
             <a:extLst>
               <a:ext uri="{FF2B5EF4-FFF2-40B4-BE49-F238E27FC236}">
-                <a16:creationId xmlns:a16="http://schemas.microsoft.com/office/drawing/2014/main" id="{B03DDF20-3961-43D3-A811-B75326A33DE3}"/>
+                <a16:creationId xmlns:a16="http://schemas.microsoft.com/office/drawing/2014/main" id="{1DB02071-4B88-4207-A0BA-496FA298C163}"/>
               </a:ext>
             </a:extLst>
           </p:cNvPr>
@@ -8186,7 +8299,7 @@
           <p:cNvPr id="5" name="Foliennummernplatzhalter 4">
             <a:extLst>
               <a:ext uri="{FF2B5EF4-FFF2-40B4-BE49-F238E27FC236}">
-                <a16:creationId xmlns:a16="http://schemas.microsoft.com/office/drawing/2014/main" id="{87F80F08-6213-4E62-BB1A-D9FADB986BAD}"/>
+                <a16:creationId xmlns:a16="http://schemas.microsoft.com/office/drawing/2014/main" id="{FFB2AEF1-EAC4-4B51-BD15-4750BC6FFC35}"/>
               </a:ext>
             </a:extLst>
           </p:cNvPr>
@@ -8216,7 +8329,7 @@
           <p:cNvPr id="6" name="Titel 5">
             <a:extLst>
               <a:ext uri="{FF2B5EF4-FFF2-40B4-BE49-F238E27FC236}">
-                <a16:creationId xmlns:a16="http://schemas.microsoft.com/office/drawing/2014/main" id="{BD79206F-6FDA-472B-A9F3-982A455FAE6A}"/>
+                <a16:creationId xmlns:a16="http://schemas.microsoft.com/office/drawing/2014/main" id="{5BED4C25-0DB8-433E-99DC-8A6377B5AE22}"/>
               </a:ext>
             </a:extLst>
           </p:cNvPr>
@@ -8232,38 +8345,14 @@
           <a:bodyPr/>
           <a:lstStyle/>
           <a:p>
-            <a:r>
-              <a:rPr lang="de-DE" dirty="0"/>
-              <a:t>K-</a:t>
-            </a:r>
-            <a:r>
-              <a:rPr lang="de-DE" dirty="0" err="1"/>
-              <a:t>Anonymity</a:t>
-            </a:r>
-            <a:r>
-              <a:rPr lang="de-DE" dirty="0"/>
-              <a:t> </a:t>
-            </a:r>
-            <a:r>
-              <a:rPr lang="de-DE" dirty="0" err="1"/>
-              <a:t>Generalication</a:t>
-            </a:r>
-            <a:r>
-              <a:rPr lang="de-DE" dirty="0"/>
-              <a:t> </a:t>
-            </a:r>
-            <a:r>
-              <a:rPr lang="de-DE" dirty="0" err="1"/>
-              <a:t>latis</a:t>
-            </a:r>
-            <a:endParaRPr lang="de-DE" dirty="0"/>
+            <a:endParaRPr lang="de-DE"/>
           </a:p>
         </p:txBody>
       </p:sp>
     </p:spTree>
     <p:extLst>
       <p:ext uri="{BB962C8B-B14F-4D97-AF65-F5344CB8AC3E}">
-        <p14:creationId xmlns:p14="http://schemas.microsoft.com/office/powerpoint/2010/main" val="1502828464"/>
+        <p14:creationId xmlns:p14="http://schemas.microsoft.com/office/powerpoint/2010/main" val="1674632603"/>
       </p:ext>
     </p:extLst>
   </p:cSld>
@@ -8290,72 +8379,120 @@
           <a:chExt cx="0" cy="0"/>
         </a:xfrm>
       </p:grpSpPr>
-      <p:pic>
-        <p:nvPicPr>
-          <p:cNvPr id="7" name="Grafik 6">
+      <p:sp>
+        <p:nvSpPr>
+          <p:cNvPr id="2" name="Textplatzhalter 1">
             <a:extLst>
               <a:ext uri="{FF2B5EF4-FFF2-40B4-BE49-F238E27FC236}">
-                <a16:creationId xmlns:a16="http://schemas.microsoft.com/office/drawing/2014/main" id="{404361C0-34F1-4172-B597-BD63A2DD00C9}"/>
+                <a16:creationId xmlns:a16="http://schemas.microsoft.com/office/drawing/2014/main" id="{E3D17F9A-0A39-4F75-854E-40B22C4A2CA6}"/>
               </a:ext>
             </a:extLst>
           </p:cNvPr>
-          <p:cNvPicPr>
-            <a:picLocks noChangeAspect="1"/>
-          </p:cNvPicPr>
-          <p:nvPr/>
-        </p:nvPicPr>
-        <p:blipFill>
-          <a:blip r:embed="rId3"/>
-          <a:stretch>
-            <a:fillRect/>
-          </a:stretch>
-        </p:blipFill>
-        <p:spPr>
-          <a:xfrm>
-            <a:off x="971550" y="857250"/>
-            <a:ext cx="7200900" cy="5143500"/>
-          </a:xfrm>
-          <a:prstGeom prst="rect">
-            <a:avLst/>
-          </a:prstGeom>
-        </p:spPr>
-      </p:pic>
-      <p:sp>
-        <p:nvSpPr>
-          <p:cNvPr id="2" name="Textplatzhalter 1">
+          <p:cNvSpPr>
+            <a:spLocks noGrp="1"/>
+          </p:cNvSpPr>
+          <p:nvPr>
+            <p:ph type="body" sz="quarter" idx="13"/>
+          </p:nvPr>
+        </p:nvSpPr>
+        <p:spPr/>
+        <p:txBody>
+          <a:bodyPr/>
+          <a:lstStyle/>
+          <a:p>
+            <a:r>
+              <a:rPr lang="en-US" dirty="0"/>
+              <a:t>Lowest lattice height</a:t>
+            </a:r>
+          </a:p>
+          <a:p>
+            <a:r>
+              <a:rPr lang="en-US" dirty="0"/>
+              <a:t>example</a:t>
+            </a:r>
+          </a:p>
+          <a:p>
+            <a:r>
+              <a:rPr lang="en-US" dirty="0" err="1"/>
+              <a:t>Prec</a:t>
+            </a:r>
+            <a:r>
+              <a:rPr lang="en-US" dirty="0"/>
+              <a:t>: takes lattice height into account</a:t>
+            </a:r>
+          </a:p>
+          <a:p>
+            <a:r>
+              <a:rPr lang="en-US" dirty="0"/>
+              <a:t>example</a:t>
+            </a:r>
+          </a:p>
+          <a:p>
+            <a:r>
+              <a:rPr lang="de-DE" dirty="0" err="1"/>
+              <a:t>Discernability</a:t>
+            </a:r>
+            <a:r>
+              <a:rPr lang="de-DE" dirty="0"/>
+              <a:t> </a:t>
+            </a:r>
+            <a:r>
+              <a:rPr lang="de-DE" dirty="0" err="1"/>
+              <a:t>Metric</a:t>
+            </a:r>
+            <a:r>
+              <a:rPr lang="de-DE" dirty="0"/>
+              <a:t> </a:t>
+            </a:r>
+            <a:r>
+              <a:rPr lang="de-DE" dirty="0" err="1"/>
+              <a:t>or</a:t>
+            </a:r>
+            <a:r>
+              <a:rPr lang="de-DE" dirty="0"/>
+              <a:t> DM.</a:t>
+            </a:r>
+          </a:p>
+          <a:p>
+            <a:r>
+              <a:rPr lang="de-DE" dirty="0" err="1"/>
+              <a:t>Example</a:t>
+            </a:r>
+            <a:endParaRPr lang="de-DE" dirty="0"/>
+          </a:p>
+          <a:p>
+            <a:r>
+              <a:rPr lang="de-DE" dirty="0" err="1"/>
+              <a:t>Entropy</a:t>
+            </a:r>
+            <a:r>
+              <a:rPr lang="de-DE" dirty="0"/>
+              <a:t> </a:t>
+            </a:r>
+          </a:p>
+          <a:p>
+            <a:endParaRPr lang="en-US" dirty="0"/>
+          </a:p>
+          <a:p>
+            <a:pPr marL="0" indent="0">
+              <a:buNone/>
+            </a:pPr>
+            <a:endParaRPr lang="de-DE" dirty="0"/>
+          </a:p>
+          <a:p>
+            <a:pPr marL="0" indent="0">
+              <a:buNone/>
+            </a:pPr>
+            <a:endParaRPr lang="de-DE" dirty="0"/>
+          </a:p>
+        </p:txBody>
+      </p:sp>
+      <p:sp>
+        <p:nvSpPr>
+          <p:cNvPr id="3" name="Datumsplatzhalter 2">
             <a:extLst>
               <a:ext uri="{FF2B5EF4-FFF2-40B4-BE49-F238E27FC236}">
-                <a16:creationId xmlns:a16="http://schemas.microsoft.com/office/drawing/2014/main" id="{D81D69B6-3ED0-4715-9352-EDA6248A4339}"/>
-              </a:ext>
-            </a:extLst>
-          </p:cNvPr>
-          <p:cNvSpPr>
-            <a:spLocks noGrp="1"/>
-          </p:cNvSpPr>
-          <p:nvPr>
-            <p:ph type="body" sz="quarter" idx="13"/>
-          </p:nvPr>
-        </p:nvSpPr>
-        <p:spPr>
-          <a:xfrm>
-            <a:off x="430213" y="838200"/>
-            <a:ext cx="7144790" cy="4607024"/>
-          </a:xfrm>
-        </p:spPr>
-        <p:txBody>
-          <a:bodyPr/>
-          <a:lstStyle/>
-          <a:p>
-            <a:endParaRPr lang="de-DE" dirty="0"/>
-          </a:p>
-        </p:txBody>
-      </p:sp>
-      <p:sp>
-        <p:nvSpPr>
-          <p:cNvPr id="3" name="Datumsplatzhalter 2">
-            <a:extLst>
-              <a:ext uri="{FF2B5EF4-FFF2-40B4-BE49-F238E27FC236}">
-                <a16:creationId xmlns:a16="http://schemas.microsoft.com/office/drawing/2014/main" id="{4EB317CE-989D-4B30-A8C6-7028647C0F56}"/>
+                <a16:creationId xmlns:a16="http://schemas.microsoft.com/office/drawing/2014/main" id="{A68384B8-66CF-4BD3-A5AB-E87867EF3C2B}"/>
               </a:ext>
             </a:extLst>
           </p:cNvPr>
@@ -8384,7 +8521,7 @@
           <p:cNvPr id="4" name="Fußzeilenplatzhalter 3">
             <a:extLst>
               <a:ext uri="{FF2B5EF4-FFF2-40B4-BE49-F238E27FC236}">
-                <a16:creationId xmlns:a16="http://schemas.microsoft.com/office/drawing/2014/main" id="{1DB02071-4B88-4207-A0BA-496FA298C163}"/>
+                <a16:creationId xmlns:a16="http://schemas.microsoft.com/office/drawing/2014/main" id="{7E2CE6D8-D5D6-4A15-A2C8-3CA027F30E15}"/>
               </a:ext>
             </a:extLst>
           </p:cNvPr>
@@ -8413,7 +8550,7 @@
           <p:cNvPr id="5" name="Foliennummernplatzhalter 4">
             <a:extLst>
               <a:ext uri="{FF2B5EF4-FFF2-40B4-BE49-F238E27FC236}">
-                <a16:creationId xmlns:a16="http://schemas.microsoft.com/office/drawing/2014/main" id="{FFB2AEF1-EAC4-4B51-BD15-4750BC6FFC35}"/>
+                <a16:creationId xmlns:a16="http://schemas.microsoft.com/office/drawing/2014/main" id="{7A8DDBC5-B170-46EA-8A07-9B5F1BA12FA5}"/>
               </a:ext>
             </a:extLst>
           </p:cNvPr>
@@ -8443,7 +8580,7 @@
           <p:cNvPr id="6" name="Titel 5">
             <a:extLst>
               <a:ext uri="{FF2B5EF4-FFF2-40B4-BE49-F238E27FC236}">
-                <a16:creationId xmlns:a16="http://schemas.microsoft.com/office/drawing/2014/main" id="{5BED4C25-0DB8-433E-99DC-8A6377B5AE22}"/>
+                <a16:creationId xmlns:a16="http://schemas.microsoft.com/office/drawing/2014/main" id="{978BDDAC-E0CA-49BD-8B75-08F55695DBC8}"/>
               </a:ext>
             </a:extLst>
           </p:cNvPr>
@@ -8459,14 +8596,30 @@
           <a:bodyPr/>
           <a:lstStyle/>
           <a:p>
-            <a:endParaRPr lang="de-DE"/>
+            <a:r>
+              <a:rPr lang="de-DE" dirty="0"/>
+              <a:t>K-</a:t>
+            </a:r>
+            <a:r>
+              <a:rPr lang="de-DE" dirty="0" err="1"/>
+              <a:t>anonymity</a:t>
+            </a:r>
+            <a:r>
+              <a:rPr lang="de-DE" dirty="0"/>
+              <a:t> Information Loss </a:t>
+            </a:r>
+            <a:r>
+              <a:rPr lang="de-DE" dirty="0" err="1"/>
+              <a:t>Metric</a:t>
+            </a:r>
+            <a:endParaRPr lang="de-DE" dirty="0"/>
           </a:p>
         </p:txBody>
       </p:sp>
     </p:spTree>
     <p:extLst>
       <p:ext uri="{BB962C8B-B14F-4D97-AF65-F5344CB8AC3E}">
-        <p14:creationId xmlns:p14="http://schemas.microsoft.com/office/powerpoint/2010/main" val="1674632603"/>
+        <p14:creationId xmlns:p14="http://schemas.microsoft.com/office/powerpoint/2010/main" val="3541022022"/>
       </p:ext>
     </p:extLst>
   </p:cSld>
@@ -8495,13 +8648,7 @@
       </p:grpSpPr>
       <p:sp>
         <p:nvSpPr>
-          <p:cNvPr id="2" name="Textplatzhalter 1">
-            <a:extLst>
-              <a:ext uri="{FF2B5EF4-FFF2-40B4-BE49-F238E27FC236}">
-                <a16:creationId xmlns:a16="http://schemas.microsoft.com/office/drawing/2014/main" id="{E3D17F9A-0A39-4F75-854E-40B22C4A2CA6}"/>
-              </a:ext>
-            </a:extLst>
-          </p:cNvPr>
+          <p:cNvPr id="2" name="Textplatzhalter 1"/>
           <p:cNvSpPr>
             <a:spLocks noGrp="1"/>
           </p:cNvSpPr>
@@ -8513,78 +8660,17 @@
         <p:txBody>
           <a:bodyPr/>
           <a:lstStyle/>
-          <a:p>
-            <a:r>
-              <a:rPr lang="en-US" dirty="0"/>
-              <a:t>Out of the highlighted nodes in the lattice, Samarati24</a:t>
-            </a:r>
-          </a:p>
           <a:p>
             <a:pPr marL="0" indent="0">
               <a:buNone/>
             </a:pPr>
             <a:r>
-              <a:rPr lang="en-US" dirty="0"/>
-              <a:t>proposes that the node with the lowest lattice height should</a:t>
-            </a:r>
-          </a:p>
-          <a:p>
-            <a:pPr marL="0" indent="0">
-              <a:buNone/>
-            </a:pPr>
-            <a:r>
-              <a:rPr lang="en-US" dirty="0"/>
-              <a:t>be selected as the optimal solution.</a:t>
-            </a:r>
-          </a:p>
-          <a:p>
-            <a:pPr marL="0" indent="0">
-              <a:buNone/>
-            </a:pPr>
-            <a:endParaRPr lang="en-US" dirty="0"/>
-          </a:p>
-          <a:p>
-            <a:r>
-              <a:rPr lang="en-US" dirty="0"/>
-              <a:t>An information loss metric that takes into account the height of the generalization hierarchy is Precision or </a:t>
-            </a:r>
-            <a:r>
-              <a:rPr lang="en-US" i="1" dirty="0"/>
-              <a:t>Prec</a:t>
-            </a:r>
-            <a:r>
-              <a:rPr lang="en-US" dirty="0"/>
-              <a:t>. The </a:t>
-            </a:r>
-            <a:r>
-              <a:rPr lang="en-US" i="1" dirty="0" err="1"/>
-              <a:t>Prec</a:t>
-            </a:r>
-            <a:r>
-              <a:rPr lang="en-US" i="1" dirty="0"/>
-              <a:t> </a:t>
-            </a:r>
-            <a:r>
-              <a:rPr lang="en-US" dirty="0"/>
-              <a:t>was introduced by Sweeney46,47 as an information loss metric that is suitable for hierarchical data.</a:t>
-            </a:r>
-          </a:p>
-          <a:p>
-            <a:endParaRPr lang="en-US" dirty="0"/>
-          </a:p>
-          <a:p>
-            <a:r>
-              <a:rPr lang="en-US" dirty="0"/>
-              <a:t>Another commonly used information loss metric is the</a:t>
-            </a:r>
-          </a:p>
-          <a:p>
-            <a:pPr marL="0" indent="0">
-              <a:buNone/>
-            </a:pPr>
+              <a:rPr lang="de-DE" dirty="0"/>
+              <a:t>Pr0blems </a:t>
+            </a:r>
             <a:r>
               <a:rPr lang="de-DE" dirty="0" err="1"/>
-              <a:t>Discernability</a:t>
+              <a:t>with</a:t>
             </a:r>
             <a:r>
               <a:rPr lang="de-DE" dirty="0"/>
@@ -8592,7 +8678,7 @@
             </a:r>
             <a:r>
               <a:rPr lang="de-DE" dirty="0" err="1"/>
-              <a:t>Metric</a:t>
+              <a:t>the</a:t>
             </a:r>
             <a:r>
               <a:rPr lang="de-DE" dirty="0"/>
@@ -8600,11 +8686,11 @@
             </a:r>
             <a:r>
               <a:rPr lang="de-DE" dirty="0" err="1"/>
-              <a:t>or</a:t>
+              <a:t>Metrics</a:t>
             </a:r>
             <a:r>
               <a:rPr lang="de-DE" dirty="0"/>
-              <a:t> DM.</a:t>
+              <a:t>:</a:t>
             </a:r>
           </a:p>
           <a:p>
@@ -8613,17 +8699,51 @@
             </a:pPr>
             <a:endParaRPr lang="de-DE" dirty="0"/>
           </a:p>
-        </p:txBody>
-      </p:sp>
-      <p:sp>
-        <p:nvSpPr>
-          <p:cNvPr id="3" name="Datumsplatzhalter 2">
-            <a:extLst>
-              <a:ext uri="{FF2B5EF4-FFF2-40B4-BE49-F238E27FC236}">
-                <a16:creationId xmlns:a16="http://schemas.microsoft.com/office/drawing/2014/main" id="{A68384B8-66CF-4BD3-A5AB-E87867EF3C2B}"/>
-              </a:ext>
-            </a:extLst>
-          </p:cNvPr>
+          <a:p>
+            <a:pPr marL="0" indent="0">
+              <a:buNone/>
+            </a:pPr>
+            <a:r>
+              <a:rPr lang="en-US" dirty="0"/>
+              <a:t>The concept behind DM has been criticized because DM</a:t>
+            </a:r>
+          </a:p>
+          <a:p>
+            <a:pPr marL="0" indent="0">
+              <a:buNone/>
+            </a:pPr>
+            <a:r>
+              <a:rPr lang="en-US" dirty="0"/>
+              <a:t>does not measure how much the generalized records approximate</a:t>
+            </a:r>
+            <a:r>
+              <a:rPr lang="de-DE" dirty="0" err="1"/>
+              <a:t>the</a:t>
+            </a:r>
+            <a:r>
+              <a:rPr lang="de-DE" dirty="0"/>
+              <a:t> original </a:t>
+            </a:r>
+            <a:r>
+              <a:rPr lang="de-DE" dirty="0" err="1"/>
+              <a:t>records</a:t>
+            </a:r>
+            <a:r>
+              <a:rPr lang="de-DE" dirty="0"/>
+              <a:t>.</a:t>
+            </a:r>
+          </a:p>
+          <a:p>
+            <a:pPr marL="0" indent="0">
+              <a:buNone/>
+            </a:pPr>
+            <a:endParaRPr lang="de-DE" dirty="0"/>
+          </a:p>
+        </p:txBody>
+      </p:sp>
+      <p:sp>
+        <p:nvSpPr>
+          <p:cNvPr id="3" name="Datumsplatzhalter 2"/>
           <p:cNvSpPr>
             <a:spLocks noGrp="1"/>
           </p:cNvSpPr>
@@ -8646,13 +8766,7 @@
       </p:sp>
       <p:sp>
         <p:nvSpPr>
-          <p:cNvPr id="4" name="Fußzeilenplatzhalter 3">
-            <a:extLst>
-              <a:ext uri="{FF2B5EF4-FFF2-40B4-BE49-F238E27FC236}">
-                <a16:creationId xmlns:a16="http://schemas.microsoft.com/office/drawing/2014/main" id="{7E2CE6D8-D5D6-4A15-A2C8-3CA027F30E15}"/>
-              </a:ext>
-            </a:extLst>
-          </p:cNvPr>
+          <p:cNvPr id="4" name="Fußzeilenplatzhalter 3"/>
           <p:cNvSpPr>
             <a:spLocks noGrp="1"/>
           </p:cNvSpPr>
@@ -8675,13 +8789,7 @@
       </p:sp>
       <p:sp>
         <p:nvSpPr>
-          <p:cNvPr id="5" name="Foliennummernplatzhalter 4">
-            <a:extLst>
-              <a:ext uri="{FF2B5EF4-FFF2-40B4-BE49-F238E27FC236}">
-                <a16:creationId xmlns:a16="http://schemas.microsoft.com/office/drawing/2014/main" id="{7A8DDBC5-B170-46EA-8A07-9B5F1BA12FA5}"/>
-              </a:ext>
-            </a:extLst>
-          </p:cNvPr>
+          <p:cNvPr id="5" name="Foliennummernplatzhalter 4"/>
           <p:cNvSpPr>
             <a:spLocks noGrp="1"/>
           </p:cNvSpPr>
@@ -8705,13 +8813,7 @@
       </p:sp>
       <p:sp>
         <p:nvSpPr>
-          <p:cNvPr id="6" name="Titel 5">
-            <a:extLst>
-              <a:ext uri="{FF2B5EF4-FFF2-40B4-BE49-F238E27FC236}">
-                <a16:creationId xmlns:a16="http://schemas.microsoft.com/office/drawing/2014/main" id="{978BDDAC-E0CA-49BD-8B75-08F55695DBC8}"/>
-              </a:ext>
-            </a:extLst>
-          </p:cNvPr>
+          <p:cNvPr id="6" name="Titel 5"/>
           <p:cNvSpPr>
             <a:spLocks noGrp="1"/>
           </p:cNvSpPr>
@@ -8747,7 +8849,7 @@
     </p:spTree>
     <p:extLst>
       <p:ext uri="{BB962C8B-B14F-4D97-AF65-F5344CB8AC3E}">
-        <p14:creationId xmlns:p14="http://schemas.microsoft.com/office/powerpoint/2010/main" val="3541022022"/>
+        <p14:creationId xmlns:p14="http://schemas.microsoft.com/office/powerpoint/2010/main" val="2440021591"/>
       </p:ext>
     </p:extLst>
   </p:cSld>
@@ -8779,7 +8881,7 @@
           <p:cNvPr id="2" name="Textplatzhalter 1">
             <a:extLst>
               <a:ext uri="{FF2B5EF4-FFF2-40B4-BE49-F238E27FC236}">
-                <a16:creationId xmlns:a16="http://schemas.microsoft.com/office/drawing/2014/main" id="{D000CC02-1D8E-45FC-8F9D-589C6291B248}"/>
+                <a16:creationId xmlns:a16="http://schemas.microsoft.com/office/drawing/2014/main" id="{9E03DEC0-5061-441C-8DF0-3B237B07CBC7}"/>
               </a:ext>
             </a:extLst>
           </p:cNvPr>
@@ -8796,51 +8898,68 @@
           <a:lstStyle/>
           <a:p>
             <a:r>
-              <a:rPr lang="de-DE" dirty="0"/>
-              <a:t>NP-</a:t>
-            </a:r>
-            <a:r>
-              <a:rPr lang="de-DE" dirty="0" err="1"/>
-              <a:t>hard</a:t>
-            </a:r>
-            <a:endParaRPr lang="de-DE" dirty="0"/>
-          </a:p>
-          <a:p>
-            <a:r>
               <a:rPr lang="en-US" dirty="0"/>
-              <a:t>Finally, we presented two </a:t>
-            </a:r>
-            <a:r>
-              <a:rPr lang="en-US" dirty="0" err="1"/>
-              <a:t>e±cient</a:t>
-            </a:r>
+              <a:t>1. For each generalization strategy, conduct a binary search</a:t>
+            </a:r>
+          </a:p>
+          <a:p>
             <a:r>
               <a:rPr lang="en-US" dirty="0"/>
-              <a:t> greedy </a:t>
-            </a:r>
-            <a:r>
-              <a:rPr lang="en-US" dirty="0" err="1"/>
-              <a:t>approxima-tion</a:t>
-            </a:r>
+              <a:t>to find all the k-anonymous nodes.</a:t>
+            </a:r>
+          </a:p>
+          <a:p>
             <a:r>
               <a:rPr lang="en-US" dirty="0"/>
-              <a:t> algorithms for the problem. Can an </a:t>
-            </a:r>
-            <a:r>
-              <a:rPr lang="en-US" dirty="0" err="1"/>
-              <a:t>approximationalgorithm</a:t>
-            </a:r>
+              <a:t>2. For each generalization strategy with k-anonymous</a:t>
+            </a:r>
+          </a:p>
+          <a:p>
             <a:r>
               <a:rPr lang="en-US" dirty="0"/>
-              <a:t> be found whose performance ratio is </a:t>
-            </a:r>
-            <a:r>
-              <a:rPr lang="en-US" dirty="0" err="1"/>
-              <a:t>indepen</a:t>
-            </a:r>
+              <a:t>nodes, only the k-anonymous node with the lowest</a:t>
+            </a:r>
+          </a:p>
+          <a:p>
             <a:r>
               <a:rPr lang="en-US" dirty="0"/>
-              <a:t>-dent of </a:t>
+              <a:t>height within the strategy is retained. For example, in</a:t>
+            </a:r>
+          </a:p>
+          <a:p>
+            <a:r>
+              <a:rPr lang="en-US" dirty="0"/>
+              <a:t>Figure 2 both nodes d0, g1, a1 and d0, g1, a2 are</a:t>
+            </a:r>
+          </a:p>
+          <a:p>
+            <a:r>
+              <a:rPr lang="en-US" dirty="0"/>
+              <a:t>k-anonymous, but they are both part of the same generalization</a:t>
+            </a:r>
+          </a:p>
+          <a:p>
+            <a:r>
+              <a:rPr lang="en-US" dirty="0"/>
+              <a:t>strategy and d0, g1, a1 is below d0, g1, a2</a:t>
+            </a:r>
+          </a:p>
+          <a:p>
+            <a:r>
+              <a:rPr lang="en-US" dirty="0"/>
+              <a:t>in the lattice. This means that d0, g1, a1 will have less</a:t>
+            </a:r>
+          </a:p>
+          <a:p>
+            <a:r>
+              <a:rPr lang="en-US" dirty="0"/>
+              <a:t>information loss on all the three metrics we considered.</a:t>
+            </a:r>
+          </a:p>
+          <a:p>
+            <a:r>
+              <a:rPr lang="en-US" dirty="0"/>
+              <a:t>The node d0, g1, a1 is called a </a:t>
             </a:r>
             <a:r>
               <a:rPr lang="en-US" i="1" dirty="0"/>
@@ -8848,56 +8967,59 @@
             </a:r>
             <a:r>
               <a:rPr lang="en-US" dirty="0"/>
-              <a:t>? We suspect that ­(log </a:t>
+              <a:t>-</a:t>
             </a:r>
             <a:r>
               <a:rPr lang="en-US" i="1" dirty="0"/>
-              <a:t>k</a:t>
+              <a:t>minimal node</a:t>
             </a:r>
             <a:r>
               <a:rPr lang="en-US" dirty="0"/>
-              <a:t>) might be a </a:t>
-            </a:r>
-            <a:r>
-              <a:rPr lang="en-US" dirty="0" err="1"/>
-              <a:t>lowerbound</a:t>
-            </a:r>
+              <a:t>.</a:t>
+            </a:r>
+          </a:p>
+          <a:p>
             <a:r>
               <a:rPr lang="en-US" dirty="0"/>
-              <a:t> on the possible approximability of the problem(within polynomial time), given that such a lower bound</a:t>
-            </a:r>
-            <a:r>
-              <a:rPr lang="de-DE" dirty="0" err="1"/>
-              <a:t>exists</a:t>
-            </a:r>
-            <a:r>
-              <a:rPr lang="de-DE" dirty="0"/>
-              <a:t> </a:t>
-            </a:r>
-            <a:r>
-              <a:rPr lang="de-DE" dirty="0" err="1"/>
-              <a:t>for</a:t>
-            </a:r>
-            <a:r>
-              <a:rPr lang="de-DE" dirty="0"/>
-              <a:t> </a:t>
-            </a:r>
-            <a:r>
-              <a:rPr lang="de-DE" i="1" dirty="0"/>
-              <a:t>k</a:t>
-            </a:r>
-            <a:r>
-              <a:rPr lang="de-DE" dirty="0"/>
-              <a:t>-set </a:t>
-            </a:r>
-            <a:r>
-              <a:rPr lang="de-DE" dirty="0" err="1"/>
-              <a:t>cover</a:t>
-            </a:r>
-            <a:r>
-              <a:rPr lang="de-DE" dirty="0"/>
-              <a:t>.</a:t>
-            </a:r>
+              <a:t>3. Now that we have the k-minimal nodes, these are compared</a:t>
+            </a:r>
+          </a:p>
+          <a:p>
+            <a:r>
+              <a:rPr lang="en-US" dirty="0"/>
+              <a:t>in terms of their information loss and the node with</a:t>
+            </a:r>
+          </a:p>
+          <a:p>
+            <a:r>
+              <a:rPr lang="en-US" dirty="0"/>
+              <a:t>the smallest information loss is selected as the globally</a:t>
+            </a:r>
+          </a:p>
+          <a:p>
+            <a:r>
+              <a:rPr lang="en-US" dirty="0"/>
+              <a:t>optimal solution. Because of the monotonicity property,</a:t>
+            </a:r>
+          </a:p>
+          <a:p>
+            <a:r>
+              <a:rPr lang="en-US" dirty="0"/>
+              <a:t>the k-minimal node with the smallest information loss</a:t>
+            </a:r>
+          </a:p>
+          <a:p>
+            <a:r>
+              <a:rPr lang="en-US" dirty="0"/>
+              <a:t>must also have the smallest information loss among all</a:t>
+            </a:r>
+          </a:p>
+          <a:p>
+            <a:r>
+              <a:rPr lang="en-US" dirty="0"/>
+              <a:t>k-anonymous nodes in the lattice.</a:t>
+            </a:r>
+            <a:endParaRPr lang="de-DE" dirty="0"/>
           </a:p>
         </p:txBody>
       </p:sp>
@@ -8906,7 +9028,7 @@
           <p:cNvPr id="3" name="Datumsplatzhalter 2">
             <a:extLst>
               <a:ext uri="{FF2B5EF4-FFF2-40B4-BE49-F238E27FC236}">
-                <a16:creationId xmlns:a16="http://schemas.microsoft.com/office/drawing/2014/main" id="{D6F7082F-80F5-4BD0-A486-6D2490774289}"/>
+                <a16:creationId xmlns:a16="http://schemas.microsoft.com/office/drawing/2014/main" id="{20F69655-C41F-4F52-850B-8FF301499162}"/>
               </a:ext>
             </a:extLst>
           </p:cNvPr>
@@ -8935,7 +9057,7 @@
           <p:cNvPr id="4" name="Fußzeilenplatzhalter 3">
             <a:extLst>
               <a:ext uri="{FF2B5EF4-FFF2-40B4-BE49-F238E27FC236}">
-                <a16:creationId xmlns:a16="http://schemas.microsoft.com/office/drawing/2014/main" id="{FC625E56-3A63-4014-8786-170F790BE14D}"/>
+                <a16:creationId xmlns:a16="http://schemas.microsoft.com/office/drawing/2014/main" id="{E318F325-191B-4FA6-BB68-C4AE2C79A1B0}"/>
               </a:ext>
             </a:extLst>
           </p:cNvPr>
@@ -8964,7 +9086,7 @@
           <p:cNvPr id="5" name="Foliennummernplatzhalter 4">
             <a:extLst>
               <a:ext uri="{FF2B5EF4-FFF2-40B4-BE49-F238E27FC236}">
-                <a16:creationId xmlns:a16="http://schemas.microsoft.com/office/drawing/2014/main" id="{E3E06EDC-210D-44B9-8F36-969C6F592CAC}"/>
+                <a16:creationId xmlns:a16="http://schemas.microsoft.com/office/drawing/2014/main" id="{52F8785A-79E1-4080-B4F8-22842F4A41C1}"/>
               </a:ext>
             </a:extLst>
           </p:cNvPr>
@@ -8994,7 +9116,7 @@
           <p:cNvPr id="6" name="Titel 5">
             <a:extLst>
               <a:ext uri="{FF2B5EF4-FFF2-40B4-BE49-F238E27FC236}">
-                <a16:creationId xmlns:a16="http://schemas.microsoft.com/office/drawing/2014/main" id="{8408B55F-D343-4B90-B4FA-A9EB5CEA93AF}"/>
+                <a16:creationId xmlns:a16="http://schemas.microsoft.com/office/drawing/2014/main" id="{5BF2ED19-DF37-4BFA-8093-53DD74C853D2}"/>
               </a:ext>
             </a:extLst>
           </p:cNvPr>
@@ -9012,27 +9134,11 @@
           <a:p>
             <a:r>
               <a:rPr lang="de-DE" b="1" dirty="0"/>
-              <a:t>5. </a:t>
+              <a:t>The OLA </a:t>
             </a:r>
             <a:r>
               <a:rPr lang="de-DE" b="1" dirty="0" err="1"/>
-              <a:t>Complexity</a:t>
-            </a:r>
-            <a:r>
-              <a:rPr lang="de-DE" b="1" dirty="0"/>
-              <a:t> </a:t>
-            </a:r>
-            <a:r>
-              <a:rPr lang="de-DE" b="1" dirty="0" err="1"/>
-              <a:t>of</a:t>
-            </a:r>
-            <a:r>
-              <a:rPr lang="de-DE" b="1" dirty="0"/>
-              <a:t> Optimal K-</a:t>
-            </a:r>
-            <a:r>
-              <a:rPr lang="de-DE" b="1" dirty="0" err="1"/>
-              <a:t>Anonymity</a:t>
+              <a:t>Algorithm</a:t>
             </a:r>
             <a:endParaRPr lang="de-DE" dirty="0"/>
           </a:p>
@@ -9041,7 +9147,7 @@
     </p:spTree>
     <p:extLst>
       <p:ext uri="{BB962C8B-B14F-4D97-AF65-F5344CB8AC3E}">
-        <p14:creationId xmlns:p14="http://schemas.microsoft.com/office/powerpoint/2010/main" val="3576077466"/>
+        <p14:creationId xmlns:p14="http://schemas.microsoft.com/office/powerpoint/2010/main" val="323886793"/>
       </p:ext>
     </p:extLst>
   </p:cSld>
@@ -9190,7 +9296,7 @@
             </a:pPr>
             <a:r>
               <a:rPr lang="de-DE" dirty="0"/>
-              <a:t>3. Extendet scenarios</a:t>
+              <a:t>3. OLA</a:t>
             </a:r>
           </a:p>
           <a:p>
@@ -9199,8 +9305,13 @@
             </a:pPr>
             <a:r>
               <a:rPr lang="de-DE" dirty="0"/>
-              <a:t>4. Datatypes</a:t>
-            </a:r>
+              <a:t>4. 2. </a:t>
+            </a:r>
+            <a:r>
+              <a:rPr lang="de-DE" dirty="0" err="1"/>
+              <a:t>Alogrithmus</a:t>
+            </a:r>
+            <a:endParaRPr lang="de-DE" dirty="0"/>
           </a:p>
           <a:p>
             <a:pPr marL="0" indent="0">
@@ -9208,7 +9319,49 @@
             </a:pPr>
             <a:r>
               <a:rPr lang="de-DE" dirty="0"/>
-              <a:t>5. Summary</a:t>
+              <a:t>5. </a:t>
+            </a:r>
+            <a:r>
+              <a:rPr lang="de-DE" dirty="0" err="1"/>
+              <a:t>Datatyp</a:t>
+            </a:r>
+            <a:r>
+              <a:rPr lang="de-DE" dirty="0"/>
+              <a:t> - Moving </a:t>
+            </a:r>
+            <a:r>
+              <a:rPr lang="de-DE" dirty="0" err="1"/>
+              <a:t>Object</a:t>
+            </a:r>
+            <a:r>
+              <a:rPr lang="de-DE" dirty="0"/>
+              <a:t> Data</a:t>
+            </a:r>
+          </a:p>
+          <a:p>
+            <a:pPr marL="0" indent="0">
+              <a:buNone/>
+            </a:pPr>
+            <a:r>
+              <a:rPr lang="de-DE" dirty="0"/>
+              <a:t>6. </a:t>
+            </a:r>
+            <a:r>
+              <a:rPr lang="de-DE" dirty="0" err="1"/>
+              <a:t>Datatype</a:t>
+            </a:r>
+            <a:r>
+              <a:rPr lang="de-DE" dirty="0"/>
+              <a:t> - High-Dimensional Transaction Data</a:t>
+            </a:r>
+          </a:p>
+          <a:p>
+            <a:pPr marL="0" indent="0">
+              <a:buNone/>
+            </a:pPr>
+            <a:r>
+              <a:rPr lang="de-DE" dirty="0"/>
+              <a:t>7. Summary</a:t>
             </a:r>
           </a:p>
           <a:p>
@@ -9287,11 +9440,107 @@
       </p:grpSpPr>
       <p:sp>
         <p:nvSpPr>
-          <p:cNvPr id="2" name="Textplatzhalter 1"/>
+          <p:cNvPr id="2" name="Titel 1">
+            <a:extLst>
+              <a:ext uri="{FF2B5EF4-FFF2-40B4-BE49-F238E27FC236}">
+                <a16:creationId xmlns:a16="http://schemas.microsoft.com/office/drawing/2014/main" id="{F630762F-ADDB-483B-8B3B-603DD9617461}"/>
+              </a:ext>
+            </a:extLst>
+          </p:cNvPr>
           <p:cNvSpPr>
             <a:spLocks noGrp="1"/>
           </p:cNvSpPr>
           <p:nvPr>
+            <p:ph type="title"/>
+          </p:nvPr>
+        </p:nvSpPr>
+        <p:spPr/>
+        <p:txBody>
+          <a:bodyPr/>
+          <a:lstStyle/>
+          <a:p>
+            <a:r>
+              <a:rPr lang="de-DE" sz="2400" b="1" dirty="0"/>
+              <a:t>6. Datatyp - Moving Object Data</a:t>
+            </a:r>
+            <a:endParaRPr lang="de-DE" sz="2400" dirty="0"/>
+          </a:p>
+        </p:txBody>
+      </p:sp>
+      <p:sp>
+        <p:nvSpPr>
+          <p:cNvPr id="3" name="Datumsplatzhalter 2">
+            <a:extLst>
+              <a:ext uri="{FF2B5EF4-FFF2-40B4-BE49-F238E27FC236}">
+                <a16:creationId xmlns:a16="http://schemas.microsoft.com/office/drawing/2014/main" id="{98E37A1D-373E-4CB5-8A00-E4420DD981F5}"/>
+              </a:ext>
+            </a:extLst>
+          </p:cNvPr>
+          <p:cNvSpPr>
+            <a:spLocks noGrp="1"/>
+          </p:cNvSpPr>
+          <p:nvPr>
+            <p:ph type="dt" sz="half" idx="4294967295"/>
+          </p:nvPr>
+        </p:nvSpPr>
+        <p:spPr>
+          <a:xfrm>
+            <a:off x="1331913" y="6208713"/>
+            <a:ext cx="1296987" cy="476250"/>
+          </a:xfrm>
+        </p:spPr>
+        <p:txBody>
+          <a:bodyPr/>
+          <a:lstStyle/>
+          <a:p>
+            <a:r>
+              <a:rPr lang="de-DE" dirty="0"/>
+              <a:t>30.01.2017</a:t>
+            </a:r>
+          </a:p>
+        </p:txBody>
+      </p:sp>
+      <p:sp>
+        <p:nvSpPr>
+          <p:cNvPr id="4" name="Fußzeilenplatzhalter 3">
+            <a:extLst>
+              <a:ext uri="{FF2B5EF4-FFF2-40B4-BE49-F238E27FC236}">
+                <a16:creationId xmlns:a16="http://schemas.microsoft.com/office/drawing/2014/main" id="{7718522C-A894-49C9-A4F0-5E1DFA7741F2}"/>
+              </a:ext>
+            </a:extLst>
+          </p:cNvPr>
+          <p:cNvSpPr>
+            <a:spLocks noGrp="1"/>
+          </p:cNvSpPr>
+          <p:nvPr>
+            <p:ph type="ftr" sz="quarter" idx="11"/>
+          </p:nvPr>
+        </p:nvSpPr>
+        <p:spPr/>
+        <p:txBody>
+          <a:bodyPr/>
+          <a:lstStyle/>
+          <a:p>
+            <a:r>
+              <a:rPr lang="de-DE" dirty="0"/>
+              <a:t>Andreas Wiegand &amp; Ludwig Schallner</a:t>
+            </a:r>
+          </a:p>
+        </p:txBody>
+      </p:sp>
+      <p:sp>
+        <p:nvSpPr>
+          <p:cNvPr id="5" name="Textplatzhalter 4">
+            <a:extLst>
+              <a:ext uri="{FF2B5EF4-FFF2-40B4-BE49-F238E27FC236}">
+                <a16:creationId xmlns:a16="http://schemas.microsoft.com/office/drawing/2014/main" id="{87651521-0381-4223-BDE6-C2A67D608413}"/>
+              </a:ext>
+            </a:extLst>
+          </p:cNvPr>
+          <p:cNvSpPr>
+            <a:spLocks noGrp="1"/>
+          </p:cNvSpPr>
+          <p:nvPr>
             <p:ph type="body" sz="quarter" idx="13"/>
           </p:nvPr>
         </p:nvSpPr>
@@ -9300,72 +9549,107 @@
           <a:bodyPr/>
           <a:lstStyle/>
           <a:p>
-            <a:pPr marL="0" indent="0">
-              <a:buNone/>
+            <a:pPr>
+              <a:buFontTx/>
+              <a:buChar char="-"/>
             </a:pPr>
             <a:r>
               <a:rPr lang="de-DE" dirty="0"/>
-              <a:t>Pr0blems </a:t>
+              <a:t>Location-</a:t>
             </a:r>
             <a:r>
               <a:rPr lang="de-DE" dirty="0" err="1"/>
-              <a:t>with</a:t>
+              <a:t>based</a:t>
             </a:r>
             <a:r>
               <a:rPr lang="de-DE" dirty="0"/>
+              <a:t> services (LBS)</a:t>
+            </a:r>
+          </a:p>
+          <a:p>
+            <a:pPr>
+              <a:buFontTx/>
+              <a:buChar char="-"/>
+            </a:pPr>
+            <a:r>
+              <a:rPr lang="de-DE" i="1" dirty="0"/>
+              <a:t>Location </a:t>
+            </a:r>
+            <a:r>
+              <a:rPr lang="de-DE" i="1" dirty="0" err="1"/>
+              <a:t>can</a:t>
+            </a:r>
+            <a:r>
+              <a:rPr lang="de-DE" i="1" dirty="0"/>
               <a:t> </a:t>
             </a:r>
             <a:r>
-              <a:rPr lang="de-DE" dirty="0" err="1"/>
-              <a:t>the</a:t>
-            </a:r>
-            <a:r>
-              <a:rPr lang="de-DE" dirty="0"/>
+              <a:rPr lang="de-DE" i="1" dirty="0" err="1"/>
+              <a:t>be</a:t>
+            </a:r>
+            <a:r>
+              <a:rPr lang="de-DE" i="1" dirty="0"/>
+              <a:t> a quasi – </a:t>
+            </a:r>
+            <a:r>
+              <a:rPr lang="de-DE" i="1" dirty="0" err="1"/>
+              <a:t>Idendifier</a:t>
+            </a:r>
+            <a:r>
+              <a:rPr lang="de-DE" i="1" dirty="0"/>
               <a:t> </a:t>
             </a:r>
-            <a:r>
-              <a:rPr lang="de-DE" dirty="0" err="1"/>
-              <a:t>Metrics</a:t>
-            </a:r>
-            <a:r>
-              <a:rPr lang="de-DE" dirty="0"/>
-              <a:t>:</a:t>
-            </a:r>
-          </a:p>
-          <a:p>
-            <a:pPr marL="0" indent="0">
-              <a:buNone/>
+            <a:endParaRPr lang="de-DE" dirty="0"/>
+          </a:p>
+          <a:p>
+            <a:pPr>
+              <a:buFontTx/>
+              <a:buChar char="-"/>
             </a:pPr>
-            <a:endParaRPr lang="de-DE" dirty="0"/>
-          </a:p>
-          <a:p>
-            <a:pPr marL="0" indent="0">
-              <a:buNone/>
-            </a:pPr>
+            <a:r>
+              <a:rPr lang="de-DE" i="1" dirty="0" err="1"/>
+              <a:t>CliqueCloar</a:t>
+            </a:r>
+            <a:endParaRPr lang="de-DE" i="1" dirty="0"/>
+          </a:p>
+          <a:p>
             <a:r>
               <a:rPr lang="en-US" dirty="0"/>
-              <a:t>The concept behind DM has been criticized because DM</a:t>
-            </a:r>
-          </a:p>
-          <a:p>
-            <a:pPr marL="0" indent="0">
-              <a:buNone/>
-            </a:pPr>
+              <a:t>In the context of LBSs and mobile users, location </a:t>
+            </a:r>
+            <a:r>
+              <a:rPr lang="en-US" i="1" dirty="0"/>
+              <a:t>k</a:t>
+            </a:r>
             <a:r>
               <a:rPr lang="en-US" dirty="0"/>
-              <a:t>does not measure how much the generalized records approximate</a:t>
-            </a:r>
-            <a:r>
-              <a:rPr lang="de-DE" dirty="0" err="1"/>
-              <a:t>the</a:t>
-            </a:r>
-            <a:r>
-              <a:rPr lang="de-DE" dirty="0"/>
-              <a:t> original </a:t>
-            </a:r>
-            <a:r>
-              <a:rPr lang="de-DE" dirty="0" err="1"/>
-              <a:t>records</a:t>
+              <a:t>-anonymity demands that location information contained in a message sent from a mobile user to a LBS should be indistinguishable from at least </a:t>
+            </a:r>
+            <a:r>
+              <a:rPr lang="en-US" i="1" dirty="0"/>
+              <a:t>k−</a:t>
+            </a:r>
+            <a:r>
+              <a:rPr lang="en-US" dirty="0"/>
+              <a:t>1 other messages from different mobile nodes</a:t>
+            </a:r>
+          </a:p>
+          <a:p>
+            <a:r>
+              <a:rPr lang="en-US" i="1" dirty="0"/>
+              <a:t>Attacks Restricted Space Identification </a:t>
+            </a:r>
+            <a:r>
+              <a:rPr lang="en-US" dirty="0"/>
+              <a:t>and </a:t>
+            </a:r>
+            <a:r>
+              <a:rPr lang="en-US" i="1" dirty="0"/>
+              <a:t>Observation </a:t>
+            </a:r>
+            <a:r>
+              <a:rPr lang="de-DE" i="1" dirty="0" err="1"/>
+              <a:t>Identification</a:t>
             </a:r>
             <a:r>
               <a:rPr lang="de-DE" dirty="0"/>
@@ -9373,67 +9657,44 @@
             </a:r>
           </a:p>
           <a:p>
-            <a:pPr marL="0" indent="0">
-              <a:buNone/>
-            </a:pPr>
-            <a:endParaRPr lang="de-DE" dirty="0"/>
-          </a:p>
-        </p:txBody>
-      </p:sp>
-      <p:sp>
-        <p:nvSpPr>
-          <p:cNvPr id="3" name="Datumsplatzhalter 2"/>
+            <a:r>
+              <a:rPr lang="de-DE" i="1" dirty="0" err="1"/>
+              <a:t>Spatial</a:t>
+            </a:r>
+            <a:r>
+              <a:rPr lang="de-DE" i="1" dirty="0"/>
+              <a:t> </a:t>
+            </a:r>
+            <a:r>
+              <a:rPr lang="de-DE" i="1" dirty="0" err="1"/>
+              <a:t>cloaking</a:t>
+            </a:r>
+            <a:r>
+              <a:rPr lang="de-DE" i="1" dirty="0"/>
+              <a:t> and temporal </a:t>
+            </a:r>
+            <a:r>
+              <a:rPr lang="de-DE" i="1" dirty="0" err="1"/>
+              <a:t>cloaking</a:t>
+            </a:r>
+            <a:endParaRPr lang="de-DE" i="1" dirty="0"/>
+          </a:p>
+        </p:txBody>
+      </p:sp>
+      <p:sp>
+        <p:nvSpPr>
+          <p:cNvPr id="6" name="Foliennummernplatzhalter 5">
+            <a:extLst>
+              <a:ext uri="{FF2B5EF4-FFF2-40B4-BE49-F238E27FC236}">
+                <a16:creationId xmlns:a16="http://schemas.microsoft.com/office/drawing/2014/main" id="{8667CAC0-ED65-461E-B9D6-E014713A72F4}"/>
+              </a:ext>
+            </a:extLst>
+          </p:cNvPr>
           <p:cNvSpPr>
             <a:spLocks noGrp="1"/>
           </p:cNvSpPr>
           <p:nvPr>
-            <p:ph type="dt" sz="half" idx="14"/>
-          </p:nvPr>
-        </p:nvSpPr>
-        <p:spPr/>
-        <p:txBody>
-          <a:bodyPr/>
-          <a:lstStyle/>
-          <a:p>
-            <a:r>
-              <a:rPr lang="de-DE"/>
-              <a:t>30.01.2018</a:t>
-            </a:r>
-            <a:endParaRPr lang="de-DE" dirty="0"/>
-          </a:p>
-        </p:txBody>
-      </p:sp>
-      <p:sp>
-        <p:nvSpPr>
-          <p:cNvPr id="4" name="Fußzeilenplatzhalter 3"/>
-          <p:cNvSpPr>
-            <a:spLocks noGrp="1"/>
-          </p:cNvSpPr>
-          <p:nvPr>
-            <p:ph type="ftr" sz="quarter" idx="15"/>
-          </p:nvPr>
-        </p:nvSpPr>
-        <p:spPr/>
-        <p:txBody>
-          <a:bodyPr/>
-          <a:lstStyle/>
-          <a:p>
-            <a:r>
-              <a:rPr lang="de-DE"/>
-              <a:t>Schallner Ludwig, Wiegnand Andreas</a:t>
-            </a:r>
-            <a:endParaRPr lang="de-DE" dirty="0"/>
-          </a:p>
-        </p:txBody>
-      </p:sp>
-      <p:sp>
-        <p:nvSpPr>
-          <p:cNvPr id="5" name="Foliennummernplatzhalter 4"/>
-          <p:cNvSpPr>
-            <a:spLocks noGrp="1"/>
-          </p:cNvSpPr>
-          <p:nvPr>
-            <p:ph type="sldNum" sz="quarter" idx="16"/>
+            <p:ph type="sldNum" sz="quarter" idx="12"/>
           </p:nvPr>
         </p:nvSpPr>
         <p:spPr/>
@@ -9446,41 +9707,6 @@
               <a:pPr/>
               <a:t>20</a:t>
             </a:fld>
-            <a:endParaRPr lang="de-DE"/>
-          </a:p>
-        </p:txBody>
-      </p:sp>
-      <p:sp>
-        <p:nvSpPr>
-          <p:cNvPr id="6" name="Titel 5"/>
-          <p:cNvSpPr>
-            <a:spLocks noGrp="1"/>
-          </p:cNvSpPr>
-          <p:nvPr>
-            <p:ph type="title"/>
-          </p:nvPr>
-        </p:nvSpPr>
-        <p:spPr/>
-        <p:txBody>
-          <a:bodyPr/>
-          <a:lstStyle/>
-          <a:p>
-            <a:r>
-              <a:rPr lang="de-DE" dirty="0"/>
-              <a:t>K-</a:t>
-            </a:r>
-            <a:r>
-              <a:rPr lang="de-DE" dirty="0" err="1"/>
-              <a:t>anonymity</a:t>
-            </a:r>
-            <a:r>
-              <a:rPr lang="de-DE" dirty="0"/>
-              <a:t> Information Loss </a:t>
-            </a:r>
-            <a:r>
-              <a:rPr lang="de-DE" dirty="0" err="1"/>
-              <a:t>Metric</a:t>
-            </a:r>
             <a:endParaRPr lang="de-DE" dirty="0"/>
           </a:p>
         </p:txBody>
@@ -9488,7 +9714,7 @@
     </p:spTree>
     <p:extLst>
       <p:ext uri="{BB962C8B-B14F-4D97-AF65-F5344CB8AC3E}">
-        <p14:creationId xmlns:p14="http://schemas.microsoft.com/office/powerpoint/2010/main" val="2440021591"/>
+        <p14:creationId xmlns:p14="http://schemas.microsoft.com/office/powerpoint/2010/main" val="3579114951"/>
       </p:ext>
     </p:extLst>
   </p:cSld>
@@ -9515,65 +9741,92 @@
           <a:chExt cx="0" cy="0"/>
         </a:xfrm>
       </p:grpSpPr>
-      <p:sp>
-        <p:nvSpPr>
-          <p:cNvPr id="2" name="Titel 1">
+      <p:pic>
+        <p:nvPicPr>
+          <p:cNvPr id="7" name="Grafik 6">
             <a:extLst>
               <a:ext uri="{FF2B5EF4-FFF2-40B4-BE49-F238E27FC236}">
-                <a16:creationId xmlns:a16="http://schemas.microsoft.com/office/drawing/2014/main" id="{DD780236-DFF8-4429-AD46-A0D4B640B608}"/>
+                <a16:creationId xmlns:a16="http://schemas.microsoft.com/office/drawing/2014/main" id="{BF68ED47-9503-4321-A9F3-FE450D7996DE}"/>
               </a:ext>
             </a:extLst>
           </p:cNvPr>
-          <p:cNvSpPr>
-            <a:spLocks noGrp="1"/>
-          </p:cNvSpPr>
-          <p:nvPr>
-            <p:ph type="title"/>
-          </p:nvPr>
-        </p:nvSpPr>
-        <p:spPr/>
-        <p:txBody>
-          <a:bodyPr/>
-          <a:lstStyle/>
-          <a:p>
-            <a:r>
-              <a:rPr lang="de-DE" sz="2400" b="1" dirty="0"/>
-              <a:t>6. Datatype - High-Dimensional Transaction Data</a:t>
-            </a:r>
-            <a:endParaRPr lang="de-DE" sz="2400" dirty="0"/>
-          </a:p>
-        </p:txBody>
-      </p:sp>
-      <p:sp>
-        <p:nvSpPr>
-          <p:cNvPr id="3" name="Datumsplatzhalter 2">
-            <a:extLst>
-              <a:ext uri="{FF2B5EF4-FFF2-40B4-BE49-F238E27FC236}">
-                <a16:creationId xmlns:a16="http://schemas.microsoft.com/office/drawing/2014/main" id="{69419E86-0E9E-4216-B427-413C6BA3C0D7}"/>
-              </a:ext>
-            </a:extLst>
-          </p:cNvPr>
-          <p:cNvSpPr>
-            <a:spLocks noGrp="1"/>
-          </p:cNvSpPr>
-          <p:nvPr>
-            <p:ph type="dt" sz="half" idx="4294967295"/>
-          </p:nvPr>
-        </p:nvSpPr>
+          <p:cNvPicPr>
+            <a:picLocks noChangeAspect="1"/>
+          </p:cNvPicPr>
+          <p:nvPr/>
+        </p:nvPicPr>
+        <p:blipFill>
+          <a:blip r:embed="rId2"/>
+          <a:stretch>
+            <a:fillRect/>
+          </a:stretch>
+        </p:blipFill>
         <p:spPr>
           <a:xfrm>
-            <a:off x="1331913" y="6208713"/>
-            <a:ext cx="1296987" cy="476250"/>
+            <a:off x="2147887" y="1604367"/>
+            <a:ext cx="3426563" cy="3938191"/>
+          </a:xfrm>
+          <a:prstGeom prst="rect">
+            <a:avLst/>
+          </a:prstGeom>
+        </p:spPr>
+      </p:pic>
+      <p:sp>
+        <p:nvSpPr>
+          <p:cNvPr id="2" name="Textplatzhalter 1">
+            <a:extLst>
+              <a:ext uri="{FF2B5EF4-FFF2-40B4-BE49-F238E27FC236}">
+                <a16:creationId xmlns:a16="http://schemas.microsoft.com/office/drawing/2014/main" id="{3D2DFEAE-9DEC-4646-9477-C594C3D85BC3}"/>
+              </a:ext>
+            </a:extLst>
+          </p:cNvPr>
+          <p:cNvSpPr>
+            <a:spLocks noGrp="1"/>
+          </p:cNvSpPr>
+          <p:nvPr>
+            <p:ph type="body" sz="quarter" idx="13"/>
+          </p:nvPr>
+        </p:nvSpPr>
+        <p:spPr>
+          <a:xfrm>
+            <a:off x="539552" y="1124744"/>
+            <a:ext cx="6057632" cy="3906015"/>
           </a:xfrm>
         </p:spPr>
         <p:txBody>
           <a:bodyPr/>
           <a:lstStyle/>
           <a:p>
-            <a:r>
-              <a:rPr lang="de-DE" dirty="0"/>
-              <a:t>30.01.2017</a:t>
-            </a:r>
+            <a:endParaRPr lang="de-DE" dirty="0"/>
+          </a:p>
+        </p:txBody>
+      </p:sp>
+      <p:sp>
+        <p:nvSpPr>
+          <p:cNvPr id="3" name="Datumsplatzhalter 2">
+            <a:extLst>
+              <a:ext uri="{FF2B5EF4-FFF2-40B4-BE49-F238E27FC236}">
+                <a16:creationId xmlns:a16="http://schemas.microsoft.com/office/drawing/2014/main" id="{272CF7DA-8265-4E05-841B-FF2EA359C993}"/>
+              </a:ext>
+            </a:extLst>
+          </p:cNvPr>
+          <p:cNvSpPr>
+            <a:spLocks noGrp="1"/>
+          </p:cNvSpPr>
+          <p:nvPr>
+            <p:ph type="dt" sz="half" idx="14"/>
+          </p:nvPr>
+        </p:nvSpPr>
+        <p:spPr/>
+        <p:txBody>
+          <a:bodyPr/>
+          <a:lstStyle/>
+          <a:p>
+            <a:r>
+              <a:rPr lang="de-DE"/>
+              <a:t>30.01.2018</a:t>
+            </a:r>
+            <a:endParaRPr lang="de-DE" dirty="0"/>
           </a:p>
         </p:txBody>
       </p:sp>
@@ -9582,7 +9835,7 @@
           <p:cNvPr id="4" name="Fußzeilenplatzhalter 3">
             <a:extLst>
               <a:ext uri="{FF2B5EF4-FFF2-40B4-BE49-F238E27FC236}">
-                <a16:creationId xmlns:a16="http://schemas.microsoft.com/office/drawing/2014/main" id="{212DC528-EE24-4AC3-9EED-1BF090D99EF2}"/>
+                <a16:creationId xmlns:a16="http://schemas.microsoft.com/office/drawing/2014/main" id="{47EDFEC1-C111-4891-A480-1C0060DB9C3F}"/>
               </a:ext>
             </a:extLst>
           </p:cNvPr>
@@ -9590,7 +9843,7 @@
             <a:spLocks noGrp="1"/>
           </p:cNvSpPr>
           <p:nvPr>
-            <p:ph type="ftr" sz="quarter" idx="11"/>
+            <p:ph type="ftr" sz="quarter" idx="15"/>
           </p:nvPr>
         </p:nvSpPr>
         <p:spPr/>
@@ -9599,18 +9852,19 @@
           <a:lstStyle/>
           <a:p>
             <a:r>
-              <a:rPr lang="de-DE" dirty="0"/>
-              <a:t>Andreas Wiegand &amp; Ludwig Schallner</a:t>
-            </a:r>
-          </a:p>
-        </p:txBody>
-      </p:sp>
-      <p:sp>
-        <p:nvSpPr>
-          <p:cNvPr id="5" name="Textplatzhalter 4">
+              <a:rPr lang="de-DE"/>
+              <a:t>Schallner Ludwig, Wiegnand Andreas</a:t>
+            </a:r>
+            <a:endParaRPr lang="de-DE" dirty="0"/>
+          </a:p>
+        </p:txBody>
+      </p:sp>
+      <p:sp>
+        <p:nvSpPr>
+          <p:cNvPr id="5" name="Foliennummernplatzhalter 4">
             <a:extLst>
               <a:ext uri="{FF2B5EF4-FFF2-40B4-BE49-F238E27FC236}">
-                <a16:creationId xmlns:a16="http://schemas.microsoft.com/office/drawing/2014/main" id="{064D59BE-0376-4E44-A0FE-7031A294F35F}"/>
+                <a16:creationId xmlns:a16="http://schemas.microsoft.com/office/drawing/2014/main" id="{451D70D8-D243-4560-ACB7-252048CA3C46}"/>
               </a:ext>
             </a:extLst>
           </p:cNvPr>
@@ -9618,68 +9872,7 @@
             <a:spLocks noGrp="1"/>
           </p:cNvSpPr>
           <p:nvPr>
-            <p:ph type="body" sz="quarter" idx="13"/>
-          </p:nvPr>
-        </p:nvSpPr>
-        <p:spPr/>
-        <p:txBody>
-          <a:bodyPr/>
-          <a:lstStyle/>
-          <a:p>
-            <a:r>
-              <a:rPr lang="en-US" dirty="0"/>
-              <a:t>Transaction data is high-dimensional</a:t>
-            </a:r>
-          </a:p>
-          <a:p>
-            <a:r>
-              <a:rPr lang="en-US" dirty="0"/>
-              <a:t>Each dimension could be a potential </a:t>
-            </a:r>
-            <a:r>
-              <a:rPr lang="en-US" i="1" dirty="0"/>
-              <a:t>QID </a:t>
-            </a:r>
-            <a:r>
-              <a:rPr lang="en-US" dirty="0"/>
-              <a:t>attribute</a:t>
-            </a:r>
-          </a:p>
-          <a:p>
-            <a:r>
-              <a:rPr lang="de-DE" dirty="0"/>
-              <a:t>Curse of high-dimensionality</a:t>
-            </a:r>
-          </a:p>
-          <a:p>
-            <a:r>
-              <a:rPr lang="de-DE" dirty="0"/>
-              <a:t>Bound background knowledge of the attacker</a:t>
-            </a:r>
-          </a:p>
-          <a:p>
-            <a:pPr>
-              <a:buFontTx/>
-              <a:buChar char="-"/>
-            </a:pPr>
-            <a:endParaRPr lang="de-DE" dirty="0"/>
-          </a:p>
-        </p:txBody>
-      </p:sp>
-      <p:sp>
-        <p:nvSpPr>
-          <p:cNvPr id="6" name="Foliennummernplatzhalter 5">
-            <a:extLst>
-              <a:ext uri="{FF2B5EF4-FFF2-40B4-BE49-F238E27FC236}">
-                <a16:creationId xmlns:a16="http://schemas.microsoft.com/office/drawing/2014/main" id="{E25D3BF9-A70C-417F-A9C7-F883A5D091A9}"/>
-              </a:ext>
-            </a:extLst>
-          </p:cNvPr>
-          <p:cNvSpPr>
-            <a:spLocks noGrp="1"/>
-          </p:cNvSpPr>
-          <p:nvPr>
-            <p:ph type="sldNum" sz="quarter" idx="12"/>
+            <p:ph type="sldNum" sz="quarter" idx="16"/>
           </p:nvPr>
         </p:nvSpPr>
         <p:spPr/>
@@ -9692,55 +9885,59 @@
               <a:pPr/>
               <a:t>21</a:t>
             </a:fld>
+            <a:endParaRPr lang="de-DE"/>
+          </a:p>
+        </p:txBody>
+      </p:sp>
+      <p:sp>
+        <p:nvSpPr>
+          <p:cNvPr id="6" name="Titel 5">
+            <a:extLst>
+              <a:ext uri="{FF2B5EF4-FFF2-40B4-BE49-F238E27FC236}">
+                <a16:creationId xmlns:a16="http://schemas.microsoft.com/office/drawing/2014/main" id="{5550845C-1A0F-47BE-8F4B-098913D51A85}"/>
+              </a:ext>
+            </a:extLst>
+          </p:cNvPr>
+          <p:cNvSpPr>
+            <a:spLocks noGrp="1"/>
+          </p:cNvSpPr>
+          <p:nvPr>
+            <p:ph type="title"/>
+          </p:nvPr>
+        </p:nvSpPr>
+        <p:spPr/>
+        <p:txBody>
+          <a:bodyPr/>
+          <a:lstStyle/>
+          <a:p>
+            <a:r>
+              <a:rPr lang="de-DE" b="1" dirty="0"/>
+              <a:t>6. </a:t>
+            </a:r>
+            <a:r>
+              <a:rPr lang="de-DE" b="1" dirty="0" err="1"/>
+              <a:t>Datatyp</a:t>
+            </a:r>
+            <a:r>
+              <a:rPr lang="de-DE" b="1" dirty="0"/>
+              <a:t> - Moving </a:t>
+            </a:r>
+            <a:r>
+              <a:rPr lang="de-DE" b="1" dirty="0" err="1"/>
+              <a:t>Object</a:t>
+            </a:r>
+            <a:r>
+              <a:rPr lang="de-DE" b="1" dirty="0"/>
+              <a:t> Data</a:t>
+            </a:r>
             <a:endParaRPr lang="de-DE" dirty="0"/>
           </a:p>
         </p:txBody>
       </p:sp>
-      <p:pic>
-        <p:nvPicPr>
-          <p:cNvPr id="2050" name="Picture 2" descr="F:\PSI-MSem\5dbb589fabdcab96c9bb12877d5c15c4_preview_card.jpg"/>
-          <p:cNvPicPr>
-            <a:picLocks noChangeAspect="1" noChangeArrowheads="1"/>
-          </p:cNvPicPr>
-          <p:nvPr/>
-        </p:nvPicPr>
-        <p:blipFill>
-          <a:blip r:embed="rId3">
-            <a:extLst>
-              <a:ext uri="{28A0092B-C50C-407E-A947-70E740481C1C}">
-                <a14:useLocalDpi xmlns:a14="http://schemas.microsoft.com/office/drawing/2010/main" val="0"/>
-              </a:ext>
-            </a:extLst>
-          </a:blip>
-          <a:srcRect/>
-          <a:stretch>
-            <a:fillRect/>
-          </a:stretch>
-        </p:blipFill>
-        <p:spPr bwMode="auto">
-          <a:xfrm>
-            <a:off x="5940152" y="3573016"/>
-            <a:ext cx="2818334" cy="2114048"/>
-          </a:xfrm>
-          <a:prstGeom prst="rect">
-            <a:avLst/>
-          </a:prstGeom>
-          <a:noFill/>
-          <a:extLst>
-            <a:ext uri="{909E8E84-426E-40DD-AFC4-6F175D3DCCD1}">
-              <a14:hiddenFill xmlns:a14="http://schemas.microsoft.com/office/drawing/2010/main">
-                <a:solidFill>
-                  <a:srgbClr val="FFFFFF"/>
-                </a:solidFill>
-              </a14:hiddenFill>
-            </a:ext>
-          </a:extLst>
-        </p:spPr>
-      </p:pic>
     </p:spTree>
     <p:extLst>
       <p:ext uri="{BB962C8B-B14F-4D97-AF65-F5344CB8AC3E}">
-        <p14:creationId xmlns:p14="http://schemas.microsoft.com/office/powerpoint/2010/main" val="673325542"/>
+        <p14:creationId xmlns:p14="http://schemas.microsoft.com/office/powerpoint/2010/main" val="830300591"/>
       </p:ext>
     </p:extLst>
   </p:cSld>
@@ -9772,7 +9969,7 @@
           <p:cNvPr id="2" name="Titel 1">
             <a:extLst>
               <a:ext uri="{FF2B5EF4-FFF2-40B4-BE49-F238E27FC236}">
-                <a16:creationId xmlns:a16="http://schemas.microsoft.com/office/drawing/2014/main" id="{F630762F-ADDB-483B-8B3B-603DD9617461}"/>
+                <a16:creationId xmlns:a16="http://schemas.microsoft.com/office/drawing/2014/main" id="{DD780236-DFF8-4429-AD46-A0D4B640B608}"/>
               </a:ext>
             </a:extLst>
           </p:cNvPr>
@@ -9790,7 +9987,7 @@
           <a:p>
             <a:r>
               <a:rPr lang="de-DE" sz="2400" b="1" dirty="0"/>
-              <a:t>6. Datatyp - Moving Object Data</a:t>
+              <a:t>6. Datatype - High-Dimensional Transaction Data</a:t>
             </a:r>
             <a:endParaRPr lang="de-DE" sz="2400" dirty="0"/>
           </a:p>
@@ -9801,7 +9998,7 @@
           <p:cNvPr id="3" name="Datumsplatzhalter 2">
             <a:extLst>
               <a:ext uri="{FF2B5EF4-FFF2-40B4-BE49-F238E27FC236}">
-                <a16:creationId xmlns:a16="http://schemas.microsoft.com/office/drawing/2014/main" id="{98E37A1D-373E-4CB5-8A00-E4420DD981F5}"/>
+                <a16:creationId xmlns:a16="http://schemas.microsoft.com/office/drawing/2014/main" id="{69419E86-0E9E-4216-B427-413C6BA3C0D7}"/>
               </a:ext>
             </a:extLst>
           </p:cNvPr>
@@ -9834,7 +10031,7 @@
           <p:cNvPr id="4" name="Fußzeilenplatzhalter 3">
             <a:extLst>
               <a:ext uri="{FF2B5EF4-FFF2-40B4-BE49-F238E27FC236}">
-                <a16:creationId xmlns:a16="http://schemas.microsoft.com/office/drawing/2014/main" id="{7718522C-A894-49C9-A4F0-5E1DFA7741F2}"/>
+                <a16:creationId xmlns:a16="http://schemas.microsoft.com/office/drawing/2014/main" id="{212DC528-EE24-4AC3-9EED-1BF090D99EF2}"/>
               </a:ext>
             </a:extLst>
           </p:cNvPr>
@@ -9862,7 +10059,7 @@
           <p:cNvPr id="5" name="Textplatzhalter 4">
             <a:extLst>
               <a:ext uri="{FF2B5EF4-FFF2-40B4-BE49-F238E27FC236}">
-                <a16:creationId xmlns:a16="http://schemas.microsoft.com/office/drawing/2014/main" id="{87651521-0381-4223-BDE6-C2A67D608413}"/>
+                <a16:creationId xmlns:a16="http://schemas.microsoft.com/office/drawing/2014/main" id="{064D59BE-0376-4E44-A0FE-7031A294F35F}"/>
               </a:ext>
             </a:extLst>
           </p:cNvPr>
@@ -9877,137 +10074,45 @@
         <p:txBody>
           <a:bodyPr/>
           <a:lstStyle/>
+          <a:p>
+            <a:r>
+              <a:rPr lang="en-US" dirty="0"/>
+              <a:t>Transaction data is high-dimensional</a:t>
+            </a:r>
+          </a:p>
+          <a:p>
+            <a:r>
+              <a:rPr lang="en-US" dirty="0"/>
+              <a:t>Each dimension could be a potential </a:t>
+            </a:r>
+            <a:r>
+              <a:rPr lang="en-US" i="1" dirty="0"/>
+              <a:t>QID </a:t>
+            </a:r>
+            <a:r>
+              <a:rPr lang="en-US" dirty="0"/>
+              <a:t>attribute</a:t>
+            </a:r>
+          </a:p>
+          <a:p>
+            <a:r>
+              <a:rPr lang="de-DE" dirty="0"/>
+              <a:t>Curse of high-dimensionality</a:t>
+            </a:r>
+          </a:p>
+          <a:p>
+            <a:r>
+              <a:rPr lang="de-DE" dirty="0"/>
+              <a:t>Bound background knowledge of the attacker</a:t>
+            </a:r>
+          </a:p>
           <a:p>
             <a:pPr>
               <a:buFontTx/>
               <a:buChar char="-"/>
             </a:pPr>
-            <a:r>
-              <a:rPr lang="de-DE" dirty="0"/>
-              <a:t>Location-</a:t>
-            </a:r>
-            <a:r>
-              <a:rPr lang="de-DE" dirty="0" err="1"/>
-              <a:t>based</a:t>
-            </a:r>
-            <a:r>
-              <a:rPr lang="de-DE" dirty="0"/>
-              <a:t> services (LBS)</a:t>
-            </a:r>
-          </a:p>
-          <a:p>
-            <a:pPr>
-              <a:buFontTx/>
-              <a:buChar char="-"/>
-            </a:pPr>
-            <a:r>
-              <a:rPr lang="de-DE" i="1" dirty="0"/>
-              <a:t>Location </a:t>
-            </a:r>
-            <a:r>
-              <a:rPr lang="de-DE" i="1" dirty="0" err="1"/>
-              <a:t>can</a:t>
-            </a:r>
-            <a:r>
-              <a:rPr lang="de-DE" i="1" dirty="0"/>
-              <a:t> </a:t>
-            </a:r>
-            <a:r>
-              <a:rPr lang="de-DE" i="1" dirty="0" err="1"/>
-              <a:t>be</a:t>
-            </a:r>
-            <a:r>
-              <a:rPr lang="de-DE" i="1" dirty="0"/>
-              <a:t> a quasi – </a:t>
-            </a:r>
-            <a:r>
-              <a:rPr lang="de-DE" i="1" dirty="0" err="1"/>
-              <a:t>Idendifier</a:t>
-            </a:r>
-            <a:r>
-              <a:rPr lang="de-DE" i="1" dirty="0"/>
-              <a:t> </a:t>
-            </a:r>
             <a:endParaRPr lang="de-DE" dirty="0"/>
           </a:p>
-          <a:p>
-            <a:pPr>
-              <a:buFontTx/>
-              <a:buChar char="-"/>
-            </a:pPr>
-            <a:r>
-              <a:rPr lang="de-DE" i="1" dirty="0" err="1"/>
-              <a:t>CliqueCloar</a:t>
-            </a:r>
-            <a:endParaRPr lang="de-DE" i="1" dirty="0"/>
-          </a:p>
-          <a:p>
-            <a:r>
-              <a:rPr lang="en-US" dirty="0"/>
-              <a:t>In the context of LBSs and mobile users, location </a:t>
-            </a:r>
-            <a:r>
-              <a:rPr lang="en-US" i="1" dirty="0"/>
-              <a:t>k</a:t>
-            </a:r>
-            <a:r>
-              <a:rPr lang="en-US" dirty="0"/>
-              <a:t>-anonymity demands that location information contained in a message sent from a mobile user to a LBS should be indistinguishable from at least </a:t>
-            </a:r>
-            <a:r>
-              <a:rPr lang="en-US" i="1" dirty="0"/>
-              <a:t>k−</a:t>
-            </a:r>
-            <a:r>
-              <a:rPr lang="en-US" dirty="0"/>
-              <a:t>1 other messages from different mobile nodes</a:t>
-            </a:r>
-          </a:p>
-          <a:p>
-            <a:r>
-              <a:rPr lang="en-US" i="1" dirty="0"/>
-              <a:t>Attacks Restricted Space Identification </a:t>
-            </a:r>
-            <a:r>
-              <a:rPr lang="en-US" dirty="0"/>
-              <a:t>and </a:t>
-            </a:r>
-            <a:r>
-              <a:rPr lang="en-US" i="1" dirty="0"/>
-              <a:t>Observation </a:t>
-            </a:r>
-            <a:r>
-              <a:rPr lang="de-DE" i="1" dirty="0" err="1"/>
-              <a:t>Identification</a:t>
-            </a:r>
-            <a:r>
-              <a:rPr lang="de-DE" dirty="0"/>
-              <a:t>.</a:t>
-            </a:r>
-          </a:p>
-          <a:p>
-            <a:r>
-              <a:rPr lang="de-DE" i="1" dirty="0" err="1"/>
-              <a:t>Spatial</a:t>
-            </a:r>
-            <a:r>
-              <a:rPr lang="de-DE" i="1" dirty="0"/>
-              <a:t> </a:t>
-            </a:r>
-            <a:r>
-              <a:rPr lang="de-DE" i="1" dirty="0" err="1"/>
-              <a:t>cloaking</a:t>
-            </a:r>
-            <a:r>
-              <a:rPr lang="de-DE" i="1" dirty="0"/>
-              <a:t> and temporal </a:t>
-            </a:r>
-            <a:r>
-              <a:rPr lang="de-DE" i="1" dirty="0" err="1"/>
-              <a:t>cloaking</a:t>
-            </a:r>
-            <a:endParaRPr lang="de-DE" i="1" dirty="0"/>
-          </a:p>
         </p:txBody>
       </p:sp>
       <p:sp>
@@ -10015,7 +10120,7 @@
           <p:cNvPr id="6" name="Foliennummernplatzhalter 5">
             <a:extLst>
               <a:ext uri="{FF2B5EF4-FFF2-40B4-BE49-F238E27FC236}">
-                <a16:creationId xmlns:a16="http://schemas.microsoft.com/office/drawing/2014/main" id="{8667CAC0-ED65-461E-B9D6-E014713A72F4}"/>
+                <a16:creationId xmlns:a16="http://schemas.microsoft.com/office/drawing/2014/main" id="{E25D3BF9-A70C-417F-A9C7-F883A5D091A9}"/>
               </a:ext>
             </a:extLst>
           </p:cNvPr>
@@ -10040,10 +10145,51 @@
           </a:p>
         </p:txBody>
       </p:sp>
+      <p:pic>
+        <p:nvPicPr>
+          <p:cNvPr id="2050" name="Picture 2" descr="F:\PSI-MSem\5dbb589fabdcab96c9bb12877d5c15c4_preview_card.jpg"/>
+          <p:cNvPicPr>
+            <a:picLocks noChangeAspect="1" noChangeArrowheads="1"/>
+          </p:cNvPicPr>
+          <p:nvPr/>
+        </p:nvPicPr>
+        <p:blipFill>
+          <a:blip r:embed="rId3">
+            <a:extLst>
+              <a:ext uri="{28A0092B-C50C-407E-A947-70E740481C1C}">
+                <a14:useLocalDpi xmlns:a14="http://schemas.microsoft.com/office/drawing/2010/main" val="0"/>
+              </a:ext>
+            </a:extLst>
+          </a:blip>
+          <a:srcRect/>
+          <a:stretch>
+            <a:fillRect/>
+          </a:stretch>
+        </p:blipFill>
+        <p:spPr bwMode="auto">
+          <a:xfrm>
+            <a:off x="5940152" y="3573016"/>
+            <a:ext cx="2818334" cy="2114048"/>
+          </a:xfrm>
+          <a:prstGeom prst="rect">
+            <a:avLst/>
+          </a:prstGeom>
+          <a:noFill/>
+          <a:extLst>
+            <a:ext uri="{909E8E84-426E-40DD-AFC4-6F175D3DCCD1}">
+              <a14:hiddenFill xmlns:a14="http://schemas.microsoft.com/office/drawing/2010/main">
+                <a:solidFill>
+                  <a:srgbClr val="FFFFFF"/>
+                </a:solidFill>
+              </a14:hiddenFill>
+            </a:ext>
+          </a:extLst>
+        </p:spPr>
+      </p:pic>
     </p:spTree>
     <p:extLst>
       <p:ext uri="{BB962C8B-B14F-4D97-AF65-F5344CB8AC3E}">
-        <p14:creationId xmlns:p14="http://schemas.microsoft.com/office/powerpoint/2010/main" val="3579114951"/>
+        <p14:creationId xmlns:p14="http://schemas.microsoft.com/office/powerpoint/2010/main" val="673325542"/>
       </p:ext>
     </p:extLst>
   </p:cSld>
@@ -10070,264 +10216,40 @@
           <a:chExt cx="0" cy="0"/>
         </a:xfrm>
       </p:grpSpPr>
-      <p:pic>
-        <p:nvPicPr>
-          <p:cNvPr id="7" name="Grafik 6">
+      <p:sp>
+        <p:nvSpPr>
+          <p:cNvPr id="2" name="Titel 1">
             <a:extLst>
               <a:ext uri="{FF2B5EF4-FFF2-40B4-BE49-F238E27FC236}">
-                <a16:creationId xmlns:a16="http://schemas.microsoft.com/office/drawing/2014/main" id="{BF68ED47-9503-4321-A9F3-FE450D7996DE}"/>
+                <a16:creationId xmlns:a16="http://schemas.microsoft.com/office/drawing/2014/main" id="{60CF76F7-DA21-4280-B132-DB1CBFFB0632}"/>
               </a:ext>
             </a:extLst>
           </p:cNvPr>
-          <p:cNvPicPr>
-            <a:picLocks noChangeAspect="1"/>
-          </p:cNvPicPr>
-          <p:nvPr/>
-        </p:nvPicPr>
-        <p:blipFill>
-          <a:blip r:embed="rId2"/>
-          <a:stretch>
-            <a:fillRect/>
-          </a:stretch>
-        </p:blipFill>
-        <p:spPr>
-          <a:xfrm>
-            <a:off x="2147887" y="1604367"/>
-            <a:ext cx="3426563" cy="3938191"/>
-          </a:xfrm>
-          <a:prstGeom prst="rect">
-            <a:avLst/>
-          </a:prstGeom>
-        </p:spPr>
-      </p:pic>
-      <p:sp>
-        <p:nvSpPr>
-          <p:cNvPr id="2" name="Textplatzhalter 1">
+          <p:cNvSpPr>
+            <a:spLocks noGrp="1"/>
+          </p:cNvSpPr>
+          <p:nvPr>
+            <p:ph type="title"/>
+          </p:nvPr>
+        </p:nvSpPr>
+        <p:spPr/>
+        <p:txBody>
+          <a:bodyPr/>
+          <a:lstStyle/>
+          <a:p>
+            <a:r>
+              <a:rPr lang="de-DE" dirty="0"/>
+              <a:t>7. Summary</a:t>
+            </a:r>
+          </a:p>
+        </p:txBody>
+      </p:sp>
+      <p:sp>
+        <p:nvSpPr>
+          <p:cNvPr id="3" name="Datumsplatzhalter 2">
             <a:extLst>
               <a:ext uri="{FF2B5EF4-FFF2-40B4-BE49-F238E27FC236}">
-                <a16:creationId xmlns:a16="http://schemas.microsoft.com/office/drawing/2014/main" id="{3D2DFEAE-9DEC-4646-9477-C594C3D85BC3}"/>
-              </a:ext>
-            </a:extLst>
-          </p:cNvPr>
-          <p:cNvSpPr>
-            <a:spLocks noGrp="1"/>
-          </p:cNvSpPr>
-          <p:nvPr>
-            <p:ph type="body" sz="quarter" idx="13"/>
-          </p:nvPr>
-        </p:nvSpPr>
-        <p:spPr>
-          <a:xfrm>
-            <a:off x="539552" y="1124744"/>
-            <a:ext cx="6057632" cy="3906015"/>
-          </a:xfrm>
-        </p:spPr>
-        <p:txBody>
-          <a:bodyPr/>
-          <a:lstStyle/>
-          <a:p>
-            <a:endParaRPr lang="de-DE" dirty="0"/>
-          </a:p>
-        </p:txBody>
-      </p:sp>
-      <p:sp>
-        <p:nvSpPr>
-          <p:cNvPr id="3" name="Datumsplatzhalter 2">
-            <a:extLst>
-              <a:ext uri="{FF2B5EF4-FFF2-40B4-BE49-F238E27FC236}">
-                <a16:creationId xmlns:a16="http://schemas.microsoft.com/office/drawing/2014/main" id="{272CF7DA-8265-4E05-841B-FF2EA359C993}"/>
-              </a:ext>
-            </a:extLst>
-          </p:cNvPr>
-          <p:cNvSpPr>
-            <a:spLocks noGrp="1"/>
-          </p:cNvSpPr>
-          <p:nvPr>
-            <p:ph type="dt" sz="half" idx="14"/>
-          </p:nvPr>
-        </p:nvSpPr>
-        <p:spPr/>
-        <p:txBody>
-          <a:bodyPr/>
-          <a:lstStyle/>
-          <a:p>
-            <a:r>
-              <a:rPr lang="de-DE"/>
-              <a:t>30.01.2018</a:t>
-            </a:r>
-            <a:endParaRPr lang="de-DE" dirty="0"/>
-          </a:p>
-        </p:txBody>
-      </p:sp>
-      <p:sp>
-        <p:nvSpPr>
-          <p:cNvPr id="4" name="Fußzeilenplatzhalter 3">
-            <a:extLst>
-              <a:ext uri="{FF2B5EF4-FFF2-40B4-BE49-F238E27FC236}">
-                <a16:creationId xmlns:a16="http://schemas.microsoft.com/office/drawing/2014/main" id="{47EDFEC1-C111-4891-A480-1C0060DB9C3F}"/>
-              </a:ext>
-            </a:extLst>
-          </p:cNvPr>
-          <p:cNvSpPr>
-            <a:spLocks noGrp="1"/>
-          </p:cNvSpPr>
-          <p:nvPr>
-            <p:ph type="ftr" sz="quarter" idx="15"/>
-          </p:nvPr>
-        </p:nvSpPr>
-        <p:spPr/>
-        <p:txBody>
-          <a:bodyPr/>
-          <a:lstStyle/>
-          <a:p>
-            <a:r>
-              <a:rPr lang="de-DE"/>
-              <a:t>Schallner Ludwig, Wiegnand Andreas</a:t>
-            </a:r>
-            <a:endParaRPr lang="de-DE" dirty="0"/>
-          </a:p>
-        </p:txBody>
-      </p:sp>
-      <p:sp>
-        <p:nvSpPr>
-          <p:cNvPr id="5" name="Foliennummernplatzhalter 4">
-            <a:extLst>
-              <a:ext uri="{FF2B5EF4-FFF2-40B4-BE49-F238E27FC236}">
-                <a16:creationId xmlns:a16="http://schemas.microsoft.com/office/drawing/2014/main" id="{451D70D8-D243-4560-ACB7-252048CA3C46}"/>
-              </a:ext>
-            </a:extLst>
-          </p:cNvPr>
-          <p:cNvSpPr>
-            <a:spLocks noGrp="1"/>
-          </p:cNvSpPr>
-          <p:nvPr>
-            <p:ph type="sldNum" sz="quarter" idx="16"/>
-          </p:nvPr>
-        </p:nvSpPr>
-        <p:spPr/>
-        <p:txBody>
-          <a:bodyPr/>
-          <a:lstStyle/>
-          <a:p>
-            <a:fld id="{50E76E58-F275-47A3-BB17-470016A267B6}" type="slidenum">
-              <a:rPr lang="de-DE" smtClean="0"/>
-              <a:pPr/>
-              <a:t>23</a:t>
-            </a:fld>
-            <a:endParaRPr lang="de-DE"/>
-          </a:p>
-        </p:txBody>
-      </p:sp>
-      <p:sp>
-        <p:nvSpPr>
-          <p:cNvPr id="6" name="Titel 5">
-            <a:extLst>
-              <a:ext uri="{FF2B5EF4-FFF2-40B4-BE49-F238E27FC236}">
-                <a16:creationId xmlns:a16="http://schemas.microsoft.com/office/drawing/2014/main" id="{5550845C-1A0F-47BE-8F4B-098913D51A85}"/>
-              </a:ext>
-            </a:extLst>
-          </p:cNvPr>
-          <p:cNvSpPr>
-            <a:spLocks noGrp="1"/>
-          </p:cNvSpPr>
-          <p:nvPr>
-            <p:ph type="title"/>
-          </p:nvPr>
-        </p:nvSpPr>
-        <p:spPr/>
-        <p:txBody>
-          <a:bodyPr/>
-          <a:lstStyle/>
-          <a:p>
-            <a:r>
-              <a:rPr lang="de-DE" b="1" dirty="0"/>
-              <a:t>6. </a:t>
-            </a:r>
-            <a:r>
-              <a:rPr lang="de-DE" b="1" dirty="0" err="1"/>
-              <a:t>Datatyp</a:t>
-            </a:r>
-            <a:r>
-              <a:rPr lang="de-DE" b="1" dirty="0"/>
-              <a:t> - Moving </a:t>
-            </a:r>
-            <a:r>
-              <a:rPr lang="de-DE" b="1" dirty="0" err="1"/>
-              <a:t>Object</a:t>
-            </a:r>
-            <a:r>
-              <a:rPr lang="de-DE" b="1" dirty="0"/>
-              <a:t> Data</a:t>
-            </a:r>
-            <a:endParaRPr lang="de-DE" dirty="0"/>
-          </a:p>
-        </p:txBody>
-      </p:sp>
-    </p:spTree>
-    <p:extLst>
-      <p:ext uri="{BB962C8B-B14F-4D97-AF65-F5344CB8AC3E}">
-        <p14:creationId xmlns:p14="http://schemas.microsoft.com/office/powerpoint/2010/main" val="830300591"/>
-      </p:ext>
-    </p:extLst>
-  </p:cSld>
-  <p:clrMapOvr>
-    <a:masterClrMapping/>
-  </p:clrMapOvr>
-</p:sld>
-</file>
-
-<file path=ppt/slides/slide24.xml><?xml version="1.0" encoding="utf-8"?>
-<p:sld xmlns:a="http://schemas.openxmlformats.org/drawingml/2006/main" xmlns:r="http://schemas.openxmlformats.org/officeDocument/2006/relationships" xmlns:p="http://schemas.openxmlformats.org/presentationml/2006/main">
-  <p:cSld>
-    <p:spTree>
-      <p:nvGrpSpPr>
-        <p:cNvPr id="1" name=""/>
-        <p:cNvGrpSpPr/>
-        <p:nvPr/>
-      </p:nvGrpSpPr>
-      <p:grpSpPr>
-        <a:xfrm>
-          <a:off x="0" y="0"/>
-          <a:ext cx="0" cy="0"/>
-          <a:chOff x="0" y="0"/>
-          <a:chExt cx="0" cy="0"/>
-        </a:xfrm>
-      </p:grpSpPr>
-      <p:sp>
-        <p:nvSpPr>
-          <p:cNvPr id="2" name="Titel 1">
-            <a:extLst>
-              <a:ext uri="{FF2B5EF4-FFF2-40B4-BE49-F238E27FC236}">
-                <a16:creationId xmlns:a16="http://schemas.microsoft.com/office/drawing/2014/main" id="{01809404-EB17-4FCD-B405-68EACB8E7AD7}"/>
-              </a:ext>
-            </a:extLst>
-          </p:cNvPr>
-          <p:cNvSpPr>
-            <a:spLocks noGrp="1"/>
-          </p:cNvSpPr>
-          <p:nvPr>
-            <p:ph type="title"/>
-          </p:nvPr>
-        </p:nvSpPr>
-        <p:spPr/>
-        <p:txBody>
-          <a:bodyPr/>
-          <a:lstStyle/>
-          <a:p>
-            <a:r>
-              <a:rPr lang="de-DE" sz="2400" b="1" dirty="0"/>
-              <a:t>6. Datatyp - Unstructured Data</a:t>
-            </a:r>
-            <a:endParaRPr lang="de-DE" sz="2400" dirty="0"/>
-          </a:p>
-        </p:txBody>
-      </p:sp>
-      <p:sp>
-        <p:nvSpPr>
-          <p:cNvPr id="3" name="Datumsplatzhalter 2">
-            <a:extLst>
-              <a:ext uri="{FF2B5EF4-FFF2-40B4-BE49-F238E27FC236}">
-                <a16:creationId xmlns:a16="http://schemas.microsoft.com/office/drawing/2014/main" id="{05125B1C-1267-40AB-BF49-0CA8C1F2D42B}"/>
+                <a16:creationId xmlns:a16="http://schemas.microsoft.com/office/drawing/2014/main" id="{3B50A201-5742-48F2-9C76-90EB7278DE8B}"/>
               </a:ext>
             </a:extLst>
           </p:cNvPr>
@@ -10360,7 +10282,7 @@
           <p:cNvPr id="4" name="Fußzeilenplatzhalter 3">
             <a:extLst>
               <a:ext uri="{FF2B5EF4-FFF2-40B4-BE49-F238E27FC236}">
-                <a16:creationId xmlns:a16="http://schemas.microsoft.com/office/drawing/2014/main" id="{B8807493-F45D-44B0-AE12-4DF2E5E5F2B0}"/>
+                <a16:creationId xmlns:a16="http://schemas.microsoft.com/office/drawing/2014/main" id="{905609BE-6FD9-442B-89BF-1438B615F4CE}"/>
               </a:ext>
             </a:extLst>
           </p:cNvPr>
@@ -10368,7 +10290,7 @@
             <a:spLocks noGrp="1"/>
           </p:cNvSpPr>
           <p:nvPr>
-            <p:ph type="ftr" sz="quarter" idx="11"/>
+            <p:ph type="ftr" sz="quarter" idx="4294967295"/>
           </p:nvPr>
         </p:nvSpPr>
         <p:spPr/>
@@ -10388,7 +10310,7 @@
           <p:cNvPr id="5" name="Textplatzhalter 4">
             <a:extLst>
               <a:ext uri="{FF2B5EF4-FFF2-40B4-BE49-F238E27FC236}">
-                <a16:creationId xmlns:a16="http://schemas.microsoft.com/office/drawing/2014/main" id="{258A1F07-925E-4D51-9984-7A8E5FFCBB2A}"/>
+                <a16:creationId xmlns:a16="http://schemas.microsoft.com/office/drawing/2014/main" id="{BE3AB503-2D36-4EFD-97BC-4FB481D902EA}"/>
               </a:ext>
             </a:extLst>
           </p:cNvPr>
@@ -10404,36 +10326,10 @@
           <a:bodyPr/>
           <a:lstStyle/>
           <a:p>
-            <a:r>
-              <a:rPr lang="de-DE" dirty="0"/>
-              <a:t>Unstructural data can also have sensitive data and QID</a:t>
-            </a:r>
-          </a:p>
-          <a:p>
-            <a:r>
-              <a:rPr lang="de-DE" dirty="0"/>
-              <a:t>Text and Pictures</a:t>
-            </a:r>
-          </a:p>
-          <a:p>
-            <a:r>
-              <a:rPr lang="en-US" dirty="0"/>
-              <a:t>Sanitization</a:t>
-            </a:r>
-          </a:p>
-          <a:p>
-            <a:r>
-              <a:rPr lang="de-DE" dirty="0"/>
-              <a:t>de-</a:t>
-            </a:r>
-            <a:r>
-              <a:rPr lang="de-DE" dirty="0" err="1"/>
-              <a:t>identiﬁcation</a:t>
-            </a:r>
-            <a:r>
-              <a:rPr lang="de-DE" dirty="0"/>
-              <a:t> </a:t>
-            </a:r>
+            <a:pPr marL="0" indent="0">
+              <a:buNone/>
+            </a:pPr>
+            <a:endParaRPr lang="de-DE" dirty="0"/>
           </a:p>
         </p:txBody>
       </p:sp>
@@ -10442,7 +10338,7 @@
           <p:cNvPr id="6" name="Foliennummernplatzhalter 5">
             <a:extLst>
               <a:ext uri="{FF2B5EF4-FFF2-40B4-BE49-F238E27FC236}">
-                <a16:creationId xmlns:a16="http://schemas.microsoft.com/office/drawing/2014/main" id="{7788C7BE-3668-4468-B27D-88F5562E2D83}"/>
+                <a16:creationId xmlns:a16="http://schemas.microsoft.com/office/drawing/2014/main" id="{9B878E9B-BDE0-4DC9-9BC7-6B1CE8112B95}"/>
               </a:ext>
             </a:extLst>
           </p:cNvPr>
@@ -10450,7 +10346,7 @@
             <a:spLocks noGrp="1"/>
           </p:cNvSpPr>
           <p:nvPr>
-            <p:ph type="sldNum" sz="quarter" idx="12"/>
+            <p:ph type="sldNum" sz="quarter" idx="4294967295"/>
           </p:nvPr>
         </p:nvSpPr>
         <p:spPr/>
@@ -10461,898 +10357,7 @@
             <a:fld id="{50E76E58-F275-47A3-BB17-470016A267B6}" type="slidenum">
               <a:rPr lang="de-DE" smtClean="0"/>
               <a:pPr/>
-              <a:t>24</a:t>
-            </a:fld>
-            <a:endParaRPr lang="de-DE" dirty="0"/>
-          </a:p>
-        </p:txBody>
-      </p:sp>
-      <p:pic>
-        <p:nvPicPr>
-          <p:cNvPr id="1027" name="Picture 3" descr="F:\PSI-MSem\die-bundesbeauftragte-fc3bcr-den-datenschutz-und-informationsfreiheit-002.jpg"/>
-          <p:cNvPicPr>
-            <a:picLocks noChangeAspect="1" noChangeArrowheads="1"/>
-          </p:cNvPicPr>
-          <p:nvPr/>
-        </p:nvPicPr>
-        <p:blipFill>
-          <a:blip r:embed="rId3" cstate="print">
-            <a:extLst>
-              <a:ext uri="{28A0092B-C50C-407E-A947-70E740481C1C}">
-                <a14:useLocalDpi xmlns:a14="http://schemas.microsoft.com/office/drawing/2010/main" val="0"/>
-              </a:ext>
-            </a:extLst>
-          </a:blip>
-          <a:srcRect/>
-          <a:stretch>
-            <a:fillRect/>
-          </a:stretch>
-        </p:blipFill>
-        <p:spPr bwMode="auto">
-          <a:xfrm>
-            <a:off x="3948200" y="1496113"/>
-            <a:ext cx="2815654" cy="3865773"/>
-          </a:xfrm>
-          <a:prstGeom prst="rect">
-            <a:avLst/>
-          </a:prstGeom>
-          <a:noFill/>
-          <a:extLst>
-            <a:ext uri="{909E8E84-426E-40DD-AFC4-6F175D3DCCD1}">
-              <a14:hiddenFill xmlns:a14="http://schemas.microsoft.com/office/drawing/2010/main">
-                <a:solidFill>
-                  <a:srgbClr val="FFFFFF"/>
-                </a:solidFill>
-              </a14:hiddenFill>
-            </a:ext>
-          </a:extLst>
-        </p:spPr>
-      </p:pic>
-      <p:pic>
-        <p:nvPicPr>
-          <p:cNvPr id="1026" name="Picture 2" descr="F:\PSI-MSem\cl-monalisa2-DW-Wissenschaft-Turin-jpg.jpg"/>
-          <p:cNvPicPr>
-            <a:picLocks noChangeAspect="1" noChangeArrowheads="1"/>
-          </p:cNvPicPr>
-          <p:nvPr/>
-        </p:nvPicPr>
-        <p:blipFill>
-          <a:blip r:embed="rId4" cstate="print">
-            <a:extLst>
-              <a:ext uri="{28A0092B-C50C-407E-A947-70E740481C1C}">
-                <a14:useLocalDpi xmlns:a14="http://schemas.microsoft.com/office/drawing/2010/main" val="0"/>
-              </a:ext>
-            </a:extLst>
-          </a:blip>
-          <a:srcRect/>
-          <a:stretch>
-            <a:fillRect/>
-          </a:stretch>
-        </p:blipFill>
-        <p:spPr bwMode="auto">
-          <a:xfrm>
-            <a:off x="6384995" y="3662269"/>
-            <a:ext cx="2592288" cy="2534062"/>
-          </a:xfrm>
-          <a:prstGeom prst="rect">
-            <a:avLst/>
-          </a:prstGeom>
-          <a:noFill/>
-          <a:extLst>
-            <a:ext uri="{909E8E84-426E-40DD-AFC4-6F175D3DCCD1}">
-              <a14:hiddenFill xmlns:a14="http://schemas.microsoft.com/office/drawing/2010/main">
-                <a:solidFill>
-                  <a:srgbClr val="FFFFFF"/>
-                </a:solidFill>
-              </a14:hiddenFill>
-            </a:ext>
-          </a:extLst>
-        </p:spPr>
-      </p:pic>
-    </p:spTree>
-    <p:extLst>
-      <p:ext uri="{BB962C8B-B14F-4D97-AF65-F5344CB8AC3E}">
-        <p14:creationId xmlns:p14="http://schemas.microsoft.com/office/powerpoint/2010/main" val="545608152"/>
-      </p:ext>
-    </p:extLst>
-  </p:cSld>
-  <p:clrMapOvr>
-    <a:masterClrMapping/>
-  </p:clrMapOvr>
-</p:sld>
-</file>
-
-<file path=ppt/slides/slide25.xml><?xml version="1.0" encoding="utf-8"?>
-<p:sld xmlns:a="http://schemas.openxmlformats.org/drawingml/2006/main" xmlns:r="http://schemas.openxmlformats.org/officeDocument/2006/relationships" xmlns:p="http://schemas.openxmlformats.org/presentationml/2006/main">
-  <p:cSld>
-    <p:spTree>
-      <p:nvGrpSpPr>
-        <p:cNvPr id="1" name=""/>
-        <p:cNvGrpSpPr/>
-        <p:nvPr/>
-      </p:nvGrpSpPr>
-      <p:grpSpPr>
-        <a:xfrm>
-          <a:off x="0" y="0"/>
-          <a:ext cx="0" cy="0"/>
-          <a:chOff x="0" y="0"/>
-          <a:chExt cx="0" cy="0"/>
-        </a:xfrm>
-      </p:grpSpPr>
-      <p:sp>
-        <p:nvSpPr>
-          <p:cNvPr id="2" name="Textplatzhalter 1">
-            <a:extLst>
-              <a:ext uri="{FF2B5EF4-FFF2-40B4-BE49-F238E27FC236}">
-                <a16:creationId xmlns:a16="http://schemas.microsoft.com/office/drawing/2014/main" id="{567C864D-96CB-4AAD-8F69-46F95369D423}"/>
-              </a:ext>
-            </a:extLst>
-          </p:cNvPr>
-          <p:cNvSpPr>
-            <a:spLocks noGrp="1"/>
-          </p:cNvSpPr>
-          <p:nvPr>
-            <p:ph type="body" sz="quarter" idx="13"/>
-          </p:nvPr>
-        </p:nvSpPr>
-        <p:spPr/>
-        <p:txBody>
-          <a:bodyPr/>
-          <a:lstStyle/>
-          <a:p>
-            <a:r>
-              <a:rPr lang="de-DE" i="1" dirty="0"/>
-              <a:t>k</a:t>
-            </a:r>
-            <a:r>
-              <a:rPr lang="de-DE" dirty="0"/>
-              <a:t>-Same. </a:t>
-            </a:r>
-            <a:r>
-              <a:rPr lang="en-US" b="1" dirty="0"/>
-              <a:t>Face identification </a:t>
-            </a:r>
-            <a:r>
-              <a:rPr lang="en-US" dirty="0"/>
-              <a:t>results when a face image is properly associated with explicit identifiers, such as name and address, of the person who is the subject of the face </a:t>
-            </a:r>
-            <a:r>
-              <a:rPr lang="de-DE" dirty="0" err="1"/>
-              <a:t>image</a:t>
-            </a:r>
-            <a:r>
-              <a:rPr lang="de-DE" dirty="0"/>
-              <a:t>.</a:t>
-            </a:r>
-          </a:p>
-          <a:p>
-            <a:r>
-              <a:rPr lang="en-US" dirty="0"/>
-              <a:t>In the next section, face recognition software is examined in detail. The goal of this work is to alter face images in such a way that automated face recognition cannot be reliably performed on the resulting images. Before claims of thwarting face recognition software can be made, more discussion is </a:t>
-            </a:r>
-            <a:r>
-              <a:rPr lang="en-US"/>
-              <a:t>needed on altering </a:t>
-            </a:r>
-            <a:r>
-              <a:rPr lang="en-US" dirty="0"/>
-              <a:t>face images. This is termed de-identification of face images, as described in Definition 2.7.</a:t>
-            </a:r>
-            <a:endParaRPr lang="de-DE" dirty="0"/>
-          </a:p>
-        </p:txBody>
-      </p:sp>
-      <p:sp>
-        <p:nvSpPr>
-          <p:cNvPr id="3" name="Datumsplatzhalter 2">
-            <a:extLst>
-              <a:ext uri="{FF2B5EF4-FFF2-40B4-BE49-F238E27FC236}">
-                <a16:creationId xmlns:a16="http://schemas.microsoft.com/office/drawing/2014/main" id="{E0A2EFC3-F5F3-44F7-A354-3FDB28A8B478}"/>
-              </a:ext>
-            </a:extLst>
-          </p:cNvPr>
-          <p:cNvSpPr>
-            <a:spLocks noGrp="1"/>
-          </p:cNvSpPr>
-          <p:nvPr>
-            <p:ph type="dt" sz="half" idx="14"/>
-          </p:nvPr>
-        </p:nvSpPr>
-        <p:spPr/>
-        <p:txBody>
-          <a:bodyPr/>
-          <a:lstStyle/>
-          <a:p>
-            <a:r>
-              <a:rPr lang="de-DE"/>
-              <a:t>30.01.2018</a:t>
-            </a:r>
-            <a:endParaRPr lang="de-DE" dirty="0"/>
-          </a:p>
-        </p:txBody>
-      </p:sp>
-      <p:sp>
-        <p:nvSpPr>
-          <p:cNvPr id="4" name="Fußzeilenplatzhalter 3">
-            <a:extLst>
-              <a:ext uri="{FF2B5EF4-FFF2-40B4-BE49-F238E27FC236}">
-                <a16:creationId xmlns:a16="http://schemas.microsoft.com/office/drawing/2014/main" id="{FE989A17-18D4-4F20-8F30-B8827799AFC8}"/>
-              </a:ext>
-            </a:extLst>
-          </p:cNvPr>
-          <p:cNvSpPr>
-            <a:spLocks noGrp="1"/>
-          </p:cNvSpPr>
-          <p:nvPr>
-            <p:ph type="ftr" sz="quarter" idx="15"/>
-          </p:nvPr>
-        </p:nvSpPr>
-        <p:spPr/>
-        <p:txBody>
-          <a:bodyPr/>
-          <a:lstStyle/>
-          <a:p>
-            <a:r>
-              <a:rPr lang="de-DE"/>
-              <a:t>Schallner Ludwig, Wiegnand Andreas</a:t>
-            </a:r>
-            <a:endParaRPr lang="de-DE" dirty="0"/>
-          </a:p>
-        </p:txBody>
-      </p:sp>
-      <p:sp>
-        <p:nvSpPr>
-          <p:cNvPr id="5" name="Foliennummernplatzhalter 4">
-            <a:extLst>
-              <a:ext uri="{FF2B5EF4-FFF2-40B4-BE49-F238E27FC236}">
-                <a16:creationId xmlns:a16="http://schemas.microsoft.com/office/drawing/2014/main" id="{E06B3509-98FF-413B-95F1-D9411CC2C6E7}"/>
-              </a:ext>
-            </a:extLst>
-          </p:cNvPr>
-          <p:cNvSpPr>
-            <a:spLocks noGrp="1"/>
-          </p:cNvSpPr>
-          <p:nvPr>
-            <p:ph type="sldNum" sz="quarter" idx="16"/>
-          </p:nvPr>
-        </p:nvSpPr>
-        <p:spPr/>
-        <p:txBody>
-          <a:bodyPr/>
-          <a:lstStyle/>
-          <a:p>
-            <a:fld id="{50E76E58-F275-47A3-BB17-470016A267B6}" type="slidenum">
-              <a:rPr lang="de-DE" smtClean="0"/>
-              <a:pPr/>
-              <a:t>25</a:t>
-            </a:fld>
-            <a:endParaRPr lang="de-DE"/>
-          </a:p>
-        </p:txBody>
-      </p:sp>
-      <p:sp>
-        <p:nvSpPr>
-          <p:cNvPr id="6" name="Titel 5">
-            <a:extLst>
-              <a:ext uri="{FF2B5EF4-FFF2-40B4-BE49-F238E27FC236}">
-                <a16:creationId xmlns:a16="http://schemas.microsoft.com/office/drawing/2014/main" id="{94496B6B-9684-4747-8FBE-1E47B83F6560}"/>
-              </a:ext>
-            </a:extLst>
-          </p:cNvPr>
-          <p:cNvSpPr>
-            <a:spLocks noGrp="1"/>
-          </p:cNvSpPr>
-          <p:nvPr>
-            <p:ph type="title"/>
-          </p:nvPr>
-        </p:nvSpPr>
-        <p:spPr/>
-        <p:txBody>
-          <a:bodyPr/>
-          <a:lstStyle/>
-          <a:p>
-            <a:r>
-              <a:rPr lang="de-DE" b="1" dirty="0" err="1"/>
-              <a:t>Datatyp</a:t>
-            </a:r>
-            <a:r>
-              <a:rPr lang="de-DE" b="1" dirty="0"/>
-              <a:t> - </a:t>
-            </a:r>
-            <a:r>
-              <a:rPr lang="de-DE" b="1" dirty="0" err="1"/>
-              <a:t>Unstructured</a:t>
-            </a:r>
-            <a:r>
-              <a:rPr lang="de-DE" b="1" dirty="0"/>
-              <a:t> Data </a:t>
-            </a:r>
-            <a:r>
-              <a:rPr lang="de-DE" b="1" dirty="0" err="1"/>
-              <a:t>cont‘d</a:t>
-            </a:r>
-            <a:endParaRPr lang="de-DE" dirty="0"/>
-          </a:p>
-        </p:txBody>
-      </p:sp>
-    </p:spTree>
-    <p:extLst>
-      <p:ext uri="{BB962C8B-B14F-4D97-AF65-F5344CB8AC3E}">
-        <p14:creationId xmlns:p14="http://schemas.microsoft.com/office/powerpoint/2010/main" val="52467605"/>
-      </p:ext>
-    </p:extLst>
-  </p:cSld>
-  <p:clrMapOvr>
-    <a:masterClrMapping/>
-  </p:clrMapOvr>
-</p:sld>
-</file>
-
-<file path=ppt/slides/slide26.xml><?xml version="1.0" encoding="utf-8"?>
-<p:sld xmlns:a="http://schemas.openxmlformats.org/drawingml/2006/main" xmlns:r="http://schemas.openxmlformats.org/officeDocument/2006/relationships" xmlns:p="http://schemas.openxmlformats.org/presentationml/2006/main">
-  <p:cSld>
-    <p:spTree>
-      <p:nvGrpSpPr>
-        <p:cNvPr id="1" name=""/>
-        <p:cNvGrpSpPr/>
-        <p:nvPr/>
-      </p:nvGrpSpPr>
-      <p:grpSpPr>
-        <a:xfrm>
-          <a:off x="0" y="0"/>
-          <a:ext cx="0" cy="0"/>
-          <a:chOff x="0" y="0"/>
-          <a:chExt cx="0" cy="0"/>
-        </a:xfrm>
-      </p:grpSpPr>
-      <p:sp>
-        <p:nvSpPr>
-          <p:cNvPr id="2" name="Textplatzhalter 1">
-            <a:extLst>
-              <a:ext uri="{FF2B5EF4-FFF2-40B4-BE49-F238E27FC236}">
-                <a16:creationId xmlns:a16="http://schemas.microsoft.com/office/drawing/2014/main" id="{577C42F9-8E74-40CA-8AA0-C0AD6BFAC4E2}"/>
-              </a:ext>
-            </a:extLst>
-          </p:cNvPr>
-          <p:cNvSpPr>
-            <a:spLocks noGrp="1"/>
-          </p:cNvSpPr>
-          <p:nvPr>
-            <p:ph type="body" sz="quarter" idx="13"/>
-          </p:nvPr>
-        </p:nvSpPr>
-        <p:spPr/>
-        <p:txBody>
-          <a:bodyPr/>
-          <a:lstStyle/>
-          <a:p>
-            <a:r>
-              <a:rPr lang="de-DE" dirty="0" err="1"/>
-              <a:t>Erase</a:t>
-            </a:r>
-            <a:endParaRPr lang="de-DE" dirty="0"/>
-          </a:p>
-          <a:p>
-            <a:r>
-              <a:rPr lang="de-DE" dirty="0" err="1"/>
-              <a:t>However</a:t>
-            </a:r>
-            <a:r>
-              <a:rPr lang="de-DE" dirty="0"/>
-              <a:t>, </a:t>
-            </a:r>
-            <a:r>
-              <a:rPr lang="de-DE" dirty="0" err="1"/>
-              <a:t>the</a:t>
-            </a:r>
-            <a:r>
-              <a:rPr lang="de-DE" dirty="0"/>
-              <a:t> </a:t>
-            </a:r>
-            <a:r>
-              <a:rPr lang="de-DE" dirty="0" err="1"/>
-              <a:t>problem</a:t>
-            </a:r>
-            <a:r>
-              <a:rPr lang="de-DE" dirty="0"/>
-              <a:t> </a:t>
-            </a:r>
-            <a:r>
-              <a:rPr lang="de-DE" dirty="0" err="1"/>
-              <a:t>formulation</a:t>
-            </a:r>
-            <a:r>
-              <a:rPr lang="de-DE" dirty="0"/>
-              <a:t> </a:t>
-            </a:r>
-            <a:r>
-              <a:rPr lang="en-US" dirty="0"/>
-              <a:t>considered in the above setup and ERASE are different. While the goal in the K-anonymization is to anonymize a given  </a:t>
-            </a:r>
-            <a:r>
-              <a:rPr lang="de-DE" dirty="0" err="1"/>
-              <a:t>database</a:t>
-            </a:r>
-            <a:r>
-              <a:rPr lang="de-DE" dirty="0"/>
-              <a:t>, in ERASE, </a:t>
-            </a:r>
-            <a:r>
-              <a:rPr lang="de-DE" dirty="0" err="1"/>
-              <a:t>the</a:t>
-            </a:r>
-            <a:r>
-              <a:rPr lang="de-DE" dirty="0"/>
-              <a:t> </a:t>
-            </a:r>
-            <a:r>
-              <a:rPr lang="de-DE" dirty="0" err="1"/>
-              <a:t>aim</a:t>
-            </a:r>
-            <a:r>
-              <a:rPr lang="de-DE" dirty="0"/>
-              <a:t> </a:t>
-            </a:r>
-            <a:r>
-              <a:rPr lang="de-DE" dirty="0" err="1"/>
-              <a:t>to</a:t>
-            </a:r>
-            <a:r>
-              <a:rPr lang="de-DE" dirty="0"/>
-              <a:t> </a:t>
-            </a:r>
-            <a:r>
-              <a:rPr lang="de-DE" dirty="0" err="1"/>
-              <a:t>sanitize</a:t>
-            </a:r>
-            <a:r>
-              <a:rPr lang="de-DE" dirty="0"/>
-              <a:t> a </a:t>
-            </a:r>
-            <a:r>
-              <a:rPr lang="de-DE" dirty="0" err="1"/>
-              <a:t>single</a:t>
-            </a:r>
-            <a:r>
-              <a:rPr lang="de-DE" dirty="0"/>
-              <a:t> </a:t>
-            </a:r>
-            <a:r>
-              <a:rPr lang="de-DE" dirty="0" err="1"/>
-              <a:t>document</a:t>
-            </a:r>
-            <a:r>
-              <a:rPr lang="de-DE" dirty="0"/>
-              <a:t>. </a:t>
-            </a:r>
-            <a:r>
-              <a:rPr lang="de-DE" b="1" dirty="0"/>
-              <a:t>(</a:t>
-            </a:r>
-            <a:r>
-              <a:rPr lang="de-DE" dirty="0"/>
-              <a:t>K</a:t>
-            </a:r>
-            <a:r>
-              <a:rPr lang="de-DE" b="1" dirty="0"/>
-              <a:t>-</a:t>
-            </a:r>
-            <a:r>
-              <a:rPr lang="de-DE" b="1" dirty="0" err="1"/>
-              <a:t>safety</a:t>
-            </a:r>
-            <a:r>
-              <a:rPr lang="de-DE" b="1" dirty="0"/>
-              <a:t>)</a:t>
-            </a:r>
-          </a:p>
-          <a:p>
-            <a:r>
-              <a:rPr lang="en-US" dirty="0"/>
-              <a:t>E denote the set of entities</a:t>
-            </a:r>
-          </a:p>
-          <a:p>
-            <a:r>
-              <a:rPr lang="de-DE" dirty="0" err="1"/>
-              <a:t>We</a:t>
-            </a:r>
-            <a:r>
-              <a:rPr lang="de-DE" dirty="0"/>
-              <a:t> </a:t>
-            </a:r>
-            <a:r>
-              <a:rPr lang="de-DE" dirty="0" err="1"/>
-              <a:t>associate</a:t>
-            </a:r>
-            <a:r>
-              <a:rPr lang="de-DE" dirty="0"/>
-              <a:t> </a:t>
-            </a:r>
-            <a:r>
-              <a:rPr lang="de-DE" dirty="0" err="1"/>
-              <a:t>each</a:t>
-            </a:r>
-            <a:r>
-              <a:rPr lang="de-DE" dirty="0"/>
-              <a:t> </a:t>
-            </a:r>
-            <a:r>
-              <a:rPr lang="de-DE" dirty="0" err="1"/>
-              <a:t>entity</a:t>
-            </a:r>
-            <a:r>
-              <a:rPr lang="de-DE" dirty="0"/>
-              <a:t> e 2 E </a:t>
-            </a:r>
-            <a:r>
-              <a:rPr lang="en-US" dirty="0"/>
-              <a:t>with a set of terms C(e) which collectively represent the entire knowledge the adversary has about the entity</a:t>
-            </a:r>
-          </a:p>
-          <a:p>
-            <a:r>
-              <a:rPr lang="en-US" dirty="0"/>
-              <a:t>Each disease is an entity, and its context includes the symptoms and the drugs used to cure the disease.</a:t>
-            </a:r>
-            <a:r>
-              <a:rPr lang="de-DE" dirty="0"/>
-              <a:t>P </a:t>
-            </a:r>
-            <a:r>
-              <a:rPr lang="de-DE" dirty="0" err="1"/>
-              <a:t>of</a:t>
-            </a:r>
-            <a:r>
-              <a:rPr lang="de-DE" dirty="0"/>
-              <a:t> </a:t>
-            </a:r>
-            <a:r>
-              <a:rPr lang="de-DE" i="1" dirty="0" err="1"/>
-              <a:t>protected</a:t>
-            </a:r>
-            <a:endParaRPr lang="de-DE" b="1" dirty="0"/>
-          </a:p>
-          <a:p>
-            <a:endParaRPr lang="de-DE" b="1" dirty="0"/>
-          </a:p>
-          <a:p>
-            <a:endParaRPr lang="de-DE" b="1" dirty="0"/>
-          </a:p>
-          <a:p>
-            <a:endParaRPr lang="de-DE" b="1" dirty="0"/>
-          </a:p>
-          <a:p>
-            <a:endParaRPr lang="de-DE" b="1" dirty="0"/>
-          </a:p>
-          <a:p>
-            <a:r>
-              <a:rPr lang="de-DE" dirty="0"/>
-              <a:t>Problem NP-Hard</a:t>
-            </a:r>
-          </a:p>
-        </p:txBody>
-      </p:sp>
-      <p:sp>
-        <p:nvSpPr>
-          <p:cNvPr id="3" name="Datumsplatzhalter 2">
-            <a:extLst>
-              <a:ext uri="{FF2B5EF4-FFF2-40B4-BE49-F238E27FC236}">
-                <a16:creationId xmlns:a16="http://schemas.microsoft.com/office/drawing/2014/main" id="{DD25A7C7-A5B6-4B13-A9D6-3724754DEFDD}"/>
-              </a:ext>
-            </a:extLst>
-          </p:cNvPr>
-          <p:cNvSpPr>
-            <a:spLocks noGrp="1"/>
-          </p:cNvSpPr>
-          <p:nvPr>
-            <p:ph type="dt" sz="half" idx="14"/>
-          </p:nvPr>
-        </p:nvSpPr>
-        <p:spPr/>
-        <p:txBody>
-          <a:bodyPr/>
-          <a:lstStyle/>
-          <a:p>
-            <a:r>
-              <a:rPr lang="de-DE"/>
-              <a:t>30.01.2018</a:t>
-            </a:r>
-            <a:endParaRPr lang="de-DE" dirty="0"/>
-          </a:p>
-        </p:txBody>
-      </p:sp>
-      <p:sp>
-        <p:nvSpPr>
-          <p:cNvPr id="4" name="Fußzeilenplatzhalter 3">
-            <a:extLst>
-              <a:ext uri="{FF2B5EF4-FFF2-40B4-BE49-F238E27FC236}">
-                <a16:creationId xmlns:a16="http://schemas.microsoft.com/office/drawing/2014/main" id="{B6FD571C-9DB0-4F33-8101-9F69BB1DEB36}"/>
-              </a:ext>
-            </a:extLst>
-          </p:cNvPr>
-          <p:cNvSpPr>
-            <a:spLocks noGrp="1"/>
-          </p:cNvSpPr>
-          <p:nvPr>
-            <p:ph type="ftr" sz="quarter" idx="15"/>
-          </p:nvPr>
-        </p:nvSpPr>
-        <p:spPr/>
-        <p:txBody>
-          <a:bodyPr/>
-          <a:lstStyle/>
-          <a:p>
-            <a:r>
-              <a:rPr lang="de-DE"/>
-              <a:t>Schallner Ludwig, Wiegnand Andreas</a:t>
-            </a:r>
-            <a:endParaRPr lang="de-DE" dirty="0"/>
-          </a:p>
-        </p:txBody>
-      </p:sp>
-      <p:sp>
-        <p:nvSpPr>
-          <p:cNvPr id="5" name="Foliennummernplatzhalter 4">
-            <a:extLst>
-              <a:ext uri="{FF2B5EF4-FFF2-40B4-BE49-F238E27FC236}">
-                <a16:creationId xmlns:a16="http://schemas.microsoft.com/office/drawing/2014/main" id="{FF64C9BD-BB48-4958-9EF7-0B9AD95DE67B}"/>
-              </a:ext>
-            </a:extLst>
-          </p:cNvPr>
-          <p:cNvSpPr>
-            <a:spLocks noGrp="1"/>
-          </p:cNvSpPr>
-          <p:nvPr>
-            <p:ph type="sldNum" sz="quarter" idx="16"/>
-          </p:nvPr>
-        </p:nvSpPr>
-        <p:spPr/>
-        <p:txBody>
-          <a:bodyPr/>
-          <a:lstStyle/>
-          <a:p>
-            <a:fld id="{50E76E58-F275-47A3-BB17-470016A267B6}" type="slidenum">
-              <a:rPr lang="de-DE" smtClean="0"/>
-              <a:pPr/>
-              <a:t>26</a:t>
-            </a:fld>
-            <a:endParaRPr lang="de-DE"/>
-          </a:p>
-        </p:txBody>
-      </p:sp>
-      <p:sp>
-        <p:nvSpPr>
-          <p:cNvPr id="6" name="Titel 5">
-            <a:extLst>
-              <a:ext uri="{FF2B5EF4-FFF2-40B4-BE49-F238E27FC236}">
-                <a16:creationId xmlns:a16="http://schemas.microsoft.com/office/drawing/2014/main" id="{F4005843-4524-4142-AAD9-795F09BD1662}"/>
-              </a:ext>
-            </a:extLst>
-          </p:cNvPr>
-          <p:cNvSpPr>
-            <a:spLocks noGrp="1"/>
-          </p:cNvSpPr>
-          <p:nvPr>
-            <p:ph type="title"/>
-          </p:nvPr>
-        </p:nvSpPr>
-        <p:spPr/>
-        <p:txBody>
-          <a:bodyPr/>
-          <a:lstStyle/>
-          <a:p>
-            <a:r>
-              <a:rPr lang="de-DE" b="1" dirty="0" err="1"/>
-              <a:t>Datatyp</a:t>
-            </a:r>
-            <a:r>
-              <a:rPr lang="de-DE" b="1" dirty="0"/>
-              <a:t> - </a:t>
-            </a:r>
-            <a:r>
-              <a:rPr lang="de-DE" b="1" dirty="0" err="1"/>
-              <a:t>Unstructured</a:t>
-            </a:r>
-            <a:r>
-              <a:rPr lang="de-DE" b="1" dirty="0"/>
-              <a:t> Data </a:t>
-            </a:r>
-            <a:r>
-              <a:rPr lang="de-DE" b="1" dirty="0" err="1"/>
-              <a:t>cont‘d</a:t>
-            </a:r>
-            <a:endParaRPr lang="de-DE" dirty="0"/>
-          </a:p>
-        </p:txBody>
-      </p:sp>
-    </p:spTree>
-    <p:extLst>
-      <p:ext uri="{BB962C8B-B14F-4D97-AF65-F5344CB8AC3E}">
-        <p14:creationId xmlns:p14="http://schemas.microsoft.com/office/powerpoint/2010/main" val="1737291820"/>
-      </p:ext>
-    </p:extLst>
-  </p:cSld>
-  <p:clrMapOvr>
-    <a:masterClrMapping/>
-  </p:clrMapOvr>
-</p:sld>
-</file>
-
-<file path=ppt/slides/slide27.xml><?xml version="1.0" encoding="utf-8"?>
-<p:sld xmlns:a="http://schemas.openxmlformats.org/drawingml/2006/main" xmlns:r="http://schemas.openxmlformats.org/officeDocument/2006/relationships" xmlns:p="http://schemas.openxmlformats.org/presentationml/2006/main">
-  <p:cSld>
-    <p:spTree>
-      <p:nvGrpSpPr>
-        <p:cNvPr id="1" name=""/>
-        <p:cNvGrpSpPr/>
-        <p:nvPr/>
-      </p:nvGrpSpPr>
-      <p:grpSpPr>
-        <a:xfrm>
-          <a:off x="0" y="0"/>
-          <a:ext cx="0" cy="0"/>
-          <a:chOff x="0" y="0"/>
-          <a:chExt cx="0" cy="0"/>
-        </a:xfrm>
-      </p:grpSpPr>
-      <p:sp>
-        <p:nvSpPr>
-          <p:cNvPr id="2" name="Titel 1">
-            <a:extLst>
-              <a:ext uri="{FF2B5EF4-FFF2-40B4-BE49-F238E27FC236}">
-                <a16:creationId xmlns:a16="http://schemas.microsoft.com/office/drawing/2014/main" id="{60CF76F7-DA21-4280-B132-DB1CBFFB0632}"/>
-              </a:ext>
-            </a:extLst>
-          </p:cNvPr>
-          <p:cNvSpPr>
-            <a:spLocks noGrp="1"/>
-          </p:cNvSpPr>
-          <p:nvPr>
-            <p:ph type="title"/>
-          </p:nvPr>
-        </p:nvSpPr>
-        <p:spPr/>
-        <p:txBody>
-          <a:bodyPr/>
-          <a:lstStyle/>
-          <a:p>
-            <a:r>
-              <a:rPr lang="de-DE" dirty="0"/>
-              <a:t>7. Summary</a:t>
-            </a:r>
-          </a:p>
-        </p:txBody>
-      </p:sp>
-      <p:sp>
-        <p:nvSpPr>
-          <p:cNvPr id="3" name="Datumsplatzhalter 2">
-            <a:extLst>
-              <a:ext uri="{FF2B5EF4-FFF2-40B4-BE49-F238E27FC236}">
-                <a16:creationId xmlns:a16="http://schemas.microsoft.com/office/drawing/2014/main" id="{3B50A201-5742-48F2-9C76-90EB7278DE8B}"/>
-              </a:ext>
-            </a:extLst>
-          </p:cNvPr>
-          <p:cNvSpPr>
-            <a:spLocks noGrp="1"/>
-          </p:cNvSpPr>
-          <p:nvPr>
-            <p:ph type="dt" sz="half" idx="4294967295"/>
-          </p:nvPr>
-        </p:nvSpPr>
-        <p:spPr>
-          <a:xfrm>
-            <a:off x="1331913" y="6208713"/>
-            <a:ext cx="1296987" cy="476250"/>
-          </a:xfrm>
-        </p:spPr>
-        <p:txBody>
-          <a:bodyPr/>
-          <a:lstStyle/>
-          <a:p>
-            <a:r>
-              <a:rPr lang="de-DE" dirty="0"/>
-              <a:t>30.01.2018</a:t>
-            </a:r>
-          </a:p>
-        </p:txBody>
-      </p:sp>
-      <p:sp>
-        <p:nvSpPr>
-          <p:cNvPr id="4" name="Fußzeilenplatzhalter 3">
-            <a:extLst>
-              <a:ext uri="{FF2B5EF4-FFF2-40B4-BE49-F238E27FC236}">
-                <a16:creationId xmlns:a16="http://schemas.microsoft.com/office/drawing/2014/main" id="{905609BE-6FD9-442B-89BF-1438B615F4CE}"/>
-              </a:ext>
-            </a:extLst>
-          </p:cNvPr>
-          <p:cNvSpPr>
-            <a:spLocks noGrp="1"/>
-          </p:cNvSpPr>
-          <p:nvPr>
-            <p:ph type="ftr" sz="quarter" idx="4294967295"/>
-          </p:nvPr>
-        </p:nvSpPr>
-        <p:spPr/>
-        <p:txBody>
-          <a:bodyPr/>
-          <a:lstStyle/>
-          <a:p>
-            <a:r>
-              <a:rPr lang="de-DE" dirty="0"/>
-              <a:t>Andreas Wiegand &amp; Ludwig Schallner</a:t>
-            </a:r>
-          </a:p>
-        </p:txBody>
-      </p:sp>
-      <p:sp>
-        <p:nvSpPr>
-          <p:cNvPr id="5" name="Textplatzhalter 4">
-            <a:extLst>
-              <a:ext uri="{FF2B5EF4-FFF2-40B4-BE49-F238E27FC236}">
-                <a16:creationId xmlns:a16="http://schemas.microsoft.com/office/drawing/2014/main" id="{BE3AB503-2D36-4EFD-97BC-4FB481D902EA}"/>
-              </a:ext>
-            </a:extLst>
-          </p:cNvPr>
-          <p:cNvSpPr>
-            <a:spLocks noGrp="1"/>
-          </p:cNvSpPr>
-          <p:nvPr>
-            <p:ph type="body" sz="quarter" idx="13"/>
-          </p:nvPr>
-        </p:nvSpPr>
-        <p:spPr/>
-        <p:txBody>
-          <a:bodyPr/>
-          <a:lstStyle/>
-          <a:p>
-            <a:r>
-              <a:rPr lang="de-DE" dirty="0"/>
-              <a:t>K-anonymity, l-Diversity, t-clossness don‘t provide a full privacy protection</a:t>
-            </a:r>
-          </a:p>
-          <a:p>
-            <a:r>
-              <a:rPr lang="de-DE" dirty="0"/>
-              <a:t>Every privacy Modell tries to overcome the downsites of his parent</a:t>
-            </a:r>
-          </a:p>
-          <a:p>
-            <a:r>
-              <a:rPr lang="de-DE" dirty="0"/>
-              <a:t>All kind of data can leak privacy information</a:t>
-            </a:r>
-          </a:p>
-          <a:p>
-            <a:endParaRPr lang="de-DE" dirty="0"/>
-          </a:p>
-        </p:txBody>
-      </p:sp>
-      <p:sp>
-        <p:nvSpPr>
-          <p:cNvPr id="6" name="Foliennummernplatzhalter 5">
-            <a:extLst>
-              <a:ext uri="{FF2B5EF4-FFF2-40B4-BE49-F238E27FC236}">
-                <a16:creationId xmlns:a16="http://schemas.microsoft.com/office/drawing/2014/main" id="{9B878E9B-BDE0-4DC9-9BC7-6B1CE8112B95}"/>
-              </a:ext>
-            </a:extLst>
-          </p:cNvPr>
-          <p:cNvSpPr>
-            <a:spLocks noGrp="1"/>
-          </p:cNvSpPr>
-          <p:nvPr>
-            <p:ph type="sldNum" sz="quarter" idx="4294967295"/>
-          </p:nvPr>
-        </p:nvSpPr>
-        <p:spPr/>
-        <p:txBody>
-          <a:bodyPr/>
-          <a:lstStyle/>
-          <a:p>
-            <a:fld id="{50E76E58-F275-47A3-BB17-470016A267B6}" type="slidenum">
-              <a:rPr lang="de-DE" smtClean="0"/>
-              <a:pPr/>
-              <a:t>27</a:t>
+              <a:t>23</a:t>
             </a:fld>
             <a:endParaRPr lang="de-DE" dirty="0"/>
           </a:p>
@@ -14189,18 +13194,18 @@
 
 <file path=customXml/item1.xml><?xml version="1.0" encoding="utf-8"?>
 <Control xmlns="http://schemas.microsoft.com/VisualStudio/2011/storyboarding/control">
-  <Id Name="dec3670c-0d6f-4455-9c2f-971d108358d4" Revision="1" Stencil="System.MyShapes" StencilVersion="1.0"/>
+  <Id Name="System.Storyboarding.Common.Button" Revision="1" Stencil="System.Storyboarding.Common" StencilVersion="0.1"/>
 </Control>
 </file>
 
 <file path=customXml/item2.xml><?xml version="1.0" encoding="utf-8"?>
 <Control xmlns="http://schemas.microsoft.com/VisualStudio/2011/storyboarding/control">
-  <Id Name="System.Storyboarding.Common.Button" Revision="1" Stencil="System.Storyboarding.Common" StencilVersion="0.1"/>
+  <Id Name="dec3670c-0d6f-4455-9c2f-971d108358d4" Revision="1" Stencil="System.MyShapes" StencilVersion="1.0"/>
 </Control>
 </file>
 
 <file path=customXml/itemProps1.xml><?xml version="1.0" encoding="utf-8"?>
-<ds:datastoreItem xmlns:ds="http://schemas.openxmlformats.org/officeDocument/2006/customXml" ds:itemID="{566C5A5A-5A83-4A95-95C1-260C6D486DE6}">
+<ds:datastoreItem xmlns:ds="http://schemas.openxmlformats.org/officeDocument/2006/customXml" ds:itemID="{206AFEA3-501E-4E71-91B3-BDBE1D839E11}">
   <ds:schemaRefs>
     <ds:schemaRef ds:uri="http://schemas.microsoft.com/VisualStudio/2011/storyboarding/control"/>
   </ds:schemaRefs>
@@ -14208,7 +13213,7 @@
 </file>
 
 <file path=customXml/itemProps2.xml><?xml version="1.0" encoding="utf-8"?>
-<ds:datastoreItem xmlns:ds="http://schemas.openxmlformats.org/officeDocument/2006/customXml" ds:itemID="{206AFEA3-501E-4E71-91B3-BDBE1D839E11}">
+<ds:datastoreItem xmlns:ds="http://schemas.openxmlformats.org/officeDocument/2006/customXml" ds:itemID="{566C5A5A-5A83-4A95-95C1-260C6D486DE6}">
   <ds:schemaRefs>
     <ds:schemaRef ds:uri="http://schemas.microsoft.com/VisualStudio/2011/storyboarding/control"/>
   </ds:schemaRefs>

--- a/presentation/sicherheits_final_anV2.pptx
+++ b/presentation/sicherheits_final_anV2.pptx
@@ -5,10 +5,10 @@
     <p:sldMasterId id="2147483678" r:id="rId3"/>
   </p:sldMasterIdLst>
   <p:notesMasterIdLst>
-    <p:notesMasterId r:id="rId27"/>
+    <p:notesMasterId r:id="rId28"/>
   </p:notesMasterIdLst>
   <p:handoutMasterIdLst>
-    <p:handoutMasterId r:id="rId28"/>
+    <p:handoutMasterId r:id="rId29"/>
   </p:handoutMasterIdLst>
   <p:sldIdLst>
     <p:sldId id="256" r:id="rId4"/>
@@ -34,6 +34,7 @@
     <p:sldId id="328" r:id="rId24"/>
     <p:sldId id="311" r:id="rId25"/>
     <p:sldId id="325" r:id="rId26"/>
+    <p:sldId id="330" r:id="rId27"/>
   </p:sldIdLst>
   <p:sldSz cx="9144000" cy="6858000" type="screen4x3"/>
   <p:notesSz cx="9942513" cy="6761163"/>
@@ -1769,6 +1770,304 @@
               </a:rPr>
               <a:t>.</a:t>
             </a:r>
+          </a:p>
+          <a:p>
+            <a:endParaRPr lang="de-DE" sz="1200" b="0" i="0" u="none" strike="noStrike" kern="1200" baseline="0" dirty="0">
+              <a:solidFill>
+                <a:schemeClr val="tx1"/>
+              </a:solidFill>
+              <a:latin typeface="Arial" charset="0"/>
+              <a:ea typeface="+mn-ea"/>
+              <a:cs typeface="+mn-cs"/>
+            </a:endParaRPr>
+          </a:p>
+          <a:p>
+            <a:r>
+              <a:rPr lang="en-US" sz="1200" b="0" i="0" u="none" strike="noStrike" kern="1200" baseline="0" dirty="0">
+                <a:solidFill>
+                  <a:schemeClr val="tx1"/>
+                </a:solidFill>
+                <a:latin typeface="Arial" charset="0"/>
+                <a:ea typeface="+mn-ea"/>
+                <a:cs typeface="+mn-cs"/>
+              </a:rPr>
+              <a:t>The generalization hierarchies for the three quasi-identifiers in</a:t>
+            </a:r>
+          </a:p>
+          <a:p>
+            <a:r>
+              <a:rPr lang="en-US" sz="1200" b="0" i="0" u="none" strike="noStrike" kern="1200" baseline="0" dirty="0">
+                <a:solidFill>
+                  <a:schemeClr val="tx1"/>
+                </a:solidFill>
+                <a:latin typeface="Arial" charset="0"/>
+                <a:ea typeface="+mn-ea"/>
+                <a:cs typeface="+mn-cs"/>
+              </a:rPr>
+              <a:t>Figure 1 can be represented as a lattice, as in panel (a) of Figure</a:t>
+            </a:r>
+          </a:p>
+          <a:p>
+            <a:r>
+              <a:rPr lang="en-US" sz="1200" b="0" i="0" u="none" strike="noStrike" kern="1200" baseline="0" dirty="0">
+                <a:solidFill>
+                  <a:schemeClr val="tx1"/>
+                </a:solidFill>
+                <a:latin typeface="Arial" charset="0"/>
+                <a:ea typeface="+mn-ea"/>
+                <a:cs typeface="+mn-cs"/>
+              </a:rPr>
+              <a:t>2. The height of each row of nodes is shown on the left hand</a:t>
+            </a:r>
+          </a:p>
+          <a:p>
+            <a:r>
+              <a:rPr lang="en-US" sz="1200" b="0" i="0" u="none" strike="noStrike" kern="1200" baseline="0" dirty="0">
+                <a:solidFill>
+                  <a:schemeClr val="tx1"/>
+                </a:solidFill>
+                <a:latin typeface="Arial" charset="0"/>
+                <a:ea typeface="+mn-ea"/>
+                <a:cs typeface="+mn-cs"/>
+              </a:rPr>
+              <a:t>side, ranging from zero to 7 in this case. The arrows illustrate</a:t>
+            </a:r>
+          </a:p>
+          <a:p>
+            <a:r>
+              <a:rPr lang="en-US" sz="1200" b="0" i="0" u="none" strike="noStrike" kern="1200" baseline="0" dirty="0">
+                <a:solidFill>
+                  <a:schemeClr val="tx1"/>
+                </a:solidFill>
+                <a:latin typeface="Arial" charset="0"/>
+                <a:ea typeface="+mn-ea"/>
+                <a:cs typeface="+mn-cs"/>
+              </a:rPr>
+              <a:t>the possible generalization paths that can be taken through the</a:t>
+            </a:r>
+          </a:p>
+          <a:p>
+            <a:r>
+              <a:rPr lang="en-US" sz="1200" b="0" i="0" u="none" strike="noStrike" kern="1200" baseline="0" dirty="0">
+                <a:solidFill>
+                  <a:schemeClr val="tx1"/>
+                </a:solidFill>
+                <a:latin typeface="Arial" charset="0"/>
+                <a:ea typeface="+mn-ea"/>
+                <a:cs typeface="+mn-cs"/>
+              </a:rPr>
+              <a:t>lattice. A series of connected paths from the bottom node to the</a:t>
+            </a:r>
+          </a:p>
+          <a:p>
+            <a:r>
+              <a:rPr lang="en-US" sz="1200" b="0" i="0" u="none" strike="noStrike" kern="1200" baseline="0" dirty="0">
+                <a:solidFill>
+                  <a:schemeClr val="tx1"/>
+                </a:solidFill>
+                <a:latin typeface="Arial" charset="0"/>
+                <a:ea typeface="+mn-ea"/>
+                <a:cs typeface="+mn-cs"/>
+              </a:rPr>
+              <a:t>top node is a </a:t>
+            </a:r>
+            <a:r>
+              <a:rPr lang="en-US" sz="1200" b="0" i="1" u="none" strike="noStrike" kern="1200" baseline="0" dirty="0">
+                <a:solidFill>
+                  <a:schemeClr val="tx1"/>
+                </a:solidFill>
+                <a:latin typeface="Arial" charset="0"/>
+                <a:ea typeface="+mn-ea"/>
+                <a:cs typeface="+mn-cs"/>
+              </a:rPr>
+              <a:t>generalization strategy</a:t>
+            </a:r>
+            <a:r>
+              <a:rPr lang="en-US" sz="1200" b="0" i="0" u="none" strike="noStrike" kern="1200" baseline="0" dirty="0">
+                <a:solidFill>
+                  <a:schemeClr val="tx1"/>
+                </a:solidFill>
+                <a:latin typeface="Arial" charset="0"/>
+                <a:ea typeface="+mn-ea"/>
+                <a:cs typeface="+mn-cs"/>
+              </a:rPr>
+              <a:t>. Panel (b) of Figure 2 shows two</a:t>
+            </a:r>
+          </a:p>
+          <a:p>
+            <a:r>
+              <a:rPr lang="en-US" sz="1200" b="0" i="0" u="none" strike="noStrike" kern="1200" baseline="0" dirty="0">
+                <a:solidFill>
+                  <a:schemeClr val="tx1"/>
+                </a:solidFill>
+                <a:latin typeface="Arial" charset="0"/>
+                <a:ea typeface="+mn-ea"/>
+                <a:cs typeface="+mn-cs"/>
+              </a:rPr>
+              <a:t>generalization strategies which pass through the node d0, g1,</a:t>
+            </a:r>
+          </a:p>
+          <a:p>
+            <a:r>
+              <a:rPr lang="en-US" sz="1200" b="0" i="0" u="none" strike="noStrike" kern="1200" baseline="0" dirty="0">
+                <a:solidFill>
+                  <a:schemeClr val="tx1"/>
+                </a:solidFill>
+                <a:latin typeface="Arial" charset="0"/>
+                <a:ea typeface="+mn-ea"/>
+                <a:cs typeface="+mn-cs"/>
+              </a:rPr>
+              <a:t>a2. Each node in the lattice represents a possible instance of the</a:t>
+            </a:r>
+          </a:p>
+          <a:p>
+            <a:r>
+              <a:rPr lang="en-US" sz="1200" b="0" i="0" u="none" strike="noStrike" kern="1200" baseline="0" dirty="0">
+                <a:solidFill>
+                  <a:schemeClr val="tx1"/>
+                </a:solidFill>
+                <a:latin typeface="Arial" charset="0"/>
+                <a:ea typeface="+mn-ea"/>
+                <a:cs typeface="+mn-cs"/>
+              </a:rPr>
+              <a:t>dataset. One of these nodes is the globally optimal solution and</a:t>
+            </a:r>
+          </a:p>
+          <a:p>
+            <a:r>
+              <a:rPr lang="en-US" sz="1200" b="0" i="0" u="none" strike="noStrike" kern="1200" baseline="0" dirty="0">
+                <a:solidFill>
+                  <a:schemeClr val="tx1"/>
+                </a:solidFill>
+                <a:latin typeface="Arial" charset="0"/>
+                <a:ea typeface="+mn-ea"/>
+                <a:cs typeface="+mn-cs"/>
+              </a:rPr>
+              <a:t>the objective of a k-anonymity algorithm is to find it efficiently.</a:t>
+            </a:r>
+          </a:p>
+          <a:p>
+            <a:endParaRPr lang="en-US" sz="1200" b="0" i="0" u="none" strike="noStrike" kern="1200" baseline="0" dirty="0">
+              <a:solidFill>
+                <a:schemeClr val="tx1"/>
+              </a:solidFill>
+              <a:latin typeface="Arial" charset="0"/>
+              <a:ea typeface="+mn-ea"/>
+              <a:cs typeface="+mn-cs"/>
+            </a:endParaRPr>
+          </a:p>
+          <a:p>
+            <a:r>
+              <a:rPr lang="en-US" sz="1200" b="0" i="0" u="none" strike="noStrike" kern="1200" baseline="0" dirty="0">
+                <a:solidFill>
+                  <a:schemeClr val="tx1"/>
+                </a:solidFill>
+                <a:latin typeface="Arial" charset="0"/>
+                <a:ea typeface="+mn-ea"/>
+                <a:cs typeface="+mn-cs"/>
+              </a:rPr>
+              <a:t>All equivalence classes in the dataset that are smaller than </a:t>
+            </a:r>
+            <a:r>
+              <a:rPr lang="en-US" sz="1200" b="0" i="1" u="none" strike="noStrike" kern="1200" baseline="0" dirty="0">
+                <a:solidFill>
+                  <a:schemeClr val="tx1"/>
+                </a:solidFill>
+                <a:latin typeface="Arial" charset="0"/>
+                <a:ea typeface="+mn-ea"/>
+                <a:cs typeface="+mn-cs"/>
+              </a:rPr>
+              <a:t>k </a:t>
+            </a:r>
+            <a:r>
+              <a:rPr lang="en-US" sz="1200" b="0" i="0" u="none" strike="noStrike" kern="1200" baseline="0" dirty="0">
+                <a:solidFill>
+                  <a:schemeClr val="tx1"/>
+                </a:solidFill>
+                <a:latin typeface="Arial" charset="0"/>
+                <a:ea typeface="+mn-ea"/>
+                <a:cs typeface="+mn-cs"/>
+              </a:rPr>
+              <a:t>are</a:t>
+            </a:r>
+          </a:p>
+          <a:p>
+            <a:r>
+              <a:rPr lang="en-US" sz="1200" b="0" i="0" u="none" strike="noStrike" kern="1200" baseline="0" dirty="0">
+                <a:solidFill>
+                  <a:schemeClr val="tx1"/>
+                </a:solidFill>
+                <a:latin typeface="Arial" charset="0"/>
+                <a:ea typeface="+mn-ea"/>
+                <a:cs typeface="+mn-cs"/>
+              </a:rPr>
+              <a:t>suppressed.26 In Figure 2, 70% of the records were suppressed in</a:t>
+            </a:r>
+          </a:p>
+          <a:p>
+            <a:r>
+              <a:rPr lang="en-US" sz="1200" b="0" i="0" u="none" strike="noStrike" kern="1200" baseline="0" dirty="0">
+                <a:solidFill>
+                  <a:schemeClr val="tx1"/>
+                </a:solidFill>
+                <a:latin typeface="Arial" charset="0"/>
+                <a:ea typeface="+mn-ea"/>
+                <a:cs typeface="+mn-cs"/>
+              </a:rPr>
+              <a:t>the dataset represented by node d0, g0, a0 because these</a:t>
+            </a:r>
+          </a:p>
+          <a:p>
+            <a:r>
+              <a:rPr lang="en-US" sz="1200" b="0" i="0" u="none" strike="noStrike" kern="1200" baseline="0" dirty="0">
+                <a:solidFill>
+                  <a:schemeClr val="tx1"/>
+                </a:solidFill>
+                <a:latin typeface="Arial" charset="0"/>
+                <a:ea typeface="+mn-ea"/>
+                <a:cs typeface="+mn-cs"/>
+              </a:rPr>
+              <a:t>records were in small equivalence classes. As more generalization</a:t>
+            </a:r>
+          </a:p>
+          <a:p>
+            <a:r>
+              <a:rPr lang="en-US" sz="1200" b="0" i="0" u="none" strike="noStrike" kern="1200" baseline="0" dirty="0">
+                <a:solidFill>
+                  <a:schemeClr val="tx1"/>
+                </a:solidFill>
+                <a:latin typeface="Arial" charset="0"/>
+                <a:ea typeface="+mn-ea"/>
+                <a:cs typeface="+mn-cs"/>
+              </a:rPr>
+              <a:t>is applied, the extent of suppression goes down. For example,</a:t>
+            </a:r>
+          </a:p>
+          <a:p>
+            <a:r>
+              <a:rPr lang="en-US" sz="1200" b="0" i="0" u="none" strike="noStrike" kern="1200" baseline="0" dirty="0">
+                <a:solidFill>
+                  <a:schemeClr val="tx1"/>
+                </a:solidFill>
+                <a:latin typeface="Arial" charset="0"/>
+                <a:ea typeface="+mn-ea"/>
+                <a:cs typeface="+mn-cs"/>
+              </a:rPr>
+              <a:t>node d0, g0, a1, with age generalized to 5-year intervals, has</a:t>
+            </a:r>
+          </a:p>
+          <a:p>
+            <a:r>
+              <a:rPr lang="en-US" sz="1200" b="0" i="0" u="none" strike="noStrike" kern="1200" baseline="0" dirty="0">
+                <a:solidFill>
+                  <a:schemeClr val="tx1"/>
+                </a:solidFill>
+                <a:latin typeface="Arial" charset="0"/>
+                <a:ea typeface="+mn-ea"/>
+                <a:cs typeface="+mn-cs"/>
+              </a:rPr>
+              <a:t>only 30% of the records suppressed.</a:t>
+            </a:r>
             <a:endParaRPr lang="de-DE" dirty="0"/>
           </a:p>
         </p:txBody>
@@ -3510,10 +3809,19 @@
                 <a:ea typeface="+mn-ea"/>
                 <a:cs typeface="+mn-cs"/>
               </a:rPr>
-              <a:t>The cloaking algorithm is run by</a:t>
-            </a:r>
-          </a:p>
-          <a:p>
+              <a:t>The cloaking algorithm is run by the location protection broker on a trusted server, which anonymizes messages from the mobile nodes by </a:t>
+            </a:r>
+            <a:r>
+              <a:rPr lang="en-US" sz="1200" b="0" i="0" u="none" strike="noStrike" kern="1200" baseline="0" dirty="0">
+                <a:solidFill>
+                  <a:schemeClr val="tx1"/>
+                </a:solidFill>
+                <a:latin typeface="Arial" charset="0"/>
+                <a:ea typeface="+mn-ea"/>
+                <a:cs typeface="+mn-cs"/>
+              </a:rPr>
+              <a:t>cloaking </a:t>
+            </a:r>
             <a:r>
               <a:rPr lang="en-US" sz="1200" b="0" i="1" u="none" strike="noStrike" kern="1200" baseline="0" dirty="0">
                 <a:solidFill>
@@ -3523,7 +3831,7 @@
                 <a:ea typeface="+mn-ea"/>
                 <a:cs typeface="+mn-cs"/>
               </a:rPr>
-              <a:t>the location protection broker on a trusted server,</a:t>
+              <a:t>the location information contained in</a:t>
             </a:r>
           </a:p>
           <a:p>
@@ -3536,68 +3844,7 @@
                 <a:ea typeface="+mn-ea"/>
                 <a:cs typeface="+mn-cs"/>
               </a:rPr>
-              <a:t>which anonymizes messages from the mobile nodes</a:t>
-            </a:r>
-          </a:p>
-          <a:p>
-            <a:r>
-              <a:rPr lang="en-US" sz="1200" b="0" i="1" u="none" strike="noStrike" kern="1200" baseline="0" dirty="0">
-                <a:solidFill>
-                  <a:schemeClr val="tx1"/>
-                </a:solidFill>
-                <a:latin typeface="Arial" charset="0"/>
-                <a:ea typeface="+mn-ea"/>
-                <a:cs typeface="+mn-cs"/>
-              </a:rPr>
-              <a:t>by </a:t>
-            </a:r>
-            <a:r>
-              <a:rPr lang="en-US" sz="1200" b="0" i="0" u="none" strike="noStrike" kern="1200" baseline="0" dirty="0">
-                <a:solidFill>
-                  <a:schemeClr val="tx1"/>
-                </a:solidFill>
-                <a:latin typeface="Arial" charset="0"/>
-                <a:ea typeface="+mn-ea"/>
-                <a:cs typeface="+mn-cs"/>
-              </a:rPr>
-              <a:t>cloaking </a:t>
-            </a:r>
-            <a:r>
-              <a:rPr lang="en-US" sz="1200" b="0" i="1" u="none" strike="noStrike" kern="1200" baseline="0" dirty="0">
-                <a:solidFill>
-                  <a:schemeClr val="tx1"/>
-                </a:solidFill>
-                <a:latin typeface="Arial" charset="0"/>
-                <a:ea typeface="+mn-ea"/>
-                <a:cs typeface="+mn-cs"/>
-              </a:rPr>
-              <a:t>the location information contained in</a:t>
-            </a:r>
-          </a:p>
-          <a:p>
-            <a:r>
-              <a:rPr lang="en-US" sz="1200" b="0" i="1" u="none" strike="noStrike" kern="1200" baseline="0" dirty="0">
-                <a:solidFill>
-                  <a:schemeClr val="tx1"/>
-                </a:solidFill>
-                <a:latin typeface="Arial" charset="0"/>
-                <a:ea typeface="+mn-ea"/>
-                <a:cs typeface="+mn-cs"/>
-              </a:rPr>
-              <a:t>the messages to reduce or avoid privacy threats before</a:t>
-            </a:r>
-          </a:p>
-          <a:p>
-            <a:r>
-              <a:rPr lang="en-US" sz="1200" b="0" i="1" u="none" strike="noStrike" kern="1200" baseline="0" dirty="0">
-                <a:solidFill>
-                  <a:schemeClr val="tx1"/>
-                </a:solidFill>
-                <a:latin typeface="Arial" charset="0"/>
-                <a:ea typeface="+mn-ea"/>
-                <a:cs typeface="+mn-cs"/>
-              </a:rPr>
-              <a:t>forwarding them to the LBS provider(s).</a:t>
+              <a:t>the messages to reduce or avoid privacy threats before forwarding them to the LBS provider(s).</a:t>
             </a:r>
           </a:p>
           <a:p>
@@ -3667,7 +3914,7 @@
                 <a:ea typeface="+mn-ea"/>
                 <a:cs typeface="+mn-cs"/>
               </a:rPr>
-              <a:t>First, a given degree of location anonymity</a:t>
+              <a:t>First, a given degree of location anonymity can be maintained, regardless of population density, by decreasing</a:t>
             </a:r>
           </a:p>
           <a:p>
@@ -3680,10 +3927,19 @@
                 <a:ea typeface="+mn-ea"/>
                 <a:cs typeface="+mn-cs"/>
               </a:rPr>
-              <a:t>can be maintained, regardless of population density, by decreasing</a:t>
-            </a:r>
-          </a:p>
-          <a:p>
+              <a:t>the location accuracy through enlarging the revealed spatial area, such that there are other </a:t>
+            </a:r>
+            <a:r>
+              <a:rPr lang="en-US" sz="1200" b="0" i="1" u="none" strike="noStrike" kern="1200" baseline="0" dirty="0">
+                <a:solidFill>
+                  <a:schemeClr val="tx1"/>
+                </a:solidFill>
+                <a:latin typeface="Arial" charset="0"/>
+                <a:ea typeface="+mn-ea"/>
+                <a:cs typeface="+mn-cs"/>
+              </a:rPr>
+              <a:t>k−</a:t>
+            </a:r>
             <a:r>
               <a:rPr lang="en-US" sz="1200" b="0" i="0" u="none" strike="noStrike" kern="1200" baseline="0" dirty="0">
                 <a:solidFill>
@@ -3693,7 +3949,7 @@
                 <a:ea typeface="+mn-ea"/>
                 <a:cs typeface="+mn-cs"/>
               </a:rPr>
-              <a:t>the location accuracy through enlarging the revealed</a:t>
+              <a:t>1 mobile nodes present</a:t>
             </a:r>
           </a:p>
           <a:p>
@@ -3706,7 +3962,20 @@
                 <a:ea typeface="+mn-ea"/>
                 <a:cs typeface="+mn-cs"/>
               </a:rPr>
-              <a:t>spatial area, such that there are other </a:t>
+              <a:t>in the same spatial area. This approach is called spatial cloaking. Second, one can achieve the location anonymity by delaying</a:t>
+            </a:r>
+          </a:p>
+          <a:p>
+            <a:r>
+              <a:rPr lang="en-US" sz="1200" b="0" i="0" u="none" strike="noStrike" kern="1200" baseline="0" dirty="0">
+                <a:solidFill>
+                  <a:schemeClr val="tx1"/>
+                </a:solidFill>
+                <a:latin typeface="Arial" charset="0"/>
+                <a:ea typeface="+mn-ea"/>
+                <a:cs typeface="+mn-cs"/>
+              </a:rPr>
+              <a:t>the message until </a:t>
             </a:r>
             <a:r>
               <a:rPr lang="en-US" sz="1200" b="0" i="1" u="none" strike="noStrike" kern="1200" baseline="0" dirty="0">
@@ -3717,7 +3986,7 @@
                 <a:ea typeface="+mn-ea"/>
                 <a:cs typeface="+mn-cs"/>
               </a:rPr>
-              <a:t>k−</a:t>
+              <a:t>k </a:t>
             </a:r>
             <a:r>
               <a:rPr lang="en-US" sz="1200" b="0" i="0" u="none" strike="noStrike" kern="1200" baseline="0" dirty="0">
@@ -3728,84 +3997,8 @@
                 <a:ea typeface="+mn-ea"/>
                 <a:cs typeface="+mn-cs"/>
               </a:rPr>
-              <a:t>1 mobile nodes present</a:t>
-            </a:r>
-          </a:p>
-          <a:p>
-            <a:r>
-              <a:rPr lang="en-US" sz="1200" b="0" i="0" u="none" strike="noStrike" kern="1200" baseline="0" dirty="0">
-                <a:solidFill>
-                  <a:schemeClr val="tx1"/>
-                </a:solidFill>
-                <a:latin typeface="Arial" charset="0"/>
-                <a:ea typeface="+mn-ea"/>
-                <a:cs typeface="+mn-cs"/>
-              </a:rPr>
-              <a:t>in the same spatial area. This approach is called spatial cloaking.</a:t>
-            </a:r>
-          </a:p>
-          <a:p>
-            <a:r>
-              <a:rPr lang="en-US" sz="1200" b="0" i="0" u="none" strike="noStrike" kern="1200" baseline="0" dirty="0">
-                <a:solidFill>
-                  <a:schemeClr val="tx1"/>
-                </a:solidFill>
-                <a:latin typeface="Arial" charset="0"/>
-                <a:ea typeface="+mn-ea"/>
-                <a:cs typeface="+mn-cs"/>
-              </a:rPr>
-              <a:t>Second, one can achieve the location anonymity by delaying</a:t>
-            </a:r>
-          </a:p>
-          <a:p>
-            <a:r>
-              <a:rPr lang="en-US" sz="1200" b="0" i="0" u="none" strike="noStrike" kern="1200" baseline="0" dirty="0">
-                <a:solidFill>
-                  <a:schemeClr val="tx1"/>
-                </a:solidFill>
-                <a:latin typeface="Arial" charset="0"/>
-                <a:ea typeface="+mn-ea"/>
-                <a:cs typeface="+mn-cs"/>
-              </a:rPr>
-              <a:t>the message until </a:t>
-            </a:r>
-            <a:r>
-              <a:rPr lang="en-US" sz="1200" b="0" i="1" u="none" strike="noStrike" kern="1200" baseline="0" dirty="0">
-                <a:solidFill>
-                  <a:schemeClr val="tx1"/>
-                </a:solidFill>
-                <a:latin typeface="Arial" charset="0"/>
-                <a:ea typeface="+mn-ea"/>
-                <a:cs typeface="+mn-cs"/>
-              </a:rPr>
-              <a:t>k </a:t>
-            </a:r>
-            <a:r>
-              <a:rPr lang="en-US" sz="1200" b="0" i="0" u="none" strike="noStrike" kern="1200" baseline="0" dirty="0">
-                <a:solidFill>
-                  <a:schemeClr val="tx1"/>
-                </a:solidFill>
-                <a:latin typeface="Arial" charset="0"/>
-                <a:ea typeface="+mn-ea"/>
-                <a:cs typeface="+mn-cs"/>
-              </a:rPr>
-              <a:t>mobile nodes have visited the same</a:t>
-            </a:r>
-          </a:p>
-          <a:p>
-            <a:r>
-              <a:rPr lang="en-US" sz="1200" b="0" i="0" u="none" strike="noStrike" kern="1200" baseline="0" dirty="0">
-                <a:solidFill>
-                  <a:schemeClr val="tx1"/>
-                </a:solidFill>
-                <a:latin typeface="Arial" charset="0"/>
-                <a:ea typeface="+mn-ea"/>
-                <a:cs typeface="+mn-cs"/>
-              </a:rPr>
-              <a:t>area located by the message sender. This approach is called</a:t>
-            </a:r>
-          </a:p>
-          <a:p>
+              <a:t>mobile nodes have visited the same area located by the message sender. This approach is called </a:t>
+            </a:r>
             <a:r>
               <a:rPr lang="de-DE" sz="1200" b="0" i="0" u="none" strike="noStrike" kern="1200" baseline="0" dirty="0">
                 <a:solidFill>
@@ -7612,8 +7805,44 @@
         </p:blipFill>
         <p:spPr>
           <a:xfrm>
-            <a:off x="4715669" y="3948489"/>
+            <a:off x="430213" y="3941346"/>
             <a:ext cx="3887369" cy="1843724"/>
+          </a:xfrm>
+          <a:prstGeom prst="rect">
+            <a:avLst/>
+          </a:prstGeom>
+        </p:spPr>
+      </p:pic>
+      <p:pic>
+        <p:nvPicPr>
+          <p:cNvPr id="9" name="Grafik 8">
+            <a:extLst>
+              <a:ext uri="{FF2B5EF4-FFF2-40B4-BE49-F238E27FC236}">
+                <a16:creationId xmlns:a16="http://schemas.microsoft.com/office/drawing/2014/main" id="{0435FEEA-0B13-44FB-A367-342EC84D6421}"/>
+              </a:ext>
+            </a:extLst>
+          </p:cNvPr>
+          <p:cNvPicPr>
+            <a:picLocks noChangeAspect="1"/>
+          </p:cNvPicPr>
+          <p:nvPr/>
+        </p:nvPicPr>
+        <p:blipFill>
+          <a:blip r:embed="rId4">
+            <a:extLst>
+              <a:ext uri="{28A0092B-C50C-407E-A947-70E740481C1C}">
+                <a14:useLocalDpi xmlns:a14="http://schemas.microsoft.com/office/drawing/2010/main" val="0"/>
+              </a:ext>
+            </a:extLst>
+          </a:blip>
+          <a:stretch>
+            <a:fillRect/>
+          </a:stretch>
+        </p:blipFill>
+        <p:spPr>
+          <a:xfrm>
+            <a:off x="6261125" y="2323014"/>
+            <a:ext cx="2066032" cy="2556971"/>
           </a:xfrm>
           <a:prstGeom prst="rect">
             <a:avLst/>
@@ -7678,45 +7907,6 @@
             <a:endParaRPr lang="en-US" i="1" dirty="0"/>
           </a:p>
           <a:p>
-            <a:pPr marL="0" indent="0">
-              <a:buNone/>
-            </a:pPr>
-            <a:r>
-              <a:rPr lang="en-US" i="1" dirty="0"/>
-              <a:t>and replacing occurrences of the value with a special value</a:t>
-            </a:r>
-          </a:p>
-          <a:p>
-            <a:pPr marL="0" indent="0">
-              <a:buNone/>
-            </a:pPr>
-            <a:r>
-              <a:rPr lang="en-US" i="1" dirty="0"/>
-              <a:t>"?," indicating that any value can be placed instead.</a:t>
-            </a:r>
-          </a:p>
-          <a:p>
-            <a:pPr marL="0" indent="0">
-              <a:buNone/>
-            </a:pPr>
-            <a:r>
-              <a:rPr lang="en-US" i="1" dirty="0"/>
-              <a:t>Suppression can drastically reduce the quality of the data</a:t>
-            </a:r>
-          </a:p>
-          <a:p>
-            <a:pPr marL="0" indent="0">
-              <a:buNone/>
-            </a:pPr>
-            <a:r>
-              <a:rPr lang="en-US" i="1" dirty="0"/>
-              <a:t>Work wise with suppression get help to get k-anonymity but keep in mind that we want to use data -&gt; information loss</a:t>
-            </a:r>
-          </a:p>
-          <a:p>
-            <a:pPr marL="0" indent="0">
-              <a:buNone/>
-            </a:pPr>
             <a:r>
               <a:rPr lang="en-US" dirty="0"/>
               <a:t>Some </a:t>
@@ -7921,6 +8111,85 @@
               <a:t>Supression</a:t>
             </a:r>
             <a:endParaRPr lang="de-DE" dirty="0"/>
+          </a:p>
+        </p:txBody>
+      </p:sp>
+      <p:pic>
+        <p:nvPicPr>
+          <p:cNvPr id="7" name="Grafik 6">
+            <a:extLst>
+              <a:ext uri="{FF2B5EF4-FFF2-40B4-BE49-F238E27FC236}">
+                <a16:creationId xmlns:a16="http://schemas.microsoft.com/office/drawing/2014/main" id="{CEFAB84D-C3D4-4914-AD65-3F5CDC7E38B9}"/>
+              </a:ext>
+            </a:extLst>
+          </p:cNvPr>
+          <p:cNvPicPr>
+            <a:picLocks noChangeAspect="1"/>
+          </p:cNvPicPr>
+          <p:nvPr/>
+        </p:nvPicPr>
+        <p:blipFill>
+          <a:blip r:embed="rId3"/>
+          <a:stretch>
+            <a:fillRect/>
+          </a:stretch>
+        </p:blipFill>
+        <p:spPr>
+          <a:xfrm>
+            <a:off x="5004048" y="4114544"/>
+            <a:ext cx="2990850" cy="1762125"/>
+          </a:xfrm>
+          <a:prstGeom prst="rect">
+            <a:avLst/>
+          </a:prstGeom>
+        </p:spPr>
+      </p:pic>
+      <p:sp>
+        <p:nvSpPr>
+          <p:cNvPr id="8" name="Textfeld 7">
+            <a:extLst>
+              <a:ext uri="{FF2B5EF4-FFF2-40B4-BE49-F238E27FC236}">
+                <a16:creationId xmlns:a16="http://schemas.microsoft.com/office/drawing/2014/main" id="{0D4C9887-50AB-4686-94FF-DCFD85A27939}"/>
+              </a:ext>
+            </a:extLst>
+          </p:cNvPr>
+          <p:cNvSpPr txBox="1"/>
+          <p:nvPr/>
+        </p:nvSpPr>
+        <p:spPr>
+          <a:xfrm>
+            <a:off x="2935077" y="5920607"/>
+            <a:ext cx="7128792" cy="369332"/>
+          </a:xfrm>
+          <a:prstGeom prst="rect">
+            <a:avLst/>
+          </a:prstGeom>
+          <a:noFill/>
+        </p:spPr>
+        <p:txBody>
+          <a:bodyPr wrap="square" rtlCol="0">
+            <a:spAutoFit/>
+          </a:bodyPr>
+          <a:lstStyle/>
+          <a:p>
+            <a:r>
+              <a:rPr lang="de-DE" sz="900" b="0" dirty="0"/>
+              <a:t>Source: ACHIEVING </a:t>
+            </a:r>
+            <a:r>
+              <a:rPr lang="de-DE" sz="900" b="0" i="1" dirty="0"/>
+              <a:t>k</a:t>
+            </a:r>
+            <a:r>
+              <a:rPr lang="de-DE" sz="900" b="0" dirty="0"/>
+              <a:t>-ANONYMITY PRIVACY PROTECTION</a:t>
+            </a:r>
+          </a:p>
+          <a:p>
+            <a:r>
+              <a:rPr lang="de-DE" sz="900" b="0" dirty="0"/>
+              <a:t>USING GENERALIZATION AND SUPPRESSION: Sweeney 2002</a:t>
+            </a:r>
           </a:p>
         </p:txBody>
       </p:sp>
@@ -7976,8 +8245,8 @@
         </p:blipFill>
         <p:spPr>
           <a:xfrm>
-            <a:off x="571500" y="1181100"/>
-            <a:ext cx="8001000" cy="4495800"/>
+            <a:off x="373063" y="980728"/>
+            <a:ext cx="7870825" cy="4422654"/>
           </a:xfrm>
           <a:prstGeom prst="rect">
             <a:avLst/>
@@ -7986,31 +8255,6 @@
       </p:pic>
       <p:sp>
         <p:nvSpPr>
-          <p:cNvPr id="2" name="Textplatzhalter 1">
-            <a:extLst>
-              <a:ext uri="{FF2B5EF4-FFF2-40B4-BE49-F238E27FC236}">
-                <a16:creationId xmlns:a16="http://schemas.microsoft.com/office/drawing/2014/main" id="{034F2046-7F40-4A70-A3ED-3150BBCA17B9}"/>
-              </a:ext>
-            </a:extLst>
-          </p:cNvPr>
-          <p:cNvSpPr>
-            <a:spLocks noGrp="1"/>
-          </p:cNvSpPr>
-          <p:nvPr>
-            <p:ph type="body" sz="quarter" idx="13"/>
-          </p:nvPr>
-        </p:nvSpPr>
-        <p:spPr/>
-        <p:txBody>
-          <a:bodyPr/>
-          <a:lstStyle/>
-          <a:p>
-            <a:endParaRPr lang="de-DE" dirty="0"/>
-          </a:p>
-        </p:txBody>
-      </p:sp>
-      <p:sp>
-        <p:nvSpPr>
           <p:cNvPr id="3" name="Datumsplatzhalter 2">
             <a:extLst>
               <a:ext uri="{FF2B5EF4-FFF2-40B4-BE49-F238E27FC236}">
@@ -8128,11 +8372,11 @@
             </a:r>
             <a:r>
               <a:rPr lang="de-DE" dirty="0"/>
-              <a:t> </a:t>
+              <a:t> - </a:t>
             </a:r>
             <a:r>
               <a:rPr lang="de-DE" dirty="0" err="1"/>
-              <a:t>Generalication</a:t>
+              <a:t>Generalizations</a:t>
             </a:r>
             <a:r>
               <a:rPr lang="de-DE" dirty="0"/>
@@ -8140,9 +8384,74 @@
             </a:r>
             <a:r>
               <a:rPr lang="de-DE" dirty="0" err="1"/>
-              <a:t>latis</a:t>
+              <a:t>lattice</a:t>
             </a:r>
             <a:endParaRPr lang="de-DE" dirty="0"/>
+          </a:p>
+        </p:txBody>
+      </p:sp>
+      <p:sp>
+        <p:nvSpPr>
+          <p:cNvPr id="8" name="Textfeld 7">
+            <a:extLst>
+              <a:ext uri="{FF2B5EF4-FFF2-40B4-BE49-F238E27FC236}">
+                <a16:creationId xmlns:a16="http://schemas.microsoft.com/office/drawing/2014/main" id="{7D761876-F2DC-4D42-B3C9-6CAD0DBAA104}"/>
+              </a:ext>
+            </a:extLst>
+          </p:cNvPr>
+          <p:cNvSpPr txBox="1"/>
+          <p:nvPr/>
+        </p:nvSpPr>
+        <p:spPr>
+          <a:xfrm>
+            <a:off x="659800" y="5422799"/>
+            <a:ext cx="11399217" cy="246221"/>
+          </a:xfrm>
+          <a:prstGeom prst="rect">
+            <a:avLst/>
+          </a:prstGeom>
+          <a:noFill/>
+        </p:spPr>
+        <p:txBody>
+          <a:bodyPr wrap="square" rtlCol="0">
+            <a:spAutoFit/>
+          </a:bodyPr>
+          <a:lstStyle/>
+          <a:p>
+            <a:pPr algn="l"/>
+            <a:r>
+              <a:rPr lang="de-DE" sz="1000" dirty="0"/>
+              <a:t>Source: </a:t>
+            </a:r>
+            <a:r>
+              <a:rPr lang="en-US" sz="1000" b="0" dirty="0"/>
+              <a:t>A Globally Optimal k-Anonymity Method for the </a:t>
+            </a:r>
+            <a:r>
+              <a:rPr lang="de-DE" sz="1000" b="0" dirty="0"/>
+              <a:t>De-</a:t>
+            </a:r>
+            <a:r>
+              <a:rPr lang="de-DE" sz="1000" b="0" dirty="0" err="1"/>
+              <a:t>Identification</a:t>
+            </a:r>
+            <a:r>
+              <a:rPr lang="de-DE" sz="1000" b="0" dirty="0"/>
+              <a:t> </a:t>
+            </a:r>
+            <a:r>
+              <a:rPr lang="de-DE" sz="1000" b="0" dirty="0" err="1"/>
+              <a:t>of</a:t>
+            </a:r>
+            <a:r>
+              <a:rPr lang="de-DE" sz="1000" b="0" dirty="0"/>
+              <a:t> Health Data:</a:t>
+            </a:r>
+            <a:r>
+              <a:rPr lang="pl-PL" sz="1000" b="0" dirty="0"/>
+              <a:t>16:670–682. DOI 10.1197/jamia.M3144.</a:t>
+            </a:r>
+            <a:endParaRPr lang="de-DE" sz="1000" dirty="0"/>
           </a:p>
         </p:txBody>
       </p:sp>
@@ -8198,8 +8507,8 @@
         </p:blipFill>
         <p:spPr>
           <a:xfrm>
-            <a:off x="971550" y="857250"/>
-            <a:ext cx="7200900" cy="5143500"/>
+            <a:off x="683568" y="934437"/>
+            <a:ext cx="6984776" cy="4989126"/>
           </a:xfrm>
           <a:prstGeom prst="rect">
             <a:avLst/>
@@ -8208,36 +8517,6 @@
       </p:pic>
       <p:sp>
         <p:nvSpPr>
-          <p:cNvPr id="2" name="Textplatzhalter 1">
-            <a:extLst>
-              <a:ext uri="{FF2B5EF4-FFF2-40B4-BE49-F238E27FC236}">
-                <a16:creationId xmlns:a16="http://schemas.microsoft.com/office/drawing/2014/main" id="{D81D69B6-3ED0-4715-9352-EDA6248A4339}"/>
-              </a:ext>
-            </a:extLst>
-          </p:cNvPr>
-          <p:cNvSpPr>
-            <a:spLocks noGrp="1"/>
-          </p:cNvSpPr>
-          <p:nvPr>
-            <p:ph type="body" sz="quarter" idx="13"/>
-          </p:nvPr>
-        </p:nvSpPr>
-        <p:spPr>
-          <a:xfrm>
-            <a:off x="430213" y="838200"/>
-            <a:ext cx="7144790" cy="4607024"/>
-          </a:xfrm>
-        </p:spPr>
-        <p:txBody>
-          <a:bodyPr/>
-          <a:lstStyle/>
-          <a:p>
-            <a:endParaRPr lang="de-DE" dirty="0"/>
-          </a:p>
-        </p:txBody>
-      </p:sp>
-      <p:sp>
-        <p:nvSpPr>
           <p:cNvPr id="3" name="Datumsplatzhalter 2">
             <a:extLst>
               <a:ext uri="{FF2B5EF4-FFF2-40B4-BE49-F238E27FC236}">
@@ -8345,7 +8624,39 @@
           <a:bodyPr/>
           <a:lstStyle/>
           <a:p>
-            <a:endParaRPr lang="de-DE"/>
+            <a:r>
+              <a:rPr lang="de-DE" dirty="0"/>
+              <a:t>K-</a:t>
+            </a:r>
+            <a:r>
+              <a:rPr lang="de-DE" dirty="0" err="1"/>
+              <a:t>Anonymity</a:t>
+            </a:r>
+            <a:r>
+              <a:rPr lang="de-DE" dirty="0"/>
+              <a:t> - </a:t>
+            </a:r>
+            <a:r>
+              <a:rPr lang="de-DE" dirty="0" err="1"/>
+              <a:t>Generalizations</a:t>
+            </a:r>
+            <a:r>
+              <a:rPr lang="de-DE" dirty="0"/>
+              <a:t> </a:t>
+            </a:r>
+            <a:r>
+              <a:rPr lang="de-DE" dirty="0" err="1"/>
+              <a:t>lattice</a:t>
+            </a:r>
+            <a:r>
+              <a:rPr lang="de-DE" dirty="0"/>
+              <a:t> </a:t>
+            </a:r>
+            <a:r>
+              <a:rPr lang="de-DE" dirty="0" err="1"/>
+              <a:t>con‘t</a:t>
+            </a:r>
+            <a:endParaRPr lang="de-DE" dirty="0"/>
           </a:p>
         </p:txBody>
       </p:sp>
@@ -8602,11 +8913,11 @@
             </a:r>
             <a:r>
               <a:rPr lang="de-DE" dirty="0" err="1"/>
-              <a:t>anonymity</a:t>
+              <a:t>Anonymity</a:t>
             </a:r>
             <a:r>
               <a:rPr lang="de-DE" dirty="0"/>
-              <a:t> Information Loss </a:t>
+              <a:t> - Information Loss </a:t>
             </a:r>
             <a:r>
               <a:rPr lang="de-DE" dirty="0" err="1"/>
@@ -8616,6 +8927,36 @@
           </a:p>
         </p:txBody>
       </p:sp>
+      <p:pic>
+        <p:nvPicPr>
+          <p:cNvPr id="7" name="Grafik 6">
+            <a:extLst>
+              <a:ext uri="{FF2B5EF4-FFF2-40B4-BE49-F238E27FC236}">
+                <a16:creationId xmlns:a16="http://schemas.microsoft.com/office/drawing/2014/main" id="{652409B3-E46E-4825-A8DE-064BAEAEA685}"/>
+              </a:ext>
+            </a:extLst>
+          </p:cNvPr>
+          <p:cNvPicPr>
+            <a:picLocks noChangeAspect="1"/>
+          </p:cNvPicPr>
+          <p:nvPr/>
+        </p:nvPicPr>
+        <p:blipFill>
+          <a:blip r:embed="rId3"/>
+          <a:stretch>
+            <a:fillRect/>
+          </a:stretch>
+        </p:blipFill>
+        <p:spPr>
+          <a:xfrm>
+            <a:off x="2755900" y="3573016"/>
+            <a:ext cx="5768656" cy="2104141"/>
+          </a:xfrm>
+          <a:prstGeom prst="rect">
+            <a:avLst/>
+          </a:prstGeom>
+        </p:spPr>
+      </p:pic>
     </p:spTree>
     <p:extLst>
       <p:ext uri="{BB962C8B-B14F-4D97-AF65-F5344CB8AC3E}">
@@ -8832,11 +9173,11 @@
             </a:r>
             <a:r>
               <a:rPr lang="de-DE" dirty="0" err="1"/>
-              <a:t>anonymity</a:t>
+              <a:t>Anonymity</a:t>
             </a:r>
             <a:r>
               <a:rPr lang="de-DE" dirty="0"/>
-              <a:t> Information Loss </a:t>
+              <a:t> - Information Loss </a:t>
             </a:r>
             <a:r>
               <a:rPr lang="de-DE" dirty="0" err="1"/>
@@ -8903,6 +9244,9 @@
             </a:r>
           </a:p>
           <a:p>
+            <a:pPr marL="0" indent="0">
+              <a:buNone/>
+            </a:pPr>
             <a:r>
               <a:rPr lang="en-US" dirty="0"/>
               <a:t>to find all the k-anonymous nodes.</a:t>
@@ -8915,51 +9259,48 @@
             </a:r>
           </a:p>
           <a:p>
+            <a:pPr marL="0" indent="0">
+              <a:buNone/>
+            </a:pPr>
             <a:r>
               <a:rPr lang="en-US" dirty="0"/>
               <a:t>nodes, only the k-anonymous node with the lowest</a:t>
             </a:r>
           </a:p>
           <a:p>
+            <a:pPr marL="0" indent="0">
+              <a:buNone/>
+            </a:pPr>
             <a:r>
               <a:rPr lang="en-US" dirty="0"/>
               <a:t>height within the strategy is retained. For example, in</a:t>
             </a:r>
           </a:p>
           <a:p>
+            <a:pPr marL="0" indent="0">
+              <a:buNone/>
+            </a:pPr>
             <a:r>
               <a:rPr lang="en-US" dirty="0"/>
               <a:t>Figure 2 both nodes d0, g1, a1 and d0, g1, a2 are</a:t>
             </a:r>
           </a:p>
           <a:p>
+            <a:pPr marL="0" indent="0">
+              <a:buNone/>
+            </a:pPr>
             <a:r>
               <a:rPr lang="en-US" dirty="0"/>
-              <a:t>k-anonymous, but they are both part of the same generalization</a:t>
-            </a:r>
-          </a:p>
-          <a:p>
+              <a:t>k-anonymous, but they are both part of the same generalization strategy and d0, g1, a1 is below d0, g1, a2</a:t>
+            </a:r>
+          </a:p>
+          <a:p>
+            <a:pPr marL="0" indent="0">
+              <a:buNone/>
+            </a:pPr>
             <a:r>
               <a:rPr lang="en-US" dirty="0"/>
-              <a:t>strategy and d0, g1, a1 is below d0, g1, a2</a:t>
-            </a:r>
-          </a:p>
-          <a:p>
-            <a:r>
-              <a:rPr lang="en-US" dirty="0"/>
-              <a:t>in the lattice. This means that d0, g1, a1 will have less</a:t>
-            </a:r>
-          </a:p>
-          <a:p>
-            <a:r>
-              <a:rPr lang="en-US" dirty="0"/>
-              <a:t>information loss on all the three metrics we considered.</a:t>
-            </a:r>
-          </a:p>
-          <a:p>
-            <a:r>
-              <a:rPr lang="en-US" dirty="0"/>
-              <a:t>The node d0, g1, a1 is called a </a:t>
+              <a:t>in the lattice. This means that d0, g1, a1 will have less information loss on all the three metrics we considered. The node d0, g1, a1 is called a </a:t>
             </a:r>
             <a:r>
               <a:rPr lang="en-US" i="1" dirty="0"/>
@@ -8975,46 +9316,54 @@
             </a:r>
             <a:r>
               <a:rPr lang="en-US" dirty="0"/>
-              <a:t>.</a:t>
+              <a:t>. </a:t>
             </a:r>
           </a:p>
           <a:p>
             <a:r>
               <a:rPr lang="en-US" dirty="0"/>
-              <a:t>3. Now that we have the k-minimal nodes, these are compared</a:t>
-            </a:r>
-          </a:p>
-          <a:p>
+              <a:t>3. Now that we have the k-minimal nodes, these are compared n terms of their information loss and the node </a:t>
+            </a:r>
+            <a:r>
+              <a:rPr lang="en-US" dirty="0" err="1"/>
+              <a:t>withthe</a:t>
+            </a:r>
             <a:r>
               <a:rPr lang="en-US" dirty="0"/>
-              <a:t>in terms of their information loss and the node with</a:t>
-            </a:r>
-          </a:p>
-          <a:p>
-            <a:r>
-              <a:rPr lang="en-US" dirty="0"/>
-              <a:t>the smallest information loss is selected as the globally</a:t>
-            </a:r>
-          </a:p>
-          <a:p>
+              <a:t> smallest information loss is selected as the globally</a:t>
+            </a:r>
+          </a:p>
+          <a:p>
+            <a:pPr marL="0" indent="0">
+              <a:buNone/>
+            </a:pPr>
             <a:r>
               <a:rPr lang="en-US" dirty="0"/>
               <a:t>optimal solution. Because of the monotonicity property,</a:t>
             </a:r>
           </a:p>
           <a:p>
+            <a:pPr marL="0" indent="0">
+              <a:buNone/>
+            </a:pPr>
             <a:r>
               <a:rPr lang="en-US" dirty="0"/>
               <a:t>the k-minimal node with the smallest information loss</a:t>
             </a:r>
           </a:p>
           <a:p>
+            <a:pPr marL="0" indent="0">
+              <a:buNone/>
+            </a:pPr>
             <a:r>
               <a:rPr lang="en-US" dirty="0"/>
               <a:t>must also have the smallest information loss among all</a:t>
             </a:r>
           </a:p>
           <a:p>
+            <a:pPr marL="0" indent="0">
+              <a:buNone/>
+            </a:pPr>
             <a:r>
               <a:rPr lang="en-US" dirty="0"/>
               <a:t>k-anonymous nodes in the lattice.</a:t>
@@ -9678,6 +10027,20 @@
               <a:t>cloaking</a:t>
             </a:r>
             <a:endParaRPr lang="de-DE" i="1" dirty="0"/>
+          </a:p>
+          <a:p>
+            <a:r>
+              <a:rPr lang="de-DE" i="1" dirty="0"/>
+              <a:t>Usability and </a:t>
+            </a:r>
+            <a:r>
+              <a:rPr lang="de-DE" i="1" dirty="0" err="1"/>
+              <a:t>anonymity</a:t>
+            </a:r>
+            <a:r>
+              <a:rPr lang="de-DE" i="1" dirty="0"/>
+              <a:t> </a:t>
+            </a:r>
           </a:p>
         </p:txBody>
       </p:sp>
@@ -9763,44 +10126,14 @@
         </p:blipFill>
         <p:spPr>
           <a:xfrm>
-            <a:off x="2147887" y="1604367"/>
-            <a:ext cx="3426563" cy="3938191"/>
+            <a:off x="1300740" y="1445546"/>
+            <a:ext cx="4152305" cy="4772295"/>
           </a:xfrm>
           <a:prstGeom prst="rect">
             <a:avLst/>
           </a:prstGeom>
         </p:spPr>
       </p:pic>
-      <p:sp>
-        <p:nvSpPr>
-          <p:cNvPr id="2" name="Textplatzhalter 1">
-            <a:extLst>
-              <a:ext uri="{FF2B5EF4-FFF2-40B4-BE49-F238E27FC236}">
-                <a16:creationId xmlns:a16="http://schemas.microsoft.com/office/drawing/2014/main" id="{3D2DFEAE-9DEC-4646-9477-C594C3D85BC3}"/>
-              </a:ext>
-            </a:extLst>
-          </p:cNvPr>
-          <p:cNvSpPr>
-            <a:spLocks noGrp="1"/>
-          </p:cNvSpPr>
-          <p:nvPr>
-            <p:ph type="body" sz="quarter" idx="13"/>
-          </p:nvPr>
-        </p:nvSpPr>
-        <p:spPr>
-          <a:xfrm>
-            <a:off x="539552" y="1124744"/>
-            <a:ext cx="6057632" cy="3906015"/>
-          </a:xfrm>
-        </p:spPr>
-        <p:txBody>
-          <a:bodyPr/>
-          <a:lstStyle/>
-          <a:p>
-            <a:endParaRPr lang="de-DE" dirty="0"/>
-          </a:p>
-        </p:txBody>
-      </p:sp>
       <p:sp>
         <p:nvSpPr>
           <p:cNvPr id="3" name="Datumsplatzhalter 2">
@@ -10168,8 +10501,8 @@
         </p:blipFill>
         <p:spPr bwMode="auto">
           <a:xfrm>
-            <a:off x="5940152" y="3573016"/>
-            <a:ext cx="2818334" cy="2114048"/>
+            <a:off x="4355976" y="3140968"/>
+            <a:ext cx="3610422" cy="2708198"/>
           </a:xfrm>
           <a:prstGeom prst="rect">
             <a:avLst/>
@@ -10326,6 +10659,109 @@
           <a:bodyPr/>
           <a:lstStyle/>
           <a:p>
+            <a:r>
+              <a:rPr lang="en-US" dirty="0"/>
+              <a:t>There is no </a:t>
+            </a:r>
+            <a:r>
+              <a:rPr lang="en-US" dirty="0" err="1"/>
+              <a:t>compination</a:t>
+            </a:r>
+            <a:r>
+              <a:rPr lang="en-US" dirty="0"/>
+              <a:t> between optimal k-anonymity and </a:t>
+            </a:r>
+            <a:r>
+              <a:rPr lang="en-US" dirty="0" err="1"/>
+              <a:t>dataquality</a:t>
+            </a:r>
+            <a:endParaRPr lang="en-US" dirty="0"/>
+          </a:p>
+          <a:p>
+            <a:r>
+              <a:rPr lang="en-US" dirty="0"/>
+              <a:t>Attacks against anonymity</a:t>
+            </a:r>
+          </a:p>
+          <a:p>
+            <a:r>
+              <a:rPr lang="de-DE" i="1" dirty="0"/>
+              <a:t>Usability and </a:t>
+            </a:r>
+            <a:r>
+              <a:rPr lang="de-DE" i="1" dirty="0" err="1"/>
+              <a:t>anonymity</a:t>
+            </a:r>
+            <a:endParaRPr lang="de-DE" i="1" dirty="0"/>
+          </a:p>
+          <a:p>
+            <a:r>
+              <a:rPr lang="de-DE" i="1" dirty="0" err="1"/>
+              <a:t>Identifie</a:t>
+            </a:r>
+            <a:r>
+              <a:rPr lang="de-DE" i="1" dirty="0"/>
+              <a:t> Quasi </a:t>
+            </a:r>
+            <a:r>
+              <a:rPr lang="de-DE" i="1" dirty="0" err="1"/>
+              <a:t>identifiers</a:t>
+            </a:r>
+            <a:endParaRPr lang="de-DE" i="1" dirty="0"/>
+          </a:p>
+          <a:p>
+            <a:r>
+              <a:rPr lang="de-DE" dirty="0"/>
+              <a:t>NP – Hard</a:t>
+            </a:r>
+          </a:p>
+          <a:p>
+            <a:r>
+              <a:rPr lang="de-DE" dirty="0" err="1"/>
+              <a:t>Only</a:t>
+            </a:r>
+            <a:r>
+              <a:rPr lang="de-DE" dirty="0"/>
+              <a:t> </a:t>
+            </a:r>
+            <a:r>
+              <a:rPr lang="de-DE" dirty="0" err="1"/>
+              <a:t>heuristics</a:t>
+            </a:r>
+            <a:r>
+              <a:rPr lang="de-DE" dirty="0"/>
+              <a:t> </a:t>
+            </a:r>
+            <a:r>
+              <a:rPr lang="de-DE" dirty="0" err="1"/>
+              <a:t>no</a:t>
+            </a:r>
+            <a:r>
+              <a:rPr lang="de-DE" dirty="0"/>
+              <a:t> </a:t>
+            </a:r>
+            <a:r>
+              <a:rPr lang="de-DE" dirty="0" err="1"/>
+              <a:t>rules</a:t>
+            </a:r>
+            <a:r>
+              <a:rPr lang="de-DE" dirty="0"/>
+              <a:t> like mutual Information </a:t>
+            </a:r>
+          </a:p>
+          <a:p>
+            <a:pPr marL="0" indent="0">
+              <a:buNone/>
+            </a:pPr>
+            <a:endParaRPr lang="de-DE" i="1" dirty="0"/>
+          </a:p>
+          <a:p>
+            <a:pPr marL="0" indent="0">
+              <a:buNone/>
+            </a:pPr>
+            <a:endParaRPr lang="de-DE" dirty="0"/>
+          </a:p>
+          <a:p>
             <a:pPr marL="0" indent="0">
               <a:buNone/>
             </a:pPr>
@@ -10367,6 +10803,309 @@
     <p:extLst>
       <p:ext uri="{BB962C8B-B14F-4D97-AF65-F5344CB8AC3E}">
         <p14:creationId xmlns:p14="http://schemas.microsoft.com/office/powerpoint/2010/main" val="3866177470"/>
+      </p:ext>
+    </p:extLst>
+  </p:cSld>
+  <p:clrMapOvr>
+    <a:masterClrMapping/>
+  </p:clrMapOvr>
+</p:sld>
+</file>
+
+<file path=ppt/slides/slide24.xml><?xml version="1.0" encoding="utf-8"?>
+<p:sld xmlns:a="http://schemas.openxmlformats.org/drawingml/2006/main" xmlns:r="http://schemas.openxmlformats.org/officeDocument/2006/relationships" xmlns:p="http://schemas.openxmlformats.org/presentationml/2006/main">
+  <p:cSld>
+    <p:spTree>
+      <p:nvGrpSpPr>
+        <p:cNvPr id="1" name=""/>
+        <p:cNvGrpSpPr/>
+        <p:nvPr/>
+      </p:nvGrpSpPr>
+      <p:grpSpPr>
+        <a:xfrm>
+          <a:off x="0" y="0"/>
+          <a:ext cx="0" cy="0"/>
+          <a:chOff x="0" y="0"/>
+          <a:chExt cx="0" cy="0"/>
+        </a:xfrm>
+      </p:grpSpPr>
+      <p:sp>
+        <p:nvSpPr>
+          <p:cNvPr id="2" name="Textplatzhalter 1">
+            <a:extLst>
+              <a:ext uri="{FF2B5EF4-FFF2-40B4-BE49-F238E27FC236}">
+                <a16:creationId xmlns:a16="http://schemas.microsoft.com/office/drawing/2014/main" id="{49BB8B8B-A570-48B5-98F3-A65233D7450A}"/>
+              </a:ext>
+            </a:extLst>
+          </p:cNvPr>
+          <p:cNvSpPr>
+            <a:spLocks noGrp="1"/>
+          </p:cNvSpPr>
+          <p:nvPr>
+            <p:ph type="body" sz="quarter" idx="13"/>
+          </p:nvPr>
+        </p:nvSpPr>
+        <p:spPr/>
+        <p:txBody>
+          <a:bodyPr/>
+          <a:lstStyle/>
+          <a:p>
+            <a:r>
+              <a:rPr lang="en-US" sz="1600" i="1" dirty="0"/>
+              <a:t>k</a:t>
+            </a:r>
+            <a:r>
+              <a:rPr lang="en-US" sz="1600" dirty="0"/>
+              <a:t>-ANONYMITY: A MODEL FOR PROTECTING PRIVACY - </a:t>
+            </a:r>
+            <a:r>
+              <a:rPr lang="de-DE" sz="1600" dirty="0"/>
+              <a:t>LATANYA SWEENEY</a:t>
+            </a:r>
+          </a:p>
+          <a:p>
+            <a:r>
+              <a:rPr lang="de-DE" sz="1600" dirty="0"/>
+              <a:t>ACHIEVING </a:t>
+            </a:r>
+            <a:r>
+              <a:rPr lang="de-DE" sz="1600" i="1" dirty="0"/>
+              <a:t>k</a:t>
+            </a:r>
+            <a:r>
+              <a:rPr lang="de-DE" sz="1600" dirty="0"/>
+              <a:t>-ANONYMITY PRIVACY PROTECTIONUSING GENERALIZATION AND SUPPRESSION- LATANYA SWEENEY</a:t>
+            </a:r>
+          </a:p>
+          <a:p>
+            <a:r>
+              <a:rPr lang="de-DE" sz="1600" dirty="0" err="1"/>
+              <a:t>Efficient</a:t>
+            </a:r>
+            <a:r>
+              <a:rPr lang="de-DE" sz="1600" dirty="0"/>
+              <a:t> Multidimensional Suppression </a:t>
+            </a:r>
+            <a:r>
+              <a:rPr lang="de-DE" sz="1600" dirty="0" err="1"/>
+              <a:t>for</a:t>
+            </a:r>
+            <a:r>
+              <a:rPr lang="de-DE" sz="1600" dirty="0"/>
+              <a:t> K-</a:t>
+            </a:r>
+            <a:r>
+              <a:rPr lang="de-DE" sz="1600" dirty="0" err="1"/>
+              <a:t>Anonymity</a:t>
+            </a:r>
+            <a:r>
+              <a:rPr lang="de-DE" sz="1600" dirty="0"/>
+              <a:t> – </a:t>
+            </a:r>
+            <a:r>
+              <a:rPr lang="de-DE" sz="1600" dirty="0" err="1"/>
+              <a:t>Kisilevich</a:t>
+            </a:r>
+            <a:endParaRPr lang="de-DE" sz="1600" dirty="0"/>
+          </a:p>
+          <a:p>
+            <a:r>
+              <a:rPr lang="en-US" sz="1600" dirty="0"/>
+              <a:t>A Globally Optimal k-Anonymity Method for the </a:t>
+            </a:r>
+            <a:r>
+              <a:rPr lang="de-DE" sz="1600" dirty="0"/>
+              <a:t>De-</a:t>
+            </a:r>
+            <a:r>
+              <a:rPr lang="de-DE" sz="1600" dirty="0" err="1"/>
+              <a:t>Identification</a:t>
+            </a:r>
+            <a:r>
+              <a:rPr lang="de-DE" sz="1600" dirty="0"/>
+              <a:t> </a:t>
+            </a:r>
+            <a:r>
+              <a:rPr lang="de-DE" sz="1600" dirty="0" err="1"/>
+              <a:t>of</a:t>
+            </a:r>
+            <a:r>
+              <a:rPr lang="de-DE" sz="1600" dirty="0"/>
+              <a:t> Health Data - EL EMAM</a:t>
+            </a:r>
+          </a:p>
+          <a:p>
+            <a:r>
+              <a:rPr lang="en-US" sz="1600" dirty="0"/>
+              <a:t>On the Complexity of Optimal </a:t>
+            </a:r>
+            <a:r>
+              <a:rPr lang="en-US" sz="1600" dirty="0" err="1"/>
+              <a:t>Kanonymity</a:t>
+            </a:r>
+            <a:r>
+              <a:rPr lang="en-US" sz="1600" dirty="0"/>
+              <a:t> - </a:t>
+            </a:r>
+            <a:r>
+              <a:rPr lang="de-DE" sz="1600" dirty="0"/>
+              <a:t>Adam </a:t>
+            </a:r>
+            <a:r>
+              <a:rPr lang="de-DE" sz="1600" dirty="0" err="1"/>
+              <a:t>Meyerson</a:t>
+            </a:r>
+            <a:r>
+              <a:rPr lang="de-DE" sz="1600" dirty="0"/>
+              <a:t>/ Ryan Williams</a:t>
+            </a:r>
+          </a:p>
+          <a:p>
+            <a:r>
+              <a:rPr lang="en-US" sz="1600" dirty="0"/>
+              <a:t>On k-Anonymity and the Curse of Dimensionality - </a:t>
+            </a:r>
+            <a:r>
+              <a:rPr lang="de-DE" sz="1600" dirty="0" err="1"/>
+              <a:t>Charu</a:t>
+            </a:r>
+            <a:r>
+              <a:rPr lang="de-DE" sz="1600" dirty="0"/>
+              <a:t> C. </a:t>
+            </a:r>
+            <a:r>
+              <a:rPr lang="de-DE" sz="1600" dirty="0" err="1"/>
+              <a:t>Aggarwal</a:t>
+            </a:r>
+            <a:endParaRPr lang="de-DE" sz="1600" dirty="0"/>
+          </a:p>
+          <a:p>
+            <a:pPr marL="0" indent="0">
+              <a:buNone/>
+            </a:pPr>
+            <a:endParaRPr lang="de-DE" dirty="0"/>
+          </a:p>
+        </p:txBody>
+      </p:sp>
+      <p:sp>
+        <p:nvSpPr>
+          <p:cNvPr id="3" name="Datumsplatzhalter 2">
+            <a:extLst>
+              <a:ext uri="{FF2B5EF4-FFF2-40B4-BE49-F238E27FC236}">
+                <a16:creationId xmlns:a16="http://schemas.microsoft.com/office/drawing/2014/main" id="{F0DB5EA5-51C9-4549-9895-5448C09EA1B3}"/>
+              </a:ext>
+            </a:extLst>
+          </p:cNvPr>
+          <p:cNvSpPr>
+            <a:spLocks noGrp="1"/>
+          </p:cNvSpPr>
+          <p:nvPr>
+            <p:ph type="dt" sz="half" idx="14"/>
+          </p:nvPr>
+        </p:nvSpPr>
+        <p:spPr/>
+        <p:txBody>
+          <a:bodyPr/>
+          <a:lstStyle/>
+          <a:p>
+            <a:r>
+              <a:rPr lang="de-DE" dirty="0"/>
+              <a:t>30.01.2018</a:t>
+            </a:r>
+          </a:p>
+        </p:txBody>
+      </p:sp>
+      <p:sp>
+        <p:nvSpPr>
+          <p:cNvPr id="4" name="Fußzeilenplatzhalter 3">
+            <a:extLst>
+              <a:ext uri="{FF2B5EF4-FFF2-40B4-BE49-F238E27FC236}">
+                <a16:creationId xmlns:a16="http://schemas.microsoft.com/office/drawing/2014/main" id="{C0C37ED7-1187-42D7-86ED-39A26DA047F1}"/>
+              </a:ext>
+            </a:extLst>
+          </p:cNvPr>
+          <p:cNvSpPr>
+            <a:spLocks noGrp="1"/>
+          </p:cNvSpPr>
+          <p:nvPr>
+            <p:ph type="ftr" sz="quarter" idx="15"/>
+          </p:nvPr>
+        </p:nvSpPr>
+        <p:spPr/>
+        <p:txBody>
+          <a:bodyPr/>
+          <a:lstStyle/>
+          <a:p>
+            <a:r>
+              <a:rPr lang="de-DE"/>
+              <a:t>Schallner Ludwig, Wiegnand Andreas</a:t>
+            </a:r>
+            <a:endParaRPr lang="de-DE" dirty="0"/>
+          </a:p>
+        </p:txBody>
+      </p:sp>
+      <p:sp>
+        <p:nvSpPr>
+          <p:cNvPr id="5" name="Foliennummernplatzhalter 4">
+            <a:extLst>
+              <a:ext uri="{FF2B5EF4-FFF2-40B4-BE49-F238E27FC236}">
+                <a16:creationId xmlns:a16="http://schemas.microsoft.com/office/drawing/2014/main" id="{16D6F16B-2528-4FEE-88E6-5ED93A994027}"/>
+              </a:ext>
+            </a:extLst>
+          </p:cNvPr>
+          <p:cNvSpPr>
+            <a:spLocks noGrp="1"/>
+          </p:cNvSpPr>
+          <p:nvPr>
+            <p:ph type="sldNum" sz="quarter" idx="16"/>
+          </p:nvPr>
+        </p:nvSpPr>
+        <p:spPr/>
+        <p:txBody>
+          <a:bodyPr/>
+          <a:lstStyle/>
+          <a:p>
+            <a:fld id="{50E76E58-F275-47A3-BB17-470016A267B6}" type="slidenum">
+              <a:rPr lang="de-DE" smtClean="0"/>
+              <a:pPr/>
+              <a:t>24</a:t>
+            </a:fld>
+            <a:endParaRPr lang="de-DE"/>
+          </a:p>
+        </p:txBody>
+      </p:sp>
+      <p:sp>
+        <p:nvSpPr>
+          <p:cNvPr id="6" name="Titel 5">
+            <a:extLst>
+              <a:ext uri="{FF2B5EF4-FFF2-40B4-BE49-F238E27FC236}">
+                <a16:creationId xmlns:a16="http://schemas.microsoft.com/office/drawing/2014/main" id="{CD33735C-D8FC-4123-AF0E-AD807C63A187}"/>
+              </a:ext>
+            </a:extLst>
+          </p:cNvPr>
+          <p:cNvSpPr>
+            <a:spLocks noGrp="1"/>
+          </p:cNvSpPr>
+          <p:nvPr>
+            <p:ph type="title"/>
+          </p:nvPr>
+        </p:nvSpPr>
+        <p:spPr/>
+        <p:txBody>
+          <a:bodyPr/>
+          <a:lstStyle/>
+          <a:p>
+            <a:r>
+              <a:rPr lang="de-DE" dirty="0"/>
+              <a:t>Source</a:t>
+            </a:r>
+          </a:p>
+        </p:txBody>
+      </p:sp>
+    </p:spTree>
+    <p:extLst>
+      <p:ext uri="{BB962C8B-B14F-4D97-AF65-F5344CB8AC3E}">
+        <p14:creationId xmlns:p14="http://schemas.microsoft.com/office/powerpoint/2010/main" val="1540188078"/>
       </p:ext>
     </p:extLst>
   </p:cSld>
@@ -13194,18 +13933,18 @@
 
 <file path=customXml/item1.xml><?xml version="1.0" encoding="utf-8"?>
 <Control xmlns="http://schemas.microsoft.com/VisualStudio/2011/storyboarding/control">
-  <Id Name="System.Storyboarding.Common.Button" Revision="1" Stencil="System.Storyboarding.Common" StencilVersion="0.1"/>
+  <Id Name="dec3670c-0d6f-4455-9c2f-971d108358d4" Revision="1" Stencil="System.MyShapes" StencilVersion="1.0"/>
 </Control>
 </file>
 
 <file path=customXml/item2.xml><?xml version="1.0" encoding="utf-8"?>
 <Control xmlns="http://schemas.microsoft.com/VisualStudio/2011/storyboarding/control">
-  <Id Name="dec3670c-0d6f-4455-9c2f-971d108358d4" Revision="1" Stencil="System.MyShapes" StencilVersion="1.0"/>
+  <Id Name="System.Storyboarding.Common.Button" Revision="1" Stencil="System.Storyboarding.Common" StencilVersion="0.1"/>
 </Control>
 </file>
 
 <file path=customXml/itemProps1.xml><?xml version="1.0" encoding="utf-8"?>
-<ds:datastoreItem xmlns:ds="http://schemas.openxmlformats.org/officeDocument/2006/customXml" ds:itemID="{206AFEA3-501E-4E71-91B3-BDBE1D839E11}">
+<ds:datastoreItem xmlns:ds="http://schemas.openxmlformats.org/officeDocument/2006/customXml" ds:itemID="{566C5A5A-5A83-4A95-95C1-260C6D486DE6}">
   <ds:schemaRefs>
     <ds:schemaRef ds:uri="http://schemas.microsoft.com/VisualStudio/2011/storyboarding/control"/>
   </ds:schemaRefs>
@@ -13213,7 +13952,7 @@
 </file>
 
 <file path=customXml/itemProps2.xml><?xml version="1.0" encoding="utf-8"?>
-<ds:datastoreItem xmlns:ds="http://schemas.openxmlformats.org/officeDocument/2006/customXml" ds:itemID="{566C5A5A-5A83-4A95-95C1-260C6D486DE6}">
+<ds:datastoreItem xmlns:ds="http://schemas.openxmlformats.org/officeDocument/2006/customXml" ds:itemID="{206AFEA3-501E-4E71-91B3-BDBE1D839E11}">
   <ds:schemaRefs>
     <ds:schemaRef ds:uri="http://schemas.microsoft.com/VisualStudio/2011/storyboarding/control"/>
   </ds:schemaRefs>

--- a/presentation/sicherheits_final_anV2.pptx
+++ b/presentation/sicherheits_final_anV2.pptx
@@ -5,10 +5,10 @@
     <p:sldMasterId id="2147483678" r:id="rId3"/>
   </p:sldMasterIdLst>
   <p:notesMasterIdLst>
-    <p:notesMasterId r:id="rId28"/>
+    <p:notesMasterId r:id="rId27"/>
   </p:notesMasterIdLst>
   <p:handoutMasterIdLst>
-    <p:handoutMasterId r:id="rId29"/>
+    <p:handoutMasterId r:id="rId28"/>
   </p:handoutMasterIdLst>
   <p:sldIdLst>
     <p:sldId id="256" r:id="rId4"/>
@@ -28,13 +28,12 @@
     <p:sldId id="322" r:id="rId18"/>
     <p:sldId id="323" r:id="rId19"/>
     <p:sldId id="319" r:id="rId20"/>
-    <p:sldId id="324" r:id="rId21"/>
-    <p:sldId id="329" r:id="rId22"/>
-    <p:sldId id="312" r:id="rId23"/>
-    <p:sldId id="328" r:id="rId24"/>
-    <p:sldId id="311" r:id="rId25"/>
-    <p:sldId id="325" r:id="rId26"/>
-    <p:sldId id="330" r:id="rId27"/>
+    <p:sldId id="329" r:id="rId21"/>
+    <p:sldId id="312" r:id="rId22"/>
+    <p:sldId id="328" r:id="rId23"/>
+    <p:sldId id="311" r:id="rId24"/>
+    <p:sldId id="325" r:id="rId25"/>
+    <p:sldId id="330" r:id="rId26"/>
   </p:sldIdLst>
   <p:sldSz cx="9144000" cy="6858000" type="screen4x3"/>
   <p:notesSz cx="9942513" cy="6761163"/>
@@ -299,7 +298,7 @@
             <a:fld id="{5BB45A7C-CD8D-4615-9E21-7904701129AE}" type="datetimeFigureOut">
               <a:rPr lang="de-DE"/>
               <a:pPr/>
-              <a:t>03.02.2018</a:t>
+              <a:t>04.02.2018</a:t>
             </a:fld>
             <a:endParaRPr lang="de-DE"/>
           </a:p>
@@ -919,23 +918,232 @@
             </a:pPr>
             <a:r>
               <a:rPr lang="en-US" dirty="0"/>
-              <a:t>Some, but not all, algorithms find an optimal </a:t>
+              <a:t>The goal of an optimal K-anonymity </a:t>
             </a:r>
             <a:r>
               <a:rPr lang="en-US" dirty="0" err="1"/>
-              <a:t>solution.Here</a:t>
+              <a:t>Alogrithm</a:t>
             </a:r>
             <a:r>
               <a:rPr lang="en-US" dirty="0"/>
-              <a:t>, optimal describes the solution which results </a:t>
+              <a:t> is to balance the we known k-anonymity definition with the amount of information loss we get by </a:t>
             </a:r>
             <a:r>
               <a:rPr lang="en-US" dirty="0" err="1"/>
-              <a:t>inminimal</a:t>
+              <a:t>anonmitaz</a:t>
             </a:r>
             <a:r>
               <a:rPr lang="en-US" dirty="0"/>
-              <a:t> information loss according to a given metric.</a:t>
+              <a:t> the dataset. </a:t>
+            </a:r>
+          </a:p>
+          <a:p>
+            <a:pPr marL="0" marR="0" lvl="0" indent="0" algn="l" defTabSz="914400" rtl="0" eaLnBrk="1" fontAlgn="base" latinLnBrk="0" hangingPunct="1">
+              <a:lnSpc>
+                <a:spcPct val="100000"/>
+              </a:lnSpc>
+              <a:spcBef>
+                <a:spcPct val="30000"/>
+              </a:spcBef>
+              <a:spcAft>
+                <a:spcPct val="0"/>
+              </a:spcAft>
+              <a:buClrTx/>
+              <a:buSzTx/>
+              <a:buFontTx/>
+              <a:buNone/>
+              <a:tabLst/>
+              <a:defRPr/>
+            </a:pPr>
+            <a:endParaRPr lang="en-US" dirty="0"/>
+          </a:p>
+          <a:p>
+            <a:pPr marL="0" marR="0" lvl="0" indent="0" algn="l" defTabSz="914400" rtl="0" eaLnBrk="1" fontAlgn="base" latinLnBrk="0" hangingPunct="1">
+              <a:lnSpc>
+                <a:spcPct val="100000"/>
+              </a:lnSpc>
+              <a:spcBef>
+                <a:spcPct val="30000"/>
+              </a:spcBef>
+              <a:spcAft>
+                <a:spcPct val="0"/>
+              </a:spcAft>
+              <a:buClrTx/>
+              <a:buSzTx/>
+              <a:buFontTx/>
+              <a:buNone/>
+              <a:tabLst/>
+              <a:defRPr/>
+            </a:pPr>
+            <a:r>
+              <a:rPr lang="en-US" dirty="0"/>
+              <a:t>Information loss is important because the data is used for </a:t>
+            </a:r>
+            <a:r>
+              <a:rPr lang="en-US" dirty="0" err="1"/>
+              <a:t>applikations</a:t>
+            </a:r>
+            <a:r>
+              <a:rPr lang="en-US" dirty="0"/>
+              <a:t> like datamining or </a:t>
+            </a:r>
+            <a:r>
+              <a:rPr lang="en-US" dirty="0" err="1"/>
+              <a:t>machinelearning</a:t>
+            </a:r>
+            <a:r>
+              <a:rPr lang="en-US" dirty="0"/>
+              <a:t> </a:t>
+            </a:r>
+            <a:r>
+              <a:rPr lang="en-US" dirty="0" err="1"/>
+              <a:t>apllications</a:t>
+            </a:r>
+            <a:r>
+              <a:rPr lang="en-US" dirty="0"/>
+              <a:t> . An </a:t>
+            </a:r>
+            <a:r>
+              <a:rPr lang="en-US" dirty="0" err="1"/>
+              <a:t>tehrefor</a:t>
+            </a:r>
+            <a:r>
+              <a:rPr lang="en-US" dirty="0"/>
+              <a:t> we don’t want to get rid of to much information because it’s the essence of </a:t>
+            </a:r>
+            <a:r>
+              <a:rPr lang="en-US" dirty="0" err="1"/>
+              <a:t>usefull</a:t>
+            </a:r>
+            <a:r>
+              <a:rPr lang="en-US" dirty="0"/>
+              <a:t> </a:t>
+            </a:r>
+            <a:r>
+              <a:rPr lang="en-US" dirty="0" err="1"/>
+              <a:t>dataming</a:t>
+            </a:r>
+            <a:r>
+              <a:rPr lang="en-US" dirty="0"/>
+              <a:t> . Example</a:t>
+            </a:r>
+          </a:p>
+          <a:p>
+            <a:pPr marL="0" marR="0" lvl="0" indent="0" algn="l" defTabSz="914400" rtl="0" eaLnBrk="1" fontAlgn="base" latinLnBrk="0" hangingPunct="1">
+              <a:lnSpc>
+                <a:spcPct val="100000"/>
+              </a:lnSpc>
+              <a:spcBef>
+                <a:spcPct val="30000"/>
+              </a:spcBef>
+              <a:spcAft>
+                <a:spcPct val="0"/>
+              </a:spcAft>
+              <a:buClrTx/>
+              <a:buSzTx/>
+              <a:buFontTx/>
+              <a:buNone/>
+              <a:tabLst/>
+              <a:defRPr/>
+            </a:pPr>
+            <a:endParaRPr lang="en-US" dirty="0"/>
+          </a:p>
+          <a:p>
+            <a:pPr marL="0" marR="0" lvl="0" indent="0" algn="l" defTabSz="914400" rtl="0" eaLnBrk="1" fontAlgn="base" latinLnBrk="0" hangingPunct="1">
+              <a:lnSpc>
+                <a:spcPct val="100000"/>
+              </a:lnSpc>
+              <a:spcBef>
+                <a:spcPct val="30000"/>
+              </a:spcBef>
+              <a:spcAft>
+                <a:spcPct val="0"/>
+              </a:spcAft>
+              <a:buClrTx/>
+              <a:buSzTx/>
+              <a:buFontTx/>
+              <a:buNone/>
+              <a:tabLst/>
+              <a:defRPr/>
+            </a:pPr>
+            <a:r>
+              <a:rPr lang="en-US" dirty="0"/>
+              <a:t>To </a:t>
+            </a:r>
+            <a:r>
+              <a:rPr lang="en-US" dirty="0" err="1"/>
+              <a:t>measue</a:t>
+            </a:r>
+            <a:r>
+              <a:rPr lang="en-US" dirty="0"/>
+              <a:t> the amount of information loss the </a:t>
+            </a:r>
+            <a:r>
+              <a:rPr lang="en-US" dirty="0" err="1"/>
+              <a:t>algorthims</a:t>
+            </a:r>
+            <a:r>
+              <a:rPr lang="en-US" dirty="0"/>
+              <a:t> use Loss Metrics. In practice there are a lot proposed and used in practice but non of them are the real deal. So no one of them are </a:t>
+            </a:r>
+            <a:r>
+              <a:rPr lang="en-US" dirty="0" err="1"/>
+              <a:t>scintifical</a:t>
+            </a:r>
+            <a:r>
+              <a:rPr lang="en-US" dirty="0"/>
+              <a:t> </a:t>
+            </a:r>
+            <a:r>
+              <a:rPr lang="en-US" dirty="0" err="1"/>
+              <a:t>acceptebal</a:t>
+            </a:r>
+            <a:r>
+              <a:rPr lang="en-US" dirty="0"/>
+              <a:t> because they are all just heuristics approximations. We will later see example to understand the problem clearer.  -&gt; another barrier</a:t>
+            </a:r>
+          </a:p>
+          <a:p>
+            <a:pPr marL="0" marR="0" lvl="0" indent="0" algn="l" defTabSz="914400" rtl="0" eaLnBrk="1" fontAlgn="base" latinLnBrk="0" hangingPunct="1">
+              <a:lnSpc>
+                <a:spcPct val="100000"/>
+              </a:lnSpc>
+              <a:spcBef>
+                <a:spcPct val="30000"/>
+              </a:spcBef>
+              <a:spcAft>
+                <a:spcPct val="0"/>
+              </a:spcAft>
+              <a:buClrTx/>
+              <a:buSzTx/>
+              <a:buFontTx/>
+              <a:buNone/>
+              <a:tabLst/>
+              <a:defRPr/>
+            </a:pPr>
+            <a:endParaRPr lang="en-US" dirty="0"/>
+          </a:p>
+          <a:p>
+            <a:pPr marL="0" marR="0" lvl="0" indent="0" algn="l" defTabSz="914400" rtl="0" eaLnBrk="1" fontAlgn="base" latinLnBrk="0" hangingPunct="1">
+              <a:lnSpc>
+                <a:spcPct val="100000"/>
+              </a:lnSpc>
+              <a:spcBef>
+                <a:spcPct val="30000"/>
+              </a:spcBef>
+              <a:spcAft>
+                <a:spcPct val="0"/>
+              </a:spcAft>
+              <a:buClrTx/>
+              <a:buSzTx/>
+              <a:buFontTx/>
+              <a:buNone/>
+              <a:tabLst/>
+              <a:defRPr/>
+            </a:pPr>
+            <a:r>
+              <a:rPr lang="en-US" dirty="0"/>
+              <a:t>To </a:t>
             </a:r>
             <a:r>
               <a:rPr lang="de-DE" dirty="0" err="1"/>
@@ -947,51 +1155,23 @@
             </a:r>
             <a:r>
               <a:rPr lang="en-US" dirty="0"/>
-              <a:t>this problem has been proven to be NP-</a:t>
+              <a:t>this problem has been proven to be NP-hard. So these means we </a:t>
             </a:r>
             <a:r>
               <a:rPr lang="en-US" dirty="0" err="1"/>
-              <a:t>hardThe</a:t>
+              <a:t>ar</a:t>
             </a:r>
             <a:r>
               <a:rPr lang="en-US" dirty="0"/>
-              <a:t> main reasons for this are that an optimal solution </a:t>
+              <a:t> at least in NP-</a:t>
             </a:r>
             <a:r>
               <a:rPr lang="en-US" dirty="0" err="1"/>
-              <a:t>guaranteesminimal</a:t>
+              <a:t>Complett</a:t>
             </a:r>
             <a:r>
               <a:rPr lang="en-US" dirty="0"/>
-              <a:t> information loss, which is important for the </a:t>
-            </a:r>
-            <a:r>
-              <a:rPr lang="de-DE" dirty="0" err="1"/>
-              <a:t>usefulness</a:t>
-            </a:r>
-            <a:r>
-              <a:rPr lang="de-DE" dirty="0"/>
-              <a:t> </a:t>
-            </a:r>
-            <a:r>
-              <a:rPr lang="de-DE" dirty="0" err="1"/>
-              <a:t>of</a:t>
-            </a:r>
-            <a:r>
-              <a:rPr lang="de-DE" dirty="0"/>
-              <a:t> </a:t>
-            </a:r>
-            <a:r>
-              <a:rPr lang="de-DE" dirty="0" err="1"/>
-              <a:t>the</a:t>
-            </a:r>
-            <a:r>
-              <a:rPr lang="de-DE" dirty="0"/>
-              <a:t> </a:t>
-            </a:r>
-            <a:r>
-              <a:rPr lang="de-DE" dirty="0" err="1"/>
-              <a:t>result</a:t>
+              <a:t> problems but possible harder. Maybe we wont find an answer if this solution got an optimal k-anonymity version. –&gt; anther barrier</a:t>
             </a:r>
             <a:endParaRPr lang="de-DE" dirty="0"/>
           </a:p>
@@ -1000,127 +1180,6 @@
           </a:p>
           <a:p>
             <a:endParaRPr lang="de-DE" dirty="0"/>
-          </a:p>
-          <a:p>
-            <a:endParaRPr lang="de-DE" dirty="0"/>
-          </a:p>
-          <a:p>
-            <a:r>
-              <a:rPr lang="de-DE" dirty="0"/>
-              <a:t>So </a:t>
-            </a:r>
-            <a:r>
-              <a:rPr lang="de-DE" dirty="0" err="1"/>
-              <a:t>before</a:t>
-            </a:r>
-            <a:r>
-              <a:rPr lang="de-DE" dirty="0"/>
-              <a:t> </a:t>
-            </a:r>
-            <a:r>
-              <a:rPr lang="de-DE" dirty="0" err="1"/>
-              <a:t>we</a:t>
-            </a:r>
-            <a:r>
-              <a:rPr lang="de-DE" dirty="0"/>
-              <a:t> </a:t>
-            </a:r>
-            <a:r>
-              <a:rPr lang="de-DE" dirty="0" err="1"/>
-              <a:t>can</a:t>
-            </a:r>
-            <a:r>
-              <a:rPr lang="de-DE" dirty="0"/>
-              <a:t> </a:t>
-            </a:r>
-            <a:r>
-              <a:rPr lang="de-DE" dirty="0" err="1"/>
-              <a:t>look</a:t>
-            </a:r>
-            <a:r>
-              <a:rPr lang="de-DE" dirty="0"/>
-              <a:t> at </a:t>
-            </a:r>
-            <a:r>
-              <a:rPr lang="de-DE" dirty="0" err="1"/>
-              <a:t>the</a:t>
-            </a:r>
-            <a:r>
-              <a:rPr lang="de-DE" dirty="0"/>
-              <a:t> </a:t>
-            </a:r>
-            <a:r>
-              <a:rPr lang="de-DE" dirty="0" err="1"/>
-              <a:t>metrics</a:t>
-            </a:r>
-            <a:r>
-              <a:rPr lang="de-DE" dirty="0"/>
-              <a:t> </a:t>
-            </a:r>
-            <a:r>
-              <a:rPr lang="de-DE" dirty="0" err="1"/>
-              <a:t>we</a:t>
-            </a:r>
-            <a:r>
-              <a:rPr lang="de-DE" dirty="0"/>
-              <a:t> </a:t>
-            </a:r>
-            <a:r>
-              <a:rPr lang="de-DE" dirty="0" err="1"/>
-              <a:t>need</a:t>
-            </a:r>
-            <a:r>
-              <a:rPr lang="de-DE" dirty="0"/>
-              <a:t> </a:t>
-            </a:r>
-            <a:r>
-              <a:rPr lang="de-DE" dirty="0" err="1"/>
-              <a:t>to</a:t>
-            </a:r>
-            <a:r>
-              <a:rPr lang="de-DE" dirty="0"/>
-              <a:t> unterstand </a:t>
-            </a:r>
-            <a:r>
-              <a:rPr lang="de-DE" dirty="0" err="1"/>
-              <a:t>the</a:t>
-            </a:r>
-            <a:r>
-              <a:rPr lang="de-DE" dirty="0"/>
-              <a:t> </a:t>
-            </a:r>
-            <a:r>
-              <a:rPr lang="de-DE" dirty="0" err="1"/>
-              <a:t>working</a:t>
-            </a:r>
-            <a:r>
-              <a:rPr lang="de-DE" dirty="0"/>
-              <a:t> </a:t>
-            </a:r>
-            <a:r>
-              <a:rPr lang="de-DE" dirty="0" err="1"/>
-              <a:t>of</a:t>
-            </a:r>
-            <a:r>
-              <a:rPr lang="de-DE" dirty="0"/>
-              <a:t> </a:t>
-            </a:r>
-            <a:r>
-              <a:rPr lang="de-DE" dirty="0" err="1"/>
-              <a:t>these</a:t>
-            </a:r>
-            <a:r>
-              <a:rPr lang="de-DE" dirty="0"/>
-              <a:t> </a:t>
-            </a:r>
-            <a:r>
-              <a:rPr lang="de-DE" dirty="0" err="1"/>
-              <a:t>algorthims</a:t>
-            </a:r>
-            <a:r>
-              <a:rPr lang="de-DE" dirty="0"/>
-              <a:t>. </a:t>
-            </a:r>
           </a:p>
         </p:txBody>
       </p:sp>
@@ -3551,6 +3610,216 @@
           <a:lstStyle/>
           <a:p>
             <a:r>
+              <a:rPr lang="en-US" sz="1200" b="0" i="1" u="none" strike="noStrike" kern="1200" baseline="0" dirty="0">
+                <a:solidFill>
+                  <a:schemeClr val="tx1"/>
+                </a:solidFill>
+                <a:latin typeface="Arial" charset="0"/>
+                <a:ea typeface="+mn-ea"/>
+                <a:cs typeface="+mn-cs"/>
+              </a:rPr>
+              <a:t>The cloaking algorithm is run by the location protection broker on a trusted server, which anonymizes messages from the mobile nodes by </a:t>
+            </a:r>
+            <a:r>
+              <a:rPr lang="en-US" sz="1200" b="0" i="0" u="none" strike="noStrike" kern="1200" baseline="0" dirty="0">
+                <a:solidFill>
+                  <a:schemeClr val="tx1"/>
+                </a:solidFill>
+                <a:latin typeface="Arial" charset="0"/>
+                <a:ea typeface="+mn-ea"/>
+                <a:cs typeface="+mn-cs"/>
+              </a:rPr>
+              <a:t>cloaking </a:t>
+            </a:r>
+            <a:r>
+              <a:rPr lang="en-US" sz="1200" b="0" i="1" u="none" strike="noStrike" kern="1200" baseline="0" dirty="0">
+                <a:solidFill>
+                  <a:schemeClr val="tx1"/>
+                </a:solidFill>
+                <a:latin typeface="Arial" charset="0"/>
+                <a:ea typeface="+mn-ea"/>
+                <a:cs typeface="+mn-cs"/>
+              </a:rPr>
+              <a:t>the location information contained in</a:t>
+            </a:r>
+          </a:p>
+          <a:p>
+            <a:r>
+              <a:rPr lang="en-US" sz="1200" b="0" i="1" u="none" strike="noStrike" kern="1200" baseline="0" dirty="0">
+                <a:solidFill>
+                  <a:schemeClr val="tx1"/>
+                </a:solidFill>
+                <a:latin typeface="Arial" charset="0"/>
+                <a:ea typeface="+mn-ea"/>
+                <a:cs typeface="+mn-cs"/>
+              </a:rPr>
+              <a:t>the messages to reduce or avoid privacy threats before forwarding them to the LBS provider(s).</a:t>
+            </a:r>
+          </a:p>
+          <a:p>
+            <a:endParaRPr lang="en-US" sz="1200" b="0" i="1" u="none" strike="noStrike" kern="1200" baseline="0" dirty="0">
+              <a:solidFill>
+                <a:schemeClr val="tx1"/>
+              </a:solidFill>
+              <a:latin typeface="Arial" charset="0"/>
+              <a:ea typeface="+mn-ea"/>
+              <a:cs typeface="+mn-cs"/>
+            </a:endParaRPr>
+          </a:p>
+          <a:p>
+            <a:r>
+              <a:rPr lang="en-US" dirty="0"/>
+              <a:t>Restricted Space Identiﬁcation. If A knows that space L exclusively belongs to subject S then A learns that S is in L and S has sent M. For example, when the owner of a suburban house sends a message from his garage or driveway, the coordinates can be </a:t>
+            </a:r>
+            <a:r>
+              <a:rPr lang="en-US" dirty="0" err="1"/>
+              <a:t>correlatedwith</a:t>
+            </a:r>
+            <a:r>
+              <a:rPr lang="en-US" dirty="0"/>
+              <a:t> a </a:t>
+            </a:r>
+            <a:r>
+              <a:rPr lang="en-US" dirty="0" err="1"/>
+              <a:t>databaseof</a:t>
+            </a:r>
+            <a:r>
+              <a:rPr lang="en-US" dirty="0"/>
+              <a:t> </a:t>
+            </a:r>
+            <a:r>
+              <a:rPr lang="en-US" dirty="0" err="1"/>
+              <a:t>geocodedpostal</a:t>
+            </a:r>
+            <a:r>
+              <a:rPr lang="en-US" dirty="0"/>
+              <a:t> addresses (e.g., [30]) to identify the residence. An address lookup in phone or property listings then reveals the owner and likely originator of the </a:t>
+            </a:r>
+            <a:r>
+              <a:rPr lang="en-US" dirty="0" err="1"/>
+              <a:t>messag</a:t>
+            </a:r>
+            <a:endParaRPr lang="en-US" dirty="0"/>
+          </a:p>
+          <a:p>
+            <a:endParaRPr lang="en-US" dirty="0"/>
+          </a:p>
+          <a:p>
+            <a:r>
+              <a:rPr lang="en-US" dirty="0"/>
+              <a:t>Observation Identiﬁcation. If A has observed the current location L of subject S and ﬁnds a message M from L then A learns that S has sent M. For example, the subject has revealed its identity and location in a previous message and then wants to send an anonymous message. The later message can be linked to the previous one through the location information.</a:t>
+            </a:r>
+          </a:p>
+          <a:p>
+            <a:endParaRPr lang="en-US" dirty="0"/>
+          </a:p>
+          <a:p>
+            <a:r>
+              <a:rPr lang="en-US" sz="1200" b="0" i="0" u="none" strike="noStrike" kern="1200" baseline="0" dirty="0">
+                <a:solidFill>
+                  <a:schemeClr val="tx1"/>
+                </a:solidFill>
+                <a:latin typeface="Arial" charset="0"/>
+                <a:ea typeface="+mn-ea"/>
+                <a:cs typeface="+mn-cs"/>
+              </a:rPr>
+              <a:t>First, a given degree of location anonymity can be maintained, regardless of population density, by decreasing</a:t>
+            </a:r>
+          </a:p>
+          <a:p>
+            <a:r>
+              <a:rPr lang="en-US" sz="1200" b="0" i="0" u="none" strike="noStrike" kern="1200" baseline="0" dirty="0">
+                <a:solidFill>
+                  <a:schemeClr val="tx1"/>
+                </a:solidFill>
+                <a:latin typeface="Arial" charset="0"/>
+                <a:ea typeface="+mn-ea"/>
+                <a:cs typeface="+mn-cs"/>
+              </a:rPr>
+              <a:t>the location accuracy through enlarging the revealed spatial area, such that there are other </a:t>
+            </a:r>
+            <a:r>
+              <a:rPr lang="en-US" sz="1200" b="0" i="1" u="none" strike="noStrike" kern="1200" baseline="0" dirty="0">
+                <a:solidFill>
+                  <a:schemeClr val="tx1"/>
+                </a:solidFill>
+                <a:latin typeface="Arial" charset="0"/>
+                <a:ea typeface="+mn-ea"/>
+                <a:cs typeface="+mn-cs"/>
+              </a:rPr>
+              <a:t>k−</a:t>
+            </a:r>
+            <a:r>
+              <a:rPr lang="en-US" sz="1200" b="0" i="0" u="none" strike="noStrike" kern="1200" baseline="0" dirty="0">
+                <a:solidFill>
+                  <a:schemeClr val="tx1"/>
+                </a:solidFill>
+                <a:latin typeface="Arial" charset="0"/>
+                <a:ea typeface="+mn-ea"/>
+                <a:cs typeface="+mn-cs"/>
+              </a:rPr>
+              <a:t>1 mobile nodes present</a:t>
+            </a:r>
+          </a:p>
+          <a:p>
+            <a:r>
+              <a:rPr lang="en-US" sz="1200" b="0" i="0" u="none" strike="noStrike" kern="1200" baseline="0" dirty="0">
+                <a:solidFill>
+                  <a:schemeClr val="tx1"/>
+                </a:solidFill>
+                <a:latin typeface="Arial" charset="0"/>
+                <a:ea typeface="+mn-ea"/>
+                <a:cs typeface="+mn-cs"/>
+              </a:rPr>
+              <a:t>in the same spatial area. This approach is called spatial cloaking. Second, one can achieve the location anonymity by delaying</a:t>
+            </a:r>
+          </a:p>
+          <a:p>
+            <a:r>
+              <a:rPr lang="en-US" sz="1200" b="0" i="0" u="none" strike="noStrike" kern="1200" baseline="0" dirty="0">
+                <a:solidFill>
+                  <a:schemeClr val="tx1"/>
+                </a:solidFill>
+                <a:latin typeface="Arial" charset="0"/>
+                <a:ea typeface="+mn-ea"/>
+                <a:cs typeface="+mn-cs"/>
+              </a:rPr>
+              <a:t>the message until </a:t>
+            </a:r>
+            <a:r>
+              <a:rPr lang="en-US" sz="1200" b="0" i="1" u="none" strike="noStrike" kern="1200" baseline="0" dirty="0">
+                <a:solidFill>
+                  <a:schemeClr val="tx1"/>
+                </a:solidFill>
+                <a:latin typeface="Arial" charset="0"/>
+                <a:ea typeface="+mn-ea"/>
+                <a:cs typeface="+mn-cs"/>
+              </a:rPr>
+              <a:t>k </a:t>
+            </a:r>
+            <a:r>
+              <a:rPr lang="en-US" sz="1200" b="0" i="0" u="none" strike="noStrike" kern="1200" baseline="0" dirty="0">
+                <a:solidFill>
+                  <a:schemeClr val="tx1"/>
+                </a:solidFill>
+                <a:latin typeface="Arial" charset="0"/>
+                <a:ea typeface="+mn-ea"/>
+                <a:cs typeface="+mn-cs"/>
+              </a:rPr>
+              <a:t>mobile nodes have visited the same area located by the message sender. This approach is called </a:t>
+            </a:r>
+            <a:r>
+              <a:rPr lang="de-DE" sz="1200" b="0" i="0" u="none" strike="noStrike" kern="1200" baseline="0" dirty="0">
+                <a:solidFill>
+                  <a:schemeClr val="tx1"/>
+                </a:solidFill>
+                <a:latin typeface="Arial" charset="0"/>
+                <a:ea typeface="+mn-ea"/>
+                <a:cs typeface="+mn-cs"/>
+              </a:rPr>
+              <a:t>temporal </a:t>
+            </a:r>
+            <a:r>
               <a:rPr lang="de-DE" sz="1200" b="0" i="0" u="none" strike="noStrike" kern="1200" baseline="0" dirty="0" err="1">
                 <a:solidFill>
                   <a:schemeClr val="tx1"/>
@@ -3559,7 +3828,7 @@
                 <a:ea typeface="+mn-ea"/>
                 <a:cs typeface="+mn-cs"/>
               </a:rPr>
-              <a:t>For</a:t>
+              <a:t>cloaking</a:t>
             </a:r>
             <a:r>
               <a:rPr lang="de-DE" sz="1200" b="0" i="0" u="none" strike="noStrike" kern="1200" baseline="0" dirty="0">
@@ -3570,145 +3839,7 @@
                 <a:ea typeface="+mn-ea"/>
                 <a:cs typeface="+mn-cs"/>
               </a:rPr>
-              <a:t> </a:t>
-            </a:r>
-            <a:r>
-              <a:rPr lang="de-DE" sz="1200" b="0" i="0" u="none" strike="noStrike" kern="1200" baseline="0" dirty="0" err="1">
-                <a:solidFill>
-                  <a:schemeClr val="tx1"/>
-                </a:solidFill>
-                <a:latin typeface="Arial" charset="0"/>
-                <a:ea typeface="+mn-ea"/>
-                <a:cs typeface="+mn-cs"/>
-              </a:rPr>
-              <a:t>example</a:t>
-            </a:r>
-            <a:r>
-              <a:rPr lang="de-DE" sz="1200" b="0" i="0" u="none" strike="noStrike" kern="1200" baseline="0" dirty="0">
-                <a:solidFill>
-                  <a:schemeClr val="tx1"/>
-                </a:solidFill>
-                <a:latin typeface="Arial" charset="0"/>
-                <a:ea typeface="+mn-ea"/>
-                <a:cs typeface="+mn-cs"/>
-              </a:rPr>
-              <a:t>, </a:t>
-            </a:r>
-            <a:r>
-              <a:rPr lang="de-DE" sz="1200" b="0" i="0" u="none" strike="noStrike" kern="1200" baseline="0" dirty="0" err="1">
-                <a:solidFill>
-                  <a:schemeClr val="tx1"/>
-                </a:solidFill>
-                <a:latin typeface="Arial" charset="0"/>
-                <a:ea typeface="+mn-ea"/>
-                <a:cs typeface="+mn-cs"/>
-              </a:rPr>
-              <a:t>suppose</a:t>
-            </a:r>
-            <a:r>
-              <a:rPr lang="de-DE" sz="1200" b="0" i="0" u="none" strike="noStrike" kern="1200" baseline="0" dirty="0">
-                <a:solidFill>
-                  <a:schemeClr val="tx1"/>
-                </a:solidFill>
-                <a:latin typeface="Arial" charset="0"/>
-                <a:ea typeface="+mn-ea"/>
-                <a:cs typeface="+mn-cs"/>
-              </a:rPr>
-              <a:t> </a:t>
-            </a:r>
-            <a:r>
-              <a:rPr lang="en-US" sz="1200" b="0" i="0" u="none" strike="noStrike" kern="1200" baseline="0" dirty="0">
-                <a:solidFill>
-                  <a:schemeClr val="tx1"/>
-                </a:solidFill>
-                <a:latin typeface="Arial" charset="0"/>
-                <a:ea typeface="+mn-ea"/>
-                <a:cs typeface="+mn-cs"/>
-              </a:rPr>
-              <a:t>we want to achieve 2-anonymity, and we have a single</a:t>
-            </a:r>
-          </a:p>
-          <a:p>
-            <a:r>
-              <a:rPr lang="en-US" sz="1200" b="0" i="0" u="none" strike="noStrike" kern="1200" baseline="0" dirty="0">
-                <a:solidFill>
-                  <a:schemeClr val="tx1"/>
-                </a:solidFill>
-                <a:latin typeface="Arial" charset="0"/>
-                <a:ea typeface="+mn-ea"/>
-                <a:cs typeface="+mn-cs"/>
-              </a:rPr>
-              <a:t>quasi-identifier, age, and six records with the following age values: 9, 11, 13, 40, 42, and 45. The minimal </a:t>
-            </a:r>
-            <a:r>
-              <a:rPr lang="en-US" sz="1200" b="0" i="1" u="none" strike="noStrike" kern="1200" baseline="0" dirty="0">
-                <a:solidFill>
-                  <a:schemeClr val="tx1"/>
-                </a:solidFill>
-                <a:latin typeface="Arial" charset="0"/>
-                <a:ea typeface="+mn-ea"/>
-                <a:cs typeface="+mn-cs"/>
-              </a:rPr>
-              <a:t>DM</a:t>
-            </a:r>
-            <a:r>
-              <a:rPr lang="en-US" sz="1200" b="0" i="0" u="none" strike="noStrike" kern="1200" baseline="0" dirty="0">
-                <a:solidFill>
-                  <a:schemeClr val="tx1"/>
-                </a:solidFill>
-                <a:latin typeface="Arial" charset="0"/>
-                <a:ea typeface="+mn-ea"/>
-                <a:cs typeface="+mn-cs"/>
-              </a:rPr>
-              <a:t>* value is</a:t>
-            </a:r>
-          </a:p>
-          <a:p>
-            <a:r>
-              <a:rPr lang="en-US" sz="1200" b="0" i="0" u="none" strike="noStrike" kern="1200" baseline="0" dirty="0">
-                <a:solidFill>
-                  <a:schemeClr val="tx1"/>
-                </a:solidFill>
-                <a:latin typeface="Arial" charset="0"/>
-                <a:ea typeface="+mn-ea"/>
-                <a:cs typeface="+mn-cs"/>
-              </a:rPr>
-              <a:t>when all of the records are grouped into three pairs: 9,11, 13,40, and 42,45. The criticism is that the second pair</a:t>
-            </a:r>
-          </a:p>
-          <a:p>
-            <a:r>
-              <a:rPr lang="en-US" sz="1200" b="0" i="0" u="none" strike="noStrike" kern="1200" baseline="0" dirty="0">
-                <a:solidFill>
-                  <a:schemeClr val="tx1"/>
-                </a:solidFill>
-                <a:latin typeface="Arial" charset="0"/>
-                <a:ea typeface="+mn-ea"/>
-                <a:cs typeface="+mn-cs"/>
-              </a:rPr>
-              <a:t>has a very wide range and that a more sensible grouping </a:t>
-            </a:r>
-            <a:r>
-              <a:rPr lang="en-US" sz="1200" b="0" i="0" u="none" strike="noStrike" kern="1200" baseline="0" dirty="0" err="1">
-                <a:solidFill>
-                  <a:schemeClr val="tx1"/>
-                </a:solidFill>
-                <a:latin typeface="Arial" charset="0"/>
-                <a:ea typeface="+mn-ea"/>
-                <a:cs typeface="+mn-cs"/>
-              </a:rPr>
-              <a:t>mwould</a:t>
-            </a:r>
-            <a:r>
-              <a:rPr lang="en-US" sz="1200" b="0" i="0" u="none" strike="noStrike" kern="1200" baseline="0" dirty="0">
-                <a:solidFill>
-                  <a:schemeClr val="tx1"/>
-                </a:solidFill>
-                <a:latin typeface="Arial" charset="0"/>
-                <a:ea typeface="+mn-ea"/>
-                <a:cs typeface="+mn-cs"/>
-              </a:rPr>
-              <a:t> have only two equivalence classes: 9,11,13 and</a:t>
+              <a:t>.</a:t>
             </a:r>
             <a:endParaRPr lang="de-DE" dirty="0"/>
           </a:p>
@@ -3737,7 +3868,7 @@
               <a:pPr>
                 <a:defRPr/>
               </a:pPr>
-              <a:t>18</a:t>
+              <a:t>19</a:t>
             </a:fld>
             <a:endParaRPr lang="de-DE"/>
           </a:p>
@@ -3746,7 +3877,7 @@
     </p:spTree>
     <p:extLst>
       <p:ext uri="{BB962C8B-B14F-4D97-AF65-F5344CB8AC3E}">
-        <p14:creationId xmlns:p14="http://schemas.microsoft.com/office/powerpoint/2010/main" val="116438721"/>
+        <p14:creationId xmlns:p14="http://schemas.microsoft.com/office/powerpoint/2010/main" val="1491132089"/>
       </p:ext>
     </p:extLst>
   </p:cSld>
@@ -3801,6 +3932,78 @@
           <a:lstStyle/>
           <a:p>
             <a:r>
+              <a:rPr lang="en-US" sz="1200" b="0" i="0" u="none" strike="noStrike" kern="1200" baseline="0" dirty="0">
+                <a:solidFill>
+                  <a:schemeClr val="tx1"/>
+                </a:solidFill>
+                <a:latin typeface="Arial" charset="0"/>
+                <a:ea typeface="+mn-ea"/>
+                <a:cs typeface="+mn-cs"/>
+              </a:rPr>
+              <a:t>A main technical challenge for developing an efficient cloaking</a:t>
+            </a:r>
+          </a:p>
+          <a:p>
+            <a:r>
+              <a:rPr lang="en-US" sz="1200" b="0" i="0" u="none" strike="noStrike" kern="1200" baseline="0" dirty="0">
+                <a:solidFill>
+                  <a:schemeClr val="tx1"/>
+                </a:solidFill>
+                <a:latin typeface="Arial" charset="0"/>
+                <a:ea typeface="+mn-ea"/>
+                <a:cs typeface="+mn-cs"/>
+              </a:rPr>
+              <a:t>algorithm is to find a set of messages and to assign the</a:t>
+            </a:r>
+          </a:p>
+          <a:p>
+            <a:r>
+              <a:rPr lang="en-US" sz="1200" b="0" i="0" u="none" strike="noStrike" kern="1200" baseline="0" dirty="0">
+                <a:solidFill>
+                  <a:schemeClr val="tx1"/>
+                </a:solidFill>
+                <a:latin typeface="Arial" charset="0"/>
+                <a:ea typeface="+mn-ea"/>
+                <a:cs typeface="+mn-cs"/>
+              </a:rPr>
+              <a:t>smallest possible </a:t>
+            </a:r>
+            <a:r>
+              <a:rPr lang="en-US" sz="1200" b="0" i="0" u="none" strike="noStrike" kern="1200" baseline="0" dirty="0" err="1">
+                <a:solidFill>
+                  <a:schemeClr val="tx1"/>
+                </a:solidFill>
+                <a:latin typeface="Arial" charset="0"/>
+                <a:ea typeface="+mn-ea"/>
+                <a:cs typeface="+mn-cs"/>
+              </a:rPr>
+              <a:t>spatio</a:t>
+            </a:r>
+            <a:r>
+              <a:rPr lang="en-US" sz="1200" b="0" i="0" u="none" strike="noStrike" kern="1200" baseline="0" dirty="0">
+                <a:solidFill>
+                  <a:schemeClr val="tx1"/>
+                </a:solidFill>
+                <a:latin typeface="Arial" charset="0"/>
+                <a:ea typeface="+mn-ea"/>
+                <a:cs typeface="+mn-cs"/>
+              </a:rPr>
+              <a:t>-temporal cloaking box to these messages,</a:t>
+            </a:r>
+          </a:p>
+          <a:p>
+            <a:r>
+              <a:rPr lang="en-US" sz="1200" b="0" i="0" u="none" strike="noStrike" kern="1200" baseline="0" dirty="0">
+                <a:solidFill>
+                  <a:schemeClr val="tx1"/>
+                </a:solidFill>
+                <a:latin typeface="Arial" charset="0"/>
+                <a:ea typeface="+mn-ea"/>
+                <a:cs typeface="+mn-cs"/>
+              </a:rPr>
+              <a:t>such that the </a:t>
+            </a:r>
+            <a:r>
               <a:rPr lang="en-US" sz="1200" b="0" i="1" u="none" strike="noStrike" kern="1200" baseline="0" dirty="0">
                 <a:solidFill>
                   <a:schemeClr val="tx1"/>
@@ -3809,46 +4012,35 @@
                 <a:ea typeface="+mn-ea"/>
                 <a:cs typeface="+mn-cs"/>
               </a:rPr>
-              <a:t>The cloaking algorithm is run by the location protection broker on a trusted server, which anonymizes messages from the mobile nodes by </a:t>
-            </a:r>
-            <a:r>
-              <a:rPr lang="en-US" sz="1200" b="0" i="0" u="none" strike="noStrike" kern="1200" baseline="0" dirty="0">
-                <a:solidFill>
-                  <a:schemeClr val="tx1"/>
-                </a:solidFill>
-                <a:latin typeface="Arial" charset="0"/>
-                <a:ea typeface="+mn-ea"/>
-                <a:cs typeface="+mn-cs"/>
-              </a:rPr>
-              <a:t>cloaking </a:t>
-            </a:r>
-            <a:r>
-              <a:rPr lang="en-US" sz="1200" b="0" i="1" u="none" strike="noStrike" kern="1200" baseline="0" dirty="0">
-                <a:solidFill>
-                  <a:schemeClr val="tx1"/>
-                </a:solidFill>
-                <a:latin typeface="Arial" charset="0"/>
-                <a:ea typeface="+mn-ea"/>
-                <a:cs typeface="+mn-cs"/>
-              </a:rPr>
-              <a:t>the location information contained in</a:t>
-            </a:r>
-          </a:p>
-          <a:p>
-            <a:r>
-              <a:rPr lang="en-US" sz="1200" b="0" i="1" u="none" strike="noStrike" kern="1200" baseline="0" dirty="0">
-                <a:solidFill>
-                  <a:schemeClr val="tx1"/>
-                </a:solidFill>
-                <a:latin typeface="Arial" charset="0"/>
-                <a:ea typeface="+mn-ea"/>
-                <a:cs typeface="+mn-cs"/>
-              </a:rPr>
-              <a:t>the messages to reduce or avoid privacy threats before forwarding them to the LBS provider(s).</a:t>
-            </a:r>
-          </a:p>
-          <a:p>
-            <a:endParaRPr lang="en-US" sz="1200" b="0" i="1" u="none" strike="noStrike" kern="1200" baseline="0" dirty="0">
+              <a:t>k</a:t>
+            </a:r>
+            <a:r>
+              <a:rPr lang="en-US" sz="1200" b="0" i="0" u="none" strike="noStrike" kern="1200" baseline="0" dirty="0">
+                <a:solidFill>
+                  <a:schemeClr val="tx1"/>
+                </a:solidFill>
+                <a:latin typeface="Arial" charset="0"/>
+                <a:ea typeface="+mn-ea"/>
+                <a:cs typeface="+mn-cs"/>
+              </a:rPr>
+              <a:t>-anonymity requirements are satisfied for</a:t>
+            </a:r>
+          </a:p>
+          <a:p>
+            <a:r>
+              <a:rPr lang="en-US" sz="1200" b="0" i="0" u="none" strike="noStrike" kern="1200" baseline="0" dirty="0">
+                <a:solidFill>
+                  <a:schemeClr val="tx1"/>
+                </a:solidFill>
+                <a:latin typeface="Arial" charset="0"/>
+                <a:ea typeface="+mn-ea"/>
+                <a:cs typeface="+mn-cs"/>
+              </a:rPr>
+              <a:t>all messages in the set.</a:t>
+            </a:r>
+          </a:p>
+          <a:p>
+            <a:endParaRPr lang="en-US" sz="1200" b="0" i="0" u="none" strike="noStrike" kern="1200" baseline="0" dirty="0">
               <a:solidFill>
                 <a:schemeClr val="tx1"/>
               </a:solidFill>
@@ -3859,75 +4051,577 @@
           </a:p>
           <a:p>
             <a:r>
-              <a:rPr lang="en-US" dirty="0"/>
-              <a:t>Restricted Space Identiﬁcation. If A knows that space L exclusively belongs to subject S then A learns that S is in L and S has sent M. For example, when the owner of a suburban house sends a message from his garage or driveway, the coordinates can be </a:t>
-            </a:r>
-            <a:r>
-              <a:rPr lang="en-US" dirty="0" err="1"/>
-              <a:t>correlatedwith</a:t>
-            </a:r>
-            <a:r>
-              <a:rPr lang="en-US" dirty="0"/>
-              <a:t> a </a:t>
-            </a:r>
-            <a:r>
-              <a:rPr lang="en-US" dirty="0" err="1"/>
-              <a:t>databaseof</a:t>
-            </a:r>
-            <a:r>
-              <a:rPr lang="en-US" dirty="0"/>
+              <a:rPr lang="en-US" sz="1200" b="0" i="0" u="none" strike="noStrike" kern="1200" baseline="0" dirty="0">
+                <a:solidFill>
+                  <a:schemeClr val="tx1"/>
+                </a:solidFill>
+                <a:latin typeface="Arial" charset="0"/>
+                <a:ea typeface="+mn-ea"/>
+                <a:cs typeface="+mn-cs"/>
+              </a:rPr>
+              <a:t>Messages that can not be anonymized until their </a:t>
+            </a:r>
+            <a:r>
+              <a:rPr lang="en-US" sz="1200" b="0" i="1" u="none" strike="noStrike" kern="1200" baseline="0" dirty="0">
+                <a:solidFill>
+                  <a:schemeClr val="tx1"/>
+                </a:solidFill>
+                <a:latin typeface="Arial" charset="0"/>
+                <a:ea typeface="+mn-ea"/>
+                <a:cs typeface="+mn-cs"/>
+              </a:rPr>
+              <a:t>deadline</a:t>
+            </a:r>
+          </a:p>
+          <a:p>
+            <a:r>
+              <a:rPr lang="en-US" sz="1200" b="0" i="0" u="none" strike="noStrike" kern="1200" baseline="0" dirty="0">
+                <a:solidFill>
+                  <a:schemeClr val="tx1"/>
+                </a:solidFill>
+                <a:latin typeface="Arial" charset="0"/>
+                <a:ea typeface="+mn-ea"/>
+                <a:cs typeface="+mn-cs"/>
+              </a:rPr>
+              <a:t>are dropped. The deadline of a message is the high point along</a:t>
+            </a:r>
+          </a:p>
+          <a:p>
+            <a:r>
+              <a:rPr lang="en-US" sz="1200" b="0" i="0" u="none" strike="noStrike" kern="1200" baseline="0" dirty="0">
+                <a:solidFill>
+                  <a:schemeClr val="tx1"/>
+                </a:solidFill>
+                <a:latin typeface="Arial" charset="0"/>
+                <a:ea typeface="+mn-ea"/>
+                <a:cs typeface="+mn-cs"/>
+              </a:rPr>
+              <a:t>the temporal dimension in its </a:t>
+            </a:r>
+            <a:r>
+              <a:rPr lang="en-US" sz="1200" b="0" i="0" u="none" strike="noStrike" kern="1200" baseline="0" dirty="0" err="1">
+                <a:solidFill>
+                  <a:schemeClr val="tx1"/>
+                </a:solidFill>
+                <a:latin typeface="Arial" charset="0"/>
+                <a:ea typeface="+mn-ea"/>
+                <a:cs typeface="+mn-cs"/>
+              </a:rPr>
+              <a:t>spatio</a:t>
+            </a:r>
+            <a:r>
+              <a:rPr lang="en-US" sz="1200" b="0" i="0" u="none" strike="noStrike" kern="1200" baseline="0" dirty="0">
+                <a:solidFill>
+                  <a:schemeClr val="tx1"/>
+                </a:solidFill>
+                <a:latin typeface="Arial" charset="0"/>
+                <a:ea typeface="+mn-ea"/>
+                <a:cs typeface="+mn-cs"/>
+              </a:rPr>
+              <a:t>-temporal constraint box.</a:t>
+            </a:r>
+          </a:p>
+          <a:p>
+            <a:endParaRPr lang="en-US" sz="1200" b="0" i="0" u="none" strike="noStrike" kern="1200" baseline="0" dirty="0">
+              <a:solidFill>
+                <a:schemeClr val="tx1"/>
+              </a:solidFill>
+              <a:latin typeface="Arial" charset="0"/>
+              <a:ea typeface="+mn-ea"/>
+              <a:cs typeface="+mn-cs"/>
+            </a:endParaRPr>
+          </a:p>
+          <a:p>
+            <a:endParaRPr lang="en-US" sz="1200" b="0" i="0" u="none" strike="noStrike" kern="1200" baseline="0" dirty="0">
+              <a:solidFill>
+                <a:schemeClr val="tx1"/>
+              </a:solidFill>
+              <a:latin typeface="Arial" charset="0"/>
+              <a:ea typeface="+mn-ea"/>
+              <a:cs typeface="+mn-cs"/>
+            </a:endParaRPr>
+          </a:p>
+          <a:p>
+            <a:endParaRPr lang="en-US" sz="1200" b="0" i="0" u="none" strike="noStrike" kern="1200" baseline="0" dirty="0">
+              <a:solidFill>
+                <a:schemeClr val="tx1"/>
+              </a:solidFill>
+              <a:latin typeface="Arial" charset="0"/>
+              <a:ea typeface="+mn-ea"/>
+              <a:cs typeface="+mn-cs"/>
+            </a:endParaRPr>
+          </a:p>
+          <a:p>
+            <a:endParaRPr lang="en-US" sz="1200" b="0" i="0" u="none" strike="noStrike" kern="1200" baseline="0" dirty="0">
+              <a:solidFill>
+                <a:schemeClr val="tx1"/>
+              </a:solidFill>
+              <a:latin typeface="Arial" charset="0"/>
+              <a:ea typeface="+mn-ea"/>
+              <a:cs typeface="+mn-cs"/>
+            </a:endParaRPr>
+          </a:p>
+          <a:p>
+            <a:r>
+              <a:rPr lang="en-US" sz="1200" b="0" i="0" u="none" strike="noStrike" kern="1200" baseline="0" dirty="0">
+                <a:solidFill>
+                  <a:schemeClr val="tx1"/>
+                </a:solidFill>
+                <a:latin typeface="Arial" charset="0"/>
+                <a:ea typeface="+mn-ea"/>
+                <a:cs typeface="+mn-cs"/>
+              </a:rPr>
+              <a:t>Messages are uniquely identifiable by the sender’s identifier, message reference number pairs, (</a:t>
+            </a:r>
+            <a:r>
+              <a:rPr lang="en-US" sz="1200" b="0" i="1" u="none" strike="noStrike" kern="1200" baseline="0" dirty="0" err="1">
+                <a:solidFill>
+                  <a:schemeClr val="tx1"/>
+                </a:solidFill>
+                <a:latin typeface="Arial" charset="0"/>
+                <a:ea typeface="+mn-ea"/>
+                <a:cs typeface="+mn-cs"/>
+              </a:rPr>
+              <a:t>uid</a:t>
+            </a:r>
+            <a:r>
+              <a:rPr lang="en-US" sz="1200" b="0" i="1" u="none" strike="noStrike" kern="1200" baseline="0" dirty="0">
+                <a:solidFill>
+                  <a:schemeClr val="tx1"/>
+                </a:solidFill>
+                <a:latin typeface="Arial" charset="0"/>
+                <a:ea typeface="+mn-ea"/>
+                <a:cs typeface="+mn-cs"/>
+              </a:rPr>
+              <a:t>, </a:t>
+            </a:r>
+            <a:r>
+              <a:rPr lang="en-US" sz="1200" b="0" i="1" u="none" strike="noStrike" kern="1200" baseline="0" dirty="0" err="1">
+                <a:solidFill>
+                  <a:schemeClr val="tx1"/>
+                </a:solidFill>
+                <a:latin typeface="Arial" charset="0"/>
+                <a:ea typeface="+mn-ea"/>
+                <a:cs typeface="+mn-cs"/>
+              </a:rPr>
+              <a:t>rno</a:t>
+            </a:r>
+            <a:r>
+              <a:rPr lang="en-US" sz="1200" b="0" i="0" u="none" strike="noStrike" kern="1200" baseline="0" dirty="0">
+                <a:solidFill>
+                  <a:schemeClr val="tx1"/>
+                </a:solidFill>
+                <a:latin typeface="Arial" charset="0"/>
+                <a:ea typeface="+mn-ea"/>
+                <a:cs typeface="+mn-cs"/>
+              </a:rPr>
+              <a:t>), within the set </a:t>
+            </a:r>
+            <a:r>
+              <a:rPr lang="en-US" sz="1200" b="0" i="1" u="none" strike="noStrike" kern="1200" baseline="0" dirty="0">
+                <a:solidFill>
+                  <a:schemeClr val="tx1"/>
+                </a:solidFill>
+                <a:latin typeface="Arial" charset="0"/>
+                <a:ea typeface="+mn-ea"/>
+                <a:cs typeface="+mn-cs"/>
+              </a:rPr>
+              <a:t>S</a:t>
+            </a:r>
+            <a:r>
+              <a:rPr lang="en-US" sz="1200" b="0" i="0" u="none" strike="noStrike" kern="1200" baseline="0" dirty="0">
+                <a:solidFill>
+                  <a:schemeClr val="tx1"/>
+                </a:solidFill>
+                <a:latin typeface="Arial" charset="0"/>
+                <a:ea typeface="+mn-ea"/>
+                <a:cs typeface="+mn-cs"/>
+              </a:rPr>
+              <a:t>.</a:t>
+            </a:r>
+          </a:p>
+          <a:p>
+            <a:r>
+              <a:rPr lang="en-US" sz="1200" b="0" i="0" u="none" strike="noStrike" kern="1200" baseline="0" dirty="0">
+                <a:solidFill>
+                  <a:schemeClr val="tx1"/>
+                </a:solidFill>
+                <a:latin typeface="Arial" charset="0"/>
+                <a:ea typeface="+mn-ea"/>
+                <a:cs typeface="+mn-cs"/>
+              </a:rPr>
+              <a:t>Messages from the same mobile node have same sender identifiers but different reference numbers. In a received message,</a:t>
+            </a:r>
+          </a:p>
+          <a:p>
+            <a:r>
+              <a:rPr lang="en-US" sz="1200" b="0" i="1" u="none" strike="noStrike" kern="1200" baseline="0" dirty="0">
+                <a:solidFill>
+                  <a:schemeClr val="tx1"/>
+                </a:solidFill>
+                <a:latin typeface="Arial" charset="0"/>
+                <a:ea typeface="+mn-ea"/>
+                <a:cs typeface="+mn-cs"/>
+              </a:rPr>
+              <a:t>x, y, </a:t>
+            </a:r>
+            <a:r>
+              <a:rPr lang="en-US" sz="1200" b="0" i="0" u="none" strike="noStrike" kern="1200" baseline="0" dirty="0">
+                <a:solidFill>
+                  <a:schemeClr val="tx1"/>
+                </a:solidFill>
+                <a:latin typeface="Arial" charset="0"/>
+                <a:ea typeface="+mn-ea"/>
+                <a:cs typeface="+mn-cs"/>
+              </a:rPr>
+              <a:t>and </a:t>
+            </a:r>
+            <a:r>
+              <a:rPr lang="en-US" sz="1200" b="0" i="1" u="none" strike="noStrike" kern="1200" baseline="0" dirty="0">
+                <a:solidFill>
+                  <a:schemeClr val="tx1"/>
+                </a:solidFill>
+                <a:latin typeface="Arial" charset="0"/>
+                <a:ea typeface="+mn-ea"/>
+                <a:cs typeface="+mn-cs"/>
+              </a:rPr>
+              <a:t>t </a:t>
+            </a:r>
+            <a:r>
+              <a:rPr lang="en-US" sz="1200" b="0" i="0" u="none" strike="noStrike" kern="1200" baseline="0" dirty="0">
+                <a:solidFill>
+                  <a:schemeClr val="tx1"/>
+                </a:solidFill>
+                <a:latin typeface="Arial" charset="0"/>
+                <a:ea typeface="+mn-ea"/>
+                <a:cs typeface="+mn-cs"/>
+              </a:rPr>
+              <a:t>together form the three dimensional </a:t>
+            </a:r>
+            <a:r>
+              <a:rPr lang="en-US" sz="1200" b="0" i="1" u="none" strike="noStrike" kern="1200" baseline="0" dirty="0" err="1">
+                <a:solidFill>
+                  <a:schemeClr val="tx1"/>
+                </a:solidFill>
+                <a:latin typeface="Arial" charset="0"/>
+                <a:ea typeface="+mn-ea"/>
+                <a:cs typeface="+mn-cs"/>
+              </a:rPr>
+              <a:t>spatio</a:t>
+            </a:r>
+            <a:r>
+              <a:rPr lang="en-US" sz="1200" b="0" i="1" u="none" strike="noStrike" kern="1200" baseline="0" dirty="0">
+                <a:solidFill>
+                  <a:schemeClr val="tx1"/>
+                </a:solidFill>
+                <a:latin typeface="Arial" charset="0"/>
+                <a:ea typeface="+mn-ea"/>
+                <a:cs typeface="+mn-cs"/>
+              </a:rPr>
+              <a:t>-temporal point </a:t>
+            </a:r>
+            <a:r>
+              <a:rPr lang="en-US" sz="1200" b="0" i="0" u="none" strike="noStrike" kern="1200" baseline="0" dirty="0">
+                <a:solidFill>
+                  <a:schemeClr val="tx1"/>
+                </a:solidFill>
+                <a:latin typeface="Arial" charset="0"/>
+                <a:ea typeface="+mn-ea"/>
+                <a:cs typeface="+mn-cs"/>
+              </a:rPr>
+              <a:t>of the message, denoted as </a:t>
+            </a:r>
+            <a:r>
+              <a:rPr lang="en-US" sz="1200" b="0" i="1" u="none" strike="noStrike" kern="1200" baseline="0" dirty="0">
+                <a:solidFill>
+                  <a:schemeClr val="tx1"/>
+                </a:solidFill>
+                <a:latin typeface="Arial" charset="0"/>
+                <a:ea typeface="+mn-ea"/>
+                <a:cs typeface="+mn-cs"/>
+              </a:rPr>
+              <a:t>P</a:t>
+            </a:r>
+            <a:r>
+              <a:rPr lang="en-US" sz="1200" b="0" i="0" u="none" strike="noStrike" kern="1200" baseline="0" dirty="0">
+                <a:solidFill>
+                  <a:schemeClr val="tx1"/>
+                </a:solidFill>
+                <a:latin typeface="Arial" charset="0"/>
+                <a:ea typeface="+mn-ea"/>
+                <a:cs typeface="+mn-cs"/>
+              </a:rPr>
+              <a:t>(</a:t>
+            </a:r>
+            <a:r>
+              <a:rPr lang="en-US" sz="1200" b="0" i="1" u="none" strike="noStrike" kern="1200" baseline="0" dirty="0" err="1">
+                <a:solidFill>
+                  <a:schemeClr val="tx1"/>
+                </a:solidFill>
+                <a:latin typeface="Arial" charset="0"/>
+                <a:ea typeface="+mn-ea"/>
+                <a:cs typeface="+mn-cs"/>
+              </a:rPr>
+              <a:t>ms</a:t>
+            </a:r>
+            <a:r>
+              <a:rPr lang="en-US" sz="1200" b="0" i="0" u="none" strike="noStrike" kern="1200" baseline="0" dirty="0">
+                <a:solidFill>
+                  <a:schemeClr val="tx1"/>
+                </a:solidFill>
+                <a:latin typeface="Arial" charset="0"/>
+                <a:ea typeface="+mn-ea"/>
+                <a:cs typeface="+mn-cs"/>
+              </a:rPr>
+              <a:t>). The coordinate (</a:t>
+            </a:r>
+            <a:r>
+              <a:rPr lang="en-US" sz="1200" b="0" i="1" u="none" strike="noStrike" kern="1200" baseline="0" dirty="0">
+                <a:solidFill>
+                  <a:schemeClr val="tx1"/>
+                </a:solidFill>
+                <a:latin typeface="Arial" charset="0"/>
+                <a:ea typeface="+mn-ea"/>
+                <a:cs typeface="+mn-cs"/>
+              </a:rPr>
+              <a:t>x, y</a:t>
+            </a:r>
+            <a:r>
+              <a:rPr lang="en-US" sz="1200" b="0" i="0" u="none" strike="noStrike" kern="1200" baseline="0" dirty="0">
+                <a:solidFill>
+                  <a:schemeClr val="tx1"/>
+                </a:solidFill>
+                <a:latin typeface="Arial" charset="0"/>
+                <a:ea typeface="+mn-ea"/>
+                <a:cs typeface="+mn-cs"/>
+              </a:rPr>
+              <a:t>)</a:t>
+            </a:r>
+          </a:p>
+          <a:p>
+            <a:r>
+              <a:rPr lang="en-US" sz="1200" b="0" i="0" u="none" strike="noStrike" kern="1200" baseline="0" dirty="0">
+                <a:solidFill>
+                  <a:schemeClr val="tx1"/>
+                </a:solidFill>
+                <a:latin typeface="Arial" charset="0"/>
+                <a:ea typeface="+mn-ea"/>
+                <a:cs typeface="+mn-cs"/>
+              </a:rPr>
+              <a:t>refers to the spatial position of the mobile node in the two dimensional space (i.e., </a:t>
+            </a:r>
+            <a:r>
+              <a:rPr lang="en-US" sz="1200" b="0" i="1" u="none" strike="noStrike" kern="1200" baseline="0" dirty="0">
+                <a:solidFill>
+                  <a:schemeClr val="tx1"/>
+                </a:solidFill>
+                <a:latin typeface="Arial" charset="0"/>
+                <a:ea typeface="+mn-ea"/>
+                <a:cs typeface="+mn-cs"/>
+              </a:rPr>
+              <a:t>x</a:t>
+            </a:r>
+            <a:r>
+              <a:rPr lang="en-US" sz="1200" b="0" i="0" u="none" strike="noStrike" kern="1200" baseline="0" dirty="0">
+                <a:solidFill>
+                  <a:schemeClr val="tx1"/>
+                </a:solidFill>
+                <a:latin typeface="Arial" charset="0"/>
+                <a:ea typeface="+mn-ea"/>
+                <a:cs typeface="+mn-cs"/>
+              </a:rPr>
+              <a:t>-axis and </a:t>
+            </a:r>
+            <a:r>
+              <a:rPr lang="en-US" sz="1200" b="0" i="1" u="none" strike="noStrike" kern="1200" baseline="0" dirty="0">
+                <a:solidFill>
+                  <a:schemeClr val="tx1"/>
+                </a:solidFill>
+                <a:latin typeface="Arial" charset="0"/>
+                <a:ea typeface="+mn-ea"/>
+                <a:cs typeface="+mn-cs"/>
+              </a:rPr>
+              <a:t>y</a:t>
+            </a:r>
+            <a:r>
+              <a:rPr lang="en-US" sz="1200" b="0" i="0" u="none" strike="noStrike" kern="1200" baseline="0" dirty="0">
+                <a:solidFill>
+                  <a:schemeClr val="tx1"/>
+                </a:solidFill>
+                <a:latin typeface="Arial" charset="0"/>
+                <a:ea typeface="+mn-ea"/>
+                <a:cs typeface="+mn-cs"/>
+              </a:rPr>
+              <a:t>-axis), and the timestamp </a:t>
+            </a:r>
+            <a:r>
+              <a:rPr lang="en-US" sz="1200" b="0" i="1" u="none" strike="noStrike" kern="1200" baseline="0" dirty="0">
+                <a:solidFill>
+                  <a:schemeClr val="tx1"/>
+                </a:solidFill>
+                <a:latin typeface="Arial" charset="0"/>
+                <a:ea typeface="+mn-ea"/>
+                <a:cs typeface="+mn-cs"/>
+              </a:rPr>
+              <a:t>t</a:t>
+            </a:r>
+          </a:p>
+          <a:p>
+            <a:r>
+              <a:rPr lang="en-US" sz="1200" b="0" i="0" u="none" strike="noStrike" kern="1200" baseline="0" dirty="0">
+                <a:solidFill>
+                  <a:schemeClr val="tx1"/>
+                </a:solidFill>
+                <a:latin typeface="Arial" charset="0"/>
+                <a:ea typeface="+mn-ea"/>
+                <a:cs typeface="+mn-cs"/>
+              </a:rPr>
+              <a:t>refers to the time point at which the mobile node was present at that position (temporal dimension: </a:t>
+            </a:r>
+            <a:r>
+              <a:rPr lang="en-US" sz="1200" b="0" i="1" u="none" strike="noStrike" kern="1200" baseline="0" dirty="0">
+                <a:solidFill>
+                  <a:schemeClr val="tx1"/>
+                </a:solidFill>
+                <a:latin typeface="Arial" charset="0"/>
+                <a:ea typeface="+mn-ea"/>
+                <a:cs typeface="+mn-cs"/>
+              </a:rPr>
+              <a:t>t</a:t>
+            </a:r>
+            <a:r>
+              <a:rPr lang="en-US" sz="1200" b="0" i="0" u="none" strike="noStrike" kern="1200" baseline="0" dirty="0">
+                <a:solidFill>
+                  <a:schemeClr val="tx1"/>
+                </a:solidFill>
+                <a:latin typeface="Arial" charset="0"/>
+                <a:ea typeface="+mn-ea"/>
+                <a:cs typeface="+mn-cs"/>
+              </a:rPr>
+              <a:t>-axis of the message).</a:t>
+            </a:r>
+          </a:p>
+          <a:p>
+            <a:r>
+              <a:rPr lang="de-DE" sz="1200" b="0" i="0" u="none" strike="noStrike" kern="1200" baseline="0" dirty="0">
+                <a:solidFill>
+                  <a:schemeClr val="tx1"/>
+                </a:solidFill>
+                <a:latin typeface="Arial" charset="0"/>
+                <a:ea typeface="+mn-ea"/>
+                <a:cs typeface="+mn-cs"/>
+              </a:rPr>
+              <a:t>The </a:t>
+            </a:r>
+            <a:r>
+              <a:rPr lang="de-DE" sz="1200" b="0" i="1" u="none" strike="noStrike" kern="1200" baseline="0" dirty="0" err="1">
+                <a:solidFill>
+                  <a:schemeClr val="tx1"/>
+                </a:solidFill>
+                <a:latin typeface="Arial" charset="0"/>
+                <a:ea typeface="+mn-ea"/>
+                <a:cs typeface="+mn-cs"/>
+              </a:rPr>
+              <a:t>dt</a:t>
+            </a:r>
+            <a:r>
+              <a:rPr lang="de-DE" sz="1200" b="0" i="1" u="none" strike="noStrike" kern="1200" baseline="0" dirty="0">
+                <a:solidFill>
+                  <a:schemeClr val="tx1"/>
+                </a:solidFill>
+                <a:latin typeface="Arial" charset="0"/>
+                <a:ea typeface="+mn-ea"/>
+                <a:cs typeface="+mn-cs"/>
+              </a:rPr>
               <a:t> </a:t>
             </a:r>
             <a:r>
-              <a:rPr lang="en-US" dirty="0" err="1"/>
-              <a:t>geocodedpostal</a:t>
-            </a:r>
-            <a:r>
-              <a:rPr lang="en-US" dirty="0"/>
-              <a:t> addresses (e.g., [30]) to identify the residence. An address lookup in phone or property listings then reveals the owner and likely originator of the </a:t>
-            </a:r>
-            <a:r>
-              <a:rPr lang="en-US" dirty="0" err="1"/>
-              <a:t>messag</a:t>
-            </a:r>
-            <a:endParaRPr lang="en-US" dirty="0"/>
-          </a:p>
-          <a:p>
-            <a:endParaRPr lang="en-US" dirty="0"/>
-          </a:p>
-          <a:p>
-            <a:r>
-              <a:rPr lang="en-US" dirty="0"/>
-              <a:t>Observation Identiﬁcation. If A has observed the current location L of subject S and ﬁnds a message M from L then A learns that S has sent M. For example, the subject has revealed its identity and location in a previous message and then wants to send an anonymous message. The later message can be linked to the previous one through the location information.</a:t>
-            </a:r>
-          </a:p>
-          <a:p>
-            <a:endParaRPr lang="en-US" dirty="0"/>
-          </a:p>
-          <a:p>
-            <a:r>
-              <a:rPr lang="en-US" sz="1200" b="0" i="0" u="none" strike="noStrike" kern="1200" baseline="0" dirty="0">
-                <a:solidFill>
-                  <a:schemeClr val="tx1"/>
-                </a:solidFill>
-                <a:latin typeface="Arial" charset="0"/>
-                <a:ea typeface="+mn-ea"/>
-                <a:cs typeface="+mn-cs"/>
-              </a:rPr>
-              <a:t>First, a given degree of location anonymity can be maintained, regardless of population density, by decreasing</a:t>
-            </a:r>
-          </a:p>
-          <a:p>
-            <a:r>
-              <a:rPr lang="en-US" sz="1200" b="0" i="0" u="none" strike="noStrike" kern="1200" baseline="0" dirty="0">
-                <a:solidFill>
-                  <a:schemeClr val="tx1"/>
-                </a:solidFill>
-                <a:latin typeface="Arial" charset="0"/>
-                <a:ea typeface="+mn-ea"/>
-                <a:cs typeface="+mn-cs"/>
-              </a:rPr>
-              <a:t>the location accuracy through enlarging the revealed spatial area, such that there are other </a:t>
+              <a:rPr lang="de-DE" sz="1200" b="0" i="0" u="none" strike="noStrike" kern="1200" baseline="0" dirty="0" err="1">
+                <a:solidFill>
+                  <a:schemeClr val="tx1"/>
+                </a:solidFill>
+                <a:latin typeface="Arial" charset="0"/>
+                <a:ea typeface="+mn-ea"/>
+                <a:cs typeface="+mn-cs"/>
+              </a:rPr>
+              <a:t>value</a:t>
+            </a:r>
+            <a:r>
+              <a:rPr lang="de-DE" sz="1200" b="0" i="0" u="none" strike="noStrike" kern="1200" baseline="0" dirty="0">
+                <a:solidFill>
+                  <a:schemeClr val="tx1"/>
+                </a:solidFill>
+                <a:latin typeface="Arial" charset="0"/>
+                <a:ea typeface="+mn-ea"/>
+                <a:cs typeface="+mn-cs"/>
+              </a:rPr>
+              <a:t> </a:t>
+            </a:r>
+            <a:r>
+              <a:rPr lang="de-DE" sz="1200" b="0" i="0" u="none" strike="noStrike" kern="1200" baseline="0" dirty="0" err="1">
+                <a:solidFill>
+                  <a:schemeClr val="tx1"/>
+                </a:solidFill>
+                <a:latin typeface="Arial" charset="0"/>
+                <a:ea typeface="+mn-ea"/>
+                <a:cs typeface="+mn-cs"/>
+              </a:rPr>
+              <a:t>of</a:t>
+            </a:r>
+            <a:r>
+              <a:rPr lang="de-DE" sz="1200" b="0" i="0" u="none" strike="noStrike" kern="1200" baseline="0" dirty="0">
+                <a:solidFill>
+                  <a:schemeClr val="tx1"/>
+                </a:solidFill>
+                <a:latin typeface="Arial" charset="0"/>
+                <a:ea typeface="+mn-ea"/>
+                <a:cs typeface="+mn-cs"/>
+              </a:rPr>
+              <a:t> </a:t>
+            </a:r>
+            <a:r>
+              <a:rPr lang="en-US" sz="1200" b="0" i="0" u="none" strike="noStrike" kern="1200" baseline="0" dirty="0">
+                <a:solidFill>
+                  <a:schemeClr val="tx1"/>
+                </a:solidFill>
+                <a:latin typeface="Arial" charset="0"/>
+                <a:ea typeface="+mn-ea"/>
+                <a:cs typeface="+mn-cs"/>
+              </a:rPr>
+              <a:t>the message represents the temporal tolerance specified by the </a:t>
+            </a:r>
+            <a:r>
+              <a:rPr lang="de-DE" sz="1200" b="0" i="0" u="none" strike="noStrike" kern="1200" baseline="0" dirty="0" err="1">
+                <a:solidFill>
+                  <a:schemeClr val="tx1"/>
+                </a:solidFill>
+                <a:latin typeface="Arial" charset="0"/>
+                <a:ea typeface="+mn-ea"/>
+                <a:cs typeface="+mn-cs"/>
+              </a:rPr>
+              <a:t>user</a:t>
+            </a:r>
+            <a:r>
+              <a:rPr lang="de-DE" sz="1200" b="0" i="0" u="none" strike="noStrike" kern="1200" baseline="0" dirty="0">
+                <a:solidFill>
+                  <a:schemeClr val="tx1"/>
+                </a:solidFill>
+                <a:latin typeface="Arial" charset="0"/>
+                <a:ea typeface="+mn-ea"/>
+                <a:cs typeface="+mn-cs"/>
+              </a:rPr>
+              <a:t>. </a:t>
+            </a:r>
+            <a:r>
+              <a:rPr lang="en-US" sz="1200" b="0" i="0" u="none" strike="noStrike" kern="1200" baseline="0" dirty="0">
+                <a:solidFill>
+                  <a:schemeClr val="tx1"/>
+                </a:solidFill>
+                <a:latin typeface="Arial" charset="0"/>
+                <a:ea typeface="+mn-ea"/>
+                <a:cs typeface="+mn-cs"/>
+              </a:rPr>
+              <a:t>Similarly, </a:t>
             </a:r>
             <a:r>
               <a:rPr lang="en-US" sz="1200" b="0" i="1" u="none" strike="noStrike" kern="1200" baseline="0" dirty="0">
@@ -3938,44 +4632,29 @@
                 <a:ea typeface="+mn-ea"/>
                 <a:cs typeface="+mn-cs"/>
               </a:rPr>
-              <a:t>k−</a:t>
-            </a:r>
-            <a:r>
-              <a:rPr lang="en-US" sz="1200" b="0" i="0" u="none" strike="noStrike" kern="1200" baseline="0" dirty="0">
-                <a:solidFill>
-                  <a:schemeClr val="tx1"/>
-                </a:solidFill>
-                <a:latin typeface="Arial" charset="0"/>
-                <a:ea typeface="+mn-ea"/>
-                <a:cs typeface="+mn-cs"/>
-              </a:rPr>
-              <a:t>1 mobile nodes present</a:t>
-            </a:r>
-          </a:p>
-          <a:p>
-            <a:r>
-              <a:rPr lang="en-US" sz="1200" b="0" i="0" u="none" strike="noStrike" kern="1200" baseline="0" dirty="0">
-                <a:solidFill>
-                  <a:schemeClr val="tx1"/>
-                </a:solidFill>
-                <a:latin typeface="Arial" charset="0"/>
-                <a:ea typeface="+mn-ea"/>
-                <a:cs typeface="+mn-cs"/>
-              </a:rPr>
-              <a:t>in the same spatial area. This approach is called spatial cloaking. Second, one can achieve the location anonymity by delaying</a:t>
-            </a:r>
-          </a:p>
-          <a:p>
-            <a:r>
-              <a:rPr lang="en-US" sz="1200" b="0" i="0" u="none" strike="noStrike" kern="1200" baseline="0" dirty="0">
-                <a:solidFill>
-                  <a:schemeClr val="tx1"/>
-                </a:solidFill>
-                <a:latin typeface="Arial" charset="0"/>
-                <a:ea typeface="+mn-ea"/>
-                <a:cs typeface="+mn-cs"/>
-              </a:rPr>
-              <a:t>the message until </a:t>
+              <a:t>dx </a:t>
+            </a:r>
+            <a:r>
+              <a:rPr lang="en-US" sz="1200" b="0" i="0" u="none" strike="noStrike" kern="1200" baseline="0" dirty="0">
+                <a:solidFill>
+                  <a:schemeClr val="tx1"/>
+                </a:solidFill>
+                <a:latin typeface="Arial" charset="0"/>
+                <a:ea typeface="+mn-ea"/>
+                <a:cs typeface="+mn-cs"/>
+              </a:rPr>
+              <a:t>and </a:t>
+            </a:r>
+            <a:r>
+              <a:rPr lang="en-US" sz="1200" b="0" i="1" u="none" strike="noStrike" kern="1200" baseline="0" dirty="0" err="1">
+                <a:solidFill>
+                  <a:schemeClr val="tx1"/>
+                </a:solidFill>
+                <a:latin typeface="Arial" charset="0"/>
+                <a:ea typeface="+mn-ea"/>
+                <a:cs typeface="+mn-cs"/>
+              </a:rPr>
+              <a:t>dy</a:t>
             </a:r>
             <a:r>
               <a:rPr lang="en-US" sz="1200" b="0" i="1" u="none" strike="noStrike" kern="1200" baseline="0" dirty="0">
@@ -3986,19 +4665,21 @@
                 <a:ea typeface="+mn-ea"/>
                 <a:cs typeface="+mn-cs"/>
               </a:rPr>
-              <a:t>k </a:t>
-            </a:r>
-            <a:r>
-              <a:rPr lang="en-US" sz="1200" b="0" i="0" u="none" strike="noStrike" kern="1200" baseline="0" dirty="0">
-                <a:solidFill>
-                  <a:schemeClr val="tx1"/>
-                </a:solidFill>
-                <a:latin typeface="Arial" charset="0"/>
-                <a:ea typeface="+mn-ea"/>
-                <a:cs typeface="+mn-cs"/>
-              </a:rPr>
-              <a:t>mobile nodes have visited the same area located by the message sender. This approach is called </a:t>
-            </a:r>
+              <a:t> </a:t>
+            </a:r>
+            <a:r>
+              <a:rPr lang="en-US" sz="1200" b="0" i="0" u="none" strike="noStrike" kern="1200" baseline="0" dirty="0">
+                <a:solidFill>
+                  <a:schemeClr val="tx1"/>
+                </a:solidFill>
+                <a:latin typeface="Arial" charset="0"/>
+                <a:ea typeface="+mn-ea"/>
+                <a:cs typeface="+mn-cs"/>
+              </a:rPr>
+              <a:t>specify the tolerances with</a:t>
+            </a:r>
+          </a:p>
+          <a:p>
             <a:r>
               <a:rPr lang="de-DE" sz="1200" b="0" i="0" u="none" strike="noStrike" kern="1200" baseline="0" dirty="0">
                 <a:solidFill>
@@ -4008,29 +4689,44 @@
                 <a:ea typeface="+mn-ea"/>
                 <a:cs typeface="+mn-cs"/>
               </a:rPr>
-              <a:t>temporal </a:t>
-            </a:r>
-            <a:r>
-              <a:rPr lang="de-DE" sz="1200" b="0" i="0" u="none" strike="noStrike" kern="1200" baseline="0" dirty="0" err="1">
-                <a:solidFill>
-                  <a:schemeClr val="tx1"/>
-                </a:solidFill>
-                <a:latin typeface="Arial" charset="0"/>
-                <a:ea typeface="+mn-ea"/>
-                <a:cs typeface="+mn-cs"/>
-              </a:rPr>
-              <a:t>cloaking</a:t>
-            </a:r>
-            <a:r>
-              <a:rPr lang="de-DE" sz="1200" b="0" i="0" u="none" strike="noStrike" kern="1200" baseline="0" dirty="0">
-                <a:solidFill>
-                  <a:schemeClr val="tx1"/>
-                </a:solidFill>
-                <a:latin typeface="Arial" charset="0"/>
-                <a:ea typeface="+mn-ea"/>
-                <a:cs typeface="+mn-cs"/>
-              </a:rPr>
-              <a:t>.</a:t>
+              <a:t>3 </a:t>
+            </a:r>
+            <a:r>
+              <a:rPr lang="en-US" sz="1200" b="0" i="0" u="none" strike="noStrike" kern="1200" baseline="0" dirty="0">
+                <a:solidFill>
+                  <a:schemeClr val="tx1"/>
+                </a:solidFill>
+                <a:latin typeface="Arial" charset="0"/>
+                <a:ea typeface="+mn-ea"/>
+                <a:cs typeface="+mn-cs"/>
+              </a:rPr>
+              <a:t>respect to the spatial dimensions. The values of these three parameters are dependent on the requirements of the external</a:t>
+            </a:r>
+          </a:p>
+          <a:p>
+            <a:r>
+              <a:rPr lang="en-US" sz="1200" b="0" i="0" u="none" strike="noStrike" kern="1200" baseline="0" dirty="0">
+                <a:solidFill>
+                  <a:schemeClr val="tx1"/>
+                </a:solidFill>
+                <a:latin typeface="Arial" charset="0"/>
+                <a:ea typeface="+mn-ea"/>
+                <a:cs typeface="+mn-cs"/>
+              </a:rPr>
+              <a:t>LBS and users’ preferences with regard to quality of service. For instance, larger spatial tolerances may result in less accurate</a:t>
+            </a:r>
+          </a:p>
+          <a:p>
+            <a:r>
+              <a:rPr lang="en-US" sz="1200" b="0" i="0" u="none" strike="noStrike" kern="1200" baseline="0" dirty="0">
+                <a:solidFill>
+                  <a:schemeClr val="tx1"/>
+                </a:solidFill>
+                <a:latin typeface="Arial" charset="0"/>
+                <a:ea typeface="+mn-ea"/>
+                <a:cs typeface="+mn-cs"/>
+              </a:rPr>
+              <a:t>results to location-dependent service requests and larger temporal tolerances may result in higher latencies of the messages.</a:t>
             </a:r>
             <a:endParaRPr lang="de-DE" dirty="0"/>
           </a:p>
@@ -4068,7 +4764,7 @@
     </p:spTree>
     <p:extLst>
       <p:ext uri="{BB962C8B-B14F-4D97-AF65-F5344CB8AC3E}">
-        <p14:creationId xmlns:p14="http://schemas.microsoft.com/office/powerpoint/2010/main" val="1491132089"/>
+        <p14:creationId xmlns:p14="http://schemas.microsoft.com/office/powerpoint/2010/main" val="539691595"/>
       </p:ext>
     </p:extLst>
   </p:cSld>
@@ -4365,6 +5061,216 @@
                 <a:ea typeface="+mn-ea"/>
                 <a:cs typeface="+mn-cs"/>
               </a:rPr>
+              <a:t>In such cases, many attributes (</a:t>
+            </a:r>
+            <a:r>
+              <a:rPr lang="en-US" sz="1200" b="0" i="0" u="none" strike="noStrike" kern="1200" baseline="0" dirty="0" err="1">
+                <a:solidFill>
+                  <a:schemeClr val="tx1"/>
+                </a:solidFill>
+                <a:latin typeface="Arial" charset="0"/>
+                <a:ea typeface="+mn-ea"/>
+                <a:cs typeface="+mn-cs"/>
+              </a:rPr>
+              <a:t>eg.</a:t>
+            </a:r>
+            <a:r>
+              <a:rPr lang="en-US" sz="1200" b="0" i="0" u="none" strike="noStrike" kern="1200" baseline="0" dirty="0">
+                <a:solidFill>
+                  <a:schemeClr val="tx1"/>
+                </a:solidFill>
+                <a:latin typeface="Arial" charset="0"/>
+                <a:ea typeface="+mn-ea"/>
+                <a:cs typeface="+mn-cs"/>
+              </a:rPr>
+              <a:t> salary) con-</a:t>
+            </a:r>
+          </a:p>
+          <a:p>
+            <a:r>
+              <a:rPr lang="en-US" sz="1200" b="0" i="0" u="none" strike="noStrike" kern="1200" baseline="0" dirty="0" err="1">
+                <a:solidFill>
+                  <a:schemeClr val="tx1"/>
+                </a:solidFill>
+                <a:latin typeface="Arial" charset="0"/>
+                <a:ea typeface="+mn-ea"/>
+                <a:cs typeface="+mn-cs"/>
+              </a:rPr>
+              <a:t>tinue</a:t>
+            </a:r>
+            <a:r>
+              <a:rPr lang="en-US" sz="1200" b="0" i="0" u="none" strike="noStrike" kern="1200" baseline="0" dirty="0">
+                <a:solidFill>
+                  <a:schemeClr val="tx1"/>
+                </a:solidFill>
+                <a:latin typeface="Arial" charset="0"/>
+                <a:ea typeface="+mn-ea"/>
+                <a:cs typeface="+mn-cs"/>
+              </a:rPr>
+              <a:t> to be sensitive, but also cannot be ruled out as</a:t>
+            </a:r>
+          </a:p>
+          <a:p>
+            <a:r>
+              <a:rPr lang="en-US" sz="1200" b="0" i="0" u="none" strike="noStrike" kern="1200" baseline="0" dirty="0">
+                <a:solidFill>
+                  <a:schemeClr val="tx1"/>
+                </a:solidFill>
+                <a:latin typeface="Arial" charset="0"/>
+                <a:ea typeface="+mn-ea"/>
+                <a:cs typeface="+mn-cs"/>
+              </a:rPr>
+              <a:t>quasi-</a:t>
+            </a:r>
+            <a:r>
+              <a:rPr lang="en-US" sz="1200" b="0" i="0" u="none" strike="noStrike" kern="1200" baseline="0" dirty="0" err="1">
+                <a:solidFill>
+                  <a:schemeClr val="tx1"/>
+                </a:solidFill>
+                <a:latin typeface="Arial" charset="0"/>
+                <a:ea typeface="+mn-ea"/>
+                <a:cs typeface="+mn-cs"/>
+              </a:rPr>
+              <a:t>identiers</a:t>
+            </a:r>
+            <a:r>
+              <a:rPr lang="en-US" sz="1200" b="0" i="0" u="none" strike="noStrike" kern="1200" baseline="0" dirty="0">
+                <a:solidFill>
+                  <a:schemeClr val="tx1"/>
+                </a:solidFill>
+                <a:latin typeface="Arial" charset="0"/>
+                <a:ea typeface="+mn-ea"/>
+                <a:cs typeface="+mn-cs"/>
+              </a:rPr>
+              <a:t>. Such situations are quite likely in real</a:t>
+            </a:r>
+          </a:p>
+          <a:p>
+            <a:r>
+              <a:rPr lang="en-US" sz="1200" b="0" i="0" u="none" strike="noStrike" kern="1200" baseline="0" dirty="0">
+                <a:solidFill>
+                  <a:schemeClr val="tx1"/>
+                </a:solidFill>
+                <a:latin typeface="Arial" charset="0"/>
+                <a:ea typeface="+mn-ea"/>
+                <a:cs typeface="+mn-cs"/>
+              </a:rPr>
+              <a:t>life, since an adversary may also have personal </a:t>
+            </a:r>
+            <a:r>
+              <a:rPr lang="en-US" sz="1200" b="0" i="0" u="none" strike="noStrike" kern="1200" baseline="0" dirty="0" err="1">
+                <a:solidFill>
+                  <a:schemeClr val="tx1"/>
+                </a:solidFill>
+                <a:latin typeface="Arial" charset="0"/>
+                <a:ea typeface="+mn-ea"/>
+                <a:cs typeface="+mn-cs"/>
+              </a:rPr>
+              <a:t>knowl</a:t>
+            </a:r>
+            <a:r>
+              <a:rPr lang="en-US" sz="1200" b="0" i="0" u="none" strike="noStrike" kern="1200" baseline="0" dirty="0">
+                <a:solidFill>
+                  <a:schemeClr val="tx1"/>
+                </a:solidFill>
+                <a:latin typeface="Arial" charset="0"/>
+                <a:ea typeface="+mn-ea"/>
+                <a:cs typeface="+mn-cs"/>
+              </a:rPr>
+              <a:t>-</a:t>
+            </a:r>
+          </a:p>
+          <a:p>
+            <a:r>
+              <a:rPr lang="en-US" sz="1200" b="0" i="0" u="none" strike="noStrike" kern="1200" baseline="0" dirty="0">
+                <a:solidFill>
+                  <a:schemeClr val="tx1"/>
+                </a:solidFill>
+                <a:latin typeface="Arial" charset="0"/>
+                <a:ea typeface="+mn-ea"/>
+                <a:cs typeface="+mn-cs"/>
+              </a:rPr>
+              <a:t>edge of the target of interest. It is in fact quite likely</a:t>
+            </a:r>
+          </a:p>
+          <a:p>
+            <a:r>
+              <a:rPr lang="en-US" sz="1200" b="0" i="0" u="none" strike="noStrike" kern="1200" baseline="0" dirty="0">
+                <a:solidFill>
+                  <a:schemeClr val="tx1"/>
+                </a:solidFill>
+                <a:latin typeface="Arial" charset="0"/>
+                <a:ea typeface="+mn-ea"/>
+                <a:cs typeface="+mn-cs"/>
+              </a:rPr>
+              <a:t>that an adversary who is acquainted with a target of</a:t>
+            </a:r>
+          </a:p>
+          <a:p>
+            <a:r>
+              <a:rPr lang="en-US" sz="1200" b="0" i="0" u="none" strike="noStrike" kern="1200" baseline="0" dirty="0">
+                <a:solidFill>
+                  <a:schemeClr val="tx1"/>
+                </a:solidFill>
+                <a:latin typeface="Arial" charset="0"/>
+                <a:ea typeface="+mn-ea"/>
+                <a:cs typeface="+mn-cs"/>
+              </a:rPr>
+              <a:t>interest knows much more than is available from public</a:t>
+            </a:r>
+          </a:p>
+          <a:p>
+            <a:r>
+              <a:rPr lang="de-DE" sz="1200" b="0" i="0" u="none" strike="noStrike" kern="1200" baseline="0" dirty="0" err="1">
+                <a:solidFill>
+                  <a:schemeClr val="tx1"/>
+                </a:solidFill>
+                <a:latin typeface="Arial" charset="0"/>
+                <a:ea typeface="+mn-ea"/>
+                <a:cs typeface="+mn-cs"/>
+              </a:rPr>
+              <a:t>information</a:t>
+            </a:r>
+            <a:r>
+              <a:rPr lang="de-DE" sz="1200" b="0" i="0" u="none" strike="noStrike" kern="1200" baseline="0">
+                <a:solidFill>
+                  <a:schemeClr val="tx1"/>
+                </a:solidFill>
+                <a:latin typeface="Arial" charset="0"/>
+                <a:ea typeface="+mn-ea"/>
+                <a:cs typeface="+mn-cs"/>
+              </a:rPr>
+              <a:t>.</a:t>
+            </a:r>
+            <a:endParaRPr lang="en-US" sz="1200" b="0" i="0" u="none" strike="noStrike" kern="1200" baseline="0" dirty="0">
+              <a:solidFill>
+                <a:schemeClr val="tx1"/>
+              </a:solidFill>
+              <a:latin typeface="Arial" charset="0"/>
+              <a:ea typeface="+mn-ea"/>
+              <a:cs typeface="+mn-cs"/>
+            </a:endParaRPr>
+          </a:p>
+          <a:p>
+            <a:endParaRPr lang="en-US" sz="1200" b="0" i="0" u="none" strike="noStrike" kern="1200" baseline="0" dirty="0">
+              <a:solidFill>
+                <a:schemeClr val="tx1"/>
+              </a:solidFill>
+              <a:latin typeface="Arial" charset="0"/>
+              <a:ea typeface="+mn-ea"/>
+              <a:cs typeface="+mn-cs"/>
+            </a:endParaRPr>
+          </a:p>
+          <a:p>
+            <a:r>
+              <a:rPr lang="en-US" sz="1200" b="0" i="0" u="none" strike="noStrike" kern="1200" baseline="0" dirty="0">
+                <a:solidFill>
+                  <a:schemeClr val="tx1"/>
+                </a:solidFill>
+                <a:latin typeface="Arial" charset="0"/>
+                <a:ea typeface="+mn-ea"/>
+                <a:cs typeface="+mn-cs"/>
+              </a:rPr>
               <a:t>In any real-life privacy attack, it is unlikely that the attacker would know </a:t>
             </a:r>
             <a:r>
@@ -4444,7 +5350,7 @@
               <a:pPr>
                 <a:defRPr/>
               </a:pPr>
-              <a:t>22</a:t>
+              <a:t>21</a:t>
             </a:fld>
             <a:endParaRPr lang="de-DE" dirty="0"/>
           </a:p>
@@ -7624,12 +8530,6 @@
           </a:p>
           <a:p>
             <a:r>
-              <a:rPr lang="de-DE" dirty="0"/>
-              <a:t>NP – Hard</a:t>
-            </a:r>
-          </a:p>
-          <a:p>
-            <a:r>
               <a:rPr lang="de-DE" dirty="0" err="1"/>
               <a:t>Heuristic</a:t>
             </a:r>
@@ -7650,6 +8550,12 @@
               <a:t>Metrics</a:t>
             </a:r>
             <a:endParaRPr lang="de-DE" dirty="0"/>
+          </a:p>
+          <a:p>
+            <a:r>
+              <a:rPr lang="de-DE" dirty="0"/>
+              <a:t>NP-Hard</a:t>
+            </a:r>
           </a:p>
           <a:p>
             <a:endParaRPr lang="de-DE" dirty="0"/>
@@ -7841,7 +8747,7 @@
         </p:blipFill>
         <p:spPr>
           <a:xfrm>
-            <a:off x="6261125" y="2323014"/>
+            <a:off x="5004048" y="3570859"/>
             <a:ext cx="2066032" cy="2556971"/>
           </a:xfrm>
           <a:prstGeom prst="rect">
@@ -8136,7 +9042,7 @@
         </p:blipFill>
         <p:spPr>
           <a:xfrm>
-            <a:off x="5004048" y="4114544"/>
+            <a:off x="5023032" y="3976432"/>
             <a:ext cx="2990850" cy="1762125"/>
           </a:xfrm>
           <a:prstGeom prst="rect">
@@ -8158,7 +9064,7 @@
         </p:nvSpPr>
         <p:spPr>
           <a:xfrm>
-            <a:off x="2935077" y="5920607"/>
+            <a:off x="2935077" y="5826779"/>
             <a:ext cx="7128792" cy="369332"/>
           </a:xfrm>
           <a:prstGeom prst="rect">
@@ -8989,7 +9895,13 @@
       </p:grpSpPr>
       <p:sp>
         <p:nvSpPr>
-          <p:cNvPr id="2" name="Textplatzhalter 1"/>
+          <p:cNvPr id="2" name="Textplatzhalter 1">
+            <a:extLst>
+              <a:ext uri="{FF2B5EF4-FFF2-40B4-BE49-F238E27FC236}">
+                <a16:creationId xmlns:a16="http://schemas.microsoft.com/office/drawing/2014/main" id="{9E03DEC0-5061-441C-8DF0-3B237B07CBC7}"/>
+              </a:ext>
+            </a:extLst>
+          </p:cNvPr>
           <p:cNvSpPr>
             <a:spLocks noGrp="1"/>
           </p:cNvSpPr>
@@ -9001,44 +9913,35 @@
         <p:txBody>
           <a:bodyPr/>
           <a:lstStyle/>
+          <a:p>
+            <a:r>
+              <a:rPr lang="en-US" dirty="0"/>
+              <a:t>1. For each generalization strategy, conduct a binary search</a:t>
+            </a:r>
+          </a:p>
           <a:p>
             <a:pPr marL="0" indent="0">
               <a:buNone/>
             </a:pPr>
             <a:r>
-              <a:rPr lang="de-DE" dirty="0"/>
-              <a:t>Pr0blems </a:t>
-            </a:r>
-            <a:r>
-              <a:rPr lang="de-DE" dirty="0" err="1"/>
-              <a:t>with</a:t>
-            </a:r>
-            <a:r>
-              <a:rPr lang="de-DE" dirty="0"/>
-              <a:t> </a:t>
-            </a:r>
-            <a:r>
-              <a:rPr lang="de-DE" dirty="0" err="1"/>
-              <a:t>the</a:t>
-            </a:r>
-            <a:r>
-              <a:rPr lang="de-DE" dirty="0"/>
-              <a:t> </a:t>
-            </a:r>
-            <a:r>
-              <a:rPr lang="de-DE" dirty="0" err="1"/>
-              <a:t>Metrics</a:t>
-            </a:r>
-            <a:r>
-              <a:rPr lang="de-DE" dirty="0"/>
-              <a:t>:</a:t>
+              <a:rPr lang="en-US" dirty="0"/>
+              <a:t>to find all the k-anonymous nodes.</a:t>
+            </a:r>
+          </a:p>
+          <a:p>
+            <a:r>
+              <a:rPr lang="en-US" dirty="0"/>
+              <a:t>2. For each generalization strategy with k-anonymous</a:t>
             </a:r>
           </a:p>
           <a:p>
             <a:pPr marL="0" indent="0">
               <a:buNone/>
             </a:pPr>
-            <a:endParaRPr lang="de-DE" dirty="0"/>
+            <a:r>
+              <a:rPr lang="en-US" dirty="0"/>
+              <a:t>nodes, only the k-anonymous node with the lowest</a:t>
+            </a:r>
           </a:p>
           <a:p>
             <a:pPr marL="0" indent="0">
@@ -9046,7 +9949,7 @@
             </a:pPr>
             <a:r>
               <a:rPr lang="en-US" dirty="0"/>
-              <a:t>The concept behind DM has been criticized because DM</a:t>
+              <a:t>height within the strategy is retained. For example, in</a:t>
             </a:r>
           </a:p>
           <a:p>
@@ -9055,36 +9958,105 @@
             </a:pPr>
             <a:r>
               <a:rPr lang="en-US" dirty="0"/>
-              <a:t>does not measure how much the generalized records approximate</a:t>
-            </a:r>
-            <a:r>
-              <a:rPr lang="de-DE" dirty="0" err="1"/>
-              <a:t>the</a:t>
-            </a:r>
-            <a:r>
-              <a:rPr lang="de-DE" dirty="0"/>
-              <a:t> original </a:t>
-            </a:r>
-            <a:r>
-              <a:rPr lang="de-DE" dirty="0" err="1"/>
-              <a:t>records</a:t>
-            </a:r>
-            <a:r>
-              <a:rPr lang="de-DE" dirty="0"/>
-              <a:t>.</a:t>
+              <a:t>Figure 2 both nodes d0, g1, a1 and d0, g1, a2 are</a:t>
             </a:r>
           </a:p>
           <a:p>
             <a:pPr marL="0" indent="0">
               <a:buNone/>
             </a:pPr>
+            <a:r>
+              <a:rPr lang="en-US" dirty="0"/>
+              <a:t>k-anonymous, but they are both part of the same generalization strategy and d0, g1, a1 is below d0, g1, a2</a:t>
+            </a:r>
+          </a:p>
+          <a:p>
+            <a:pPr marL="0" indent="0">
+              <a:buNone/>
+            </a:pPr>
+            <a:r>
+              <a:rPr lang="en-US" dirty="0"/>
+              <a:t>in the lattice. This means that d0, g1, a1 will have less information loss on all the three metrics we considered. The node d0, g1, a1 is called a </a:t>
+            </a:r>
+            <a:r>
+              <a:rPr lang="en-US" i="1" dirty="0"/>
+              <a:t>k</a:t>
+            </a:r>
+            <a:r>
+              <a:rPr lang="en-US" dirty="0"/>
+              <a:t>-</a:t>
+            </a:r>
+            <a:r>
+              <a:rPr lang="en-US" i="1" dirty="0"/>
+              <a:t>minimal node</a:t>
+            </a:r>
+            <a:r>
+              <a:rPr lang="en-US" dirty="0"/>
+              <a:t>. </a:t>
+            </a:r>
+          </a:p>
+          <a:p>
+            <a:r>
+              <a:rPr lang="en-US" dirty="0"/>
+              <a:t>3. Now that we have the k-minimal nodes, these are compared n terms of their information loss and the node </a:t>
+            </a:r>
+            <a:r>
+              <a:rPr lang="en-US" dirty="0" err="1"/>
+              <a:t>withthe</a:t>
+            </a:r>
+            <a:r>
+              <a:rPr lang="en-US" dirty="0"/>
+              <a:t> smallest information loss is selected as the globally</a:t>
+            </a:r>
+          </a:p>
+          <a:p>
+            <a:pPr marL="0" indent="0">
+              <a:buNone/>
+            </a:pPr>
+            <a:r>
+              <a:rPr lang="en-US" dirty="0"/>
+              <a:t>optimal solution. Because of the monotonicity property,</a:t>
+            </a:r>
+          </a:p>
+          <a:p>
+            <a:pPr marL="0" indent="0">
+              <a:buNone/>
+            </a:pPr>
+            <a:r>
+              <a:rPr lang="en-US" dirty="0"/>
+              <a:t>the k-minimal node with the smallest information loss</a:t>
+            </a:r>
+          </a:p>
+          <a:p>
+            <a:pPr marL="0" indent="0">
+              <a:buNone/>
+            </a:pPr>
+            <a:r>
+              <a:rPr lang="en-US" dirty="0"/>
+              <a:t>must also have the smallest information loss among all</a:t>
+            </a:r>
+          </a:p>
+          <a:p>
+            <a:pPr marL="0" indent="0">
+              <a:buNone/>
+            </a:pPr>
+            <a:r>
+              <a:rPr lang="en-US" dirty="0"/>
+              <a:t>k-anonymous nodes in the lattice.</a:t>
+            </a:r>
             <a:endParaRPr lang="de-DE" dirty="0"/>
           </a:p>
         </p:txBody>
       </p:sp>
       <p:sp>
         <p:nvSpPr>
-          <p:cNvPr id="3" name="Datumsplatzhalter 2"/>
+          <p:cNvPr id="3" name="Datumsplatzhalter 2">
+            <a:extLst>
+              <a:ext uri="{FF2B5EF4-FFF2-40B4-BE49-F238E27FC236}">
+                <a16:creationId xmlns:a16="http://schemas.microsoft.com/office/drawing/2014/main" id="{20F69655-C41F-4F52-850B-8FF301499162}"/>
+              </a:ext>
+            </a:extLst>
+          </p:cNvPr>
           <p:cNvSpPr>
             <a:spLocks noGrp="1"/>
           </p:cNvSpPr>
@@ -9107,7 +10079,13 @@
       </p:sp>
       <p:sp>
         <p:nvSpPr>
-          <p:cNvPr id="4" name="Fußzeilenplatzhalter 3"/>
+          <p:cNvPr id="4" name="Fußzeilenplatzhalter 3">
+            <a:extLst>
+              <a:ext uri="{FF2B5EF4-FFF2-40B4-BE49-F238E27FC236}">
+                <a16:creationId xmlns:a16="http://schemas.microsoft.com/office/drawing/2014/main" id="{E318F325-191B-4FA6-BB68-C4AE2C79A1B0}"/>
+              </a:ext>
+            </a:extLst>
+          </p:cNvPr>
           <p:cNvSpPr>
             <a:spLocks noGrp="1"/>
           </p:cNvSpPr>
@@ -9130,7 +10108,13 @@
       </p:sp>
       <p:sp>
         <p:nvSpPr>
-          <p:cNvPr id="5" name="Foliennummernplatzhalter 4"/>
+          <p:cNvPr id="5" name="Foliennummernplatzhalter 4">
+            <a:extLst>
+              <a:ext uri="{FF2B5EF4-FFF2-40B4-BE49-F238E27FC236}">
+                <a16:creationId xmlns:a16="http://schemas.microsoft.com/office/drawing/2014/main" id="{52F8785A-79E1-4080-B4F8-22842F4A41C1}"/>
+              </a:ext>
+            </a:extLst>
+          </p:cNvPr>
           <p:cNvSpPr>
             <a:spLocks noGrp="1"/>
           </p:cNvSpPr>
@@ -9154,7 +10138,13 @@
       </p:sp>
       <p:sp>
         <p:nvSpPr>
-          <p:cNvPr id="6" name="Titel 5"/>
+          <p:cNvPr id="6" name="Titel 5">
+            <a:extLst>
+              <a:ext uri="{FF2B5EF4-FFF2-40B4-BE49-F238E27FC236}">
+                <a16:creationId xmlns:a16="http://schemas.microsoft.com/office/drawing/2014/main" id="{5BF2ED19-DF37-4BFA-8093-53DD74C853D2}"/>
+              </a:ext>
+            </a:extLst>
+          </p:cNvPr>
           <p:cNvSpPr>
             <a:spLocks noGrp="1"/>
           </p:cNvSpPr>
@@ -9168,20 +10158,12 @@
           <a:lstStyle/>
           <a:p>
             <a:r>
-              <a:rPr lang="de-DE" dirty="0"/>
-              <a:t>K-</a:t>
-            </a:r>
-            <a:r>
-              <a:rPr lang="de-DE" dirty="0" err="1"/>
-              <a:t>Anonymity</a:t>
-            </a:r>
-            <a:r>
-              <a:rPr lang="de-DE" dirty="0"/>
-              <a:t> - Information Loss </a:t>
-            </a:r>
-            <a:r>
-              <a:rPr lang="de-DE" dirty="0" err="1"/>
-              <a:t>Metric</a:t>
+              <a:rPr lang="de-DE" b="1" dirty="0"/>
+              <a:t>The OLA </a:t>
+            </a:r>
+            <a:r>
+              <a:rPr lang="de-DE" b="1" dirty="0" err="1"/>
+              <a:t>Algorithm</a:t>
             </a:r>
             <a:endParaRPr lang="de-DE" dirty="0"/>
           </a:p>
@@ -9190,7 +10172,7 @@
     </p:spTree>
     <p:extLst>
       <p:ext uri="{BB962C8B-B14F-4D97-AF65-F5344CB8AC3E}">
-        <p14:creationId xmlns:p14="http://schemas.microsoft.com/office/powerpoint/2010/main" val="2440021591"/>
+        <p14:creationId xmlns:p14="http://schemas.microsoft.com/office/powerpoint/2010/main" val="323886793"/>
       </p:ext>
     </p:extLst>
   </p:cSld>
@@ -9219,10 +10201,10 @@
       </p:grpSpPr>
       <p:sp>
         <p:nvSpPr>
-          <p:cNvPr id="2" name="Textplatzhalter 1">
+          <p:cNvPr id="2" name="Titel 1">
             <a:extLst>
               <a:ext uri="{FF2B5EF4-FFF2-40B4-BE49-F238E27FC236}">
-                <a16:creationId xmlns:a16="http://schemas.microsoft.com/office/drawing/2014/main" id="{9E03DEC0-5061-441C-8DF0-3B237B07CBC7}"/>
+                <a16:creationId xmlns:a16="http://schemas.microsoft.com/office/drawing/2014/main" id="{F630762F-ADDB-483B-8B3B-603DD9617461}"/>
               </a:ext>
             </a:extLst>
           </p:cNvPr>
@@ -9230,6 +10212,96 @@
             <a:spLocks noGrp="1"/>
           </p:cNvSpPr>
           <p:nvPr>
+            <p:ph type="title"/>
+          </p:nvPr>
+        </p:nvSpPr>
+        <p:spPr/>
+        <p:txBody>
+          <a:bodyPr/>
+          <a:lstStyle/>
+          <a:p>
+            <a:r>
+              <a:rPr lang="de-DE" sz="2400" b="1" dirty="0"/>
+              <a:t>6. Datatyp - Moving Object Data</a:t>
+            </a:r>
+            <a:endParaRPr lang="de-DE" sz="2400" dirty="0"/>
+          </a:p>
+        </p:txBody>
+      </p:sp>
+      <p:sp>
+        <p:nvSpPr>
+          <p:cNvPr id="3" name="Datumsplatzhalter 2">
+            <a:extLst>
+              <a:ext uri="{FF2B5EF4-FFF2-40B4-BE49-F238E27FC236}">
+                <a16:creationId xmlns:a16="http://schemas.microsoft.com/office/drawing/2014/main" id="{98E37A1D-373E-4CB5-8A00-E4420DD981F5}"/>
+              </a:ext>
+            </a:extLst>
+          </p:cNvPr>
+          <p:cNvSpPr>
+            <a:spLocks noGrp="1"/>
+          </p:cNvSpPr>
+          <p:nvPr>
+            <p:ph type="dt" sz="half" idx="4294967295"/>
+          </p:nvPr>
+        </p:nvSpPr>
+        <p:spPr>
+          <a:xfrm>
+            <a:off x="1331913" y="6208713"/>
+            <a:ext cx="1296987" cy="476250"/>
+          </a:xfrm>
+        </p:spPr>
+        <p:txBody>
+          <a:bodyPr/>
+          <a:lstStyle/>
+          <a:p>
+            <a:r>
+              <a:rPr lang="de-DE" dirty="0"/>
+              <a:t>30.01.2017</a:t>
+            </a:r>
+          </a:p>
+        </p:txBody>
+      </p:sp>
+      <p:sp>
+        <p:nvSpPr>
+          <p:cNvPr id="4" name="Fußzeilenplatzhalter 3">
+            <a:extLst>
+              <a:ext uri="{FF2B5EF4-FFF2-40B4-BE49-F238E27FC236}">
+                <a16:creationId xmlns:a16="http://schemas.microsoft.com/office/drawing/2014/main" id="{7718522C-A894-49C9-A4F0-5E1DFA7741F2}"/>
+              </a:ext>
+            </a:extLst>
+          </p:cNvPr>
+          <p:cNvSpPr>
+            <a:spLocks noGrp="1"/>
+          </p:cNvSpPr>
+          <p:nvPr>
+            <p:ph type="ftr" sz="quarter" idx="11"/>
+          </p:nvPr>
+        </p:nvSpPr>
+        <p:spPr/>
+        <p:txBody>
+          <a:bodyPr/>
+          <a:lstStyle/>
+          <a:p>
+            <a:r>
+              <a:rPr lang="de-DE" dirty="0"/>
+              <a:t>Andreas Wiegand &amp; Ludwig Schallner</a:t>
+            </a:r>
+          </a:p>
+        </p:txBody>
+      </p:sp>
+      <p:sp>
+        <p:nvSpPr>
+          <p:cNvPr id="5" name="Textplatzhalter 4">
+            <a:extLst>
+              <a:ext uri="{FF2B5EF4-FFF2-40B4-BE49-F238E27FC236}">
+                <a16:creationId xmlns:a16="http://schemas.microsoft.com/office/drawing/2014/main" id="{87651521-0381-4223-BDE6-C2A67D608413}"/>
+              </a:ext>
+            </a:extLst>
+          </p:cNvPr>
+          <p:cNvSpPr>
+            <a:spLocks noGrp="1"/>
+          </p:cNvSpPr>
+          <p:nvPr>
             <p:ph type="body" sz="quarter" idx="13"/>
           </p:nvPr>
         </p:nvSpPr>
@@ -9239,68 +10311,22 @@
           <a:lstStyle/>
           <a:p>
             <a:r>
+              <a:rPr lang="de-DE" dirty="0"/>
+              <a:t>Location-</a:t>
+            </a:r>
+            <a:r>
+              <a:rPr lang="de-DE" dirty="0" err="1"/>
+              <a:t>based</a:t>
+            </a:r>
+            <a:r>
+              <a:rPr lang="de-DE" dirty="0"/>
+              <a:t> services (LBS)</a:t>
+            </a:r>
+          </a:p>
+          <a:p>
+            <a:r>
               <a:rPr lang="en-US" dirty="0"/>
-              <a:t>1. For each generalization strategy, conduct a binary search</a:t>
-            </a:r>
-          </a:p>
-          <a:p>
-            <a:pPr marL="0" indent="0">
-              <a:buNone/>
-            </a:pPr>
-            <a:r>
-              <a:rPr lang="en-US" dirty="0"/>
-              <a:t>to find all the k-anonymous nodes.</a:t>
-            </a:r>
-          </a:p>
-          <a:p>
-            <a:r>
-              <a:rPr lang="en-US" dirty="0"/>
-              <a:t>2. For each generalization strategy with k-anonymous</a:t>
-            </a:r>
-          </a:p>
-          <a:p>
-            <a:pPr marL="0" indent="0">
-              <a:buNone/>
-            </a:pPr>
-            <a:r>
-              <a:rPr lang="en-US" dirty="0"/>
-              <a:t>nodes, only the k-anonymous node with the lowest</a:t>
-            </a:r>
-          </a:p>
-          <a:p>
-            <a:pPr marL="0" indent="0">
-              <a:buNone/>
-            </a:pPr>
-            <a:r>
-              <a:rPr lang="en-US" dirty="0"/>
-              <a:t>height within the strategy is retained. For example, in</a:t>
-            </a:r>
-          </a:p>
-          <a:p>
-            <a:pPr marL="0" indent="0">
-              <a:buNone/>
-            </a:pPr>
-            <a:r>
-              <a:rPr lang="en-US" dirty="0"/>
-              <a:t>Figure 2 both nodes d0, g1, a1 and d0, g1, a2 are</a:t>
-            </a:r>
-          </a:p>
-          <a:p>
-            <a:pPr marL="0" indent="0">
-              <a:buNone/>
-            </a:pPr>
-            <a:r>
-              <a:rPr lang="en-US" dirty="0"/>
-              <a:t>k-anonymous, but they are both part of the same generalization strategy and d0, g1, a1 is below d0, g1, a2</a:t>
-            </a:r>
-          </a:p>
-          <a:p>
-            <a:pPr marL="0" indent="0">
-              <a:buNone/>
-            </a:pPr>
-            <a:r>
-              <a:rPr lang="en-US" dirty="0"/>
-              <a:t>in the lattice. This means that d0, g1, a1 will have less information loss on all the three metrics we considered. The node d0, g1, a1 is called a </a:t>
+              <a:t>In the context of LBSs and mobile users, location </a:t>
             </a:r>
             <a:r>
               <a:rPr lang="en-US" i="1" dirty="0"/>
@@ -9308,76 +10334,115 @@
             </a:r>
             <a:r>
               <a:rPr lang="en-US" dirty="0"/>
-              <a:t>-</a:t>
+              <a:t>-anonymity demands that location information contained in a message sent from a mobile user to a LBS should be indistinguishable from at least </a:t>
             </a:r>
             <a:r>
               <a:rPr lang="en-US" i="1" dirty="0"/>
-              <a:t>minimal node</a:t>
+              <a:t>k−</a:t>
             </a:r>
             <a:r>
               <a:rPr lang="en-US" dirty="0"/>
-              <a:t>. </a:t>
-            </a:r>
-          </a:p>
-          <a:p>
+              <a:t>1 other messages from different mobile nodes</a:t>
+            </a:r>
+          </a:p>
+          <a:p>
+            <a:r>
+              <a:rPr lang="de-DE" i="1" dirty="0"/>
+              <a:t>Location </a:t>
+            </a:r>
+            <a:r>
+              <a:rPr lang="de-DE" i="1" dirty="0" err="1"/>
+              <a:t>can</a:t>
+            </a:r>
+            <a:r>
+              <a:rPr lang="de-DE" i="1" dirty="0"/>
+              <a:t> </a:t>
+            </a:r>
+            <a:r>
+              <a:rPr lang="de-DE" i="1" dirty="0" err="1"/>
+              <a:t>be</a:t>
+            </a:r>
+            <a:r>
+              <a:rPr lang="de-DE" i="1" dirty="0"/>
+              <a:t> a quasi – </a:t>
+            </a:r>
+            <a:r>
+              <a:rPr lang="de-DE" i="1" dirty="0" err="1"/>
+              <a:t>Idendifier</a:t>
+            </a:r>
+            <a:r>
+              <a:rPr lang="de-DE" i="1" dirty="0"/>
+              <a:t> </a:t>
+            </a:r>
+            <a:endParaRPr lang="de-DE" dirty="0"/>
+          </a:p>
+          <a:p>
+            <a:r>
+              <a:rPr lang="en-US" i="1" dirty="0"/>
+              <a:t>Attacks Restricted Space Identification </a:t>
+            </a:r>
             <a:r>
               <a:rPr lang="en-US" dirty="0"/>
-              <a:t>3. Now that we have the k-minimal nodes, these are compared n terms of their information loss and the node </a:t>
-            </a:r>
-            <a:r>
-              <a:rPr lang="en-US" dirty="0" err="1"/>
-              <a:t>withthe</a:t>
-            </a:r>
-            <a:r>
-              <a:rPr lang="en-US" dirty="0"/>
-              <a:t> smallest information loss is selected as the globally</a:t>
-            </a:r>
-          </a:p>
-          <a:p>
-            <a:pPr marL="0" indent="0">
-              <a:buNone/>
-            </a:pPr>
-            <a:r>
-              <a:rPr lang="en-US" dirty="0"/>
-              <a:t>optimal solution. Because of the monotonicity property,</a:t>
-            </a:r>
-          </a:p>
-          <a:p>
-            <a:pPr marL="0" indent="0">
-              <a:buNone/>
-            </a:pPr>
-            <a:r>
-              <a:rPr lang="en-US" dirty="0"/>
-              <a:t>the k-minimal node with the smallest information loss</a:t>
-            </a:r>
-          </a:p>
-          <a:p>
-            <a:pPr marL="0" indent="0">
-              <a:buNone/>
-            </a:pPr>
-            <a:r>
-              <a:rPr lang="en-US" dirty="0"/>
-              <a:t>must also have the smallest information loss among all</a:t>
-            </a:r>
-          </a:p>
-          <a:p>
-            <a:pPr marL="0" indent="0">
-              <a:buNone/>
-            </a:pPr>
-            <a:r>
-              <a:rPr lang="en-US" dirty="0"/>
-              <a:t>k-anonymous nodes in the lattice.</a:t>
-            </a:r>
-            <a:endParaRPr lang="de-DE" dirty="0"/>
-          </a:p>
-        </p:txBody>
-      </p:sp>
-      <p:sp>
-        <p:nvSpPr>
-          <p:cNvPr id="3" name="Datumsplatzhalter 2">
+              <a:t>and </a:t>
+            </a:r>
+            <a:r>
+              <a:rPr lang="en-US" i="1" dirty="0"/>
+              <a:t>Observation </a:t>
+            </a:r>
+            <a:r>
+              <a:rPr lang="de-DE" i="1" dirty="0" err="1"/>
+              <a:t>Identification</a:t>
+            </a:r>
+            <a:r>
+              <a:rPr lang="de-DE" dirty="0"/>
+              <a:t>.</a:t>
+            </a:r>
+          </a:p>
+          <a:p>
+            <a:r>
+              <a:rPr lang="de-DE" i="1" dirty="0" err="1"/>
+              <a:t>Spatial</a:t>
+            </a:r>
+            <a:r>
+              <a:rPr lang="de-DE" i="1" dirty="0"/>
+              <a:t> </a:t>
+            </a:r>
+            <a:r>
+              <a:rPr lang="de-DE" i="1" dirty="0" err="1"/>
+              <a:t>cloaking</a:t>
+            </a:r>
+            <a:r>
+              <a:rPr lang="de-DE" i="1" dirty="0"/>
+              <a:t> and temporal </a:t>
+            </a:r>
+            <a:r>
+              <a:rPr lang="de-DE" i="1" dirty="0" err="1"/>
+              <a:t>cloaking</a:t>
+            </a:r>
+            <a:endParaRPr lang="de-DE" i="1" dirty="0"/>
+          </a:p>
+          <a:p>
+            <a:r>
+              <a:rPr lang="de-DE" i="1" dirty="0"/>
+              <a:t>Usability and </a:t>
+            </a:r>
+            <a:r>
+              <a:rPr lang="de-DE" i="1" dirty="0" err="1"/>
+              <a:t>anonymity</a:t>
+            </a:r>
+            <a:r>
+              <a:rPr lang="de-DE" i="1" dirty="0"/>
+              <a:t> </a:t>
+            </a:r>
+          </a:p>
+        </p:txBody>
+      </p:sp>
+      <p:sp>
+        <p:nvSpPr>
+          <p:cNvPr id="6" name="Foliennummernplatzhalter 5">
             <a:extLst>
               <a:ext uri="{FF2B5EF4-FFF2-40B4-BE49-F238E27FC236}">
-                <a16:creationId xmlns:a16="http://schemas.microsoft.com/office/drawing/2014/main" id="{20F69655-C41F-4F52-850B-8FF301499162}"/>
+                <a16:creationId xmlns:a16="http://schemas.microsoft.com/office/drawing/2014/main" id="{8667CAC0-ED65-461E-B9D6-E014713A72F4}"/>
               </a:ext>
             </a:extLst>
           </p:cNvPr>
@@ -9385,65 +10450,7 @@
             <a:spLocks noGrp="1"/>
           </p:cNvSpPr>
           <p:nvPr>
-            <p:ph type="dt" sz="half" idx="14"/>
-          </p:nvPr>
-        </p:nvSpPr>
-        <p:spPr/>
-        <p:txBody>
-          <a:bodyPr/>
-          <a:lstStyle/>
-          <a:p>
-            <a:r>
-              <a:rPr lang="de-DE"/>
-              <a:t>30.01.2018</a:t>
-            </a:r>
-            <a:endParaRPr lang="de-DE" dirty="0"/>
-          </a:p>
-        </p:txBody>
-      </p:sp>
-      <p:sp>
-        <p:nvSpPr>
-          <p:cNvPr id="4" name="Fußzeilenplatzhalter 3">
-            <a:extLst>
-              <a:ext uri="{FF2B5EF4-FFF2-40B4-BE49-F238E27FC236}">
-                <a16:creationId xmlns:a16="http://schemas.microsoft.com/office/drawing/2014/main" id="{E318F325-191B-4FA6-BB68-C4AE2C79A1B0}"/>
-              </a:ext>
-            </a:extLst>
-          </p:cNvPr>
-          <p:cNvSpPr>
-            <a:spLocks noGrp="1"/>
-          </p:cNvSpPr>
-          <p:nvPr>
-            <p:ph type="ftr" sz="quarter" idx="15"/>
-          </p:nvPr>
-        </p:nvSpPr>
-        <p:spPr/>
-        <p:txBody>
-          <a:bodyPr/>
-          <a:lstStyle/>
-          <a:p>
-            <a:r>
-              <a:rPr lang="de-DE"/>
-              <a:t>Schallner Ludwig, Wiegnand Andreas</a:t>
-            </a:r>
-            <a:endParaRPr lang="de-DE" dirty="0"/>
-          </a:p>
-        </p:txBody>
-      </p:sp>
-      <p:sp>
-        <p:nvSpPr>
-          <p:cNvPr id="5" name="Foliennummernplatzhalter 4">
-            <a:extLst>
-              <a:ext uri="{FF2B5EF4-FFF2-40B4-BE49-F238E27FC236}">
-                <a16:creationId xmlns:a16="http://schemas.microsoft.com/office/drawing/2014/main" id="{52F8785A-79E1-4080-B4F8-22842F4A41C1}"/>
-              </a:ext>
-            </a:extLst>
-          </p:cNvPr>
-          <p:cNvSpPr>
-            <a:spLocks noGrp="1"/>
-          </p:cNvSpPr>
-          <p:nvPr>
-            <p:ph type="sldNum" sz="quarter" idx="16"/>
+            <p:ph type="sldNum" sz="quarter" idx="12"/>
           </p:nvPr>
         </p:nvSpPr>
         <p:spPr/>
@@ -9456,39 +10463,6 @@
               <a:pPr/>
               <a:t>19</a:t>
             </a:fld>
-            <a:endParaRPr lang="de-DE"/>
-          </a:p>
-        </p:txBody>
-      </p:sp>
-      <p:sp>
-        <p:nvSpPr>
-          <p:cNvPr id="6" name="Titel 5">
-            <a:extLst>
-              <a:ext uri="{FF2B5EF4-FFF2-40B4-BE49-F238E27FC236}">
-                <a16:creationId xmlns:a16="http://schemas.microsoft.com/office/drawing/2014/main" id="{5BF2ED19-DF37-4BFA-8093-53DD74C853D2}"/>
-              </a:ext>
-            </a:extLst>
-          </p:cNvPr>
-          <p:cNvSpPr>
-            <a:spLocks noGrp="1"/>
-          </p:cNvSpPr>
-          <p:nvPr>
-            <p:ph type="title"/>
-          </p:nvPr>
-        </p:nvSpPr>
-        <p:spPr/>
-        <p:txBody>
-          <a:bodyPr/>
-          <a:lstStyle/>
-          <a:p>
-            <a:r>
-              <a:rPr lang="de-DE" b="1" dirty="0"/>
-              <a:t>The OLA </a:t>
-            </a:r>
-            <a:r>
-              <a:rPr lang="de-DE" b="1" dirty="0" err="1"/>
-              <a:t>Algorithm</a:t>
-            </a:r>
             <a:endParaRPr lang="de-DE" dirty="0"/>
           </a:p>
         </p:txBody>
@@ -9496,7 +10470,7 @@
     </p:spTree>
     <p:extLst>
       <p:ext uri="{BB962C8B-B14F-4D97-AF65-F5344CB8AC3E}">
-        <p14:creationId xmlns:p14="http://schemas.microsoft.com/office/powerpoint/2010/main" val="323886793"/>
+        <p14:creationId xmlns:p14="http://schemas.microsoft.com/office/powerpoint/2010/main" val="3579114951"/>
       </p:ext>
     </p:extLst>
   </p:cSld>
@@ -9787,65 +10761,62 @@
           <a:chExt cx="0" cy="0"/>
         </a:xfrm>
       </p:grpSpPr>
-      <p:sp>
-        <p:nvSpPr>
-          <p:cNvPr id="2" name="Titel 1">
+      <p:pic>
+        <p:nvPicPr>
+          <p:cNvPr id="7" name="Grafik 6">
             <a:extLst>
               <a:ext uri="{FF2B5EF4-FFF2-40B4-BE49-F238E27FC236}">
-                <a16:creationId xmlns:a16="http://schemas.microsoft.com/office/drawing/2014/main" id="{F630762F-ADDB-483B-8B3B-603DD9617461}"/>
+                <a16:creationId xmlns:a16="http://schemas.microsoft.com/office/drawing/2014/main" id="{BF68ED47-9503-4321-A9F3-FE450D7996DE}"/>
               </a:ext>
             </a:extLst>
           </p:cNvPr>
-          <p:cNvSpPr>
-            <a:spLocks noGrp="1"/>
-          </p:cNvSpPr>
-          <p:nvPr>
-            <p:ph type="title"/>
-          </p:nvPr>
-        </p:nvSpPr>
-        <p:spPr/>
-        <p:txBody>
-          <a:bodyPr/>
-          <a:lstStyle/>
-          <a:p>
-            <a:r>
-              <a:rPr lang="de-DE" sz="2400" b="1" dirty="0"/>
-              <a:t>6. Datatyp - Moving Object Data</a:t>
-            </a:r>
-            <a:endParaRPr lang="de-DE" sz="2400" dirty="0"/>
-          </a:p>
-        </p:txBody>
-      </p:sp>
-      <p:sp>
-        <p:nvSpPr>
-          <p:cNvPr id="3" name="Datumsplatzhalter 2">
-            <a:extLst>
-              <a:ext uri="{FF2B5EF4-FFF2-40B4-BE49-F238E27FC236}">
-                <a16:creationId xmlns:a16="http://schemas.microsoft.com/office/drawing/2014/main" id="{98E37A1D-373E-4CB5-8A00-E4420DD981F5}"/>
-              </a:ext>
-            </a:extLst>
-          </p:cNvPr>
-          <p:cNvSpPr>
-            <a:spLocks noGrp="1"/>
-          </p:cNvSpPr>
-          <p:nvPr>
-            <p:ph type="dt" sz="half" idx="4294967295"/>
-          </p:nvPr>
-        </p:nvSpPr>
+          <p:cNvPicPr>
+            <a:picLocks noChangeAspect="1"/>
+          </p:cNvPicPr>
+          <p:nvPr/>
+        </p:nvPicPr>
+        <p:blipFill>
+          <a:blip r:embed="rId3"/>
+          <a:stretch>
+            <a:fillRect/>
+          </a:stretch>
+        </p:blipFill>
         <p:spPr>
           <a:xfrm>
-            <a:off x="1331913" y="6208713"/>
-            <a:ext cx="1296987" cy="476250"/>
+            <a:off x="495376" y="1328217"/>
+            <a:ext cx="3932607" cy="4519793"/>
           </a:xfrm>
+          <a:prstGeom prst="rect">
+            <a:avLst/>
+          </a:prstGeom>
         </p:spPr>
+      </p:pic>
+      <p:sp>
+        <p:nvSpPr>
+          <p:cNvPr id="3" name="Datumsplatzhalter 2">
+            <a:extLst>
+              <a:ext uri="{FF2B5EF4-FFF2-40B4-BE49-F238E27FC236}">
+                <a16:creationId xmlns:a16="http://schemas.microsoft.com/office/drawing/2014/main" id="{272CF7DA-8265-4E05-841B-FF2EA359C993}"/>
+              </a:ext>
+            </a:extLst>
+          </p:cNvPr>
+          <p:cNvSpPr>
+            <a:spLocks noGrp="1"/>
+          </p:cNvSpPr>
+          <p:nvPr>
+            <p:ph type="dt" sz="half" idx="14"/>
+          </p:nvPr>
+        </p:nvSpPr>
+        <p:spPr/>
         <p:txBody>
           <a:bodyPr/>
           <a:lstStyle/>
           <a:p>
             <a:r>
-              <a:rPr lang="de-DE" dirty="0"/>
-              <a:t>30.01.2017</a:t>
-            </a:r>
+              <a:rPr lang="de-DE"/>
+              <a:t>30.01.2018</a:t>
+            </a:r>
+            <a:endParaRPr lang="de-DE" dirty="0"/>
           </a:p>
         </p:txBody>
       </p:sp>
@@ -9854,7 +10825,7 @@
           <p:cNvPr id="4" name="Fußzeilenplatzhalter 3">
             <a:extLst>
               <a:ext uri="{FF2B5EF4-FFF2-40B4-BE49-F238E27FC236}">
-                <a16:creationId xmlns:a16="http://schemas.microsoft.com/office/drawing/2014/main" id="{7718522C-A894-49C9-A4F0-5E1DFA7741F2}"/>
+                <a16:creationId xmlns:a16="http://schemas.microsoft.com/office/drawing/2014/main" id="{47EDFEC1-C111-4891-A480-1C0060DB9C3F}"/>
               </a:ext>
             </a:extLst>
           </p:cNvPr>
@@ -9862,7 +10833,7 @@
             <a:spLocks noGrp="1"/>
           </p:cNvSpPr>
           <p:nvPr>
-            <p:ph type="ftr" sz="quarter" idx="11"/>
+            <p:ph type="ftr" sz="quarter" idx="15"/>
           </p:nvPr>
         </p:nvSpPr>
         <p:spPr/>
@@ -9871,18 +10842,19 @@
           <a:lstStyle/>
           <a:p>
             <a:r>
-              <a:rPr lang="de-DE" dirty="0"/>
-              <a:t>Andreas Wiegand &amp; Ludwig Schallner</a:t>
-            </a:r>
-          </a:p>
-        </p:txBody>
-      </p:sp>
-      <p:sp>
-        <p:nvSpPr>
-          <p:cNvPr id="5" name="Textplatzhalter 4">
+              <a:rPr lang="de-DE"/>
+              <a:t>Schallner Ludwig, Wiegnand Andreas</a:t>
+            </a:r>
+            <a:endParaRPr lang="de-DE" dirty="0"/>
+          </a:p>
+        </p:txBody>
+      </p:sp>
+      <p:sp>
+        <p:nvSpPr>
+          <p:cNvPr id="5" name="Foliennummernplatzhalter 4">
             <a:extLst>
               <a:ext uri="{FF2B5EF4-FFF2-40B4-BE49-F238E27FC236}">
-                <a16:creationId xmlns:a16="http://schemas.microsoft.com/office/drawing/2014/main" id="{87651521-0381-4223-BDE6-C2A67D608413}"/>
+                <a16:creationId xmlns:a16="http://schemas.microsoft.com/office/drawing/2014/main" id="{451D70D8-D243-4560-ACB7-252048CA3C46}"/>
               </a:ext>
             </a:extLst>
           </p:cNvPr>
@@ -9890,174 +10862,7 @@
             <a:spLocks noGrp="1"/>
           </p:cNvSpPr>
           <p:nvPr>
-            <p:ph type="body" sz="quarter" idx="13"/>
-          </p:nvPr>
-        </p:nvSpPr>
-        <p:spPr/>
-        <p:txBody>
-          <a:bodyPr/>
-          <a:lstStyle/>
-          <a:p>
-            <a:pPr>
-              <a:buFontTx/>
-              <a:buChar char="-"/>
-            </a:pPr>
-            <a:r>
-              <a:rPr lang="de-DE" dirty="0"/>
-              <a:t>Location-</a:t>
-            </a:r>
-            <a:r>
-              <a:rPr lang="de-DE" dirty="0" err="1"/>
-              <a:t>based</a:t>
-            </a:r>
-            <a:r>
-              <a:rPr lang="de-DE" dirty="0"/>
-              <a:t> services (LBS)</a:t>
-            </a:r>
-          </a:p>
-          <a:p>
-            <a:pPr>
-              <a:buFontTx/>
-              <a:buChar char="-"/>
-            </a:pPr>
-            <a:r>
-              <a:rPr lang="de-DE" i="1" dirty="0"/>
-              <a:t>Location </a:t>
-            </a:r>
-            <a:r>
-              <a:rPr lang="de-DE" i="1" dirty="0" err="1"/>
-              <a:t>can</a:t>
-            </a:r>
-            <a:r>
-              <a:rPr lang="de-DE" i="1" dirty="0"/>
-              <a:t> </a:t>
-            </a:r>
-            <a:r>
-              <a:rPr lang="de-DE" i="1" dirty="0" err="1"/>
-              <a:t>be</a:t>
-            </a:r>
-            <a:r>
-              <a:rPr lang="de-DE" i="1" dirty="0"/>
-              <a:t> a quasi – </a:t>
-            </a:r>
-            <a:r>
-              <a:rPr lang="de-DE" i="1" dirty="0" err="1"/>
-              <a:t>Idendifier</a:t>
-            </a:r>
-            <a:r>
-              <a:rPr lang="de-DE" i="1" dirty="0"/>
-              <a:t> </a:t>
-            </a:r>
-            <a:endParaRPr lang="de-DE" dirty="0"/>
-          </a:p>
-          <a:p>
-            <a:pPr>
-              <a:buFontTx/>
-              <a:buChar char="-"/>
-            </a:pPr>
-            <a:r>
-              <a:rPr lang="de-DE" i="1" dirty="0" err="1"/>
-              <a:t>CliqueCloar</a:t>
-            </a:r>
-            <a:endParaRPr lang="de-DE" i="1" dirty="0"/>
-          </a:p>
-          <a:p>
-            <a:r>
-              <a:rPr lang="en-US" dirty="0"/>
-              <a:t>In the context of LBSs and mobile users, location </a:t>
-            </a:r>
-            <a:r>
-              <a:rPr lang="en-US" i="1" dirty="0"/>
-              <a:t>k</a:t>
-            </a:r>
-            <a:r>
-              <a:rPr lang="en-US" dirty="0"/>
-              <a:t>-anonymity demands that location information contained in a message sent from a mobile user to a LBS should be indistinguishable from at least </a:t>
-            </a:r>
-            <a:r>
-              <a:rPr lang="en-US" i="1" dirty="0"/>
-              <a:t>k−</a:t>
-            </a:r>
-            <a:r>
-              <a:rPr lang="en-US" dirty="0"/>
-              <a:t>1 other messages from different mobile nodes</a:t>
-            </a:r>
-          </a:p>
-          <a:p>
-            <a:r>
-              <a:rPr lang="en-US" i="1" dirty="0"/>
-              <a:t>Attacks Restricted Space Identification </a:t>
-            </a:r>
-            <a:r>
-              <a:rPr lang="en-US" dirty="0"/>
-              <a:t>and </a:t>
-            </a:r>
-            <a:r>
-              <a:rPr lang="en-US" i="1" dirty="0"/>
-              <a:t>Observation </a:t>
-            </a:r>
-            <a:r>
-              <a:rPr lang="de-DE" i="1" dirty="0" err="1"/>
-              <a:t>Identification</a:t>
-            </a:r>
-            <a:r>
-              <a:rPr lang="de-DE" dirty="0"/>
-              <a:t>.</a:t>
-            </a:r>
-          </a:p>
-          <a:p>
-            <a:r>
-              <a:rPr lang="de-DE" i="1" dirty="0" err="1"/>
-              <a:t>Spatial</a:t>
-            </a:r>
-            <a:r>
-              <a:rPr lang="de-DE" i="1" dirty="0"/>
-              <a:t> </a:t>
-            </a:r>
-            <a:r>
-              <a:rPr lang="de-DE" i="1" dirty="0" err="1"/>
-              <a:t>cloaking</a:t>
-            </a:r>
-            <a:r>
-              <a:rPr lang="de-DE" i="1" dirty="0"/>
-              <a:t> and temporal </a:t>
-            </a:r>
-            <a:r>
-              <a:rPr lang="de-DE" i="1" dirty="0" err="1"/>
-              <a:t>cloaking</a:t>
-            </a:r>
-            <a:endParaRPr lang="de-DE" i="1" dirty="0"/>
-          </a:p>
-          <a:p>
-            <a:r>
-              <a:rPr lang="de-DE" i="1" dirty="0"/>
-              <a:t>Usability and </a:t>
-            </a:r>
-            <a:r>
-              <a:rPr lang="de-DE" i="1" dirty="0" err="1"/>
-              <a:t>anonymity</a:t>
-            </a:r>
-            <a:r>
-              <a:rPr lang="de-DE" i="1" dirty="0"/>
-              <a:t> </a:t>
-            </a:r>
-          </a:p>
-        </p:txBody>
-      </p:sp>
-      <p:sp>
-        <p:nvSpPr>
-          <p:cNvPr id="6" name="Foliennummernplatzhalter 5">
-            <a:extLst>
-              <a:ext uri="{FF2B5EF4-FFF2-40B4-BE49-F238E27FC236}">
-                <a16:creationId xmlns:a16="http://schemas.microsoft.com/office/drawing/2014/main" id="{8667CAC0-ED65-461E-B9D6-E014713A72F4}"/>
-              </a:ext>
-            </a:extLst>
-          </p:cNvPr>
-          <p:cNvSpPr>
-            <a:spLocks noGrp="1"/>
-          </p:cNvSpPr>
-          <p:nvPr>
-            <p:ph type="sldNum" sz="quarter" idx="12"/>
+            <p:ph type="sldNum" sz="quarter" idx="16"/>
           </p:nvPr>
         </p:nvSpPr>
         <p:spPr/>
@@ -10070,14 +10875,426 @@
               <a:pPr/>
               <a:t>20</a:t>
             </a:fld>
+            <a:endParaRPr lang="de-DE"/>
+          </a:p>
+        </p:txBody>
+      </p:sp>
+      <p:sp>
+        <p:nvSpPr>
+          <p:cNvPr id="6" name="Titel 5">
+            <a:extLst>
+              <a:ext uri="{FF2B5EF4-FFF2-40B4-BE49-F238E27FC236}">
+                <a16:creationId xmlns:a16="http://schemas.microsoft.com/office/drawing/2014/main" id="{5550845C-1A0F-47BE-8F4B-098913D51A85}"/>
+              </a:ext>
+            </a:extLst>
+          </p:cNvPr>
+          <p:cNvSpPr>
+            <a:spLocks noGrp="1"/>
+          </p:cNvSpPr>
+          <p:nvPr>
+            <p:ph type="title"/>
+          </p:nvPr>
+        </p:nvSpPr>
+        <p:spPr/>
+        <p:txBody>
+          <a:bodyPr/>
+          <a:lstStyle/>
+          <a:p>
+            <a:r>
+              <a:rPr lang="de-DE" b="1" dirty="0"/>
+              <a:t>6. </a:t>
+            </a:r>
+            <a:r>
+              <a:rPr lang="de-DE" b="1" dirty="0" err="1"/>
+              <a:t>Datatyp</a:t>
+            </a:r>
+            <a:r>
+              <a:rPr lang="de-DE" b="1" dirty="0"/>
+              <a:t> - Moving </a:t>
+            </a:r>
+            <a:r>
+              <a:rPr lang="de-DE" b="1" dirty="0" err="1"/>
+              <a:t>Object</a:t>
+            </a:r>
+            <a:r>
+              <a:rPr lang="de-DE" b="1" dirty="0"/>
+              <a:t> Data</a:t>
+            </a:r>
             <a:endParaRPr lang="de-DE" dirty="0"/>
+          </a:p>
+        </p:txBody>
+      </p:sp>
+      <p:sp>
+        <p:nvSpPr>
+          <p:cNvPr id="2" name="Rechteck 1">
+            <a:extLst>
+              <a:ext uri="{FF2B5EF4-FFF2-40B4-BE49-F238E27FC236}">
+                <a16:creationId xmlns:a16="http://schemas.microsoft.com/office/drawing/2014/main" id="{B6512827-72D2-478B-9678-D39E14A3E8B0}"/>
+              </a:ext>
+            </a:extLst>
+          </p:cNvPr>
+          <p:cNvSpPr/>
+          <p:nvPr/>
+        </p:nvSpPr>
+        <p:spPr>
+          <a:xfrm>
+            <a:off x="4255075" y="1548393"/>
+            <a:ext cx="4638100" cy="369332"/>
+          </a:xfrm>
+          <a:prstGeom prst="rect">
+            <a:avLst/>
+          </a:prstGeom>
+        </p:spPr>
+        <p:txBody>
+          <a:bodyPr wrap="square">
+            <a:spAutoFit/>
+          </a:bodyPr>
+          <a:lstStyle/>
+          <a:p>
+            <a:r>
+              <a:rPr lang="de-DE" b="0" i="1" dirty="0" err="1">
+                <a:solidFill>
+                  <a:srgbClr val="231F20"/>
+                </a:solidFill>
+                <a:latin typeface="CMMI10"/>
+              </a:rPr>
+              <a:t>m</a:t>
+            </a:r>
+            <a:r>
+              <a:rPr lang="de-DE" sz="800" b="0" i="1" dirty="0" err="1">
+                <a:solidFill>
+                  <a:srgbClr val="231F20"/>
+                </a:solidFill>
+                <a:latin typeface="CMMI7"/>
+              </a:rPr>
+              <a:t>s</a:t>
+            </a:r>
+            <a:r>
+              <a:rPr lang="de-DE" sz="800" b="0" i="1" dirty="0">
+                <a:solidFill>
+                  <a:srgbClr val="231F20"/>
+                </a:solidFill>
+                <a:latin typeface="CMMI7"/>
+              </a:rPr>
+              <a:t> </a:t>
+            </a:r>
+            <a:r>
+              <a:rPr lang="de-DE" b="0" i="1" dirty="0">
+                <a:solidFill>
+                  <a:srgbClr val="231F20"/>
+                </a:solidFill>
+                <a:latin typeface="CMSY10"/>
+              </a:rPr>
+              <a:t>∈ </a:t>
+            </a:r>
+            <a:r>
+              <a:rPr lang="de-DE" b="0" i="1" dirty="0">
+                <a:solidFill>
+                  <a:srgbClr val="231F20"/>
+                </a:solidFill>
+                <a:latin typeface="CMMI10"/>
+              </a:rPr>
+              <a:t>S </a:t>
+            </a:r>
+            <a:r>
+              <a:rPr lang="de-DE" b="0" dirty="0">
+                <a:solidFill>
+                  <a:srgbClr val="231F20"/>
+                </a:solidFill>
+                <a:latin typeface="CMR10"/>
+              </a:rPr>
+              <a:t>: </a:t>
+            </a:r>
+            <a:r>
+              <a:rPr lang="de-DE" b="0" i="1" dirty="0" err="1">
+                <a:solidFill>
+                  <a:srgbClr val="231F20"/>
+                </a:solidFill>
+                <a:latin typeface="CMMI10"/>
+              </a:rPr>
+              <a:t>u</a:t>
+            </a:r>
+            <a:r>
+              <a:rPr lang="de-DE" sz="800" b="0" i="1" dirty="0" err="1">
+                <a:solidFill>
+                  <a:srgbClr val="231F20"/>
+                </a:solidFill>
+                <a:latin typeface="CMMI7"/>
+              </a:rPr>
+              <a:t>id</a:t>
+            </a:r>
+            <a:r>
+              <a:rPr lang="de-DE" b="0" i="1" dirty="0">
+                <a:solidFill>
+                  <a:srgbClr val="231F20"/>
+                </a:solidFill>
+                <a:latin typeface="CMMI10"/>
+              </a:rPr>
+              <a:t>, </a:t>
+            </a:r>
+            <a:r>
+              <a:rPr lang="de-DE" b="0" i="1" dirty="0" err="1">
+                <a:solidFill>
+                  <a:srgbClr val="231F20"/>
+                </a:solidFill>
+                <a:latin typeface="CMMI10"/>
+              </a:rPr>
+              <a:t>r</a:t>
+            </a:r>
+            <a:r>
+              <a:rPr lang="de-DE" sz="800" b="0" i="1" dirty="0" err="1">
+                <a:solidFill>
+                  <a:srgbClr val="231F20"/>
+                </a:solidFill>
+                <a:latin typeface="CMMI7"/>
+              </a:rPr>
+              <a:t>no</a:t>
+            </a:r>
+            <a:r>
+              <a:rPr lang="de-DE" b="0" i="1" dirty="0">
+                <a:solidFill>
+                  <a:srgbClr val="231F20"/>
+                </a:solidFill>
+                <a:latin typeface="CMMI10"/>
+              </a:rPr>
+              <a:t>, </a:t>
+            </a:r>
+            <a:r>
+              <a:rPr lang="de-DE" b="0" i="1" dirty="0">
+                <a:solidFill>
+                  <a:srgbClr val="231F20"/>
+                </a:solidFill>
+                <a:latin typeface="CMSY10"/>
+              </a:rPr>
+              <a:t>{</a:t>
+            </a:r>
+            <a:r>
+              <a:rPr lang="de-DE" b="0" i="1" dirty="0">
+                <a:solidFill>
+                  <a:srgbClr val="231F20"/>
+                </a:solidFill>
+                <a:latin typeface="CMMI10"/>
+              </a:rPr>
+              <a:t>t, x, y</a:t>
+            </a:r>
+            <a:r>
+              <a:rPr lang="de-DE" b="0" i="1" dirty="0">
+                <a:solidFill>
+                  <a:srgbClr val="231F20"/>
+                </a:solidFill>
+                <a:latin typeface="CMSY10"/>
+              </a:rPr>
+              <a:t>}</a:t>
+            </a:r>
+            <a:r>
+              <a:rPr lang="de-DE" b="0" i="1" dirty="0">
+                <a:solidFill>
+                  <a:srgbClr val="231F20"/>
+                </a:solidFill>
+                <a:latin typeface="CMMI10"/>
+              </a:rPr>
+              <a:t>, k, </a:t>
+            </a:r>
+            <a:r>
+              <a:rPr lang="de-DE" b="0" i="1" dirty="0">
+                <a:solidFill>
+                  <a:srgbClr val="231F20"/>
+                </a:solidFill>
+                <a:latin typeface="CMSY10"/>
+              </a:rPr>
+              <a:t>{</a:t>
+            </a:r>
+            <a:r>
+              <a:rPr lang="de-DE" b="0" i="1" dirty="0" err="1">
+                <a:solidFill>
+                  <a:srgbClr val="231F20"/>
+                </a:solidFill>
+                <a:latin typeface="CMMI10"/>
+              </a:rPr>
+              <a:t>d</a:t>
+            </a:r>
+            <a:r>
+              <a:rPr lang="de-DE" sz="800" b="0" i="1" dirty="0" err="1">
+                <a:solidFill>
+                  <a:srgbClr val="231F20"/>
+                </a:solidFill>
+                <a:latin typeface="CMMI7"/>
+              </a:rPr>
+              <a:t>t</a:t>
+            </a:r>
+            <a:r>
+              <a:rPr lang="de-DE" b="0" i="1" dirty="0">
+                <a:solidFill>
+                  <a:srgbClr val="231F20"/>
+                </a:solidFill>
+                <a:latin typeface="CMMI10"/>
+              </a:rPr>
+              <a:t>, d</a:t>
+            </a:r>
+            <a:r>
+              <a:rPr lang="de-DE" sz="800" b="0" i="1" dirty="0">
+                <a:solidFill>
+                  <a:srgbClr val="231F20"/>
+                </a:solidFill>
+                <a:latin typeface="CMMI7"/>
+              </a:rPr>
+              <a:t>x</a:t>
+            </a:r>
+            <a:r>
+              <a:rPr lang="de-DE" b="0" i="1" dirty="0">
+                <a:solidFill>
+                  <a:srgbClr val="231F20"/>
+                </a:solidFill>
+                <a:latin typeface="CMMI10"/>
+              </a:rPr>
+              <a:t>, </a:t>
+            </a:r>
+            <a:r>
+              <a:rPr lang="de-DE" b="0" i="1" dirty="0" err="1">
+                <a:solidFill>
+                  <a:srgbClr val="231F20"/>
+                </a:solidFill>
+                <a:latin typeface="CMMI10"/>
+              </a:rPr>
+              <a:t>d</a:t>
+            </a:r>
+            <a:r>
+              <a:rPr lang="de-DE" sz="800" b="0" i="1" dirty="0" err="1">
+                <a:solidFill>
+                  <a:srgbClr val="231F20"/>
+                </a:solidFill>
+                <a:latin typeface="CMMI7"/>
+              </a:rPr>
+              <a:t>y</a:t>
+            </a:r>
+            <a:r>
+              <a:rPr lang="de-DE" b="0" i="1" dirty="0">
+                <a:solidFill>
+                  <a:srgbClr val="231F20"/>
+                </a:solidFill>
+                <a:latin typeface="CMSY10"/>
+              </a:rPr>
+              <a:t>}</a:t>
+            </a:r>
+            <a:r>
+              <a:rPr lang="de-DE" b="0" i="1" dirty="0">
+                <a:solidFill>
+                  <a:srgbClr val="231F20"/>
+                </a:solidFill>
+                <a:latin typeface="CMMI10"/>
+              </a:rPr>
+              <a:t>, C</a:t>
+            </a:r>
+            <a:endParaRPr lang="de-DE" dirty="0"/>
+          </a:p>
+        </p:txBody>
+      </p:sp>
+      <p:sp>
+        <p:nvSpPr>
+          <p:cNvPr id="8" name="Textfeld 7">
+            <a:extLst>
+              <a:ext uri="{FF2B5EF4-FFF2-40B4-BE49-F238E27FC236}">
+                <a16:creationId xmlns:a16="http://schemas.microsoft.com/office/drawing/2014/main" id="{5F8E9856-BD4D-4CC5-9F42-FF46237E8680}"/>
+              </a:ext>
+            </a:extLst>
+          </p:cNvPr>
+          <p:cNvSpPr txBox="1"/>
+          <p:nvPr/>
+        </p:nvSpPr>
+        <p:spPr>
+          <a:xfrm>
+            <a:off x="4860032" y="2132856"/>
+            <a:ext cx="3555306" cy="1477328"/>
+          </a:xfrm>
+          <a:prstGeom prst="rect">
+            <a:avLst/>
+          </a:prstGeom>
+          <a:noFill/>
+        </p:spPr>
+        <p:txBody>
+          <a:bodyPr wrap="square" rtlCol="0">
+            <a:spAutoFit/>
+          </a:bodyPr>
+          <a:lstStyle/>
+          <a:p>
+            <a:r>
+              <a:rPr lang="de-DE" dirty="0" err="1"/>
+              <a:t>success</a:t>
+            </a:r>
+            <a:r>
+              <a:rPr lang="de-DE" dirty="0"/>
+              <a:t> rate</a:t>
+            </a:r>
+          </a:p>
+          <a:p>
+            <a:r>
+              <a:rPr lang="de-DE" dirty="0"/>
+              <a:t>Relative </a:t>
+            </a:r>
+            <a:r>
+              <a:rPr lang="de-DE" dirty="0" err="1"/>
+              <a:t>anonymity</a:t>
+            </a:r>
+            <a:r>
+              <a:rPr lang="de-DE" dirty="0"/>
+              <a:t> </a:t>
+            </a:r>
+            <a:r>
+              <a:rPr lang="de-DE" dirty="0" err="1"/>
+              <a:t>level</a:t>
+            </a:r>
+            <a:endParaRPr lang="de-DE" dirty="0"/>
+          </a:p>
+          <a:p>
+            <a:r>
+              <a:rPr lang="de-DE" dirty="0"/>
+              <a:t>Relative </a:t>
+            </a:r>
+            <a:r>
+              <a:rPr lang="de-DE" dirty="0" err="1"/>
+              <a:t>spatial</a:t>
+            </a:r>
+            <a:r>
+              <a:rPr lang="de-DE" dirty="0"/>
+              <a:t> </a:t>
+            </a:r>
+            <a:r>
+              <a:rPr lang="de-DE" dirty="0" err="1"/>
+              <a:t>resolution</a:t>
+            </a:r>
+            <a:endParaRPr lang="de-DE" dirty="0"/>
+          </a:p>
+          <a:p>
+            <a:r>
+              <a:rPr lang="de-DE" dirty="0"/>
+              <a:t>Relative temporal </a:t>
+            </a:r>
+            <a:r>
+              <a:rPr lang="de-DE" dirty="0" err="1"/>
+              <a:t>resolution</a:t>
+            </a:r>
+            <a:endParaRPr lang="de-DE" dirty="0"/>
+          </a:p>
+          <a:p>
+            <a:r>
+              <a:rPr lang="de-DE" dirty="0"/>
+              <a:t>Message </a:t>
+            </a:r>
+            <a:r>
+              <a:rPr lang="de-DE" dirty="0" err="1"/>
+              <a:t>processing</a:t>
+            </a:r>
+            <a:r>
+              <a:rPr lang="de-DE" dirty="0"/>
+              <a:t> time</a:t>
+            </a:r>
           </a:p>
         </p:txBody>
       </p:sp>
     </p:spTree>
     <p:extLst>
       <p:ext uri="{BB962C8B-B14F-4D97-AF65-F5344CB8AC3E}">
-        <p14:creationId xmlns:p14="http://schemas.microsoft.com/office/powerpoint/2010/main" val="3579114951"/>
+        <p14:creationId xmlns:p14="http://schemas.microsoft.com/office/powerpoint/2010/main" val="830300591"/>
       </p:ext>
     </p:extLst>
   </p:cSld>
@@ -10104,42 +11321,74 @@
           <a:chExt cx="0" cy="0"/>
         </a:xfrm>
       </p:grpSpPr>
-      <p:pic>
-        <p:nvPicPr>
-          <p:cNvPr id="7" name="Grafik 6">
+      <p:sp>
+        <p:nvSpPr>
+          <p:cNvPr id="2" name="Titel 1">
             <a:extLst>
               <a:ext uri="{FF2B5EF4-FFF2-40B4-BE49-F238E27FC236}">
-                <a16:creationId xmlns:a16="http://schemas.microsoft.com/office/drawing/2014/main" id="{BF68ED47-9503-4321-A9F3-FE450D7996DE}"/>
+                <a16:creationId xmlns:a16="http://schemas.microsoft.com/office/drawing/2014/main" id="{DD780236-DFF8-4429-AD46-A0D4B640B608}"/>
               </a:ext>
             </a:extLst>
           </p:cNvPr>
-          <p:cNvPicPr>
-            <a:picLocks noChangeAspect="1"/>
-          </p:cNvPicPr>
-          <p:nvPr/>
-        </p:nvPicPr>
-        <p:blipFill>
-          <a:blip r:embed="rId2"/>
-          <a:stretch>
-            <a:fillRect/>
-          </a:stretch>
-        </p:blipFill>
+          <p:cNvSpPr>
+            <a:spLocks noGrp="1"/>
+          </p:cNvSpPr>
+          <p:nvPr>
+            <p:ph type="title"/>
+          </p:nvPr>
+        </p:nvSpPr>
+        <p:spPr/>
+        <p:txBody>
+          <a:bodyPr/>
+          <a:lstStyle/>
+          <a:p>
+            <a:r>
+              <a:rPr lang="de-DE" sz="2400" b="1" dirty="0"/>
+              <a:t>6. Datatype - High-Dimensional Transaction Data</a:t>
+            </a:r>
+            <a:endParaRPr lang="de-DE" sz="2400" dirty="0"/>
+          </a:p>
+        </p:txBody>
+      </p:sp>
+      <p:sp>
+        <p:nvSpPr>
+          <p:cNvPr id="3" name="Datumsplatzhalter 2">
+            <a:extLst>
+              <a:ext uri="{FF2B5EF4-FFF2-40B4-BE49-F238E27FC236}">
+                <a16:creationId xmlns:a16="http://schemas.microsoft.com/office/drawing/2014/main" id="{69419E86-0E9E-4216-B427-413C6BA3C0D7}"/>
+              </a:ext>
+            </a:extLst>
+          </p:cNvPr>
+          <p:cNvSpPr>
+            <a:spLocks noGrp="1"/>
+          </p:cNvSpPr>
+          <p:nvPr>
+            <p:ph type="dt" sz="half" idx="4294967295"/>
+          </p:nvPr>
+        </p:nvSpPr>
         <p:spPr>
           <a:xfrm>
-            <a:off x="1300740" y="1445546"/>
-            <a:ext cx="4152305" cy="4772295"/>
+            <a:off x="1331913" y="6208713"/>
+            <a:ext cx="1296987" cy="476250"/>
           </a:xfrm>
-          <a:prstGeom prst="rect">
-            <a:avLst/>
-          </a:prstGeom>
         </p:spPr>
-      </p:pic>
-      <p:sp>
-        <p:nvSpPr>
-          <p:cNvPr id="3" name="Datumsplatzhalter 2">
+        <p:txBody>
+          <a:bodyPr/>
+          <a:lstStyle/>
+          <a:p>
+            <a:r>
+              <a:rPr lang="de-DE" dirty="0"/>
+              <a:t>30.01.2017</a:t>
+            </a:r>
+          </a:p>
+        </p:txBody>
+      </p:sp>
+      <p:sp>
+        <p:nvSpPr>
+          <p:cNvPr id="4" name="Fußzeilenplatzhalter 3">
             <a:extLst>
               <a:ext uri="{FF2B5EF4-FFF2-40B4-BE49-F238E27FC236}">
-                <a16:creationId xmlns:a16="http://schemas.microsoft.com/office/drawing/2014/main" id="{272CF7DA-8265-4E05-841B-FF2EA359C993}"/>
+                <a16:creationId xmlns:a16="http://schemas.microsoft.com/office/drawing/2014/main" id="{212DC528-EE24-4AC3-9EED-1BF090D99EF2}"/>
               </a:ext>
             </a:extLst>
           </p:cNvPr>
@@ -10147,7 +11396,7 @@
             <a:spLocks noGrp="1"/>
           </p:cNvSpPr>
           <p:nvPr>
-            <p:ph type="dt" sz="half" idx="14"/>
+            <p:ph type="ftr" sz="quarter" idx="11"/>
           </p:nvPr>
         </p:nvSpPr>
         <p:spPr/>
@@ -10156,19 +11405,79 @@
           <a:lstStyle/>
           <a:p>
             <a:r>
-              <a:rPr lang="de-DE"/>
-              <a:t>30.01.2018</a:t>
-            </a:r>
+              <a:rPr lang="de-DE" dirty="0"/>
+              <a:t>Andreas Wiegand &amp; Ludwig Schallner</a:t>
+            </a:r>
+          </a:p>
+        </p:txBody>
+      </p:sp>
+      <p:sp>
+        <p:nvSpPr>
+          <p:cNvPr id="5" name="Textplatzhalter 4">
+            <a:extLst>
+              <a:ext uri="{FF2B5EF4-FFF2-40B4-BE49-F238E27FC236}">
+                <a16:creationId xmlns:a16="http://schemas.microsoft.com/office/drawing/2014/main" id="{064D59BE-0376-4E44-A0FE-7031A294F35F}"/>
+              </a:ext>
+            </a:extLst>
+          </p:cNvPr>
+          <p:cNvSpPr>
+            <a:spLocks noGrp="1"/>
+          </p:cNvSpPr>
+          <p:nvPr>
+            <p:ph type="body" sz="quarter" idx="13"/>
+          </p:nvPr>
+        </p:nvSpPr>
+        <p:spPr/>
+        <p:txBody>
+          <a:bodyPr/>
+          <a:lstStyle/>
+          <a:p>
+            <a:r>
+              <a:rPr lang="en-US" dirty="0"/>
+              <a:t>Transaction data is high-dimensional</a:t>
+            </a:r>
+          </a:p>
+          <a:p>
+            <a:r>
+              <a:rPr lang="en-US" dirty="0"/>
+              <a:t>Each dimension could be a potential </a:t>
+            </a:r>
+            <a:r>
+              <a:rPr lang="en-US" i="1" dirty="0"/>
+              <a:t>QID </a:t>
+            </a:r>
+            <a:r>
+              <a:rPr lang="en-US" dirty="0"/>
+              <a:t>attribute</a:t>
+            </a:r>
+          </a:p>
+          <a:p>
+            <a:r>
+              <a:rPr lang="de-DE" dirty="0"/>
+              <a:t>Curse of high-dimensionality</a:t>
+            </a:r>
+          </a:p>
+          <a:p>
+            <a:r>
+              <a:rPr lang="de-DE" dirty="0"/>
+              <a:t>Bound background knowledge of the attacker</a:t>
+            </a:r>
+          </a:p>
+          <a:p>
+            <a:pPr>
+              <a:buFontTx/>
+              <a:buChar char="-"/>
+            </a:pPr>
             <a:endParaRPr lang="de-DE" dirty="0"/>
           </a:p>
         </p:txBody>
       </p:sp>
       <p:sp>
         <p:nvSpPr>
-          <p:cNvPr id="4" name="Fußzeilenplatzhalter 3">
+          <p:cNvPr id="6" name="Foliennummernplatzhalter 5">
             <a:extLst>
               <a:ext uri="{FF2B5EF4-FFF2-40B4-BE49-F238E27FC236}">
-                <a16:creationId xmlns:a16="http://schemas.microsoft.com/office/drawing/2014/main" id="{47EDFEC1-C111-4891-A480-1C0060DB9C3F}"/>
+                <a16:creationId xmlns:a16="http://schemas.microsoft.com/office/drawing/2014/main" id="{E25D3BF9-A70C-417F-A9C7-F883A5D091A9}"/>
               </a:ext>
             </a:extLst>
           </p:cNvPr>
@@ -10176,36 +11485,7 @@
             <a:spLocks noGrp="1"/>
           </p:cNvSpPr>
           <p:nvPr>
-            <p:ph type="ftr" sz="quarter" idx="15"/>
-          </p:nvPr>
-        </p:nvSpPr>
-        <p:spPr/>
-        <p:txBody>
-          <a:bodyPr/>
-          <a:lstStyle/>
-          <a:p>
-            <a:r>
-              <a:rPr lang="de-DE"/>
-              <a:t>Schallner Ludwig, Wiegnand Andreas</a:t>
-            </a:r>
-            <a:endParaRPr lang="de-DE" dirty="0"/>
-          </a:p>
-        </p:txBody>
-      </p:sp>
-      <p:sp>
-        <p:nvSpPr>
-          <p:cNvPr id="5" name="Foliennummernplatzhalter 4">
-            <a:extLst>
-              <a:ext uri="{FF2B5EF4-FFF2-40B4-BE49-F238E27FC236}">
-                <a16:creationId xmlns:a16="http://schemas.microsoft.com/office/drawing/2014/main" id="{451D70D8-D243-4560-ACB7-252048CA3C46}"/>
-              </a:ext>
-            </a:extLst>
-          </p:cNvPr>
-          <p:cNvSpPr>
-            <a:spLocks noGrp="1"/>
-          </p:cNvSpPr>
-          <p:nvPr>
-            <p:ph type="sldNum" sz="quarter" idx="16"/>
+            <p:ph type="sldNum" sz="quarter" idx="12"/>
           </p:nvPr>
         </p:nvSpPr>
         <p:spPr/>
@@ -10218,59 +11498,55 @@
               <a:pPr/>
               <a:t>21</a:t>
             </a:fld>
-            <a:endParaRPr lang="de-DE"/>
-          </a:p>
-        </p:txBody>
-      </p:sp>
-      <p:sp>
-        <p:nvSpPr>
-          <p:cNvPr id="6" name="Titel 5">
-            <a:extLst>
-              <a:ext uri="{FF2B5EF4-FFF2-40B4-BE49-F238E27FC236}">
-                <a16:creationId xmlns:a16="http://schemas.microsoft.com/office/drawing/2014/main" id="{5550845C-1A0F-47BE-8F4B-098913D51A85}"/>
-              </a:ext>
-            </a:extLst>
-          </p:cNvPr>
-          <p:cNvSpPr>
-            <a:spLocks noGrp="1"/>
-          </p:cNvSpPr>
-          <p:nvPr>
-            <p:ph type="title"/>
-          </p:nvPr>
-        </p:nvSpPr>
-        <p:spPr/>
-        <p:txBody>
-          <a:bodyPr/>
-          <a:lstStyle/>
-          <a:p>
-            <a:r>
-              <a:rPr lang="de-DE" b="1" dirty="0"/>
-              <a:t>6. </a:t>
-            </a:r>
-            <a:r>
-              <a:rPr lang="de-DE" b="1" dirty="0" err="1"/>
-              <a:t>Datatyp</a:t>
-            </a:r>
-            <a:r>
-              <a:rPr lang="de-DE" b="1" dirty="0"/>
-              <a:t> - Moving </a:t>
-            </a:r>
-            <a:r>
-              <a:rPr lang="de-DE" b="1" dirty="0" err="1"/>
-              <a:t>Object</a:t>
-            </a:r>
-            <a:r>
-              <a:rPr lang="de-DE" b="1" dirty="0"/>
-              <a:t> Data</a:t>
-            </a:r>
             <a:endParaRPr lang="de-DE" dirty="0"/>
           </a:p>
         </p:txBody>
       </p:sp>
+      <p:pic>
+        <p:nvPicPr>
+          <p:cNvPr id="2050" name="Picture 2" descr="F:\PSI-MSem\5dbb589fabdcab96c9bb12877d5c15c4_preview_card.jpg"/>
+          <p:cNvPicPr>
+            <a:picLocks noChangeAspect="1" noChangeArrowheads="1"/>
+          </p:cNvPicPr>
+          <p:nvPr/>
+        </p:nvPicPr>
+        <p:blipFill>
+          <a:blip r:embed="rId3">
+            <a:extLst>
+              <a:ext uri="{28A0092B-C50C-407E-A947-70E740481C1C}">
+                <a14:useLocalDpi xmlns:a14="http://schemas.microsoft.com/office/drawing/2010/main" val="0"/>
+              </a:ext>
+            </a:extLst>
+          </a:blip>
+          <a:srcRect/>
+          <a:stretch>
+            <a:fillRect/>
+          </a:stretch>
+        </p:blipFill>
+        <p:spPr bwMode="auto">
+          <a:xfrm>
+            <a:off x="4355976" y="3140968"/>
+            <a:ext cx="3610422" cy="2708198"/>
+          </a:xfrm>
+          <a:prstGeom prst="rect">
+            <a:avLst/>
+          </a:prstGeom>
+          <a:noFill/>
+          <a:extLst>
+            <a:ext uri="{909E8E84-426E-40DD-AFC4-6F175D3DCCD1}">
+              <a14:hiddenFill xmlns:a14="http://schemas.microsoft.com/office/drawing/2010/main">
+                <a:solidFill>
+                  <a:srgbClr val="FFFFFF"/>
+                </a:solidFill>
+              </a14:hiddenFill>
+            </a:ext>
+          </a:extLst>
+        </p:spPr>
+      </p:pic>
     </p:spTree>
     <p:extLst>
       <p:ext uri="{BB962C8B-B14F-4D97-AF65-F5344CB8AC3E}">
-        <p14:creationId xmlns:p14="http://schemas.microsoft.com/office/powerpoint/2010/main" val="830300591"/>
+        <p14:creationId xmlns:p14="http://schemas.microsoft.com/office/powerpoint/2010/main" val="673325542"/>
       </p:ext>
     </p:extLst>
   </p:cSld>
@@ -10302,7 +11578,7 @@
           <p:cNvPr id="2" name="Titel 1">
             <a:extLst>
               <a:ext uri="{FF2B5EF4-FFF2-40B4-BE49-F238E27FC236}">
-                <a16:creationId xmlns:a16="http://schemas.microsoft.com/office/drawing/2014/main" id="{DD780236-DFF8-4429-AD46-A0D4B640B608}"/>
+                <a16:creationId xmlns:a16="http://schemas.microsoft.com/office/drawing/2014/main" id="{60CF76F7-DA21-4280-B132-DB1CBFFB0632}"/>
               </a:ext>
             </a:extLst>
           </p:cNvPr>
@@ -10319,10 +11595,9 @@
           <a:lstStyle/>
           <a:p>
             <a:r>
-              <a:rPr lang="de-DE" sz="2400" b="1" dirty="0"/>
-              <a:t>6. Datatype - High-Dimensional Transaction Data</a:t>
-            </a:r>
-            <a:endParaRPr lang="de-DE" sz="2400" dirty="0"/>
+              <a:rPr lang="de-DE" dirty="0"/>
+              <a:t>7. Summary</a:t>
+            </a:r>
           </a:p>
         </p:txBody>
       </p:sp>
@@ -10331,7 +11606,7 @@
           <p:cNvPr id="3" name="Datumsplatzhalter 2">
             <a:extLst>
               <a:ext uri="{FF2B5EF4-FFF2-40B4-BE49-F238E27FC236}">
-                <a16:creationId xmlns:a16="http://schemas.microsoft.com/office/drawing/2014/main" id="{69419E86-0E9E-4216-B427-413C6BA3C0D7}"/>
+                <a16:creationId xmlns:a16="http://schemas.microsoft.com/office/drawing/2014/main" id="{3B50A201-5742-48F2-9C76-90EB7278DE8B}"/>
               </a:ext>
             </a:extLst>
           </p:cNvPr>
@@ -10354,7 +11629,7 @@
           <a:p>
             <a:r>
               <a:rPr lang="de-DE" dirty="0"/>
-              <a:t>30.01.2017</a:t>
+              <a:t>30.01.2018</a:t>
             </a:r>
           </a:p>
         </p:txBody>
@@ -10364,7 +11639,7 @@
           <p:cNvPr id="4" name="Fußzeilenplatzhalter 3">
             <a:extLst>
               <a:ext uri="{FF2B5EF4-FFF2-40B4-BE49-F238E27FC236}">
-                <a16:creationId xmlns:a16="http://schemas.microsoft.com/office/drawing/2014/main" id="{212DC528-EE24-4AC3-9EED-1BF090D99EF2}"/>
+                <a16:creationId xmlns:a16="http://schemas.microsoft.com/office/drawing/2014/main" id="{905609BE-6FD9-442B-89BF-1438B615F4CE}"/>
               </a:ext>
             </a:extLst>
           </p:cNvPr>
@@ -10372,7 +11647,7 @@
             <a:spLocks noGrp="1"/>
           </p:cNvSpPr>
           <p:nvPr>
-            <p:ph type="ftr" sz="quarter" idx="11"/>
+            <p:ph type="ftr" sz="quarter" idx="4294967295"/>
           </p:nvPr>
         </p:nvSpPr>
         <p:spPr/>
@@ -10392,7 +11667,7 @@
           <p:cNvPr id="5" name="Textplatzhalter 4">
             <a:extLst>
               <a:ext uri="{FF2B5EF4-FFF2-40B4-BE49-F238E27FC236}">
-                <a16:creationId xmlns:a16="http://schemas.microsoft.com/office/drawing/2014/main" id="{064D59BE-0376-4E44-A0FE-7031A294F35F}"/>
+                <a16:creationId xmlns:a16="http://schemas.microsoft.com/office/drawing/2014/main" id="{BE3AB503-2D36-4EFD-97BC-4FB481D902EA}"/>
               </a:ext>
             </a:extLst>
           </p:cNvPr>
@@ -10410,42 +11685,112 @@
           <a:p>
             <a:r>
               <a:rPr lang="en-US" dirty="0"/>
-              <a:t>Transaction data is high-dimensional</a:t>
-            </a:r>
-          </a:p>
-          <a:p>
+              <a:t>There is no </a:t>
+            </a:r>
+            <a:r>
+              <a:rPr lang="en-US" dirty="0" err="1"/>
+              <a:t>compination</a:t>
+            </a:r>
             <a:r>
               <a:rPr lang="en-US" dirty="0"/>
-              <a:t>Each dimension could be a potential </a:t>
-            </a:r>
-            <a:r>
-              <a:rPr lang="en-US" i="1" dirty="0"/>
-              <a:t>QID </a:t>
-            </a:r>
+              <a:t> between optimal k-anonymity and </a:t>
+            </a:r>
+            <a:r>
+              <a:rPr lang="en-US" dirty="0" err="1"/>
+              <a:t>dataquality</a:t>
+            </a:r>
+            <a:endParaRPr lang="en-US" dirty="0"/>
+          </a:p>
+          <a:p>
             <a:r>
               <a:rPr lang="en-US" dirty="0"/>
-              <a:t>attribute</a:t>
-            </a:r>
+              <a:t>Attacks against anonymity</a:t>
+            </a:r>
+          </a:p>
+          <a:p>
+            <a:r>
+              <a:rPr lang="de-DE" i="1" dirty="0"/>
+              <a:t>Usability and </a:t>
+            </a:r>
+            <a:r>
+              <a:rPr lang="de-DE" i="1" dirty="0" err="1"/>
+              <a:t>anonymity</a:t>
+            </a:r>
+            <a:endParaRPr lang="de-DE" i="1" dirty="0"/>
+          </a:p>
+          <a:p>
+            <a:r>
+              <a:rPr lang="de-DE" i="1" dirty="0" err="1"/>
+              <a:t>Identifie</a:t>
+            </a:r>
+            <a:r>
+              <a:rPr lang="de-DE" i="1" dirty="0"/>
+              <a:t> Quasi </a:t>
+            </a:r>
+            <a:r>
+              <a:rPr lang="de-DE" i="1" dirty="0" err="1"/>
+              <a:t>identifiers</a:t>
+            </a:r>
+            <a:endParaRPr lang="de-DE" i="1" dirty="0"/>
           </a:p>
           <a:p>
             <a:r>
               <a:rPr lang="de-DE" dirty="0"/>
-              <a:t>Curse of high-dimensionality</a:t>
-            </a:r>
-          </a:p>
-          <a:p>
+              <a:t>NP – Hard</a:t>
+            </a:r>
+          </a:p>
+          <a:p>
+            <a:r>
+              <a:rPr lang="de-DE" dirty="0" err="1"/>
+              <a:t>Only</a:t>
+            </a:r>
             <a:r>
               <a:rPr lang="de-DE" dirty="0"/>
-              <a:t>Bound background knowledge of the attacker</a:t>
-            </a:r>
-          </a:p>
-          <a:p>
-            <a:pPr>
-              <a:buFontTx/>
-              <a:buChar char="-"/>
+              <a:t> </a:t>
+            </a:r>
+            <a:r>
+              <a:rPr lang="de-DE" dirty="0" err="1"/>
+              <a:t>heuristics</a:t>
+            </a:r>
+            <a:r>
+              <a:rPr lang="de-DE" dirty="0"/>
+              <a:t> </a:t>
+            </a:r>
+            <a:r>
+              <a:rPr lang="de-DE" dirty="0" err="1"/>
+              <a:t>no</a:t>
+            </a:r>
+            <a:r>
+              <a:rPr lang="de-DE" dirty="0"/>
+              <a:t> </a:t>
+            </a:r>
+            <a:r>
+              <a:rPr lang="de-DE" dirty="0" err="1"/>
+              <a:t>rules</a:t>
+            </a:r>
+            <a:r>
+              <a:rPr lang="de-DE" dirty="0"/>
+              <a:t> like mutual Information </a:t>
+            </a:r>
+          </a:p>
+          <a:p>
+            <a:pPr marL="0" indent="0">
+              <a:buNone/>
+            </a:pPr>
+            <a:endParaRPr lang="de-DE" i="1" dirty="0"/>
+          </a:p>
+          <a:p>
+            <a:pPr marL="0" indent="0">
+              <a:buNone/>
             </a:pPr>
             <a:endParaRPr lang="de-DE" dirty="0"/>
           </a:p>
+          <a:p>
+            <a:pPr marL="0" indent="0">
+              <a:buNone/>
+            </a:pPr>
+            <a:endParaRPr lang="de-DE" dirty="0"/>
+          </a:p>
         </p:txBody>
       </p:sp>
       <p:sp>
@@ -10453,7 +11798,7 @@
           <p:cNvPr id="6" name="Foliennummernplatzhalter 5">
             <a:extLst>
               <a:ext uri="{FF2B5EF4-FFF2-40B4-BE49-F238E27FC236}">
-                <a16:creationId xmlns:a16="http://schemas.microsoft.com/office/drawing/2014/main" id="{E25D3BF9-A70C-417F-A9C7-F883A5D091A9}"/>
+                <a16:creationId xmlns:a16="http://schemas.microsoft.com/office/drawing/2014/main" id="{9B878E9B-BDE0-4DC9-9BC7-6B1CE8112B95}"/>
               </a:ext>
             </a:extLst>
           </p:cNvPr>
@@ -10461,7 +11806,7 @@
             <a:spLocks noGrp="1"/>
           </p:cNvSpPr>
           <p:nvPr>
-            <p:ph type="sldNum" sz="quarter" idx="12"/>
+            <p:ph type="sldNum" sz="quarter" idx="4294967295"/>
           </p:nvPr>
         </p:nvSpPr>
         <p:spPr/>
@@ -10478,51 +11823,10 @@
           </a:p>
         </p:txBody>
       </p:sp>
-      <p:pic>
-        <p:nvPicPr>
-          <p:cNvPr id="2050" name="Picture 2" descr="F:\PSI-MSem\5dbb589fabdcab96c9bb12877d5c15c4_preview_card.jpg"/>
-          <p:cNvPicPr>
-            <a:picLocks noChangeAspect="1" noChangeArrowheads="1"/>
-          </p:cNvPicPr>
-          <p:nvPr/>
-        </p:nvPicPr>
-        <p:blipFill>
-          <a:blip r:embed="rId3">
-            <a:extLst>
-              <a:ext uri="{28A0092B-C50C-407E-A947-70E740481C1C}">
-                <a14:useLocalDpi xmlns:a14="http://schemas.microsoft.com/office/drawing/2010/main" val="0"/>
-              </a:ext>
-            </a:extLst>
-          </a:blip>
-          <a:srcRect/>
-          <a:stretch>
-            <a:fillRect/>
-          </a:stretch>
-        </p:blipFill>
-        <p:spPr bwMode="auto">
-          <a:xfrm>
-            <a:off x="4355976" y="3140968"/>
-            <a:ext cx="3610422" cy="2708198"/>
-          </a:xfrm>
-          <a:prstGeom prst="rect">
-            <a:avLst/>
-          </a:prstGeom>
-          <a:noFill/>
-          <a:extLst>
-            <a:ext uri="{909E8E84-426E-40DD-AFC4-6F175D3DCCD1}">
-              <a14:hiddenFill xmlns:a14="http://schemas.microsoft.com/office/drawing/2010/main">
-                <a:solidFill>
-                  <a:srgbClr val="FFFFFF"/>
-                </a:solidFill>
-              </a14:hiddenFill>
-            </a:ext>
-          </a:extLst>
-        </p:spPr>
-      </p:pic>
     </p:spTree>
     <p:extLst>
       <p:ext uri="{BB962C8B-B14F-4D97-AF65-F5344CB8AC3E}">
-        <p14:creationId xmlns:p14="http://schemas.microsoft.com/office/powerpoint/2010/main" val="673325542"/>
+        <p14:creationId xmlns:p14="http://schemas.microsoft.com/office/powerpoint/2010/main" val="3866177470"/>
       </p:ext>
     </p:extLst>
   </p:cSld>
@@ -10551,10 +11855,10 @@
       </p:grpSpPr>
       <p:sp>
         <p:nvSpPr>
-          <p:cNvPr id="2" name="Titel 1">
+          <p:cNvPr id="2" name="Textplatzhalter 1">
             <a:extLst>
               <a:ext uri="{FF2B5EF4-FFF2-40B4-BE49-F238E27FC236}">
-                <a16:creationId xmlns:a16="http://schemas.microsoft.com/office/drawing/2014/main" id="{60CF76F7-DA21-4280-B132-DB1CBFFB0632}"/>
+                <a16:creationId xmlns:a16="http://schemas.microsoft.com/office/drawing/2014/main" id="{49BB8B8B-A570-48B5-98F3-A65233D7450A}"/>
               </a:ext>
             </a:extLst>
           </p:cNvPr>
@@ -10562,7 +11866,7 @@
             <a:spLocks noGrp="1"/>
           </p:cNvSpPr>
           <p:nvPr>
-            <p:ph type="title"/>
+            <p:ph type="body" sz="quarter" idx="13"/>
           </p:nvPr>
         </p:nvSpPr>
         <p:spPr/>
@@ -10571,189 +11875,133 @@
           <a:lstStyle/>
           <a:p>
             <a:r>
-              <a:rPr lang="de-DE" dirty="0"/>
-              <a:t>7. Summary</a:t>
-            </a:r>
-          </a:p>
-        </p:txBody>
-      </p:sp>
-      <p:sp>
-        <p:nvSpPr>
-          <p:cNvPr id="3" name="Datumsplatzhalter 2">
-            <a:extLst>
-              <a:ext uri="{FF2B5EF4-FFF2-40B4-BE49-F238E27FC236}">
-                <a16:creationId xmlns:a16="http://schemas.microsoft.com/office/drawing/2014/main" id="{3B50A201-5742-48F2-9C76-90EB7278DE8B}"/>
-              </a:ext>
-            </a:extLst>
-          </p:cNvPr>
-          <p:cNvSpPr>
-            <a:spLocks noGrp="1"/>
-          </p:cNvSpPr>
-          <p:nvPr>
-            <p:ph type="dt" sz="half" idx="4294967295"/>
-          </p:nvPr>
-        </p:nvSpPr>
-        <p:spPr>
-          <a:xfrm>
-            <a:off x="1331913" y="6208713"/>
-            <a:ext cx="1296987" cy="476250"/>
-          </a:xfrm>
-        </p:spPr>
-        <p:txBody>
-          <a:bodyPr/>
-          <a:lstStyle/>
-          <a:p>
-            <a:r>
-              <a:rPr lang="de-DE" dirty="0"/>
-              <a:t>30.01.2018</a:t>
-            </a:r>
-          </a:p>
-        </p:txBody>
-      </p:sp>
-      <p:sp>
-        <p:nvSpPr>
-          <p:cNvPr id="4" name="Fußzeilenplatzhalter 3">
-            <a:extLst>
-              <a:ext uri="{FF2B5EF4-FFF2-40B4-BE49-F238E27FC236}">
-                <a16:creationId xmlns:a16="http://schemas.microsoft.com/office/drawing/2014/main" id="{905609BE-6FD9-442B-89BF-1438B615F4CE}"/>
-              </a:ext>
-            </a:extLst>
-          </p:cNvPr>
-          <p:cNvSpPr>
-            <a:spLocks noGrp="1"/>
-          </p:cNvSpPr>
-          <p:nvPr>
-            <p:ph type="ftr" sz="quarter" idx="4294967295"/>
-          </p:nvPr>
-        </p:nvSpPr>
-        <p:spPr/>
-        <p:txBody>
-          <a:bodyPr/>
-          <a:lstStyle/>
-          <a:p>
-            <a:r>
-              <a:rPr lang="de-DE" dirty="0"/>
-              <a:t>Andreas Wiegand &amp; Ludwig Schallner</a:t>
-            </a:r>
-          </a:p>
-        </p:txBody>
-      </p:sp>
-      <p:sp>
-        <p:nvSpPr>
-          <p:cNvPr id="5" name="Textplatzhalter 4">
-            <a:extLst>
-              <a:ext uri="{FF2B5EF4-FFF2-40B4-BE49-F238E27FC236}">
-                <a16:creationId xmlns:a16="http://schemas.microsoft.com/office/drawing/2014/main" id="{BE3AB503-2D36-4EFD-97BC-4FB481D902EA}"/>
-              </a:ext>
-            </a:extLst>
-          </p:cNvPr>
-          <p:cNvSpPr>
-            <a:spLocks noGrp="1"/>
-          </p:cNvSpPr>
-          <p:nvPr>
-            <p:ph type="body" sz="quarter" idx="13"/>
-          </p:nvPr>
-        </p:nvSpPr>
-        <p:spPr/>
-        <p:txBody>
-          <a:bodyPr/>
-          <a:lstStyle/>
-          <a:p>
-            <a:r>
-              <a:rPr lang="en-US" dirty="0"/>
-              <a:t>There is no </a:t>
-            </a:r>
-            <a:r>
-              <a:rPr lang="en-US" dirty="0" err="1"/>
-              <a:t>compination</a:t>
-            </a:r>
-            <a:r>
-              <a:rPr lang="en-US" dirty="0"/>
-              <a:t> between optimal k-anonymity and </a:t>
-            </a:r>
-            <a:r>
-              <a:rPr lang="en-US" dirty="0" err="1"/>
-              <a:t>dataquality</a:t>
-            </a:r>
-            <a:endParaRPr lang="en-US" dirty="0"/>
-          </a:p>
-          <a:p>
-            <a:r>
-              <a:rPr lang="en-US" dirty="0"/>
-              <a:t>Attacks against anonymity</a:t>
-            </a:r>
-          </a:p>
-          <a:p>
-            <a:r>
-              <a:rPr lang="de-DE" i="1" dirty="0"/>
-              <a:t>Usability and </a:t>
-            </a:r>
-            <a:r>
-              <a:rPr lang="de-DE" i="1" dirty="0" err="1"/>
-              <a:t>anonymity</a:t>
-            </a:r>
-            <a:endParaRPr lang="de-DE" i="1" dirty="0"/>
-          </a:p>
-          <a:p>
-            <a:r>
-              <a:rPr lang="de-DE" i="1" dirty="0" err="1"/>
-              <a:t>Identifie</a:t>
-            </a:r>
-            <a:r>
-              <a:rPr lang="de-DE" i="1" dirty="0"/>
-              <a:t> Quasi </a:t>
-            </a:r>
-            <a:r>
-              <a:rPr lang="de-DE" i="1" dirty="0" err="1"/>
-              <a:t>identifiers</a:t>
-            </a:r>
-            <a:endParaRPr lang="de-DE" i="1" dirty="0"/>
-          </a:p>
-          <a:p>
-            <a:r>
-              <a:rPr lang="de-DE" dirty="0"/>
-              <a:t>NP – Hard</a:t>
-            </a:r>
-          </a:p>
-          <a:p>
-            <a:r>
-              <a:rPr lang="de-DE" dirty="0" err="1"/>
-              <a:t>Only</a:t>
-            </a:r>
-            <a:r>
-              <a:rPr lang="de-DE" dirty="0"/>
+              <a:rPr lang="en-US" sz="1600" i="1" dirty="0"/>
+              <a:t>k</a:t>
+            </a:r>
+            <a:r>
+              <a:rPr lang="en-US" sz="1600" dirty="0"/>
+              <a:t>-ANONYMITY: A MODEL FOR PROTECTING PRIVACY - </a:t>
+            </a:r>
+            <a:r>
+              <a:rPr lang="de-DE" sz="1600" dirty="0"/>
+              <a:t>LATANYA SWEENEY</a:t>
+            </a:r>
+          </a:p>
+          <a:p>
+            <a:r>
+              <a:rPr lang="de-DE" sz="1600" dirty="0"/>
+              <a:t>ACHIEVING </a:t>
+            </a:r>
+            <a:r>
+              <a:rPr lang="de-DE" sz="1600" i="1" dirty="0"/>
+              <a:t>k</a:t>
+            </a:r>
+            <a:r>
+              <a:rPr lang="de-DE" sz="1600" dirty="0"/>
+              <a:t>-ANONYMITY PRIVACY PROTECTIONUSING GENERALIZATION AND SUPPRESSION- LATANYA SWEENEY</a:t>
+            </a:r>
+          </a:p>
+          <a:p>
+            <a:r>
+              <a:rPr lang="de-DE" sz="1600" dirty="0" err="1"/>
+              <a:t>Efficient</a:t>
+            </a:r>
+            <a:r>
+              <a:rPr lang="de-DE" sz="1600" dirty="0"/>
+              <a:t> Multidimensional Suppression </a:t>
+            </a:r>
+            <a:r>
+              <a:rPr lang="de-DE" sz="1600" dirty="0" err="1"/>
+              <a:t>for</a:t>
+            </a:r>
+            <a:r>
+              <a:rPr lang="de-DE" sz="1600" dirty="0"/>
+              <a:t> K-</a:t>
+            </a:r>
+            <a:r>
+              <a:rPr lang="de-DE" sz="1600" dirty="0" err="1"/>
+              <a:t>Anonymity</a:t>
+            </a:r>
+            <a:r>
+              <a:rPr lang="de-DE" sz="1600" dirty="0"/>
+              <a:t> – </a:t>
+            </a:r>
+            <a:r>
+              <a:rPr lang="de-DE" sz="1600" dirty="0" err="1"/>
+              <a:t>Kisilevich</a:t>
+            </a:r>
+            <a:endParaRPr lang="de-DE" sz="1600" dirty="0"/>
+          </a:p>
+          <a:p>
+            <a:r>
+              <a:rPr lang="en-US" sz="1600" dirty="0"/>
+              <a:t>A Globally Optimal k-Anonymity Method for the </a:t>
+            </a:r>
+            <a:r>
+              <a:rPr lang="de-DE" sz="1600" dirty="0"/>
+              <a:t>De-</a:t>
+            </a:r>
+            <a:r>
+              <a:rPr lang="de-DE" sz="1600" dirty="0" err="1"/>
+              <a:t>Identification</a:t>
+            </a:r>
+            <a:r>
+              <a:rPr lang="de-DE" sz="1600" dirty="0"/>
               <a:t> </a:t>
             </a:r>
             <a:r>
-              <a:rPr lang="de-DE" dirty="0" err="1"/>
-              <a:t>heuristics</a:t>
-            </a:r>
-            <a:r>
-              <a:rPr lang="de-DE" dirty="0"/>
-              <a:t> </a:t>
-            </a:r>
-            <a:r>
-              <a:rPr lang="de-DE" dirty="0" err="1"/>
-              <a:t>no</a:t>
-            </a:r>
-            <a:r>
-              <a:rPr lang="de-DE" dirty="0"/>
-              <a:t> </a:t>
-            </a:r>
-            <a:r>
-              <a:rPr lang="de-DE" dirty="0" err="1"/>
-              <a:t>rules</a:t>
-            </a:r>
-            <a:r>
-              <a:rPr lang="de-DE" dirty="0"/>
-              <a:t> like mutual Information </a:t>
-            </a:r>
-          </a:p>
-          <a:p>
-            <a:pPr marL="0" indent="0">
-              <a:buNone/>
-            </a:pPr>
-            <a:endParaRPr lang="de-DE" i="1" dirty="0"/>
+              <a:rPr lang="de-DE" sz="1600" dirty="0" err="1"/>
+              <a:t>of</a:t>
+            </a:r>
+            <a:r>
+              <a:rPr lang="de-DE" sz="1600" dirty="0"/>
+              <a:t> Health Data - EL EMAM</a:t>
+            </a:r>
+          </a:p>
+          <a:p>
+            <a:r>
+              <a:rPr lang="en-US" sz="1600" dirty="0"/>
+              <a:t>On the Complexity of Optimal </a:t>
+            </a:r>
+            <a:r>
+              <a:rPr lang="en-US" sz="1600" dirty="0" err="1"/>
+              <a:t>Kanonymity</a:t>
+            </a:r>
+            <a:r>
+              <a:rPr lang="en-US" sz="1600" dirty="0"/>
+              <a:t> - </a:t>
+            </a:r>
+            <a:r>
+              <a:rPr lang="de-DE" sz="1600" dirty="0"/>
+              <a:t>Adam </a:t>
+            </a:r>
+            <a:r>
+              <a:rPr lang="de-DE" sz="1600" dirty="0" err="1"/>
+              <a:t>Meyerson</a:t>
+            </a:r>
+            <a:r>
+              <a:rPr lang="de-DE" sz="1600" dirty="0"/>
+              <a:t>/ Ryan Williams</a:t>
+            </a:r>
+          </a:p>
+          <a:p>
+            <a:r>
+              <a:rPr lang="en-US" sz="1600" dirty="0"/>
+              <a:t>On k-Anonymity and the Curse of Dimensionality - </a:t>
+            </a:r>
+            <a:r>
+              <a:rPr lang="de-DE" sz="1600" dirty="0" err="1"/>
+              <a:t>Charu</a:t>
+            </a:r>
+            <a:r>
+              <a:rPr lang="de-DE" sz="1600" dirty="0"/>
+              <a:t> C. </a:t>
+            </a:r>
+            <a:r>
+              <a:rPr lang="de-DE" sz="1600" dirty="0" err="1"/>
+              <a:t>Aggarwal</a:t>
+            </a:r>
+            <a:endParaRPr lang="de-DE" sz="1600" dirty="0"/>
           </a:p>
           <a:p>
             <a:pPr marL="0" indent="0">
@@ -10761,20 +12009,71 @@
             </a:pPr>
             <a:endParaRPr lang="de-DE" dirty="0"/>
           </a:p>
-          <a:p>
-            <a:pPr marL="0" indent="0">
-              <a:buNone/>
-            </a:pPr>
+        </p:txBody>
+      </p:sp>
+      <p:sp>
+        <p:nvSpPr>
+          <p:cNvPr id="3" name="Datumsplatzhalter 2">
+            <a:extLst>
+              <a:ext uri="{FF2B5EF4-FFF2-40B4-BE49-F238E27FC236}">
+                <a16:creationId xmlns:a16="http://schemas.microsoft.com/office/drawing/2014/main" id="{F0DB5EA5-51C9-4549-9895-5448C09EA1B3}"/>
+              </a:ext>
+            </a:extLst>
+          </p:cNvPr>
+          <p:cNvSpPr>
+            <a:spLocks noGrp="1"/>
+          </p:cNvSpPr>
+          <p:nvPr>
+            <p:ph type="dt" sz="half" idx="14"/>
+          </p:nvPr>
+        </p:nvSpPr>
+        <p:spPr/>
+        <p:txBody>
+          <a:bodyPr/>
+          <a:lstStyle/>
+          <a:p>
+            <a:r>
+              <a:rPr lang="de-DE" dirty="0"/>
+              <a:t>30.01.2018</a:t>
+            </a:r>
+          </a:p>
+        </p:txBody>
+      </p:sp>
+      <p:sp>
+        <p:nvSpPr>
+          <p:cNvPr id="4" name="Fußzeilenplatzhalter 3">
+            <a:extLst>
+              <a:ext uri="{FF2B5EF4-FFF2-40B4-BE49-F238E27FC236}">
+                <a16:creationId xmlns:a16="http://schemas.microsoft.com/office/drawing/2014/main" id="{C0C37ED7-1187-42D7-86ED-39A26DA047F1}"/>
+              </a:ext>
+            </a:extLst>
+          </p:cNvPr>
+          <p:cNvSpPr>
+            <a:spLocks noGrp="1"/>
+          </p:cNvSpPr>
+          <p:nvPr>
+            <p:ph type="ftr" sz="quarter" idx="15"/>
+          </p:nvPr>
+        </p:nvSpPr>
+        <p:spPr/>
+        <p:txBody>
+          <a:bodyPr/>
+          <a:lstStyle/>
+          <a:p>
+            <a:r>
+              <a:rPr lang="de-DE"/>
+              <a:t>Schallner Ludwig, Wiegnand Andreas</a:t>
+            </a:r>
             <a:endParaRPr lang="de-DE" dirty="0"/>
           </a:p>
         </p:txBody>
       </p:sp>
       <p:sp>
         <p:nvSpPr>
-          <p:cNvPr id="6" name="Foliennummernplatzhalter 5">
+          <p:cNvPr id="5" name="Foliennummernplatzhalter 4">
             <a:extLst>
               <a:ext uri="{FF2B5EF4-FFF2-40B4-BE49-F238E27FC236}">
-                <a16:creationId xmlns:a16="http://schemas.microsoft.com/office/drawing/2014/main" id="{9B878E9B-BDE0-4DC9-9BC7-6B1CE8112B95}"/>
+                <a16:creationId xmlns:a16="http://schemas.microsoft.com/office/drawing/2014/main" id="{16D6F16B-2528-4FEE-88E6-5ED93A994027}"/>
               </a:ext>
             </a:extLst>
           </p:cNvPr>
@@ -10782,7 +12081,7 @@
             <a:spLocks noGrp="1"/>
           </p:cNvSpPr>
           <p:nvPr>
-            <p:ph type="sldNum" sz="quarter" idx="4294967295"/>
+            <p:ph type="sldNum" sz="quarter" idx="16"/>
           </p:nvPr>
         </p:nvSpPr>
         <p:spPr/>
@@ -10794,281 +12093,6 @@
               <a:rPr lang="de-DE" smtClean="0"/>
               <a:pPr/>
               <a:t>23</a:t>
-            </a:fld>
-            <a:endParaRPr lang="de-DE" dirty="0"/>
-          </a:p>
-        </p:txBody>
-      </p:sp>
-    </p:spTree>
-    <p:extLst>
-      <p:ext uri="{BB962C8B-B14F-4D97-AF65-F5344CB8AC3E}">
-        <p14:creationId xmlns:p14="http://schemas.microsoft.com/office/powerpoint/2010/main" val="3866177470"/>
-      </p:ext>
-    </p:extLst>
-  </p:cSld>
-  <p:clrMapOvr>
-    <a:masterClrMapping/>
-  </p:clrMapOvr>
-</p:sld>
-</file>
-
-<file path=ppt/slides/slide24.xml><?xml version="1.0" encoding="utf-8"?>
-<p:sld xmlns:a="http://schemas.openxmlformats.org/drawingml/2006/main" xmlns:r="http://schemas.openxmlformats.org/officeDocument/2006/relationships" xmlns:p="http://schemas.openxmlformats.org/presentationml/2006/main">
-  <p:cSld>
-    <p:spTree>
-      <p:nvGrpSpPr>
-        <p:cNvPr id="1" name=""/>
-        <p:cNvGrpSpPr/>
-        <p:nvPr/>
-      </p:nvGrpSpPr>
-      <p:grpSpPr>
-        <a:xfrm>
-          <a:off x="0" y="0"/>
-          <a:ext cx="0" cy="0"/>
-          <a:chOff x="0" y="0"/>
-          <a:chExt cx="0" cy="0"/>
-        </a:xfrm>
-      </p:grpSpPr>
-      <p:sp>
-        <p:nvSpPr>
-          <p:cNvPr id="2" name="Textplatzhalter 1">
-            <a:extLst>
-              <a:ext uri="{FF2B5EF4-FFF2-40B4-BE49-F238E27FC236}">
-                <a16:creationId xmlns:a16="http://schemas.microsoft.com/office/drawing/2014/main" id="{49BB8B8B-A570-48B5-98F3-A65233D7450A}"/>
-              </a:ext>
-            </a:extLst>
-          </p:cNvPr>
-          <p:cNvSpPr>
-            <a:spLocks noGrp="1"/>
-          </p:cNvSpPr>
-          <p:nvPr>
-            <p:ph type="body" sz="quarter" idx="13"/>
-          </p:nvPr>
-        </p:nvSpPr>
-        <p:spPr/>
-        <p:txBody>
-          <a:bodyPr/>
-          <a:lstStyle/>
-          <a:p>
-            <a:r>
-              <a:rPr lang="en-US" sz="1600" i="1" dirty="0"/>
-              <a:t>k</a:t>
-            </a:r>
-            <a:r>
-              <a:rPr lang="en-US" sz="1600" dirty="0"/>
-              <a:t>-ANONYMITY: A MODEL FOR PROTECTING PRIVACY - </a:t>
-            </a:r>
-            <a:r>
-              <a:rPr lang="de-DE" sz="1600" dirty="0"/>
-              <a:t>LATANYA SWEENEY</a:t>
-            </a:r>
-          </a:p>
-          <a:p>
-            <a:r>
-              <a:rPr lang="de-DE" sz="1600" dirty="0"/>
-              <a:t>ACHIEVING </a:t>
-            </a:r>
-            <a:r>
-              <a:rPr lang="de-DE" sz="1600" i="1" dirty="0"/>
-              <a:t>k</a:t>
-            </a:r>
-            <a:r>
-              <a:rPr lang="de-DE" sz="1600" dirty="0"/>
-              <a:t>-ANONYMITY PRIVACY PROTECTIONUSING GENERALIZATION AND SUPPRESSION- LATANYA SWEENEY</a:t>
-            </a:r>
-          </a:p>
-          <a:p>
-            <a:r>
-              <a:rPr lang="de-DE" sz="1600" dirty="0" err="1"/>
-              <a:t>Efficient</a:t>
-            </a:r>
-            <a:r>
-              <a:rPr lang="de-DE" sz="1600" dirty="0"/>
-              <a:t> Multidimensional Suppression </a:t>
-            </a:r>
-            <a:r>
-              <a:rPr lang="de-DE" sz="1600" dirty="0" err="1"/>
-              <a:t>for</a:t>
-            </a:r>
-            <a:r>
-              <a:rPr lang="de-DE" sz="1600" dirty="0"/>
-              <a:t> K-</a:t>
-            </a:r>
-            <a:r>
-              <a:rPr lang="de-DE" sz="1600" dirty="0" err="1"/>
-              <a:t>Anonymity</a:t>
-            </a:r>
-            <a:r>
-              <a:rPr lang="de-DE" sz="1600" dirty="0"/>
-              <a:t> – </a:t>
-            </a:r>
-            <a:r>
-              <a:rPr lang="de-DE" sz="1600" dirty="0" err="1"/>
-              <a:t>Kisilevich</a:t>
-            </a:r>
-            <a:endParaRPr lang="de-DE" sz="1600" dirty="0"/>
-          </a:p>
-          <a:p>
-            <a:r>
-              <a:rPr lang="en-US" sz="1600" dirty="0"/>
-              <a:t>A Globally Optimal k-Anonymity Method for the </a:t>
-            </a:r>
-            <a:r>
-              <a:rPr lang="de-DE" sz="1600" dirty="0"/>
-              <a:t>De-</a:t>
-            </a:r>
-            <a:r>
-              <a:rPr lang="de-DE" sz="1600" dirty="0" err="1"/>
-              <a:t>Identification</a:t>
-            </a:r>
-            <a:r>
-              <a:rPr lang="de-DE" sz="1600" dirty="0"/>
-              <a:t> </a:t>
-            </a:r>
-            <a:r>
-              <a:rPr lang="de-DE" sz="1600" dirty="0" err="1"/>
-              <a:t>of</a:t>
-            </a:r>
-            <a:r>
-              <a:rPr lang="de-DE" sz="1600" dirty="0"/>
-              <a:t> Health Data - EL EMAM</a:t>
-            </a:r>
-          </a:p>
-          <a:p>
-            <a:r>
-              <a:rPr lang="en-US" sz="1600" dirty="0"/>
-              <a:t>On the Complexity of Optimal </a:t>
-            </a:r>
-            <a:r>
-              <a:rPr lang="en-US" sz="1600" dirty="0" err="1"/>
-              <a:t>Kanonymity</a:t>
-            </a:r>
-            <a:r>
-              <a:rPr lang="en-US" sz="1600" dirty="0"/>
-              <a:t> - </a:t>
-            </a:r>
-            <a:r>
-              <a:rPr lang="de-DE" sz="1600" dirty="0"/>
-              <a:t>Adam </a:t>
-            </a:r>
-            <a:r>
-              <a:rPr lang="de-DE" sz="1600" dirty="0" err="1"/>
-              <a:t>Meyerson</a:t>
-            </a:r>
-            <a:r>
-              <a:rPr lang="de-DE" sz="1600" dirty="0"/>
-              <a:t>/ Ryan Williams</a:t>
-            </a:r>
-          </a:p>
-          <a:p>
-            <a:r>
-              <a:rPr lang="en-US" sz="1600" dirty="0"/>
-              <a:t>On k-Anonymity and the Curse of Dimensionality - </a:t>
-            </a:r>
-            <a:r>
-              <a:rPr lang="de-DE" sz="1600" dirty="0" err="1"/>
-              <a:t>Charu</a:t>
-            </a:r>
-            <a:r>
-              <a:rPr lang="de-DE" sz="1600" dirty="0"/>
-              <a:t> C. </a:t>
-            </a:r>
-            <a:r>
-              <a:rPr lang="de-DE" sz="1600" dirty="0" err="1"/>
-              <a:t>Aggarwal</a:t>
-            </a:r>
-            <a:endParaRPr lang="de-DE" sz="1600" dirty="0"/>
-          </a:p>
-          <a:p>
-            <a:pPr marL="0" indent="0">
-              <a:buNone/>
-            </a:pPr>
-            <a:endParaRPr lang="de-DE" dirty="0"/>
-          </a:p>
-        </p:txBody>
-      </p:sp>
-      <p:sp>
-        <p:nvSpPr>
-          <p:cNvPr id="3" name="Datumsplatzhalter 2">
-            <a:extLst>
-              <a:ext uri="{FF2B5EF4-FFF2-40B4-BE49-F238E27FC236}">
-                <a16:creationId xmlns:a16="http://schemas.microsoft.com/office/drawing/2014/main" id="{F0DB5EA5-51C9-4549-9895-5448C09EA1B3}"/>
-              </a:ext>
-            </a:extLst>
-          </p:cNvPr>
-          <p:cNvSpPr>
-            <a:spLocks noGrp="1"/>
-          </p:cNvSpPr>
-          <p:nvPr>
-            <p:ph type="dt" sz="half" idx="14"/>
-          </p:nvPr>
-        </p:nvSpPr>
-        <p:spPr/>
-        <p:txBody>
-          <a:bodyPr/>
-          <a:lstStyle/>
-          <a:p>
-            <a:r>
-              <a:rPr lang="de-DE" dirty="0"/>
-              <a:t>30.01.2018</a:t>
-            </a:r>
-          </a:p>
-        </p:txBody>
-      </p:sp>
-      <p:sp>
-        <p:nvSpPr>
-          <p:cNvPr id="4" name="Fußzeilenplatzhalter 3">
-            <a:extLst>
-              <a:ext uri="{FF2B5EF4-FFF2-40B4-BE49-F238E27FC236}">
-                <a16:creationId xmlns:a16="http://schemas.microsoft.com/office/drawing/2014/main" id="{C0C37ED7-1187-42D7-86ED-39A26DA047F1}"/>
-              </a:ext>
-            </a:extLst>
-          </p:cNvPr>
-          <p:cNvSpPr>
-            <a:spLocks noGrp="1"/>
-          </p:cNvSpPr>
-          <p:nvPr>
-            <p:ph type="ftr" sz="quarter" idx="15"/>
-          </p:nvPr>
-        </p:nvSpPr>
-        <p:spPr/>
-        <p:txBody>
-          <a:bodyPr/>
-          <a:lstStyle/>
-          <a:p>
-            <a:r>
-              <a:rPr lang="de-DE"/>
-              <a:t>Schallner Ludwig, Wiegnand Andreas</a:t>
-            </a:r>
-            <a:endParaRPr lang="de-DE" dirty="0"/>
-          </a:p>
-        </p:txBody>
-      </p:sp>
-      <p:sp>
-        <p:nvSpPr>
-          <p:cNvPr id="5" name="Foliennummernplatzhalter 4">
-            <a:extLst>
-              <a:ext uri="{FF2B5EF4-FFF2-40B4-BE49-F238E27FC236}">
-                <a16:creationId xmlns:a16="http://schemas.microsoft.com/office/drawing/2014/main" id="{16D6F16B-2528-4FEE-88E6-5ED93A994027}"/>
-              </a:ext>
-            </a:extLst>
-          </p:cNvPr>
-          <p:cNvSpPr>
-            <a:spLocks noGrp="1"/>
-          </p:cNvSpPr>
-          <p:nvPr>
-            <p:ph type="sldNum" sz="quarter" idx="16"/>
-          </p:nvPr>
-        </p:nvSpPr>
-        <p:spPr/>
-        <p:txBody>
-          <a:bodyPr/>
-          <a:lstStyle/>
-          <a:p>
-            <a:fld id="{50E76E58-F275-47A3-BB17-470016A267B6}" type="slidenum">
-              <a:rPr lang="de-DE" smtClean="0"/>
-              <a:pPr/>
-              <a:t>24</a:t>
             </a:fld>
             <a:endParaRPr lang="de-DE"/>
           </a:p>
@@ -13933,18 +14957,18 @@
 
 <file path=customXml/item1.xml><?xml version="1.0" encoding="utf-8"?>
 <Control xmlns="http://schemas.microsoft.com/VisualStudio/2011/storyboarding/control">
-  <Id Name="dec3670c-0d6f-4455-9c2f-971d108358d4" Revision="1" Stencil="System.MyShapes" StencilVersion="1.0"/>
+  <Id Name="System.Storyboarding.Common.Button" Revision="1" Stencil="System.Storyboarding.Common" StencilVersion="0.1"/>
 </Control>
 </file>
 
 <file path=customXml/item2.xml><?xml version="1.0" encoding="utf-8"?>
 <Control xmlns="http://schemas.microsoft.com/VisualStudio/2011/storyboarding/control">
-  <Id Name="System.Storyboarding.Common.Button" Revision="1" Stencil="System.Storyboarding.Common" StencilVersion="0.1"/>
+  <Id Name="dec3670c-0d6f-4455-9c2f-971d108358d4" Revision="1" Stencil="System.MyShapes" StencilVersion="1.0"/>
 </Control>
 </file>
 
 <file path=customXml/itemProps1.xml><?xml version="1.0" encoding="utf-8"?>
-<ds:datastoreItem xmlns:ds="http://schemas.openxmlformats.org/officeDocument/2006/customXml" ds:itemID="{566C5A5A-5A83-4A95-95C1-260C6D486DE6}">
+<ds:datastoreItem xmlns:ds="http://schemas.openxmlformats.org/officeDocument/2006/customXml" ds:itemID="{206AFEA3-501E-4E71-91B3-BDBE1D839E11}">
   <ds:schemaRefs>
     <ds:schemaRef ds:uri="http://schemas.microsoft.com/VisualStudio/2011/storyboarding/control"/>
   </ds:schemaRefs>
@@ -13952,7 +14976,7 @@
 </file>
 
 <file path=customXml/itemProps2.xml><?xml version="1.0" encoding="utf-8"?>
-<ds:datastoreItem xmlns:ds="http://schemas.openxmlformats.org/officeDocument/2006/customXml" ds:itemID="{206AFEA3-501E-4E71-91B3-BDBE1D839E11}">
+<ds:datastoreItem xmlns:ds="http://schemas.openxmlformats.org/officeDocument/2006/customXml" ds:itemID="{566C5A5A-5A83-4A95-95C1-260C6D486DE6}">
   <ds:schemaRefs>
     <ds:schemaRef ds:uri="http://schemas.microsoft.com/VisualStudio/2011/storyboarding/control"/>
   </ds:schemaRefs>

--- a/presentation/sicherheits_final_anV2.pptx
+++ b/presentation/sicherheits_final_anV2.pptx
@@ -5232,7 +5232,7 @@
               <a:t>information</a:t>
             </a:r>
             <a:r>
-              <a:rPr lang="de-DE" sz="1200" b="0" i="0" u="none" strike="noStrike" kern="1200" baseline="0">
+              <a:rPr lang="de-DE" sz="1200" b="0" i="0" u="none" strike="noStrike" kern="1200" baseline="0" dirty="0">
                 <a:solidFill>
                   <a:schemeClr val="tx1"/>
                 </a:solidFill>
@@ -14957,18 +14957,18 @@
 
 <file path=customXml/item1.xml><?xml version="1.0" encoding="utf-8"?>
 <Control xmlns="http://schemas.microsoft.com/VisualStudio/2011/storyboarding/control">
-  <Id Name="System.Storyboarding.Common.Button" Revision="1" Stencil="System.Storyboarding.Common" StencilVersion="0.1"/>
+  <Id Name="dec3670c-0d6f-4455-9c2f-971d108358d4" Revision="1" Stencil="System.MyShapes" StencilVersion="1.0"/>
 </Control>
 </file>
 
 <file path=customXml/item2.xml><?xml version="1.0" encoding="utf-8"?>
 <Control xmlns="http://schemas.microsoft.com/VisualStudio/2011/storyboarding/control">
-  <Id Name="dec3670c-0d6f-4455-9c2f-971d108358d4" Revision="1" Stencil="System.MyShapes" StencilVersion="1.0"/>
+  <Id Name="System.Storyboarding.Common.Button" Revision="1" Stencil="System.Storyboarding.Common" StencilVersion="0.1"/>
 </Control>
 </file>
 
 <file path=customXml/itemProps1.xml><?xml version="1.0" encoding="utf-8"?>
-<ds:datastoreItem xmlns:ds="http://schemas.openxmlformats.org/officeDocument/2006/customXml" ds:itemID="{206AFEA3-501E-4E71-91B3-BDBE1D839E11}">
+<ds:datastoreItem xmlns:ds="http://schemas.openxmlformats.org/officeDocument/2006/customXml" ds:itemID="{566C5A5A-5A83-4A95-95C1-260C6D486DE6}">
   <ds:schemaRefs>
     <ds:schemaRef ds:uri="http://schemas.microsoft.com/VisualStudio/2011/storyboarding/control"/>
   </ds:schemaRefs>
@@ -14976,7 +14976,7 @@
 </file>
 
 <file path=customXml/itemProps2.xml><?xml version="1.0" encoding="utf-8"?>
-<ds:datastoreItem xmlns:ds="http://schemas.openxmlformats.org/officeDocument/2006/customXml" ds:itemID="{566C5A5A-5A83-4A95-95C1-260C6D486DE6}">
+<ds:datastoreItem xmlns:ds="http://schemas.openxmlformats.org/officeDocument/2006/customXml" ds:itemID="{206AFEA3-501E-4E71-91B3-BDBE1D839E11}">
   <ds:schemaRefs>
     <ds:schemaRef ds:uri="http://schemas.microsoft.com/VisualStudio/2011/storyboarding/control"/>
   </ds:schemaRefs>
